--- a/docs/Vorstellung_NutriFit.pptx
+++ b/docs/Vorstellung_NutriFit.pptx
@@ -5,18 +5,17 @@
     <p:sldMasterId id="2147483648" r:id="rId1"/>
   </p:sldMasterIdLst>
   <p:notesMasterIdLst>
-    <p:notesMasterId r:id="rId11"/>
+    <p:notesMasterId r:id="rId10"/>
   </p:notesMasterIdLst>
   <p:sldIdLst>
     <p:sldId id="256" r:id="rId2"/>
     <p:sldId id="257" r:id="rId3"/>
     <p:sldId id="258" r:id="rId4"/>
-    <p:sldId id="259" r:id="rId5"/>
+    <p:sldId id="265" r:id="rId5"/>
     <p:sldId id="261" r:id="rId6"/>
-    <p:sldId id="260" r:id="rId7"/>
-    <p:sldId id="262" r:id="rId8"/>
-    <p:sldId id="263" r:id="rId9"/>
-    <p:sldId id="264" r:id="rId10"/>
+    <p:sldId id="262" r:id="rId7"/>
+    <p:sldId id="263" r:id="rId8"/>
+    <p:sldId id="264" r:id="rId9"/>
   </p:sldIdLst>
   <p:sldSz cx="12192000" cy="6858000"/>
   <p:notesSz cx="6858000" cy="9144000"/>
@@ -3579,7 +3578,7 @@
           <a:p>
             <a:fld id="{3B8B07F5-7625-4597-A675-89D856447939}" type="datetimeFigureOut">
               <a:rPr lang="de-CH" smtClean="0"/>
-              <a:t>15.02.2025</a:t>
+              <a:t>24.02.2025</a:t>
             </a:fld>
             <a:endParaRPr lang="de-CH"/>
           </a:p>
@@ -4104,7 +4103,13 @@
   <p:cSld>
     <p:spTree>
       <p:nvGrpSpPr>
-        <p:cNvPr id="1" name=""/>
+        <p:cNvPr id="1" name="">
+          <a:extLst>
+            <a:ext uri="{FF2B5EF4-FFF2-40B4-BE49-F238E27FC236}">
+              <a16:creationId xmlns:a16="http://schemas.microsoft.com/office/drawing/2014/main" id="{D297867B-30CD-BF4D-56FC-7C6EEEC65ECE}"/>
+            </a:ext>
+          </a:extLst>
+        </p:cNvPr>
         <p:cNvGrpSpPr/>
         <p:nvPr/>
       </p:nvGrpSpPr>
@@ -4118,7 +4123,13 @@
       </p:grpSpPr>
       <p:sp>
         <p:nvSpPr>
-          <p:cNvPr id="2" name="Folienbildplatzhalter 1"/>
+          <p:cNvPr id="2" name="Folienbildplatzhalter 1">
+            <a:extLst>
+              <a:ext uri="{FF2B5EF4-FFF2-40B4-BE49-F238E27FC236}">
+                <a16:creationId xmlns:a16="http://schemas.microsoft.com/office/drawing/2014/main" id="{324B01E4-D577-556C-EC4C-A84B51EE177E}"/>
+              </a:ext>
+            </a:extLst>
+          </p:cNvPr>
           <p:cNvSpPr>
             <a:spLocks noGrp="1" noRot="1" noChangeAspect="1"/>
           </p:cNvSpPr>
@@ -4130,7 +4141,13 @@
       </p:sp>
       <p:sp>
         <p:nvSpPr>
-          <p:cNvPr id="3" name="Notizenplatzhalter 2"/>
+          <p:cNvPr id="3" name="Notizenplatzhalter 2">
+            <a:extLst>
+              <a:ext uri="{FF2B5EF4-FFF2-40B4-BE49-F238E27FC236}">
+                <a16:creationId xmlns:a16="http://schemas.microsoft.com/office/drawing/2014/main" id="{2578B2A6-24F5-2864-E26B-AB0D2C949249}"/>
+              </a:ext>
+            </a:extLst>
+          </p:cNvPr>
           <p:cNvSpPr>
             <a:spLocks noGrp="1"/>
           </p:cNvSpPr>
@@ -4149,7 +4166,13 @@
       </p:sp>
       <p:sp>
         <p:nvSpPr>
-          <p:cNvPr id="4" name="Foliennummernplatzhalter 3"/>
+          <p:cNvPr id="4" name="Foliennummernplatzhalter 3">
+            <a:extLst>
+              <a:ext uri="{FF2B5EF4-FFF2-40B4-BE49-F238E27FC236}">
+                <a16:creationId xmlns:a16="http://schemas.microsoft.com/office/drawing/2014/main" id="{0E0D4B2C-06CC-89D3-70FD-3EA04D789A1F}"/>
+              </a:ext>
+            </a:extLst>
+          </p:cNvPr>
           <p:cNvSpPr>
             <a:spLocks noGrp="1"/>
           </p:cNvSpPr>
@@ -4173,7 +4196,7 @@
     </p:spTree>
     <p:extLst>
       <p:ext uri="{BB962C8B-B14F-4D97-AF65-F5344CB8AC3E}">
-        <p14:creationId xmlns:p14="http://schemas.microsoft.com/office/powerpoint/2010/main" val="2319893145"/>
+        <p14:creationId xmlns:p14="http://schemas.microsoft.com/office/powerpoint/2010/main" val="3958435916"/>
       </p:ext>
     </p:extLst>
   </p:cSld>
@@ -4341,7 +4364,7 @@
     </p:spTree>
     <p:extLst>
       <p:ext uri="{BB962C8B-B14F-4D97-AF65-F5344CB8AC3E}">
-        <p14:creationId xmlns:p14="http://schemas.microsoft.com/office/powerpoint/2010/main" val="3075320953"/>
+        <p14:creationId xmlns:p14="http://schemas.microsoft.com/office/powerpoint/2010/main" val="2153653328"/>
       </p:ext>
     </p:extLst>
   </p:cSld>
@@ -4425,7 +4448,7 @@
     </p:spTree>
     <p:extLst>
       <p:ext uri="{BB962C8B-B14F-4D97-AF65-F5344CB8AC3E}">
-        <p14:creationId xmlns:p14="http://schemas.microsoft.com/office/powerpoint/2010/main" val="2153653328"/>
+        <p14:creationId xmlns:p14="http://schemas.microsoft.com/office/powerpoint/2010/main" val="3627347726"/>
       </p:ext>
     </p:extLst>
   </p:cSld>
@@ -4501,90 +4524,6 @@
             <a:fld id="{E3307A11-8D11-437D-A009-A95E64C90554}" type="slidenum">
               <a:rPr lang="de-CH" smtClean="0"/>
               <a:t>8</a:t>
-            </a:fld>
-            <a:endParaRPr lang="de-CH"/>
-          </a:p>
-        </p:txBody>
-      </p:sp>
-    </p:spTree>
-    <p:extLst>
-      <p:ext uri="{BB962C8B-B14F-4D97-AF65-F5344CB8AC3E}">
-        <p14:creationId xmlns:p14="http://schemas.microsoft.com/office/powerpoint/2010/main" val="3627347726"/>
-      </p:ext>
-    </p:extLst>
-  </p:cSld>
-  <p:clrMapOvr>
-    <a:masterClrMapping/>
-  </p:clrMapOvr>
-</p:notes>
-</file>
-
-<file path=ppt/notesSlides/notesSlide9.xml><?xml version="1.0" encoding="utf-8"?>
-<p:notes xmlns:a="http://schemas.openxmlformats.org/drawingml/2006/main" xmlns:r="http://schemas.openxmlformats.org/officeDocument/2006/relationships" xmlns:p="http://schemas.openxmlformats.org/presentationml/2006/main">
-  <p:cSld>
-    <p:spTree>
-      <p:nvGrpSpPr>
-        <p:cNvPr id="1" name=""/>
-        <p:cNvGrpSpPr/>
-        <p:nvPr/>
-      </p:nvGrpSpPr>
-      <p:grpSpPr>
-        <a:xfrm>
-          <a:off x="0" y="0"/>
-          <a:ext cx="0" cy="0"/>
-          <a:chOff x="0" y="0"/>
-          <a:chExt cx="0" cy="0"/>
-        </a:xfrm>
-      </p:grpSpPr>
-      <p:sp>
-        <p:nvSpPr>
-          <p:cNvPr id="2" name="Folienbildplatzhalter 1"/>
-          <p:cNvSpPr>
-            <a:spLocks noGrp="1" noRot="1" noChangeAspect="1"/>
-          </p:cNvSpPr>
-          <p:nvPr>
-            <p:ph type="sldImg"/>
-          </p:nvPr>
-        </p:nvSpPr>
-        <p:spPr/>
-      </p:sp>
-      <p:sp>
-        <p:nvSpPr>
-          <p:cNvPr id="3" name="Notizenplatzhalter 2"/>
-          <p:cNvSpPr>
-            <a:spLocks noGrp="1"/>
-          </p:cNvSpPr>
-          <p:nvPr>
-            <p:ph type="body" idx="1"/>
-          </p:nvPr>
-        </p:nvSpPr>
-        <p:spPr/>
-        <p:txBody>
-          <a:bodyPr/>
-          <a:lstStyle/>
-          <a:p>
-            <a:endParaRPr lang="de-CH"/>
-          </a:p>
-        </p:txBody>
-      </p:sp>
-      <p:sp>
-        <p:nvSpPr>
-          <p:cNvPr id="4" name="Foliennummernplatzhalter 3"/>
-          <p:cNvSpPr>
-            <a:spLocks noGrp="1"/>
-          </p:cNvSpPr>
-          <p:nvPr>
-            <p:ph type="sldNum" sz="quarter" idx="5"/>
-          </p:nvPr>
-        </p:nvSpPr>
-        <p:spPr/>
-        <p:txBody>
-          <a:bodyPr/>
-          <a:lstStyle/>
-          <a:p>
-            <a:fld id="{E3307A11-8D11-437D-A009-A95E64C90554}" type="slidenum">
-              <a:rPr lang="de-CH" smtClean="0"/>
-              <a:t>9</a:t>
             </a:fld>
             <a:endParaRPr lang="de-CH"/>
           </a:p>
@@ -4752,7 +4691,7 @@
           <a:p>
             <a:fld id="{010B59C5-34D9-439A-ABB6-CC257A6901CF}" type="datetime1">
               <a:rPr lang="de-DE" smtClean="0"/>
-              <a:t>15.02.2025</a:t>
+              <a:t>24.02.2025</a:t>
             </a:fld>
             <a:endParaRPr lang="de-CH"/>
           </a:p>
@@ -4955,7 +4894,7 @@
           <a:p>
             <a:fld id="{12FE796C-F285-4749-8E6F-4874106941CD}" type="datetime1">
               <a:rPr lang="de-DE" smtClean="0"/>
-              <a:t>15.02.2025</a:t>
+              <a:t>24.02.2025</a:t>
             </a:fld>
             <a:endParaRPr lang="de-CH"/>
           </a:p>
@@ -5168,7 +5107,7 @@
           <a:p>
             <a:fld id="{5ADEB425-42B9-488E-BE03-3733648F22D8}" type="datetime1">
               <a:rPr lang="de-DE" smtClean="0"/>
-              <a:t>15.02.2025</a:t>
+              <a:t>24.02.2025</a:t>
             </a:fld>
             <a:endParaRPr lang="de-CH"/>
           </a:p>
@@ -5371,7 +5310,7 @@
           <a:p>
             <a:fld id="{7A87F40E-7802-411D-BF9E-0DD44BF55845}" type="datetime1">
               <a:rPr lang="de-DE" smtClean="0"/>
-              <a:t>15.02.2025</a:t>
+              <a:t>24.02.2025</a:t>
             </a:fld>
             <a:endParaRPr lang="de-CH"/>
           </a:p>
@@ -5650,7 +5589,7 @@
           <a:p>
             <a:fld id="{4D0DBD8B-1AB7-42D3-98EC-69A3838CA8FA}" type="datetime1">
               <a:rPr lang="de-DE" smtClean="0"/>
-              <a:t>15.02.2025</a:t>
+              <a:t>24.02.2025</a:t>
             </a:fld>
             <a:endParaRPr lang="de-CH"/>
           </a:p>
@@ -5921,7 +5860,7 @@
           <a:p>
             <a:fld id="{EF79D32F-F06E-4CF8-A3C3-6B95F542B250}" type="datetime1">
               <a:rPr lang="de-DE" smtClean="0"/>
-              <a:t>15.02.2025</a:t>
+              <a:t>24.02.2025</a:t>
             </a:fld>
             <a:endParaRPr lang="de-CH"/>
           </a:p>
@@ -6339,7 +6278,7 @@
           <a:p>
             <a:fld id="{9BEB42A9-02EE-4FB7-A091-BF7712092824}" type="datetime1">
               <a:rPr lang="de-DE" smtClean="0"/>
-              <a:t>15.02.2025</a:t>
+              <a:t>24.02.2025</a:t>
             </a:fld>
             <a:endParaRPr lang="de-CH"/>
           </a:p>
@@ -6484,7 +6423,7 @@
           <a:p>
             <a:fld id="{635A0FA6-5FB0-4D60-B59F-0FD321124CB9}" type="datetime1">
               <a:rPr lang="de-DE" smtClean="0"/>
-              <a:t>15.02.2025</a:t>
+              <a:t>24.02.2025</a:t>
             </a:fld>
             <a:endParaRPr lang="de-CH"/>
           </a:p>
@@ -6600,7 +6539,7 @@
           <a:p>
             <a:fld id="{4C73E3D4-7655-4424-BA2B-4F6ACF58F7FE}" type="datetime1">
               <a:rPr lang="de-DE" smtClean="0"/>
-              <a:t>15.02.2025</a:t>
+              <a:t>24.02.2025</a:t>
             </a:fld>
             <a:endParaRPr lang="de-CH"/>
           </a:p>
@@ -6916,7 +6855,7 @@
           <a:p>
             <a:fld id="{C4A1FC95-0860-4C30-8A11-E1DADCEC9628}" type="datetime1">
               <a:rPr lang="de-DE" smtClean="0"/>
-              <a:t>15.02.2025</a:t>
+              <a:t>24.02.2025</a:t>
             </a:fld>
             <a:endParaRPr lang="de-CH"/>
           </a:p>
@@ -7208,7 +7147,7 @@
           <a:p>
             <a:fld id="{53C0A549-44A0-4736-8ACC-3F76CAEEAFAA}" type="datetime1">
               <a:rPr lang="de-DE" smtClean="0"/>
-              <a:t>15.02.2025</a:t>
+              <a:t>24.02.2025</a:t>
             </a:fld>
             <a:endParaRPr lang="de-CH"/>
           </a:p>
@@ -7454,7 +7393,7 @@
           <a:p>
             <a:fld id="{6C1A5D21-838F-445C-8E6A-AA82544FAF0A}" type="datetime1">
               <a:rPr lang="de-DE" smtClean="0"/>
-              <a:t>15.02.2025</a:t>
+              <a:t>24.02.2025</a:t>
             </a:fld>
             <a:endParaRPr lang="de-CH"/>
           </a:p>
@@ -16258,7 +16197,7 @@
                   <a:spcPts val="600"/>
                 </a:spcAft>
               </a:pPr>
-              <a:t>15.02.2025</a:t>
+              <a:t>24.02.2025</a:t>
             </a:fld>
             <a:endParaRPr lang="de-CH"/>
           </a:p>
@@ -17647,7 +17586,7 @@
           <a:lstStyle/>
           <a:p>
             <a:r>
-              <a:rPr lang="de-CH" sz="1800">
+              <a:rPr lang="de-CH" sz="1800" dirty="0">
                 <a:solidFill>
                   <a:schemeClr val="tx2"/>
                 </a:solidFill>
@@ -17657,7 +17596,7 @@
           </a:p>
           <a:p>
             <a:r>
-              <a:rPr lang="de-CH" sz="1800">
+              <a:rPr lang="de-CH" sz="1800" dirty="0">
                 <a:solidFill>
                   <a:schemeClr val="tx2"/>
                 </a:solidFill>
@@ -17667,7 +17606,7 @@
           </a:p>
           <a:p>
             <a:r>
-              <a:rPr lang="de-CH" sz="1800">
+              <a:rPr lang="de-CH" sz="1800" dirty="0">
                 <a:solidFill>
                   <a:schemeClr val="tx2"/>
                 </a:solidFill>
@@ -17677,17 +17616,7 @@
           </a:p>
           <a:p>
             <a:r>
-              <a:rPr lang="de-CH" sz="1800">
-                <a:solidFill>
-                  <a:schemeClr val="tx2"/>
-                </a:solidFill>
-              </a:rPr>
-              <a:t>Modellübersicht</a:t>
-            </a:r>
-          </a:p>
-          <a:p>
-            <a:r>
-              <a:rPr lang="de-CH" sz="1800">
+              <a:rPr lang="de-CH" sz="1800" dirty="0">
                 <a:solidFill>
                   <a:schemeClr val="tx2"/>
                 </a:solidFill>
@@ -17697,7 +17626,7 @@
           </a:p>
           <a:p>
             <a:r>
-              <a:rPr lang="de-CH" sz="1800">
+              <a:rPr lang="de-CH" sz="1800" dirty="0">
                 <a:solidFill>
                   <a:schemeClr val="tx2"/>
                 </a:solidFill>
@@ -17707,7 +17636,7 @@
           </a:p>
           <a:p>
             <a:r>
-              <a:rPr lang="de-CH" sz="1800">
+              <a:rPr lang="de-CH" sz="1800" dirty="0">
                 <a:solidFill>
                   <a:schemeClr val="tx2"/>
                 </a:solidFill>
@@ -20320,7 +20249,7 @@
                   <a:spcPts val="600"/>
                 </a:spcAft>
               </a:pPr>
-              <a:t>15.02.2025</a:t>
+              <a:t>24.02.2025</a:t>
             </a:fld>
             <a:endParaRPr lang="de-CH"/>
           </a:p>
@@ -23294,7 +23223,7 @@
                   <a:spcPts val="600"/>
                 </a:spcAft>
               </a:pPr>
-              <a:t>15.02.2025</a:t>
+              <a:t>24.02.2025</a:t>
             </a:fld>
             <a:endParaRPr lang="de-CH"/>
           </a:p>
@@ -23412,7 +23341,13 @@
     </p:bg>
     <p:spTree>
       <p:nvGrpSpPr>
-        <p:cNvPr id="1" name=""/>
+        <p:cNvPr id="1" name="">
+          <a:extLst>
+            <a:ext uri="{FF2B5EF4-FFF2-40B4-BE49-F238E27FC236}">
+              <a16:creationId xmlns:a16="http://schemas.microsoft.com/office/drawing/2014/main" id="{B39E1509-F3A0-CFA9-40B5-29F4D3F97B3C}"/>
+            </a:ext>
+          </a:extLst>
+        </p:cNvPr>
         <p:cNvGrpSpPr/>
         <p:nvPr/>
       </p:nvGrpSpPr>
@@ -23426,10 +23361,10 @@
       </p:grpSpPr>
       <p:sp useBgFill="1">
         <p:nvSpPr>
-          <p:cNvPr id="86" name="Rectangle 85">
+          <p:cNvPr id="15" name="Rectangle 14">
             <a:extLst>
               <a:ext uri="{FF2B5EF4-FFF2-40B4-BE49-F238E27FC236}">
-                <a16:creationId xmlns:a16="http://schemas.microsoft.com/office/drawing/2014/main" id="{65219498-D544-41AC-98FE-8F956EF66A62}"/>
+                <a16:creationId xmlns:a16="http://schemas.microsoft.com/office/drawing/2014/main" id="{88BAFB46-2F41-DDD7-A538-C8C79B4623D3}"/>
               </a:ext>
               <a:ext uri="{C183D7F6-B498-43B3-948B-1728B52AA6E4}">
                 <adec:decorative xmlns:adec="http://schemas.microsoft.com/office/drawing/2017/decorative" val="1"/>
@@ -23450,7 +23385,7 @@
         <p:spPr>
           <a:xfrm>
             <a:off x="0" y="0"/>
-            <a:ext cx="12191695" cy="6858000"/>
+            <a:ext cx="12192000" cy="6858000"/>
           </a:xfrm>
           <a:prstGeom prst="rect">
             <a:avLst/>
@@ -23486,10 +23421,10 @@
       </p:sp>
       <p:sp>
         <p:nvSpPr>
-          <p:cNvPr id="88" name="Rectangle 87">
+          <p:cNvPr id="17" name="Rectangle 16">
             <a:extLst>
               <a:ext uri="{FF2B5EF4-FFF2-40B4-BE49-F238E27FC236}">
-                <a16:creationId xmlns:a16="http://schemas.microsoft.com/office/drawing/2014/main" id="{F500DBFC-17A9-4E0A-AEE2-A49F9AEEF0FD}"/>
+                <a16:creationId xmlns:a16="http://schemas.microsoft.com/office/drawing/2014/main" id="{78048619-15D7-8A90-F6D7-615F555E68D2}"/>
               </a:ext>
               <a:ext uri="{C183D7F6-B498-43B3-948B-1728B52AA6E4}">
                 <adec:decorative xmlns:adec="http://schemas.microsoft.com/office/drawing/2017/decorative" val="1"/>
@@ -23552,7 +23487,7 @@
           <p:cNvPr id="2" name="Titel 1">
             <a:extLst>
               <a:ext uri="{FF2B5EF4-FFF2-40B4-BE49-F238E27FC236}">
-                <a16:creationId xmlns:a16="http://schemas.microsoft.com/office/drawing/2014/main" id="{9182F854-29E6-A5C1-4418-62F35CD89F31}"/>
+                <a16:creationId xmlns:a16="http://schemas.microsoft.com/office/drawing/2014/main" id="{921234D2-8030-9E3D-24B4-E81A57B248B5}"/>
               </a:ext>
             </a:extLst>
           </p:cNvPr>
@@ -23565,24 +23500,21 @@
         </p:nvSpPr>
         <p:spPr>
           <a:xfrm>
-            <a:off x="804672" y="4267832"/>
-            <a:ext cx="4805996" cy="1297115"/>
+            <a:off x="804672" y="802955"/>
+            <a:ext cx="4766330" cy="1454051"/>
           </a:xfrm>
         </p:spPr>
         <p:txBody>
-          <a:bodyPr vert="horz" lIns="91440" tIns="45720" rIns="91440" bIns="45720" rtlCol="0" anchor="t">
+          <a:bodyPr>
             <a:normAutofit/>
           </a:bodyPr>
           <a:lstStyle/>
           <a:p>
             <a:r>
-              <a:rPr lang="en-US" sz="4000" kern="1200">
+              <a:rPr lang="de-CH" sz="3600" dirty="0">
                 <a:solidFill>
                   <a:schemeClr val="tx2"/>
                 </a:solidFill>
-                <a:latin typeface="+mj-lt"/>
-                <a:ea typeface="+mj-ea"/>
-                <a:cs typeface="+mj-cs"/>
               </a:rPr>
               <a:t>Containerübersicht</a:t>
             </a:r>
@@ -23591,10 +23523,10 @@
       </p:sp>
       <p:grpSp>
         <p:nvGrpSpPr>
-          <p:cNvPr id="90" name="Group 89">
+          <p:cNvPr id="19" name="Group 18">
             <a:extLst>
               <a:ext uri="{FF2B5EF4-FFF2-40B4-BE49-F238E27FC236}">
-                <a16:creationId xmlns:a16="http://schemas.microsoft.com/office/drawing/2014/main" id="{D74613BB-817C-4C4F-8A24-4936F2F064C0}"/>
+                <a16:creationId xmlns:a16="http://schemas.microsoft.com/office/drawing/2014/main" id="{F1026337-AD88-7064-8868-946A355E23E9}"/>
               </a:ext>
               <a:ext uri="{C183D7F6-B498-43B3-948B-1728B52AA6E4}">
                 <adec:decorative xmlns:adec="http://schemas.microsoft.com/office/drawing/2017/decorative" val="1"/>
@@ -23614,18 +23546,18 @@
         </p:nvGrpSpPr>
         <p:grpSpPr>
           <a:xfrm>
-            <a:off x="6101023" y="52996"/>
-            <a:ext cx="6093363" cy="6805005"/>
-            <a:chOff x="6101023" y="52996"/>
-            <a:chExt cx="6093363" cy="6805005"/>
+            <a:off x="5818240" y="-16714"/>
+            <a:ext cx="6373761" cy="6874714"/>
+            <a:chOff x="5818240" y="-1"/>
+            <a:chExt cx="6373761" cy="6874714"/>
           </a:xfrm>
         </p:grpSpPr>
         <p:sp>
           <p:nvSpPr>
-            <p:cNvPr id="91" name="Freeform: Shape 90">
+            <p:cNvPr id="20" name="Freeform: Shape 19">
               <a:extLst>
                 <a:ext uri="{FF2B5EF4-FFF2-40B4-BE49-F238E27FC236}">
-                  <a16:creationId xmlns:a16="http://schemas.microsoft.com/office/drawing/2014/main" id="{926C820D-9A01-44F0-AE18-C2DAB089B8C3}"/>
+                  <a16:creationId xmlns:a16="http://schemas.microsoft.com/office/drawing/2014/main" id="{0960204F-131A-5CBA-269A-F9380450A0ED}"/>
                 </a:ext>
                 <a:ext uri="{C183D7F6-B498-43B3-948B-1728B52AA6E4}">
                   <adec:decorative xmlns:adec="http://schemas.microsoft.com/office/drawing/2017/decorative" val="1"/>
@@ -23643,72 +23575,184 @@
           </p:nvSpPr>
           <p:spPr>
             <a:xfrm>
-              <a:off x="6101024" y="52997"/>
-              <a:ext cx="6093362" cy="6805004"/>
+              <a:off x="5818240" y="-1"/>
+              <a:ext cx="6373761" cy="6874714"/>
             </a:xfrm>
             <a:custGeom>
               <a:avLst/>
               <a:gdLst>
-                <a:gd name="connsiteX0" fmla="*/ 3517682 w 5890490"/>
-                <a:gd name="connsiteY0" fmla="*/ 0 h 6578439"/>
-                <a:gd name="connsiteX1" fmla="*/ 5849513 w 5890490"/>
-                <a:gd name="connsiteY1" fmla="*/ 841730 h 6578439"/>
-                <a:gd name="connsiteX2" fmla="*/ 5890490 w 5890490"/>
-                <a:gd name="connsiteY2" fmla="*/ 879060 h 6578439"/>
-                <a:gd name="connsiteX3" fmla="*/ 5890490 w 5890490"/>
-                <a:gd name="connsiteY3" fmla="*/ 1816052 h 6578439"/>
-                <a:gd name="connsiteX4" fmla="*/ 5856961 w 5890490"/>
-                <a:gd name="connsiteY4" fmla="*/ 1771023 h 6578439"/>
-                <a:gd name="connsiteX5" fmla="*/ 5655397 w 5890490"/>
-                <a:gd name="connsiteY5" fmla="*/ 1548813 h 6578439"/>
-                <a:gd name="connsiteX6" fmla="*/ 3517682 w 5890490"/>
-                <a:gd name="connsiteY6" fmla="*/ 658717 h 6578439"/>
-                <a:gd name="connsiteX7" fmla="*/ 2395696 w 5890490"/>
-                <a:gd name="connsiteY7" fmla="*/ 850721 h 6578439"/>
-                <a:gd name="connsiteX8" fmla="*/ 1519955 w 5890490"/>
-                <a:gd name="connsiteY8" fmla="*/ 1450441 h 6578439"/>
-                <a:gd name="connsiteX9" fmla="*/ 1223630 w 5890490"/>
-                <a:gd name="connsiteY9" fmla="*/ 1841430 h 6578439"/>
-                <a:gd name="connsiteX10" fmla="*/ 1075857 w 5890490"/>
-                <a:gd name="connsiteY10" fmla="*/ 2329343 h 6578439"/>
-                <a:gd name="connsiteX11" fmla="*/ 731010 w 5890490"/>
-                <a:gd name="connsiteY11" fmla="*/ 3483744 h 6578439"/>
-                <a:gd name="connsiteX12" fmla="*/ 741000 w 5890490"/>
-                <a:gd name="connsiteY12" fmla="*/ 4479719 h 6578439"/>
-                <a:gd name="connsiteX13" fmla="*/ 1315615 w 5890490"/>
-                <a:gd name="connsiteY13" fmla="*/ 5443827 h 6578439"/>
-                <a:gd name="connsiteX14" fmla="*/ 2277503 w 5890490"/>
-                <a:gd name="connsiteY14" fmla="*/ 6259386 h 6578439"/>
-                <a:gd name="connsiteX15" fmla="*/ 3439448 w 5890490"/>
-                <a:gd name="connsiteY15" fmla="*/ 6551739 h 6578439"/>
-                <a:gd name="connsiteX16" fmla="*/ 4408732 w 5890490"/>
-                <a:gd name="connsiteY16" fmla="*/ 6255172 h 6578439"/>
-                <a:gd name="connsiteX17" fmla="*/ 5343243 w 5890490"/>
-                <a:gd name="connsiteY17" fmla="*/ 5442509 h 6578439"/>
-                <a:gd name="connsiteX18" fmla="*/ 5745566 w 5890490"/>
-                <a:gd name="connsiteY18" fmla="*/ 5056656 h 6578439"/>
-                <a:gd name="connsiteX19" fmla="*/ 5890490 w 5890490"/>
-                <a:gd name="connsiteY19" fmla="*/ 4920880 h 6578439"/>
-                <a:gd name="connsiteX20" fmla="*/ 5890490 w 5890490"/>
-                <a:gd name="connsiteY20" fmla="*/ 5821966 h 6578439"/>
-                <a:gd name="connsiteX21" fmla="*/ 5802002 w 5890490"/>
-                <a:gd name="connsiteY21" fmla="*/ 5907904 h 6578439"/>
-                <a:gd name="connsiteX22" fmla="*/ 5294358 w 5890490"/>
-                <a:gd name="connsiteY22" fmla="*/ 6397505 h 6578439"/>
-                <a:gd name="connsiteX23" fmla="*/ 5077178 w 5890490"/>
-                <a:gd name="connsiteY23" fmla="*/ 6578439 h 6578439"/>
-                <a:gd name="connsiteX24" fmla="*/ 1567290 w 5890490"/>
-                <a:gd name="connsiteY24" fmla="*/ 6578439 h 6578439"/>
-                <a:gd name="connsiteX25" fmla="*/ 1508588 w 5890490"/>
-                <a:gd name="connsiteY25" fmla="*/ 6535186 h 6578439"/>
-                <a:gd name="connsiteX26" fmla="*/ 826498 w 5890490"/>
-                <a:gd name="connsiteY26" fmla="*/ 5876034 h 6578439"/>
-                <a:gd name="connsiteX27" fmla="*/ 122403 w 5890490"/>
-                <a:gd name="connsiteY27" fmla="*/ 3255655 h 6578439"/>
-                <a:gd name="connsiteX28" fmla="*/ 1061197 w 5890490"/>
-                <a:gd name="connsiteY28" fmla="*/ 984650 h 6578439"/>
-                <a:gd name="connsiteX29" fmla="*/ 3517682 w 5890490"/>
-                <a:gd name="connsiteY29" fmla="*/ 0 h 6578439"/>
+                <a:gd name="connsiteX0" fmla="*/ 6373761 w 6373761"/>
+                <a:gd name="connsiteY0" fmla="*/ 5771297 h 6874714"/>
+                <a:gd name="connsiteX1" fmla="*/ 6373761 w 6373761"/>
+                <a:gd name="connsiteY1" fmla="*/ 6247960 h 6874714"/>
+                <a:gd name="connsiteX2" fmla="*/ 6235932 w 6373761"/>
+                <a:gd name="connsiteY2" fmla="*/ 6361930 h 6874714"/>
+                <a:gd name="connsiteX3" fmla="*/ 5960375 w 6373761"/>
+                <a:gd name="connsiteY3" fmla="*/ 6587489 h 6874714"/>
+                <a:gd name="connsiteX4" fmla="*/ 5822907 w 6373761"/>
+                <a:gd name="connsiteY4" fmla="*/ 6701871 h 6874714"/>
+                <a:gd name="connsiteX5" fmla="*/ 5681115 w 6373761"/>
+                <a:gd name="connsiteY5" fmla="*/ 6816896 h 6874714"/>
+                <a:gd name="connsiteX6" fmla="*/ 5604096 w 6373761"/>
+                <a:gd name="connsiteY6" fmla="*/ 6874714 h 6874714"/>
+                <a:gd name="connsiteX7" fmla="*/ 4878485 w 6373761"/>
+                <a:gd name="connsiteY7" fmla="*/ 6874714 h 6874714"/>
+                <a:gd name="connsiteX8" fmla="*/ 5006014 w 6373761"/>
+                <a:gd name="connsiteY8" fmla="*/ 6800200 h 6874714"/>
+                <a:gd name="connsiteX9" fmla="*/ 5149855 w 6373761"/>
+                <a:gd name="connsiteY9" fmla="*/ 6707667 h 6874714"/>
+                <a:gd name="connsiteX10" fmla="*/ 5431866 w 6373761"/>
+                <a:gd name="connsiteY10" fmla="*/ 6506210 h 6874714"/>
+                <a:gd name="connsiteX11" fmla="*/ 5571036 w 6373761"/>
+                <a:gd name="connsiteY11" fmla="*/ 6399557 h 6874714"/>
+                <a:gd name="connsiteX12" fmla="*/ 5711649 w 6373761"/>
+                <a:gd name="connsiteY12" fmla="*/ 6288912 h 6874714"/>
+                <a:gd name="connsiteX13" fmla="*/ 6276589 w 6373761"/>
+                <a:gd name="connsiteY13" fmla="*/ 5852379 h 6874714"/>
+                <a:gd name="connsiteX14" fmla="*/ 3975975 w 6373761"/>
+                <a:gd name="connsiteY14" fmla="*/ 263 h 6874714"/>
+                <a:gd name="connsiteX15" fmla="*/ 4350473 w 6373761"/>
+                <a:gd name="connsiteY15" fmla="*/ 24963 h 6874714"/>
+                <a:gd name="connsiteX16" fmla="*/ 5077909 w 6373761"/>
+                <a:gd name="connsiteY16" fmla="*/ 189450 h 6874714"/>
+                <a:gd name="connsiteX17" fmla="*/ 5746507 w 6373761"/>
+                <a:gd name="connsiteY17" fmla="*/ 505804 h 6874714"/>
+                <a:gd name="connsiteX18" fmla="*/ 6322456 w 6373761"/>
+                <a:gd name="connsiteY18" fmla="*/ 956633 h 6874714"/>
+                <a:gd name="connsiteX19" fmla="*/ 6373761 w 6373761"/>
+                <a:gd name="connsiteY19" fmla="*/ 1011863 h 6874714"/>
+                <a:gd name="connsiteX20" fmla="*/ 6373761 w 6373761"/>
+                <a:gd name="connsiteY20" fmla="*/ 1185075 h 6874714"/>
+                <a:gd name="connsiteX21" fmla="*/ 6359489 w 6373761"/>
+                <a:gd name="connsiteY21" fmla="*/ 1169497 h 6874714"/>
+                <a:gd name="connsiteX22" fmla="*/ 6233869 w 6373761"/>
+                <a:gd name="connsiteY22" fmla="*/ 1047442 h 6874714"/>
+                <a:gd name="connsiteX23" fmla="*/ 5961423 w 6373761"/>
+                <a:gd name="connsiteY23" fmla="*/ 827953 h 6874714"/>
+                <a:gd name="connsiteX24" fmla="*/ 5663555 w 6373761"/>
+                <a:gd name="connsiteY24" fmla="*/ 645304 h 6874714"/>
+                <a:gd name="connsiteX25" fmla="*/ 5013827 w 6373761"/>
+                <a:gd name="connsiteY25" fmla="*/ 397863 h 6874714"/>
+                <a:gd name="connsiteX26" fmla="*/ 4327409 w 6373761"/>
+                <a:gd name="connsiteY26" fmla="*/ 302545 h 6874714"/>
+                <a:gd name="connsiteX27" fmla="*/ 3639939 w 6373761"/>
+                <a:gd name="connsiteY27" fmla="*/ 338868 h 6874714"/>
+                <a:gd name="connsiteX28" fmla="*/ 3302495 w 6373761"/>
+                <a:gd name="connsiteY28" fmla="*/ 403659 h 6874714"/>
+                <a:gd name="connsiteX29" fmla="*/ 2971604 w 6373761"/>
+                <a:gd name="connsiteY29" fmla="*/ 496273 h 6874714"/>
+                <a:gd name="connsiteX30" fmla="*/ 2648706 w 6373761"/>
+                <a:gd name="connsiteY30" fmla="*/ 614389 h 6874714"/>
+                <a:gd name="connsiteX31" fmla="*/ 2335374 w 6373761"/>
+                <a:gd name="connsiteY31" fmla="*/ 757109 h 6874714"/>
+                <a:gd name="connsiteX32" fmla="*/ 1741342 w 6373761"/>
+                <a:gd name="connsiteY32" fmla="*/ 1107725 h 6874714"/>
+                <a:gd name="connsiteX33" fmla="*/ 1600861 w 6373761"/>
+                <a:gd name="connsiteY33" fmla="*/ 1208710 h 6874714"/>
+                <a:gd name="connsiteX34" fmla="*/ 1531799 w 6373761"/>
+                <a:gd name="connsiteY34" fmla="*/ 1260879 h 6874714"/>
+                <a:gd name="connsiteX35" fmla="*/ 1463655 w 6373761"/>
+                <a:gd name="connsiteY35" fmla="*/ 1314333 h 6874714"/>
+                <a:gd name="connsiteX36" fmla="*/ 1200777 w 6373761"/>
+                <a:gd name="connsiteY36" fmla="*/ 1541166 h 6874714"/>
+                <a:gd name="connsiteX37" fmla="*/ 731501 w 6373761"/>
+                <a:gd name="connsiteY37" fmla="*/ 2055754 h 6874714"/>
+                <a:gd name="connsiteX38" fmla="*/ 531393 w 6373761"/>
+                <a:gd name="connsiteY38" fmla="*/ 2342739 h 6874714"/>
+                <a:gd name="connsiteX39" fmla="*/ 361033 w 6373761"/>
+                <a:gd name="connsiteY39" fmla="*/ 2649046 h 6874714"/>
+                <a:gd name="connsiteX40" fmla="*/ 323292 w 6373761"/>
+                <a:gd name="connsiteY40" fmla="*/ 2728263 h 6874714"/>
+                <a:gd name="connsiteX41" fmla="*/ 304945 w 6373761"/>
+                <a:gd name="connsiteY41" fmla="*/ 2768193 h 6874714"/>
+                <a:gd name="connsiteX42" fmla="*/ 287516 w 6373761"/>
+                <a:gd name="connsiteY42" fmla="*/ 2808510 h 6874714"/>
+                <a:gd name="connsiteX43" fmla="*/ 254230 w 6373761"/>
+                <a:gd name="connsiteY43" fmla="*/ 2889788 h 6874714"/>
+                <a:gd name="connsiteX44" fmla="*/ 223042 w 6373761"/>
+                <a:gd name="connsiteY44" fmla="*/ 2971968 h 6874714"/>
+                <a:gd name="connsiteX45" fmla="*/ 121611 w 6373761"/>
+                <a:gd name="connsiteY45" fmla="*/ 3308544 h 6874714"/>
+                <a:gd name="connsiteX46" fmla="*/ 39314 w 6373761"/>
+                <a:gd name="connsiteY46" fmla="*/ 4005912 h 6874714"/>
+                <a:gd name="connsiteX47" fmla="*/ 73910 w 6373761"/>
+                <a:gd name="connsiteY47" fmla="*/ 4354081 h 6874714"/>
+                <a:gd name="connsiteX48" fmla="*/ 179534 w 6373761"/>
+                <a:gd name="connsiteY48" fmla="*/ 4687050 h 6874714"/>
+                <a:gd name="connsiteX49" fmla="*/ 215964 w 6373761"/>
+                <a:gd name="connsiteY49" fmla="*/ 4766654 h 6874714"/>
+                <a:gd name="connsiteX50" fmla="*/ 256457 w 6373761"/>
+                <a:gd name="connsiteY50" fmla="*/ 4844455 h 6874714"/>
+                <a:gd name="connsiteX51" fmla="*/ 346225 w 6373761"/>
+                <a:gd name="connsiteY51" fmla="*/ 4995290 h 6874714"/>
+                <a:gd name="connsiteX52" fmla="*/ 445296 w 6373761"/>
+                <a:gd name="connsiteY52" fmla="*/ 5140971 h 6874714"/>
+                <a:gd name="connsiteX53" fmla="*/ 551443 w 6373761"/>
+                <a:gd name="connsiteY53" fmla="*/ 5282531 h 6874714"/>
+                <a:gd name="connsiteX54" fmla="*/ 772387 w 6373761"/>
+                <a:gd name="connsiteY54" fmla="*/ 5562561 h 6874714"/>
+                <a:gd name="connsiteX55" fmla="*/ 882858 w 6373761"/>
+                <a:gd name="connsiteY55" fmla="*/ 5704507 h 6874714"/>
+                <a:gd name="connsiteX56" fmla="*/ 990316 w 6373761"/>
+                <a:gd name="connsiteY56" fmla="*/ 5848258 h 6874714"/>
+                <a:gd name="connsiteX57" fmla="*/ 1097774 w 6373761"/>
+                <a:gd name="connsiteY57" fmla="*/ 5987114 h 6874714"/>
+                <a:gd name="connsiteX58" fmla="*/ 1210080 w 6373761"/>
+                <a:gd name="connsiteY58" fmla="*/ 6121203 h 6874714"/>
+                <a:gd name="connsiteX59" fmla="*/ 1448192 w 6373761"/>
+                <a:gd name="connsiteY59" fmla="*/ 6374054 h 6874714"/>
+                <a:gd name="connsiteX60" fmla="*/ 1982991 w 6373761"/>
+                <a:gd name="connsiteY60" fmla="*/ 6796158 h 6874714"/>
+                <a:gd name="connsiteX61" fmla="*/ 2118475 w 6373761"/>
+                <a:gd name="connsiteY61" fmla="*/ 6874714 h 6874714"/>
+                <a:gd name="connsiteX62" fmla="*/ 1569874 w 6373761"/>
+                <a:gd name="connsiteY62" fmla="*/ 6874714 h 6874714"/>
+                <a:gd name="connsiteX63" fmla="*/ 1507802 w 6373761"/>
+                <a:gd name="connsiteY63" fmla="*/ 6817815 h 6874714"/>
+                <a:gd name="connsiteX64" fmla="*/ 1256865 w 6373761"/>
+                <a:gd name="connsiteY64" fmla="*/ 6543437 h 6874714"/>
+                <a:gd name="connsiteX65" fmla="*/ 1038410 w 6373761"/>
+                <a:gd name="connsiteY65" fmla="*/ 6248722 h 6874714"/>
+                <a:gd name="connsiteX66" fmla="*/ 845380 w 6373761"/>
+                <a:gd name="connsiteY66" fmla="*/ 5941386 h 6874714"/>
+                <a:gd name="connsiteX67" fmla="*/ 755351 w 6373761"/>
+                <a:gd name="connsiteY67" fmla="*/ 5788877 h 6874714"/>
+                <a:gd name="connsiteX68" fmla="*/ 661784 w 6373761"/>
+                <a:gd name="connsiteY68" fmla="*/ 5638944 h 6874714"/>
+                <a:gd name="connsiteX69" fmla="*/ 466525 w 6373761"/>
+                <a:gd name="connsiteY69" fmla="*/ 5340366 h 6874714"/>
+                <a:gd name="connsiteX70" fmla="*/ 370992 w 6373761"/>
+                <a:gd name="connsiteY70" fmla="*/ 5188502 h 6874714"/>
+                <a:gd name="connsiteX71" fmla="*/ 280046 w 6373761"/>
+                <a:gd name="connsiteY71" fmla="*/ 5033287 h 6874714"/>
+                <a:gd name="connsiteX72" fmla="*/ 126853 w 6373761"/>
+                <a:gd name="connsiteY72" fmla="*/ 4707660 h 6874714"/>
+                <a:gd name="connsiteX73" fmla="*/ 30272 w 6373761"/>
+                <a:gd name="connsiteY73" fmla="*/ 4362068 h 6874714"/>
+                <a:gd name="connsiteX74" fmla="*/ 0 w 6373761"/>
+                <a:gd name="connsiteY74" fmla="*/ 4005912 h 6874714"/>
+                <a:gd name="connsiteX75" fmla="*/ 270480 w 6373761"/>
+                <a:gd name="connsiteY75" fmla="*/ 2610532 h 6874714"/>
+                <a:gd name="connsiteX76" fmla="*/ 415942 w 6373761"/>
+                <a:gd name="connsiteY76" fmla="*/ 2280526 h 6874714"/>
+                <a:gd name="connsiteX77" fmla="*/ 590102 w 6373761"/>
+                <a:gd name="connsiteY77" fmla="*/ 1962626 h 6874714"/>
+                <a:gd name="connsiteX78" fmla="*/ 1020719 w 6373761"/>
+                <a:gd name="connsiteY78" fmla="*/ 1373070 h 6874714"/>
+                <a:gd name="connsiteX79" fmla="*/ 1275080 w 6373761"/>
+                <a:gd name="connsiteY79" fmla="*/ 1107081 h 6874714"/>
+                <a:gd name="connsiteX80" fmla="*/ 1342437 w 6373761"/>
+                <a:gd name="connsiteY80" fmla="*/ 1043965 h 6874714"/>
+                <a:gd name="connsiteX81" fmla="*/ 1411106 w 6373761"/>
+                <a:gd name="connsiteY81" fmla="*/ 982138 h 6874714"/>
+                <a:gd name="connsiteX82" fmla="*/ 1553029 w 6373761"/>
+                <a:gd name="connsiteY82" fmla="*/ 863376 h 6874714"/>
+                <a:gd name="connsiteX83" fmla="*/ 2173401 w 6373761"/>
+                <a:gd name="connsiteY83" fmla="*/ 454409 h 6874714"/>
+                <a:gd name="connsiteX84" fmla="*/ 3599708 w 6373761"/>
+                <a:gd name="connsiteY84" fmla="*/ 16332 h 6874714"/>
+                <a:gd name="connsiteX85" fmla="*/ 3975975 w 6373761"/>
+                <a:gd name="connsiteY85" fmla="*/ 263 h 6874714"/>
               </a:gdLst>
               <a:ahLst/>
               <a:cxnLst>
@@ -23802,145 +23846,578 @@
                 <a:cxn ang="0">
                   <a:pos x="connsiteX29" y="connsiteY29"/>
                 </a:cxn>
+                <a:cxn ang="0">
+                  <a:pos x="connsiteX30" y="connsiteY30"/>
+                </a:cxn>
+                <a:cxn ang="0">
+                  <a:pos x="connsiteX31" y="connsiteY31"/>
+                </a:cxn>
+                <a:cxn ang="0">
+                  <a:pos x="connsiteX32" y="connsiteY32"/>
+                </a:cxn>
+                <a:cxn ang="0">
+                  <a:pos x="connsiteX33" y="connsiteY33"/>
+                </a:cxn>
+                <a:cxn ang="0">
+                  <a:pos x="connsiteX34" y="connsiteY34"/>
+                </a:cxn>
+                <a:cxn ang="0">
+                  <a:pos x="connsiteX35" y="connsiteY35"/>
+                </a:cxn>
+                <a:cxn ang="0">
+                  <a:pos x="connsiteX36" y="connsiteY36"/>
+                </a:cxn>
+                <a:cxn ang="0">
+                  <a:pos x="connsiteX37" y="connsiteY37"/>
+                </a:cxn>
+                <a:cxn ang="0">
+                  <a:pos x="connsiteX38" y="connsiteY38"/>
+                </a:cxn>
+                <a:cxn ang="0">
+                  <a:pos x="connsiteX39" y="connsiteY39"/>
+                </a:cxn>
+                <a:cxn ang="0">
+                  <a:pos x="connsiteX40" y="connsiteY40"/>
+                </a:cxn>
+                <a:cxn ang="0">
+                  <a:pos x="connsiteX41" y="connsiteY41"/>
+                </a:cxn>
+                <a:cxn ang="0">
+                  <a:pos x="connsiteX42" y="connsiteY42"/>
+                </a:cxn>
+                <a:cxn ang="0">
+                  <a:pos x="connsiteX43" y="connsiteY43"/>
+                </a:cxn>
+                <a:cxn ang="0">
+                  <a:pos x="connsiteX44" y="connsiteY44"/>
+                </a:cxn>
+                <a:cxn ang="0">
+                  <a:pos x="connsiteX45" y="connsiteY45"/>
+                </a:cxn>
+                <a:cxn ang="0">
+                  <a:pos x="connsiteX46" y="connsiteY46"/>
+                </a:cxn>
+                <a:cxn ang="0">
+                  <a:pos x="connsiteX47" y="connsiteY47"/>
+                </a:cxn>
+                <a:cxn ang="0">
+                  <a:pos x="connsiteX48" y="connsiteY48"/>
+                </a:cxn>
+                <a:cxn ang="0">
+                  <a:pos x="connsiteX49" y="connsiteY49"/>
+                </a:cxn>
+                <a:cxn ang="0">
+                  <a:pos x="connsiteX50" y="connsiteY50"/>
+                </a:cxn>
+                <a:cxn ang="0">
+                  <a:pos x="connsiteX51" y="connsiteY51"/>
+                </a:cxn>
+                <a:cxn ang="0">
+                  <a:pos x="connsiteX52" y="connsiteY52"/>
+                </a:cxn>
+                <a:cxn ang="0">
+                  <a:pos x="connsiteX53" y="connsiteY53"/>
+                </a:cxn>
+                <a:cxn ang="0">
+                  <a:pos x="connsiteX54" y="connsiteY54"/>
+                </a:cxn>
+                <a:cxn ang="0">
+                  <a:pos x="connsiteX55" y="connsiteY55"/>
+                </a:cxn>
+                <a:cxn ang="0">
+                  <a:pos x="connsiteX56" y="connsiteY56"/>
+                </a:cxn>
+                <a:cxn ang="0">
+                  <a:pos x="connsiteX57" y="connsiteY57"/>
+                </a:cxn>
+                <a:cxn ang="0">
+                  <a:pos x="connsiteX58" y="connsiteY58"/>
+                </a:cxn>
+                <a:cxn ang="0">
+                  <a:pos x="connsiteX59" y="connsiteY59"/>
+                </a:cxn>
+                <a:cxn ang="0">
+                  <a:pos x="connsiteX60" y="connsiteY60"/>
+                </a:cxn>
+                <a:cxn ang="0">
+                  <a:pos x="connsiteX61" y="connsiteY61"/>
+                </a:cxn>
+                <a:cxn ang="0">
+                  <a:pos x="connsiteX62" y="connsiteY62"/>
+                </a:cxn>
+                <a:cxn ang="0">
+                  <a:pos x="connsiteX63" y="connsiteY63"/>
+                </a:cxn>
+                <a:cxn ang="0">
+                  <a:pos x="connsiteX64" y="connsiteY64"/>
+                </a:cxn>
+                <a:cxn ang="0">
+                  <a:pos x="connsiteX65" y="connsiteY65"/>
+                </a:cxn>
+                <a:cxn ang="0">
+                  <a:pos x="connsiteX66" y="connsiteY66"/>
+                </a:cxn>
+                <a:cxn ang="0">
+                  <a:pos x="connsiteX67" y="connsiteY67"/>
+                </a:cxn>
+                <a:cxn ang="0">
+                  <a:pos x="connsiteX68" y="connsiteY68"/>
+                </a:cxn>
+                <a:cxn ang="0">
+                  <a:pos x="connsiteX69" y="connsiteY69"/>
+                </a:cxn>
+                <a:cxn ang="0">
+                  <a:pos x="connsiteX70" y="connsiteY70"/>
+                </a:cxn>
+                <a:cxn ang="0">
+                  <a:pos x="connsiteX71" y="connsiteY71"/>
+                </a:cxn>
+                <a:cxn ang="0">
+                  <a:pos x="connsiteX72" y="connsiteY72"/>
+                </a:cxn>
+                <a:cxn ang="0">
+                  <a:pos x="connsiteX73" y="connsiteY73"/>
+                </a:cxn>
+                <a:cxn ang="0">
+                  <a:pos x="connsiteX74" y="connsiteY74"/>
+                </a:cxn>
+                <a:cxn ang="0">
+                  <a:pos x="connsiteX75" y="connsiteY75"/>
+                </a:cxn>
+                <a:cxn ang="0">
+                  <a:pos x="connsiteX76" y="connsiteY76"/>
+                </a:cxn>
+                <a:cxn ang="0">
+                  <a:pos x="connsiteX77" y="connsiteY77"/>
+                </a:cxn>
+                <a:cxn ang="0">
+                  <a:pos x="connsiteX78" y="connsiteY78"/>
+                </a:cxn>
+                <a:cxn ang="0">
+                  <a:pos x="connsiteX79" y="connsiteY79"/>
+                </a:cxn>
+                <a:cxn ang="0">
+                  <a:pos x="connsiteX80" y="connsiteY80"/>
+                </a:cxn>
+                <a:cxn ang="0">
+                  <a:pos x="connsiteX81" y="connsiteY81"/>
+                </a:cxn>
+                <a:cxn ang="0">
+                  <a:pos x="connsiteX82" y="connsiteY82"/>
+                </a:cxn>
+                <a:cxn ang="0">
+                  <a:pos x="connsiteX83" y="connsiteY83"/>
+                </a:cxn>
+                <a:cxn ang="0">
+                  <a:pos x="connsiteX84" y="connsiteY84"/>
+                </a:cxn>
+                <a:cxn ang="0">
+                  <a:pos x="connsiteX85" y="connsiteY85"/>
+                </a:cxn>
               </a:cxnLst>
               <a:rect l="l" t="t" r="r" b="b"/>
               <a:pathLst>
-                <a:path w="5890490" h="6578439">
+                <a:path w="6373761" h="6874714">
                   <a:moveTo>
-                    <a:pt x="3517682" y="0"/>
+                    <a:pt x="6373761" y="5771297"/>
                   </a:moveTo>
-                  <a:cubicBezTo>
-                    <a:pt x="4402016" y="0"/>
-                    <a:pt x="5213741" y="315483"/>
-                    <a:pt x="5849513" y="841730"/>
-                  </a:cubicBezTo>
-                  <a:lnTo>
-                    <a:pt x="5890490" y="879060"/>
-                  </a:lnTo>
-                  <a:lnTo>
-                    <a:pt x="5890490" y="1816052"/>
-                  </a:lnTo>
-                  <a:lnTo>
-                    <a:pt x="5856961" y="1771023"/>
-                  </a:lnTo>
-                  <a:cubicBezTo>
-                    <a:pt x="5793650" y="1694076"/>
-                    <a:pt x="5726429" y="1619959"/>
-                    <a:pt x="5655397" y="1548813"/>
-                  </a:cubicBezTo>
-                  <a:cubicBezTo>
-                    <a:pt x="5082208" y="974906"/>
-                    <a:pt x="4322973" y="658717"/>
-                    <a:pt x="3517682" y="658717"/>
-                  </a:cubicBezTo>
-                  <a:cubicBezTo>
-                    <a:pt x="3085520" y="658717"/>
-                    <a:pt x="2718488" y="721533"/>
-                    <a:pt x="2395696" y="850721"/>
-                  </a:cubicBezTo>
-                  <a:cubicBezTo>
-                    <a:pt x="2079132" y="977407"/>
-                    <a:pt x="1792668" y="1173626"/>
-                    <a:pt x="1519955" y="1450441"/>
-                  </a:cubicBezTo>
-                  <a:cubicBezTo>
-                    <a:pt x="1330275" y="1642840"/>
-                    <a:pt x="1263719" y="1756094"/>
-                    <a:pt x="1223630" y="1841430"/>
-                  </a:cubicBezTo>
-                  <a:cubicBezTo>
-                    <a:pt x="1166545" y="1962981"/>
-                    <a:pt x="1128532" y="2116663"/>
-                    <a:pt x="1075857" y="2329343"/>
-                  </a:cubicBezTo>
-                  <a:cubicBezTo>
-                    <a:pt x="1008652" y="2601153"/>
-                    <a:pt x="916537" y="2973574"/>
-                    <a:pt x="731010" y="3483744"/>
-                  </a:cubicBezTo>
-                  <a:cubicBezTo>
-                    <a:pt x="617488" y="3795981"/>
-                    <a:pt x="620731" y="4121653"/>
-                    <a:pt x="741000" y="4479719"/>
-                  </a:cubicBezTo>
-                  <a:cubicBezTo>
-                    <a:pt x="847257" y="4796172"/>
-                    <a:pt x="1045888" y="5129481"/>
-                    <a:pt x="1315615" y="5443827"/>
-                  </a:cubicBezTo>
-                  <a:cubicBezTo>
-                    <a:pt x="1630753" y="5810980"/>
-                    <a:pt x="1945371" y="6077784"/>
-                    <a:pt x="2277503" y="6259386"/>
-                  </a:cubicBezTo>
-                  <a:cubicBezTo>
-                    <a:pt x="2637530" y="6456133"/>
-                    <a:pt x="3017536" y="6551739"/>
-                    <a:pt x="3439448" y="6551739"/>
-                  </a:cubicBezTo>
-                  <a:cubicBezTo>
-                    <a:pt x="3781571" y="6551739"/>
-                    <a:pt x="4089573" y="6457449"/>
-                    <a:pt x="4408732" y="6255172"/>
-                  </a:cubicBezTo>
-                  <a:cubicBezTo>
-                    <a:pt x="4738010" y="6046310"/>
-                    <a:pt x="5050941" y="5739207"/>
-                    <a:pt x="5343243" y="5442509"/>
-                  </a:cubicBezTo>
-                  <a:cubicBezTo>
-                    <a:pt x="5479860" y="5303970"/>
-                    <a:pt x="5614918" y="5178206"/>
-                    <a:pt x="5745566" y="5056656"/>
-                  </a:cubicBezTo>
-                  <a:lnTo>
-                    <a:pt x="5890490" y="4920880"/>
-                  </a:lnTo>
-                  <a:lnTo>
-                    <a:pt x="5890490" y="5821966"/>
-                  </a:lnTo>
-                  <a:lnTo>
-                    <a:pt x="5802002" y="5907904"/>
-                  </a:lnTo>
-                  <a:cubicBezTo>
-                    <a:pt x="5634962" y="6077456"/>
-                    <a:pt x="5467509" y="6243625"/>
-                    <a:pt x="5294358" y="6397505"/>
-                  </a:cubicBezTo>
-                  <a:lnTo>
-                    <a:pt x="5077178" y="6578439"/>
-                  </a:lnTo>
-                  <a:lnTo>
-                    <a:pt x="1567290" y="6578439"/>
-                  </a:lnTo>
-                  <a:lnTo>
-                    <a:pt x="1508588" y="6535186"/>
-                  </a:lnTo>
-                  <a:cubicBezTo>
-                    <a:pt x="1263991" y="6345442"/>
-                    <a:pt x="1038054" y="6122666"/>
-                    <a:pt x="826498" y="5876034"/>
-                  </a:cubicBezTo>
-                  <a:cubicBezTo>
-                    <a:pt x="261613" y="5217713"/>
-                    <a:pt x="-239182" y="4250314"/>
-                    <a:pt x="122403" y="3255655"/>
-                  </a:cubicBezTo>
-                  <a:cubicBezTo>
-                    <a:pt x="607497" y="1921629"/>
-                    <a:pt x="393040" y="1662857"/>
-                    <a:pt x="1061197" y="984650"/>
-                  </a:cubicBezTo>
-                  <a:cubicBezTo>
-                    <a:pt x="1729484" y="306444"/>
-                    <a:pt x="2498060" y="0"/>
-                    <a:pt x="3517682" y="0"/>
+                  <a:lnTo>
+                    <a:pt x="6373761" y="6247960"/>
+                  </a:lnTo>
+                  <a:lnTo>
+                    <a:pt x="6235932" y="6361930"/>
+                  </a:lnTo>
+                  <a:cubicBezTo>
+                    <a:pt x="6143250" y="6437460"/>
+                    <a:pt x="6051059" y="6512200"/>
+                    <a:pt x="5960375" y="6587489"/>
+                  </a:cubicBezTo>
+                  <a:lnTo>
+                    <a:pt x="5822907" y="6701871"/>
+                  </a:lnTo>
+                  <a:cubicBezTo>
+                    <a:pt x="5776123" y="6740385"/>
+                    <a:pt x="5729079" y="6778899"/>
+                    <a:pt x="5681115" y="6816896"/>
+                  </a:cubicBezTo>
+                  <a:lnTo>
+                    <a:pt x="5604096" y="6874714"/>
+                  </a:lnTo>
+                  <a:lnTo>
+                    <a:pt x="4878485" y="6874714"/>
+                  </a:lnTo>
+                  <a:lnTo>
+                    <a:pt x="5006014" y="6800200"/>
+                  </a:lnTo>
+                  <a:cubicBezTo>
+                    <a:pt x="5054354" y="6770429"/>
+                    <a:pt x="5102285" y="6739483"/>
+                    <a:pt x="5149855" y="6707667"/>
+                  </a:cubicBezTo>
+                  <a:cubicBezTo>
+                    <a:pt x="5244993" y="6643906"/>
+                    <a:pt x="5338561" y="6576025"/>
+                    <a:pt x="5431866" y="6506210"/>
+                  </a:cubicBezTo>
+                  <a:cubicBezTo>
+                    <a:pt x="5478386" y="6471304"/>
+                    <a:pt x="5524777" y="6435495"/>
+                    <a:pt x="5571036" y="6399557"/>
+                  </a:cubicBezTo>
+                  <a:lnTo>
+                    <a:pt x="5711649" y="6288912"/>
+                  </a:lnTo>
+                  <a:cubicBezTo>
+                    <a:pt x="5902059" y="6140395"/>
+                    <a:pt x="6093257" y="5998320"/>
+                    <a:pt x="6276589" y="5852379"/>
+                  </a:cubicBezTo>
+                  <a:close/>
+                  <a:moveTo>
+                    <a:pt x="3975975" y="263"/>
+                  </a:moveTo>
+                  <a:cubicBezTo>
+                    <a:pt x="4101550" y="1809"/>
+                    <a:pt x="4226830" y="10149"/>
+                    <a:pt x="4350473" y="24963"/>
+                  </a:cubicBezTo>
+                  <a:cubicBezTo>
+                    <a:pt x="4598149" y="54846"/>
+                    <a:pt x="4842943" y="108687"/>
+                    <a:pt x="5077909" y="189450"/>
+                  </a:cubicBezTo>
+                  <a:cubicBezTo>
+                    <a:pt x="5312876" y="269955"/>
+                    <a:pt x="5537357" y="376867"/>
+                    <a:pt x="5746507" y="505804"/>
+                  </a:cubicBezTo>
+                  <a:cubicBezTo>
+                    <a:pt x="5955527" y="634999"/>
+                    <a:pt x="6148688" y="786864"/>
+                    <a:pt x="6322456" y="956633"/>
+                  </a:cubicBezTo>
+                  <a:lnTo>
+                    <a:pt x="6373761" y="1011863"/>
+                  </a:lnTo>
+                  <a:lnTo>
+                    <a:pt x="6373761" y="1185075"/>
+                  </a:lnTo>
+                  <a:lnTo>
+                    <a:pt x="6359489" y="1169497"/>
+                  </a:lnTo>
+                  <a:cubicBezTo>
+                    <a:pt x="6318811" y="1127602"/>
+                    <a:pt x="6276917" y="1086890"/>
+                    <a:pt x="6233869" y="1047442"/>
+                  </a:cubicBezTo>
+                  <a:cubicBezTo>
+                    <a:pt x="6147509" y="968870"/>
+                    <a:pt x="6056431" y="895448"/>
+                    <a:pt x="5961423" y="827953"/>
+                  </a:cubicBezTo>
+                  <a:cubicBezTo>
+                    <a:pt x="5865891" y="761102"/>
+                    <a:pt x="5766688" y="699403"/>
+                    <a:pt x="5663555" y="645304"/>
+                  </a:cubicBezTo>
+                  <a:cubicBezTo>
+                    <a:pt x="5457943" y="535816"/>
+                    <a:pt x="5238703" y="453894"/>
+                    <a:pt x="5013827" y="397863"/>
+                  </a:cubicBezTo>
+                  <a:cubicBezTo>
+                    <a:pt x="4788953" y="341703"/>
+                    <a:pt x="4558442" y="310917"/>
+                    <a:pt x="4327409" y="302545"/>
+                  </a:cubicBezTo>
+                  <a:cubicBezTo>
+                    <a:pt x="4096111" y="293012"/>
+                    <a:pt x="3867174" y="305893"/>
+                    <a:pt x="3639939" y="338868"/>
+                  </a:cubicBezTo>
+                  <a:cubicBezTo>
+                    <a:pt x="3526585" y="355999"/>
+                    <a:pt x="3413885" y="377254"/>
+                    <a:pt x="3302495" y="403659"/>
+                  </a:cubicBezTo>
+                  <a:cubicBezTo>
+                    <a:pt x="3191107" y="430451"/>
+                    <a:pt x="3080634" y="460978"/>
+                    <a:pt x="2971604" y="496273"/>
+                  </a:cubicBezTo>
+                  <a:cubicBezTo>
+                    <a:pt x="2862573" y="531437"/>
+                    <a:pt x="2754854" y="570852"/>
+                    <a:pt x="2648706" y="614389"/>
+                  </a:cubicBezTo>
+                  <a:cubicBezTo>
+                    <a:pt x="2542690" y="658056"/>
+                    <a:pt x="2438114" y="705714"/>
+                    <a:pt x="2335374" y="757109"/>
+                  </a:cubicBezTo>
+                  <a:cubicBezTo>
+                    <a:pt x="2129894" y="859769"/>
+                    <a:pt x="1931228" y="976855"/>
+                    <a:pt x="1741342" y="1107725"/>
+                  </a:cubicBezTo>
+                  <a:cubicBezTo>
+                    <a:pt x="1694035" y="1140571"/>
+                    <a:pt x="1646858" y="1173933"/>
+                    <a:pt x="1600861" y="1208710"/>
+                  </a:cubicBezTo>
+                  <a:cubicBezTo>
+                    <a:pt x="1577535" y="1225713"/>
+                    <a:pt x="1554732" y="1243361"/>
+                    <a:pt x="1531799" y="1260879"/>
+                  </a:cubicBezTo>
+                  <a:cubicBezTo>
+                    <a:pt x="1508735" y="1278267"/>
+                    <a:pt x="1486064" y="1296171"/>
+                    <a:pt x="1463655" y="1314333"/>
+                  </a:cubicBezTo>
+                  <a:cubicBezTo>
+                    <a:pt x="1373627" y="1386853"/>
+                    <a:pt x="1285564" y="1462077"/>
+                    <a:pt x="1200777" y="1541166"/>
+                  </a:cubicBezTo>
+                  <a:cubicBezTo>
+                    <a:pt x="1030810" y="1698827"/>
+                    <a:pt x="873161" y="1870785"/>
+                    <a:pt x="731501" y="2055754"/>
+                  </a:cubicBezTo>
+                  <a:cubicBezTo>
+                    <a:pt x="660734" y="2148239"/>
+                    <a:pt x="593771" y="2243944"/>
+                    <a:pt x="531393" y="2342739"/>
+                  </a:cubicBezTo>
+                  <a:cubicBezTo>
+                    <a:pt x="470063" y="2442050"/>
+                    <a:pt x="412140" y="2543810"/>
+                    <a:pt x="361033" y="2649046"/>
+                  </a:cubicBezTo>
+                  <a:cubicBezTo>
+                    <a:pt x="347798" y="2675194"/>
+                    <a:pt x="335479" y="2701728"/>
+                    <a:pt x="323292" y="2728263"/>
+                  </a:cubicBezTo>
+                  <a:lnTo>
+                    <a:pt x="304945" y="2768193"/>
+                  </a:lnTo>
+                  <a:lnTo>
+                    <a:pt x="287516" y="2808510"/>
+                  </a:lnTo>
+                  <a:cubicBezTo>
+                    <a:pt x="276115" y="2835432"/>
+                    <a:pt x="264583" y="2862352"/>
+                    <a:pt x="254230" y="2889788"/>
+                  </a:cubicBezTo>
+                  <a:cubicBezTo>
+                    <a:pt x="243877" y="2917224"/>
+                    <a:pt x="232477" y="2944274"/>
+                    <a:pt x="223042" y="2971968"/>
+                  </a:cubicBezTo>
+                  <a:cubicBezTo>
+                    <a:pt x="182679" y="3081970"/>
+                    <a:pt x="148475" y="3194291"/>
+                    <a:pt x="121611" y="3308544"/>
+                  </a:cubicBezTo>
+                  <a:cubicBezTo>
+                    <a:pt x="67096" y="3536534"/>
+                    <a:pt x="39183" y="3771224"/>
+                    <a:pt x="39314" y="4005912"/>
+                  </a:cubicBezTo>
+                  <a:cubicBezTo>
+                    <a:pt x="39969" y="4122871"/>
+                    <a:pt x="51109" y="4239571"/>
+                    <a:pt x="73910" y="4354081"/>
+                  </a:cubicBezTo>
+                  <a:cubicBezTo>
+                    <a:pt x="97892" y="4468334"/>
+                    <a:pt x="132619" y="4580140"/>
+                    <a:pt x="179534" y="4687050"/>
+                  </a:cubicBezTo>
+                  <a:cubicBezTo>
+                    <a:pt x="190673" y="4713972"/>
+                    <a:pt x="203647" y="4740249"/>
+                    <a:pt x="215964" y="4766654"/>
+                  </a:cubicBezTo>
+                  <a:cubicBezTo>
+                    <a:pt x="229332" y="4792674"/>
+                    <a:pt x="242043" y="4818950"/>
+                    <a:pt x="256457" y="4844455"/>
+                  </a:cubicBezTo>
+                  <a:cubicBezTo>
+                    <a:pt x="283978" y="4895978"/>
+                    <a:pt x="314642" y="4945956"/>
+                    <a:pt x="346225" y="4995290"/>
+                  </a:cubicBezTo>
+                  <a:cubicBezTo>
+                    <a:pt x="377676" y="5044752"/>
+                    <a:pt x="411355" y="5092926"/>
+                    <a:pt x="445296" y="5140971"/>
+                  </a:cubicBezTo>
+                  <a:cubicBezTo>
+                    <a:pt x="479760" y="5188630"/>
+                    <a:pt x="515537" y="5235645"/>
+                    <a:pt x="551443" y="5282531"/>
+                  </a:cubicBezTo>
+                  <a:cubicBezTo>
+                    <a:pt x="623387" y="5376434"/>
+                    <a:pt x="698608" y="5468402"/>
+                    <a:pt x="772387" y="5562561"/>
+                  </a:cubicBezTo>
+                  <a:cubicBezTo>
+                    <a:pt x="809472" y="5609448"/>
+                    <a:pt x="846428" y="5656719"/>
+                    <a:pt x="882858" y="5704507"/>
+                  </a:cubicBezTo>
+                  <a:cubicBezTo>
+                    <a:pt x="919159" y="5751909"/>
+                    <a:pt x="955196" y="5802273"/>
+                    <a:pt x="990316" y="5848258"/>
+                  </a:cubicBezTo>
+                  <a:cubicBezTo>
+                    <a:pt x="1025175" y="5895402"/>
+                    <a:pt x="1061736" y="5941129"/>
+                    <a:pt x="1097774" y="5987114"/>
+                  </a:cubicBezTo>
+                  <a:cubicBezTo>
+                    <a:pt x="1134860" y="6032326"/>
+                    <a:pt x="1171684" y="6077536"/>
+                    <a:pt x="1210080" y="6121203"/>
+                  </a:cubicBezTo>
+                  <a:cubicBezTo>
+                    <a:pt x="1286350" y="6209051"/>
+                    <a:pt x="1365632" y="6293677"/>
+                    <a:pt x="1448192" y="6374054"/>
+                  </a:cubicBezTo>
+                  <a:cubicBezTo>
+                    <a:pt x="1613572" y="6534420"/>
+                    <a:pt x="1792057" y="6677526"/>
+                    <a:pt x="1982991" y="6796158"/>
+                  </a:cubicBezTo>
+                  <a:lnTo>
+                    <a:pt x="2118475" y="6874714"/>
+                  </a:lnTo>
+                  <a:lnTo>
+                    <a:pt x="1569874" y="6874714"/>
+                  </a:lnTo>
+                  <a:lnTo>
+                    <a:pt x="1507802" y="6817815"/>
+                  </a:lnTo>
+                  <a:cubicBezTo>
+                    <a:pt x="1418412" y="6730595"/>
+                    <a:pt x="1334903" y="6638562"/>
+                    <a:pt x="1256865" y="6543437"/>
+                  </a:cubicBezTo>
+                  <a:cubicBezTo>
+                    <a:pt x="1179155" y="6447861"/>
+                    <a:pt x="1106817" y="6349194"/>
+                    <a:pt x="1038410" y="6248722"/>
+                  </a:cubicBezTo>
+                  <a:cubicBezTo>
+                    <a:pt x="969873" y="6148253"/>
+                    <a:pt x="905922" y="6045592"/>
+                    <a:pt x="845380" y="5941386"/>
+                  </a:cubicBezTo>
+                  <a:cubicBezTo>
+                    <a:pt x="814453" y="5888704"/>
+                    <a:pt x="786147" y="5839370"/>
+                    <a:pt x="755351" y="5788877"/>
+                  </a:cubicBezTo>
+                  <a:cubicBezTo>
+                    <a:pt x="724817" y="5738771"/>
+                    <a:pt x="693760" y="5688665"/>
+                    <a:pt x="661784" y="5638944"/>
+                  </a:cubicBezTo>
+                  <a:lnTo>
+                    <a:pt x="466525" y="5340366"/>
+                  </a:lnTo>
+                  <a:cubicBezTo>
+                    <a:pt x="434156" y="5290131"/>
+                    <a:pt x="402181" y="5239639"/>
+                    <a:pt x="370992" y="5188502"/>
+                  </a:cubicBezTo>
+                  <a:cubicBezTo>
+                    <a:pt x="339803" y="5137364"/>
+                    <a:pt x="308876" y="5086099"/>
+                    <a:pt x="280046" y="5033287"/>
+                  </a:cubicBezTo>
+                  <a:cubicBezTo>
+                    <a:pt x="222255" y="4928179"/>
+                    <a:pt x="169181" y="4819982"/>
+                    <a:pt x="126853" y="4707660"/>
+                  </a:cubicBezTo>
+                  <a:cubicBezTo>
+                    <a:pt x="83739" y="4595725"/>
+                    <a:pt x="51764" y="4479670"/>
+                    <a:pt x="30272" y="4362068"/>
+                  </a:cubicBezTo>
+                  <a:cubicBezTo>
+                    <a:pt x="9698" y="4244466"/>
+                    <a:pt x="0" y="4125060"/>
+                    <a:pt x="0" y="4005912"/>
+                  </a:cubicBezTo>
+                  <a:cubicBezTo>
+                    <a:pt x="1704" y="3530867"/>
+                    <a:pt x="95140" y="3057110"/>
+                    <a:pt x="270480" y="2610532"/>
+                  </a:cubicBezTo>
+                  <a:cubicBezTo>
+                    <a:pt x="314511" y="2498984"/>
+                    <a:pt x="362212" y="2388466"/>
+                    <a:pt x="415942" y="2280526"/>
+                  </a:cubicBezTo>
+                  <a:cubicBezTo>
+                    <a:pt x="468884" y="2172197"/>
+                    <a:pt x="527199" y="2066188"/>
+                    <a:pt x="590102" y="1962626"/>
+                  </a:cubicBezTo>
+                  <a:cubicBezTo>
+                    <a:pt x="716037" y="1755631"/>
+                    <a:pt x="859794" y="1557653"/>
+                    <a:pt x="1020719" y="1373070"/>
+                  </a:cubicBezTo>
+                  <a:cubicBezTo>
+                    <a:pt x="1101575" y="1281101"/>
+                    <a:pt x="1185969" y="1191838"/>
+                    <a:pt x="1275080" y="1107081"/>
+                  </a:cubicBezTo>
+                  <a:cubicBezTo>
+                    <a:pt x="1297227" y="1085699"/>
+                    <a:pt x="1319504" y="1064575"/>
+                    <a:pt x="1342437" y="1043965"/>
+                  </a:cubicBezTo>
+                  <a:cubicBezTo>
+                    <a:pt x="1365240" y="1023226"/>
+                    <a:pt x="1387648" y="1002102"/>
+                    <a:pt x="1411106" y="982138"/>
+                  </a:cubicBezTo>
+                  <a:cubicBezTo>
+                    <a:pt x="1457497" y="941563"/>
+                    <a:pt x="1505065" y="902276"/>
+                    <a:pt x="1553029" y="863376"/>
+                  </a:cubicBezTo>
+                  <a:cubicBezTo>
+                    <a:pt x="1745798" y="708806"/>
+                    <a:pt x="1954030" y="571882"/>
+                    <a:pt x="2173401" y="454409"/>
+                  </a:cubicBezTo>
+                  <a:cubicBezTo>
+                    <a:pt x="2612013" y="219334"/>
+                    <a:pt x="3099505" y="65666"/>
+                    <a:pt x="3599708" y="16332"/>
+                  </a:cubicBezTo>
+                  <a:cubicBezTo>
+                    <a:pt x="3724530" y="3966"/>
+                    <a:pt x="3850400" y="-1283"/>
+                    <a:pt x="3975975" y="263"/>
                   </a:cubicBezTo>
                   <a:close/>
                 </a:path>
               </a:pathLst>
             </a:custGeom>
-            <a:gradFill flip="none" rotWithShape="1">
+            <a:gradFill>
               <a:gsLst>
                 <a:gs pos="2000">
                   <a:schemeClr val="bg1">
@@ -23949,7 +24426,7 @@
                 </a:gs>
                 <a:gs pos="16000">
                   <a:schemeClr val="accent6">
-                    <a:alpha val="5000"/>
+                    <a:alpha val="10000"/>
                   </a:schemeClr>
                 </a:gs>
                 <a:gs pos="100000">
@@ -23959,12 +24436,11 @@
                 </a:gs>
                 <a:gs pos="85000">
                   <a:schemeClr val="accent1">
-                    <a:alpha val="5000"/>
+                    <a:alpha val="10000"/>
                   </a:schemeClr>
                 </a:gs>
               </a:gsLst>
               <a:lin ang="12000000" scaled="0"/>
-              <a:tileRect/>
             </a:gradFill>
             <a:ln>
               <a:noFill/>
@@ -23997,10 +24473,10 @@
         </p:sp>
         <p:sp>
           <p:nvSpPr>
-            <p:cNvPr id="92" name="Freeform: Shape 91">
+            <p:cNvPr id="21" name="Freeform: Shape 20">
               <a:extLst>
                 <a:ext uri="{FF2B5EF4-FFF2-40B4-BE49-F238E27FC236}">
-                  <a16:creationId xmlns:a16="http://schemas.microsoft.com/office/drawing/2014/main" id="{458B604F-996E-4349-B131-E04ED285D8DA}"/>
+                  <a16:creationId xmlns:a16="http://schemas.microsoft.com/office/drawing/2014/main" id="{3FF518F3-5ED4-454A-4CF2-7EB9D2E0A312}"/>
                 </a:ext>
                 <a:ext uri="{C183D7F6-B498-43B3-948B-1728B52AA6E4}">
                   <adec:decorative xmlns:adec="http://schemas.microsoft.com/office/drawing/2017/decorative" val="1"/>
@@ -24018,304 +24494,166 @@
           </p:nvSpPr>
           <p:spPr>
             <a:xfrm>
-              <a:off x="6101025" y="52996"/>
-              <a:ext cx="6093361" cy="6805003"/>
+              <a:off x="5865276" y="313387"/>
+              <a:ext cx="6326724" cy="6561326"/>
             </a:xfrm>
             <a:custGeom>
               <a:avLst/>
               <a:gdLst>
-                <a:gd name="connsiteX0" fmla="*/ 3391253 w 5890489"/>
-                <a:gd name="connsiteY0" fmla="*/ 0 h 6578438"/>
-                <a:gd name="connsiteX1" fmla="*/ 3434974 w 5890489"/>
-                <a:gd name="connsiteY1" fmla="*/ 646 h 6578438"/>
-                <a:gd name="connsiteX2" fmla="*/ 3522419 w 5890489"/>
-                <a:gd name="connsiteY2" fmla="*/ 2712 h 6578438"/>
-                <a:gd name="connsiteX3" fmla="*/ 3610261 w 5890489"/>
-                <a:gd name="connsiteY3" fmla="*/ 6458 h 6578438"/>
-                <a:gd name="connsiteX4" fmla="*/ 3786872 w 5890489"/>
-                <a:gd name="connsiteY4" fmla="*/ 20667 h 6578438"/>
-                <a:gd name="connsiteX5" fmla="*/ 3962291 w 5890489"/>
-                <a:gd name="connsiteY5" fmla="*/ 43530 h 6578438"/>
-                <a:gd name="connsiteX6" fmla="*/ 4135855 w 5890489"/>
-                <a:gd name="connsiteY6" fmla="*/ 75176 h 6578438"/>
-                <a:gd name="connsiteX7" fmla="*/ 4307299 w 5890489"/>
-                <a:gd name="connsiteY7" fmla="*/ 114315 h 6578438"/>
-                <a:gd name="connsiteX8" fmla="*/ 4476358 w 5890489"/>
-                <a:gd name="connsiteY8" fmla="*/ 160816 h 6578438"/>
-                <a:gd name="connsiteX9" fmla="*/ 4559829 w 5890489"/>
-                <a:gd name="connsiteY9" fmla="*/ 186779 h 6578438"/>
-                <a:gd name="connsiteX10" fmla="*/ 4642901 w 5890489"/>
-                <a:gd name="connsiteY10" fmla="*/ 213648 h 6578438"/>
-                <a:gd name="connsiteX11" fmla="*/ 5280847 w 5890489"/>
-                <a:gd name="connsiteY11" fmla="*/ 485936 h 6578438"/>
-                <a:gd name="connsiteX12" fmla="*/ 5865400 w 5890489"/>
-                <a:gd name="connsiteY12" fmla="*/ 851099 h 6578438"/>
-                <a:gd name="connsiteX13" fmla="*/ 5890489 w 5890489"/>
-                <a:gd name="connsiteY13" fmla="*/ 870950 h 6578438"/>
-                <a:gd name="connsiteX14" fmla="*/ 5890489 w 5890489"/>
-                <a:gd name="connsiteY14" fmla="*/ 1321814 h 6578438"/>
-                <a:gd name="connsiteX15" fmla="*/ 5887395 w 5890489"/>
-                <a:gd name="connsiteY15" fmla="*/ 1318952 h 6578438"/>
-                <a:gd name="connsiteX16" fmla="*/ 5830291 w 5890489"/>
-                <a:gd name="connsiteY16" fmla="*/ 1265992 h 6578438"/>
-                <a:gd name="connsiteX17" fmla="*/ 5815981 w 5890489"/>
-                <a:gd name="connsiteY17" fmla="*/ 1252687 h 6578438"/>
-                <a:gd name="connsiteX18" fmla="*/ 5801142 w 5890489"/>
-                <a:gd name="connsiteY18" fmla="*/ 1240158 h 6578438"/>
-                <a:gd name="connsiteX19" fmla="*/ 5771464 w 5890489"/>
-                <a:gd name="connsiteY19" fmla="*/ 1214969 h 6578438"/>
-                <a:gd name="connsiteX20" fmla="*/ 5651030 w 5890489"/>
-                <a:gd name="connsiteY20" fmla="*/ 1115767 h 6578438"/>
-                <a:gd name="connsiteX21" fmla="*/ 5123183 w 5890489"/>
-                <a:gd name="connsiteY21" fmla="*/ 780443 h 6578438"/>
-                <a:gd name="connsiteX22" fmla="*/ 4533860 w 5890489"/>
-                <a:gd name="connsiteY22" fmla="*/ 567701 h 6578438"/>
-                <a:gd name="connsiteX23" fmla="*/ 4457281 w 5890489"/>
-                <a:gd name="connsiteY23" fmla="*/ 550780 h 6578438"/>
-                <a:gd name="connsiteX24" fmla="*/ 4380568 w 5890489"/>
-                <a:gd name="connsiteY24" fmla="*/ 535279 h 6578438"/>
-                <a:gd name="connsiteX25" fmla="*/ 4303325 w 5890489"/>
-                <a:gd name="connsiteY25" fmla="*/ 522879 h 6578438"/>
-                <a:gd name="connsiteX26" fmla="*/ 4264769 w 5890489"/>
-                <a:gd name="connsiteY26" fmla="*/ 516679 h 6578438"/>
-                <a:gd name="connsiteX27" fmla="*/ 4226082 w 5890489"/>
-                <a:gd name="connsiteY27" fmla="*/ 511253 h 6578438"/>
-                <a:gd name="connsiteX28" fmla="*/ 4070934 w 5890489"/>
-                <a:gd name="connsiteY28" fmla="*/ 494848 h 6578438"/>
-                <a:gd name="connsiteX29" fmla="*/ 3915521 w 5890489"/>
-                <a:gd name="connsiteY29" fmla="*/ 486065 h 6578438"/>
-                <a:gd name="connsiteX30" fmla="*/ 3760241 w 5890489"/>
-                <a:gd name="connsiteY30" fmla="*/ 484257 h 6578438"/>
-                <a:gd name="connsiteX31" fmla="*/ 3682734 w 5890489"/>
-                <a:gd name="connsiteY31" fmla="*/ 486581 h 6578438"/>
-                <a:gd name="connsiteX32" fmla="*/ 3605491 w 5890489"/>
-                <a:gd name="connsiteY32" fmla="*/ 488907 h 6578438"/>
-                <a:gd name="connsiteX33" fmla="*/ 3527454 w 5890489"/>
-                <a:gd name="connsiteY33" fmla="*/ 493169 h 6578438"/>
-                <a:gd name="connsiteX34" fmla="*/ 3449151 w 5890489"/>
-                <a:gd name="connsiteY34" fmla="*/ 498336 h 6578438"/>
-                <a:gd name="connsiteX35" fmla="*/ 3410067 w 5890489"/>
-                <a:gd name="connsiteY35" fmla="*/ 500532 h 6578438"/>
-                <a:gd name="connsiteX36" fmla="*/ 3371246 w 5890489"/>
-                <a:gd name="connsiteY36" fmla="*/ 504279 h 6578438"/>
-                <a:gd name="connsiteX37" fmla="*/ 3293739 w 5890489"/>
-                <a:gd name="connsiteY37" fmla="*/ 511512 h 6578438"/>
-                <a:gd name="connsiteX38" fmla="*/ 2689445 w 5890489"/>
-                <a:gd name="connsiteY38" fmla="*/ 610198 h 6578438"/>
-                <a:gd name="connsiteX39" fmla="*/ 2117875 w 5890489"/>
-                <a:gd name="connsiteY39" fmla="*/ 800335 h 6578438"/>
-                <a:gd name="connsiteX40" fmla="*/ 1981276 w 5890489"/>
-                <a:gd name="connsiteY40" fmla="*/ 865566 h 6578438"/>
-                <a:gd name="connsiteX41" fmla="*/ 1847991 w 5890489"/>
-                <a:gd name="connsiteY41" fmla="*/ 938676 h 6578438"/>
-                <a:gd name="connsiteX42" fmla="*/ 1783069 w 5890489"/>
-                <a:gd name="connsiteY42" fmla="*/ 978718 h 6578438"/>
-                <a:gd name="connsiteX43" fmla="*/ 1750609 w 5890489"/>
-                <a:gd name="connsiteY43" fmla="*/ 998869 h 6578438"/>
-                <a:gd name="connsiteX44" fmla="*/ 1734312 w 5890489"/>
-                <a:gd name="connsiteY44" fmla="*/ 1008945 h 6578438"/>
-                <a:gd name="connsiteX45" fmla="*/ 1718547 w 5890489"/>
-                <a:gd name="connsiteY45" fmla="*/ 1019924 h 6578438"/>
-                <a:gd name="connsiteX46" fmla="*/ 1655481 w 5890489"/>
-                <a:gd name="connsiteY46" fmla="*/ 1063582 h 6578438"/>
-                <a:gd name="connsiteX47" fmla="*/ 1593077 w 5890489"/>
-                <a:gd name="connsiteY47" fmla="*/ 1108664 h 6578438"/>
-                <a:gd name="connsiteX48" fmla="*/ 1532263 w 5890489"/>
-                <a:gd name="connsiteY48" fmla="*/ 1156197 h 6578438"/>
-                <a:gd name="connsiteX49" fmla="*/ 1472509 w 5890489"/>
-                <a:gd name="connsiteY49" fmla="*/ 1205152 h 6578438"/>
-                <a:gd name="connsiteX50" fmla="*/ 1414212 w 5890489"/>
-                <a:gd name="connsiteY50" fmla="*/ 1256175 h 6578438"/>
-                <a:gd name="connsiteX51" fmla="*/ 1357242 w 5890489"/>
-                <a:gd name="connsiteY51" fmla="*/ 1308359 h 6578438"/>
-                <a:gd name="connsiteX52" fmla="*/ 1153072 w 5890489"/>
-                <a:gd name="connsiteY52" fmla="*/ 1529498 h 6578438"/>
-                <a:gd name="connsiteX53" fmla="*/ 1002694 w 5890489"/>
-                <a:gd name="connsiteY53" fmla="*/ 1770658 h 6578438"/>
-                <a:gd name="connsiteX54" fmla="*/ 974076 w 5890489"/>
-                <a:gd name="connsiteY54" fmla="*/ 1835371 h 6578438"/>
-                <a:gd name="connsiteX55" fmla="*/ 949564 w 5890489"/>
-                <a:gd name="connsiteY55" fmla="*/ 1903573 h 6578438"/>
-                <a:gd name="connsiteX56" fmla="*/ 927173 w 5890489"/>
-                <a:gd name="connsiteY56" fmla="*/ 1974229 h 6578438"/>
-                <a:gd name="connsiteX57" fmla="*/ 906107 w 5890489"/>
-                <a:gd name="connsiteY57" fmla="*/ 2046952 h 6578438"/>
-                <a:gd name="connsiteX58" fmla="*/ 751092 w 5890489"/>
-                <a:gd name="connsiteY58" fmla="*/ 2676266 h 6578438"/>
-                <a:gd name="connsiteX59" fmla="*/ 547189 w 5890489"/>
-                <a:gd name="connsiteY59" fmla="*/ 3308422 h 6578438"/>
-                <a:gd name="connsiteX60" fmla="*/ 441195 w 5890489"/>
-                <a:gd name="connsiteY60" fmla="*/ 3866306 h 6578438"/>
-                <a:gd name="connsiteX61" fmla="*/ 527182 w 5890489"/>
-                <a:gd name="connsiteY61" fmla="*/ 4439174 h 6578438"/>
-                <a:gd name="connsiteX62" fmla="*/ 775073 w 5890489"/>
-                <a:gd name="connsiteY62" fmla="*/ 4987240 h 6578438"/>
-                <a:gd name="connsiteX63" fmla="*/ 943206 w 5890489"/>
-                <a:gd name="connsiteY63" fmla="*/ 5244933 h 6578438"/>
-                <a:gd name="connsiteX64" fmla="*/ 1133728 w 5890489"/>
-                <a:gd name="connsiteY64" fmla="*/ 5490356 h 6578438"/>
-                <a:gd name="connsiteX65" fmla="*/ 1359626 w 5890489"/>
-                <a:gd name="connsiteY65" fmla="*/ 5709815 h 6578438"/>
-                <a:gd name="connsiteX66" fmla="*/ 1481254 w 5890489"/>
-                <a:gd name="connsiteY66" fmla="*/ 5809146 h 6578438"/>
-                <a:gd name="connsiteX67" fmla="*/ 1543260 w 5890489"/>
-                <a:gd name="connsiteY67" fmla="*/ 5856940 h 6578438"/>
-                <a:gd name="connsiteX68" fmla="*/ 1607518 w 5890489"/>
-                <a:gd name="connsiteY68" fmla="*/ 5901374 h 6578438"/>
-                <a:gd name="connsiteX69" fmla="*/ 2145566 w 5890489"/>
-                <a:gd name="connsiteY69" fmla="*/ 6193814 h 6578438"/>
-                <a:gd name="connsiteX70" fmla="*/ 2214991 w 5890489"/>
-                <a:gd name="connsiteY70" fmla="*/ 6221844 h 6578438"/>
-                <a:gd name="connsiteX71" fmla="*/ 2249307 w 5890489"/>
-                <a:gd name="connsiteY71" fmla="*/ 6236182 h 6578438"/>
-                <a:gd name="connsiteX72" fmla="*/ 2284285 w 5890489"/>
-                <a:gd name="connsiteY72" fmla="*/ 6248711 h 6578438"/>
-                <a:gd name="connsiteX73" fmla="*/ 2354241 w 5890489"/>
-                <a:gd name="connsiteY73" fmla="*/ 6273124 h 6578438"/>
-                <a:gd name="connsiteX74" fmla="*/ 2371597 w 5890489"/>
-                <a:gd name="connsiteY74" fmla="*/ 6279324 h 6578438"/>
-                <a:gd name="connsiteX75" fmla="*/ 2387894 w 5890489"/>
-                <a:gd name="connsiteY75" fmla="*/ 6287719 h 6578438"/>
-                <a:gd name="connsiteX76" fmla="*/ 2421414 w 5890489"/>
-                <a:gd name="connsiteY76" fmla="*/ 6302186 h 6578438"/>
-                <a:gd name="connsiteX77" fmla="*/ 2489117 w 5890489"/>
-                <a:gd name="connsiteY77" fmla="*/ 6329441 h 6578438"/>
-                <a:gd name="connsiteX78" fmla="*/ 2522902 w 5890489"/>
-                <a:gd name="connsiteY78" fmla="*/ 6343134 h 6578438"/>
-                <a:gd name="connsiteX79" fmla="*/ 2556953 w 5890489"/>
-                <a:gd name="connsiteY79" fmla="*/ 6356051 h 6578438"/>
-                <a:gd name="connsiteX80" fmla="*/ 2695009 w 5890489"/>
-                <a:gd name="connsiteY80" fmla="*/ 6401905 h 6578438"/>
-                <a:gd name="connsiteX81" fmla="*/ 3268035 w 5890489"/>
-                <a:gd name="connsiteY81" fmla="*/ 6501238 h 6578438"/>
-                <a:gd name="connsiteX82" fmla="*/ 3341038 w 5890489"/>
-                <a:gd name="connsiteY82" fmla="*/ 6506145 h 6578438"/>
-                <a:gd name="connsiteX83" fmla="*/ 3414703 w 5890489"/>
-                <a:gd name="connsiteY83" fmla="*/ 6507050 h 6578438"/>
-                <a:gd name="connsiteX84" fmla="*/ 3488237 w 5890489"/>
-                <a:gd name="connsiteY84" fmla="*/ 6508212 h 6578438"/>
-                <a:gd name="connsiteX85" fmla="*/ 3524142 w 5890489"/>
-                <a:gd name="connsiteY85" fmla="*/ 6507955 h 6578438"/>
-                <a:gd name="connsiteX86" fmla="*/ 3559252 w 5890489"/>
-                <a:gd name="connsiteY86" fmla="*/ 6506921 h 6578438"/>
-                <a:gd name="connsiteX87" fmla="*/ 3629207 w 5890489"/>
-                <a:gd name="connsiteY87" fmla="*/ 6503045 h 6578438"/>
-                <a:gd name="connsiteX88" fmla="*/ 3698633 w 5890489"/>
-                <a:gd name="connsiteY88" fmla="*/ 6496845 h 6578438"/>
-                <a:gd name="connsiteX89" fmla="*/ 3733213 w 5890489"/>
-                <a:gd name="connsiteY89" fmla="*/ 6493357 h 6578438"/>
-                <a:gd name="connsiteX90" fmla="*/ 3767529 w 5890489"/>
-                <a:gd name="connsiteY90" fmla="*/ 6488707 h 6578438"/>
-                <a:gd name="connsiteX91" fmla="*/ 3801845 w 5890489"/>
-                <a:gd name="connsiteY91" fmla="*/ 6484057 h 6578438"/>
-                <a:gd name="connsiteX92" fmla="*/ 3835895 w 5890489"/>
-                <a:gd name="connsiteY92" fmla="*/ 6478116 h 6578438"/>
-                <a:gd name="connsiteX93" fmla="*/ 4364801 w 5890489"/>
-                <a:gd name="connsiteY93" fmla="*/ 6308517 h 6578438"/>
-                <a:gd name="connsiteX94" fmla="*/ 4861379 w 5890489"/>
-                <a:gd name="connsiteY94" fmla="*/ 6000576 h 6578438"/>
-                <a:gd name="connsiteX95" fmla="*/ 5341263 w 5890489"/>
-                <a:gd name="connsiteY95" fmla="*/ 5605834 h 6578438"/>
-                <a:gd name="connsiteX96" fmla="*/ 5587301 w 5890489"/>
-                <a:gd name="connsiteY96" fmla="*/ 5390379 h 6578438"/>
-                <a:gd name="connsiteX97" fmla="*/ 5849105 w 5890489"/>
-                <a:gd name="connsiteY97" fmla="*/ 5176344 h 6578438"/>
-                <a:gd name="connsiteX98" fmla="*/ 5890489 w 5890489"/>
-                <a:gd name="connsiteY98" fmla="*/ 5145260 h 6578438"/>
-                <a:gd name="connsiteX99" fmla="*/ 5890489 w 5890489"/>
-                <a:gd name="connsiteY99" fmla="*/ 5995323 h 6578438"/>
-                <a:gd name="connsiteX100" fmla="*/ 5811477 w 5890489"/>
-                <a:gd name="connsiteY100" fmla="*/ 6077819 h 6578438"/>
-                <a:gd name="connsiteX101" fmla="*/ 5301384 w 5890489"/>
-                <a:gd name="connsiteY101" fmla="*/ 6542958 h 6578438"/>
-                <a:gd name="connsiteX102" fmla="*/ 5252008 w 5890489"/>
-                <a:gd name="connsiteY102" fmla="*/ 6578438 h 6578438"/>
-                <a:gd name="connsiteX103" fmla="*/ 1653730 w 5890489"/>
-                <a:gd name="connsiteY103" fmla="*/ 6578438 h 6578438"/>
-                <a:gd name="connsiteX104" fmla="*/ 1549768 w 5890489"/>
-                <a:gd name="connsiteY104" fmla="*/ 6488821 h 6578438"/>
-                <a:gd name="connsiteX105" fmla="*/ 1298282 w 5890489"/>
-                <a:gd name="connsiteY105" fmla="*/ 6243932 h 6578438"/>
-                <a:gd name="connsiteX106" fmla="*/ 1237999 w 5890489"/>
-                <a:gd name="connsiteY106" fmla="*/ 6181671 h 6578438"/>
-                <a:gd name="connsiteX107" fmla="*/ 1179967 w 5890489"/>
-                <a:gd name="connsiteY107" fmla="*/ 6117862 h 6578438"/>
-                <a:gd name="connsiteX108" fmla="*/ 1121936 w 5890489"/>
-                <a:gd name="connsiteY108" fmla="*/ 6054569 h 6578438"/>
-                <a:gd name="connsiteX109" fmla="*/ 1065628 w 5890489"/>
-                <a:gd name="connsiteY109" fmla="*/ 5990243 h 6578438"/>
-                <a:gd name="connsiteX110" fmla="*/ 954335 w 5890489"/>
-                <a:gd name="connsiteY110" fmla="*/ 5861460 h 6578438"/>
-                <a:gd name="connsiteX111" fmla="*/ 898953 w 5890489"/>
-                <a:gd name="connsiteY111" fmla="*/ 5797393 h 6578438"/>
-                <a:gd name="connsiteX112" fmla="*/ 842908 w 5890489"/>
-                <a:gd name="connsiteY112" fmla="*/ 5733582 h 6578438"/>
-                <a:gd name="connsiteX113" fmla="*/ 622442 w 5890489"/>
-                <a:gd name="connsiteY113" fmla="*/ 5471884 h 6578438"/>
-                <a:gd name="connsiteX114" fmla="*/ 425559 w 5890489"/>
-                <a:gd name="connsiteY114" fmla="*/ 5190036 h 6578438"/>
-                <a:gd name="connsiteX115" fmla="*/ 123877 w 5890489"/>
-                <a:gd name="connsiteY115" fmla="*/ 4564210 h 6578438"/>
-                <a:gd name="connsiteX116" fmla="*/ 130 w 5890489"/>
-                <a:gd name="connsiteY116" fmla="*/ 3865530 h 6578438"/>
-                <a:gd name="connsiteX117" fmla="*/ 30602 w 5890489"/>
-                <a:gd name="connsiteY117" fmla="*/ 3505793 h 6578438"/>
-                <a:gd name="connsiteX118" fmla="*/ 126924 w 5890489"/>
-                <a:gd name="connsiteY118" fmla="*/ 3157164 h 6578438"/>
-                <a:gd name="connsiteX119" fmla="*/ 334803 w 5890489"/>
-                <a:gd name="connsiteY119" fmla="*/ 2560530 h 6578438"/>
-                <a:gd name="connsiteX120" fmla="*/ 381176 w 5890489"/>
-                <a:gd name="connsiteY120" fmla="*/ 2409144 h 6578438"/>
-                <a:gd name="connsiteX121" fmla="*/ 425825 w 5890489"/>
-                <a:gd name="connsiteY121" fmla="*/ 2255819 h 6578438"/>
-                <a:gd name="connsiteX122" fmla="*/ 470210 w 5890489"/>
-                <a:gd name="connsiteY122" fmla="*/ 2099523 h 6578438"/>
-                <a:gd name="connsiteX123" fmla="*/ 492998 w 5890489"/>
-                <a:gd name="connsiteY123" fmla="*/ 2020213 h 6578438"/>
-                <a:gd name="connsiteX124" fmla="*/ 517509 w 5890489"/>
-                <a:gd name="connsiteY124" fmla="*/ 1939224 h 6578438"/>
-                <a:gd name="connsiteX125" fmla="*/ 544007 w 5890489"/>
-                <a:gd name="connsiteY125" fmla="*/ 1857201 h 6578438"/>
-                <a:gd name="connsiteX126" fmla="*/ 573288 w 5890489"/>
-                <a:gd name="connsiteY126" fmla="*/ 1774274 h 6578438"/>
-                <a:gd name="connsiteX127" fmla="*/ 606146 w 5890489"/>
-                <a:gd name="connsiteY127" fmla="*/ 1690832 h 6578438"/>
-                <a:gd name="connsiteX128" fmla="*/ 644569 w 5890489"/>
-                <a:gd name="connsiteY128" fmla="*/ 1607775 h 6578438"/>
-                <a:gd name="connsiteX129" fmla="*/ 837874 w 5890489"/>
-                <a:gd name="connsiteY129" fmla="*/ 1297638 h 6578438"/>
-                <a:gd name="connsiteX130" fmla="*/ 1069602 w 5890489"/>
-                <a:gd name="connsiteY130" fmla="*/ 1032194 h 6578438"/>
-                <a:gd name="connsiteX131" fmla="*/ 1130548 w 5890489"/>
-                <a:gd name="connsiteY131" fmla="*/ 970839 h 6578438"/>
-                <a:gd name="connsiteX132" fmla="*/ 1192024 w 5890489"/>
-                <a:gd name="connsiteY132" fmla="*/ 910129 h 6578438"/>
-                <a:gd name="connsiteX133" fmla="*/ 1255356 w 5890489"/>
-                <a:gd name="connsiteY133" fmla="*/ 850841 h 6578438"/>
-                <a:gd name="connsiteX134" fmla="*/ 1319614 w 5890489"/>
-                <a:gd name="connsiteY134" fmla="*/ 792068 h 6578438"/>
-                <a:gd name="connsiteX135" fmla="*/ 1385728 w 5890489"/>
-                <a:gd name="connsiteY135" fmla="*/ 734975 h 6578438"/>
-                <a:gd name="connsiteX136" fmla="*/ 1452768 w 5890489"/>
-                <a:gd name="connsiteY136" fmla="*/ 678528 h 6578438"/>
-                <a:gd name="connsiteX137" fmla="*/ 1469594 w 5890489"/>
-                <a:gd name="connsiteY137" fmla="*/ 664449 h 6578438"/>
-                <a:gd name="connsiteX138" fmla="*/ 1487083 w 5890489"/>
-                <a:gd name="connsiteY138" fmla="*/ 651015 h 6578438"/>
-                <a:gd name="connsiteX139" fmla="*/ 1522193 w 5890489"/>
-                <a:gd name="connsiteY139" fmla="*/ 624277 h 6578438"/>
-                <a:gd name="connsiteX140" fmla="*/ 1592415 w 5890489"/>
-                <a:gd name="connsiteY140" fmla="*/ 570671 h 6578438"/>
-                <a:gd name="connsiteX141" fmla="*/ 1738287 w 5890489"/>
-                <a:gd name="connsiteY141" fmla="*/ 469402 h 6578438"/>
-                <a:gd name="connsiteX142" fmla="*/ 1890918 w 5890489"/>
-                <a:gd name="connsiteY142" fmla="*/ 376530 h 6578438"/>
-                <a:gd name="connsiteX143" fmla="*/ 2555363 w 5890489"/>
-                <a:gd name="connsiteY143" fmla="*/ 105274 h 6578438"/>
-                <a:gd name="connsiteX144" fmla="*/ 3259291 w 5890489"/>
-                <a:gd name="connsiteY144" fmla="*/ 3229 h 6578438"/>
-                <a:gd name="connsiteX145" fmla="*/ 3347265 w 5890489"/>
-                <a:gd name="connsiteY145" fmla="*/ 903 h 6578438"/>
+                <a:gd name="connsiteX0" fmla="*/ 6326724 w 6326724"/>
+                <a:gd name="connsiteY0" fmla="*/ 5020808 h 6561326"/>
+                <a:gd name="connsiteX1" fmla="*/ 6326724 w 6326724"/>
+                <a:gd name="connsiteY1" fmla="*/ 5698632 h 6561326"/>
+                <a:gd name="connsiteX2" fmla="*/ 6067438 w 6326724"/>
+                <a:gd name="connsiteY2" fmla="*/ 5902509 h 6561326"/>
+                <a:gd name="connsiteX3" fmla="*/ 5799974 w 6326724"/>
+                <a:gd name="connsiteY3" fmla="*/ 6102017 h 6561326"/>
+                <a:gd name="connsiteX4" fmla="*/ 5665258 w 6326724"/>
+                <a:gd name="connsiteY4" fmla="*/ 6202100 h 6561326"/>
+                <a:gd name="connsiteX5" fmla="*/ 5526873 w 6326724"/>
+                <a:gd name="connsiteY5" fmla="*/ 6302828 h 6561326"/>
+                <a:gd name="connsiteX6" fmla="*/ 5385080 w 6326724"/>
+                <a:gd name="connsiteY6" fmla="*/ 6402268 h 6561326"/>
+                <a:gd name="connsiteX7" fmla="*/ 5238833 w 6326724"/>
+                <a:gd name="connsiteY7" fmla="*/ 6498875 h 6561326"/>
+                <a:gd name="connsiteX8" fmla="*/ 5138040 w 6326724"/>
+                <a:gd name="connsiteY8" fmla="*/ 6561326 h 6561326"/>
+                <a:gd name="connsiteX9" fmla="*/ 3946072 w 6326724"/>
+                <a:gd name="connsiteY9" fmla="*/ 6561326 h 6561326"/>
+                <a:gd name="connsiteX10" fmla="*/ 3976009 w 6326724"/>
+                <a:gd name="connsiteY10" fmla="*/ 6555242 h 6561326"/>
+                <a:gd name="connsiteX11" fmla="*/ 4404855 w 6326724"/>
+                <a:gd name="connsiteY11" fmla="*/ 6399048 h 6561326"/>
+                <a:gd name="connsiteX12" fmla="*/ 4938868 w 6326724"/>
+                <a:gd name="connsiteY12" fmla="*/ 6072132 h 6561326"/>
+                <a:gd name="connsiteX13" fmla="*/ 5068342 w 6326724"/>
+                <a:gd name="connsiteY13" fmla="*/ 5976042 h 6561326"/>
+                <a:gd name="connsiteX14" fmla="*/ 5197816 w 6326724"/>
+                <a:gd name="connsiteY14" fmla="*/ 5876730 h 6561326"/>
+                <a:gd name="connsiteX15" fmla="*/ 5460039 w 6326724"/>
+                <a:gd name="connsiteY15" fmla="*/ 5670637 h 6561326"/>
+                <a:gd name="connsiteX16" fmla="*/ 5999033 w 6326724"/>
+                <a:gd name="connsiteY16" fmla="*/ 5271718 h 6561326"/>
+                <a:gd name="connsiteX17" fmla="*/ 6258766 w 6326724"/>
+                <a:gd name="connsiteY17" fmla="*/ 5077603 h 6561326"/>
+                <a:gd name="connsiteX18" fmla="*/ 4139342 w 6326724"/>
+                <a:gd name="connsiteY18" fmla="*/ 440 h 6561326"/>
+                <a:gd name="connsiteX19" fmla="*/ 4315744 w 6326724"/>
+                <a:gd name="connsiteY19" fmla="*/ 6808 h 6561326"/>
+                <a:gd name="connsiteX20" fmla="*/ 5015400 w 6326724"/>
+                <a:gd name="connsiteY20" fmla="*/ 113591 h 6561326"/>
+                <a:gd name="connsiteX21" fmla="*/ 5681114 w 6326724"/>
+                <a:gd name="connsiteY21" fmla="*/ 361418 h 6561326"/>
+                <a:gd name="connsiteX22" fmla="*/ 6270952 w 6326724"/>
+                <a:gd name="connsiteY22" fmla="*/ 755441 h 6561326"/>
+                <a:gd name="connsiteX23" fmla="*/ 6326724 w 6326724"/>
+                <a:gd name="connsiteY23" fmla="*/ 807432 h 6561326"/>
+                <a:gd name="connsiteX24" fmla="*/ 6326724 w 6326724"/>
+                <a:gd name="connsiteY24" fmla="*/ 1231565 h 6561326"/>
+                <a:gd name="connsiteX25" fmla="*/ 6302093 w 6326724"/>
+                <a:gd name="connsiteY25" fmla="*/ 1203002 h 6561326"/>
+                <a:gd name="connsiteX26" fmla="*/ 6066914 w 6326724"/>
+                <a:gd name="connsiteY26" fmla="*/ 989616 h 6561326"/>
+                <a:gd name="connsiteX27" fmla="*/ 5533688 w 6326724"/>
+                <a:gd name="connsiteY27" fmla="*/ 647242 h 6561326"/>
+                <a:gd name="connsiteX28" fmla="*/ 4933626 w 6326724"/>
+                <a:gd name="connsiteY28" fmla="*/ 432262 h 6561326"/>
+                <a:gd name="connsiteX29" fmla="*/ 4296873 w 6326724"/>
+                <a:gd name="connsiteY29" fmla="*/ 343126 h 6561326"/>
+                <a:gd name="connsiteX30" fmla="*/ 3651602 w 6326724"/>
+                <a:gd name="connsiteY30" fmla="*/ 365797 h 6561326"/>
+                <a:gd name="connsiteX31" fmla="*/ 3018256 w 6326724"/>
+                <a:gd name="connsiteY31" fmla="*/ 496666 h 6561326"/>
+                <a:gd name="connsiteX32" fmla="*/ 2412429 w 6326724"/>
+                <a:gd name="connsiteY32" fmla="*/ 724399 h 6561326"/>
+                <a:gd name="connsiteX33" fmla="*/ 1329857 w 6326724"/>
+                <a:gd name="connsiteY33" fmla="*/ 1424086 h 6561326"/>
+                <a:gd name="connsiteX34" fmla="*/ 887314 w 6326724"/>
+                <a:gd name="connsiteY34" fmla="*/ 1891015 h 6561326"/>
+                <a:gd name="connsiteX35" fmla="*/ 537420 w 6326724"/>
+                <a:gd name="connsiteY35" fmla="*/ 2427245 h 6561326"/>
+                <a:gd name="connsiteX36" fmla="*/ 299965 w 6326724"/>
+                <a:gd name="connsiteY36" fmla="*/ 3020021 h 6561326"/>
+                <a:gd name="connsiteX37" fmla="*/ 213606 w 6326724"/>
+                <a:gd name="connsiteY37" fmla="*/ 3651953 h 6561326"/>
+                <a:gd name="connsiteX38" fmla="*/ 250036 w 6326724"/>
+                <a:gd name="connsiteY38" fmla="*/ 3961352 h 6561326"/>
+                <a:gd name="connsiteX39" fmla="*/ 357625 w 6326724"/>
+                <a:gd name="connsiteY39" fmla="*/ 4250783 h 6561326"/>
+                <a:gd name="connsiteX40" fmla="*/ 432715 w 6326724"/>
+                <a:gd name="connsiteY40" fmla="*/ 4387063 h 6561326"/>
+                <a:gd name="connsiteX41" fmla="*/ 518943 w 6326724"/>
+                <a:gd name="connsiteY41" fmla="*/ 4518962 h 6561326"/>
+                <a:gd name="connsiteX42" fmla="*/ 718133 w 6326724"/>
+                <a:gd name="connsiteY42" fmla="*/ 4773874 h 6561326"/>
+                <a:gd name="connsiteX43" fmla="*/ 933704 w 6326724"/>
+                <a:gd name="connsiteY43" fmla="*/ 5030717 h 6561326"/>
+                <a:gd name="connsiteX44" fmla="*/ 1040900 w 6326724"/>
+                <a:gd name="connsiteY44" fmla="*/ 5164806 h 6561326"/>
+                <a:gd name="connsiteX45" fmla="*/ 1092401 w 6326724"/>
+                <a:gd name="connsiteY45" fmla="*/ 5230628 h 6561326"/>
+                <a:gd name="connsiteX46" fmla="*/ 1142854 w 6326724"/>
+                <a:gd name="connsiteY46" fmla="*/ 5293615 h 6561326"/>
+                <a:gd name="connsiteX47" fmla="*/ 1576354 w 6326724"/>
+                <a:gd name="connsiteY47" fmla="*/ 5759128 h 6561326"/>
+                <a:gd name="connsiteX48" fmla="*/ 1806865 w 6326724"/>
+                <a:gd name="connsiteY48" fmla="*/ 5968571 h 6561326"/>
+                <a:gd name="connsiteX49" fmla="*/ 2048253 w 6326724"/>
+                <a:gd name="connsiteY49" fmla="*/ 6161654 h 6561326"/>
+                <a:gd name="connsiteX50" fmla="*/ 2587506 w 6326724"/>
+                <a:gd name="connsiteY50" fmla="*/ 6467059 h 6561326"/>
+                <a:gd name="connsiteX51" fmla="*/ 2889176 w 6326724"/>
+                <a:gd name="connsiteY51" fmla="*/ 6553360 h 6561326"/>
+                <a:gd name="connsiteX52" fmla="*/ 2929698 w 6326724"/>
+                <a:gd name="connsiteY52" fmla="*/ 6561326 h 6561326"/>
+                <a:gd name="connsiteX53" fmla="*/ 1816374 w 6326724"/>
+                <a:gd name="connsiteY53" fmla="*/ 6561326 h 6561326"/>
+                <a:gd name="connsiteX54" fmla="*/ 1787601 w 6326724"/>
+                <a:gd name="connsiteY54" fmla="*/ 6545761 h 6561326"/>
+                <a:gd name="connsiteX55" fmla="*/ 1225544 w 6326724"/>
+                <a:gd name="connsiteY55" fmla="*/ 6094158 h 6561326"/>
+                <a:gd name="connsiteX56" fmla="*/ 997654 w 6326724"/>
+                <a:gd name="connsiteY56" fmla="*/ 5822374 h 6561326"/>
+                <a:gd name="connsiteX57" fmla="*/ 798596 w 6326724"/>
+                <a:gd name="connsiteY57" fmla="*/ 5534615 h 6561326"/>
+                <a:gd name="connsiteX58" fmla="*/ 752075 w 6326724"/>
+                <a:gd name="connsiteY58" fmla="*/ 5461324 h 6561326"/>
+                <a:gd name="connsiteX59" fmla="*/ 707650 w 6326724"/>
+                <a:gd name="connsiteY59" fmla="*/ 5390221 h 6561326"/>
+                <a:gd name="connsiteX60" fmla="*/ 619980 w 6326724"/>
+                <a:gd name="connsiteY60" fmla="*/ 5252396 h 6561326"/>
+                <a:gd name="connsiteX61" fmla="*/ 438349 w 6326724"/>
+                <a:gd name="connsiteY61" fmla="*/ 4970822 h 6561326"/>
+                <a:gd name="connsiteX62" fmla="*/ 261044 w 6326724"/>
+                <a:gd name="connsiteY62" fmla="*/ 4673145 h 6561326"/>
+                <a:gd name="connsiteX63" fmla="*/ 181107 w 6326724"/>
+                <a:gd name="connsiteY63" fmla="*/ 4515356 h 6561326"/>
+                <a:gd name="connsiteX64" fmla="*/ 113224 w 6326724"/>
+                <a:gd name="connsiteY64" fmla="*/ 4350223 h 6561326"/>
+                <a:gd name="connsiteX65" fmla="*/ 61199 w 6326724"/>
+                <a:gd name="connsiteY65" fmla="*/ 4178908 h 6561326"/>
+                <a:gd name="connsiteX66" fmla="*/ 41804 w 6326724"/>
+                <a:gd name="connsiteY66" fmla="*/ 4091577 h 6561326"/>
+                <a:gd name="connsiteX67" fmla="*/ 33287 w 6326724"/>
+                <a:gd name="connsiteY67" fmla="*/ 4047781 h 6561326"/>
+                <a:gd name="connsiteX68" fmla="*/ 26209 w 6326724"/>
+                <a:gd name="connsiteY68" fmla="*/ 4003858 h 6561326"/>
+                <a:gd name="connsiteX69" fmla="*/ 0 w 6326724"/>
+                <a:gd name="connsiteY69" fmla="*/ 3651953 h 6561326"/>
+                <a:gd name="connsiteX70" fmla="*/ 72731 w 6326724"/>
+                <a:gd name="connsiteY70" fmla="*/ 2966307 h 6561326"/>
+                <a:gd name="connsiteX71" fmla="*/ 291316 w 6326724"/>
+                <a:gd name="connsiteY71" fmla="*/ 2309385 h 6561326"/>
+                <a:gd name="connsiteX72" fmla="*/ 1110878 w 6326724"/>
+                <a:gd name="connsiteY72" fmla="*/ 1193776 h 6561326"/>
+                <a:gd name="connsiteX73" fmla="*/ 1654327 w 6326724"/>
+                <a:gd name="connsiteY73" fmla="*/ 756730 h 6561326"/>
+                <a:gd name="connsiteX74" fmla="*/ 2261727 w 6326724"/>
+                <a:gd name="connsiteY74" fmla="*/ 409720 h 6561326"/>
+                <a:gd name="connsiteX75" fmla="*/ 3610060 w 6326724"/>
+                <a:gd name="connsiteY75" fmla="*/ 27032 h 6561326"/>
+                <a:gd name="connsiteX76" fmla="*/ 4139342 w 6326724"/>
+                <a:gd name="connsiteY76" fmla="*/ 440 h 6561326"/>
               </a:gdLst>
               <a:ahLst/>
               <a:cxnLst>
@@ -24550,820 +24888,361 @@
                 <a:cxn ang="0">
                   <a:pos x="connsiteX76" y="connsiteY76"/>
                 </a:cxn>
-                <a:cxn ang="0">
-                  <a:pos x="connsiteX77" y="connsiteY77"/>
-                </a:cxn>
-                <a:cxn ang="0">
-                  <a:pos x="connsiteX78" y="connsiteY78"/>
-                </a:cxn>
-                <a:cxn ang="0">
-                  <a:pos x="connsiteX79" y="connsiteY79"/>
-                </a:cxn>
-                <a:cxn ang="0">
-                  <a:pos x="connsiteX80" y="connsiteY80"/>
-                </a:cxn>
-                <a:cxn ang="0">
-                  <a:pos x="connsiteX81" y="connsiteY81"/>
-                </a:cxn>
-                <a:cxn ang="0">
-                  <a:pos x="connsiteX82" y="connsiteY82"/>
-                </a:cxn>
-                <a:cxn ang="0">
-                  <a:pos x="connsiteX83" y="connsiteY83"/>
-                </a:cxn>
-                <a:cxn ang="0">
-                  <a:pos x="connsiteX84" y="connsiteY84"/>
-                </a:cxn>
-                <a:cxn ang="0">
-                  <a:pos x="connsiteX85" y="connsiteY85"/>
-                </a:cxn>
-                <a:cxn ang="0">
-                  <a:pos x="connsiteX86" y="connsiteY86"/>
-                </a:cxn>
-                <a:cxn ang="0">
-                  <a:pos x="connsiteX87" y="connsiteY87"/>
-                </a:cxn>
-                <a:cxn ang="0">
-                  <a:pos x="connsiteX88" y="connsiteY88"/>
-                </a:cxn>
-                <a:cxn ang="0">
-                  <a:pos x="connsiteX89" y="connsiteY89"/>
-                </a:cxn>
-                <a:cxn ang="0">
-                  <a:pos x="connsiteX90" y="connsiteY90"/>
-                </a:cxn>
-                <a:cxn ang="0">
-                  <a:pos x="connsiteX91" y="connsiteY91"/>
-                </a:cxn>
-                <a:cxn ang="0">
-                  <a:pos x="connsiteX92" y="connsiteY92"/>
-                </a:cxn>
-                <a:cxn ang="0">
-                  <a:pos x="connsiteX93" y="connsiteY93"/>
-                </a:cxn>
-                <a:cxn ang="0">
-                  <a:pos x="connsiteX94" y="connsiteY94"/>
-                </a:cxn>
-                <a:cxn ang="0">
-                  <a:pos x="connsiteX95" y="connsiteY95"/>
-                </a:cxn>
-                <a:cxn ang="0">
-                  <a:pos x="connsiteX96" y="connsiteY96"/>
-                </a:cxn>
-                <a:cxn ang="0">
-                  <a:pos x="connsiteX97" y="connsiteY97"/>
-                </a:cxn>
-                <a:cxn ang="0">
-                  <a:pos x="connsiteX98" y="connsiteY98"/>
-                </a:cxn>
-                <a:cxn ang="0">
-                  <a:pos x="connsiteX99" y="connsiteY99"/>
-                </a:cxn>
-                <a:cxn ang="0">
-                  <a:pos x="connsiteX100" y="connsiteY100"/>
-                </a:cxn>
-                <a:cxn ang="0">
-                  <a:pos x="connsiteX101" y="connsiteY101"/>
-                </a:cxn>
-                <a:cxn ang="0">
-                  <a:pos x="connsiteX102" y="connsiteY102"/>
-                </a:cxn>
-                <a:cxn ang="0">
-                  <a:pos x="connsiteX103" y="connsiteY103"/>
-                </a:cxn>
-                <a:cxn ang="0">
-                  <a:pos x="connsiteX104" y="connsiteY104"/>
-                </a:cxn>
-                <a:cxn ang="0">
-                  <a:pos x="connsiteX105" y="connsiteY105"/>
-                </a:cxn>
-                <a:cxn ang="0">
-                  <a:pos x="connsiteX106" y="connsiteY106"/>
-                </a:cxn>
-                <a:cxn ang="0">
-                  <a:pos x="connsiteX107" y="connsiteY107"/>
-                </a:cxn>
-                <a:cxn ang="0">
-                  <a:pos x="connsiteX108" y="connsiteY108"/>
-                </a:cxn>
-                <a:cxn ang="0">
-                  <a:pos x="connsiteX109" y="connsiteY109"/>
-                </a:cxn>
-                <a:cxn ang="0">
-                  <a:pos x="connsiteX110" y="connsiteY110"/>
-                </a:cxn>
-                <a:cxn ang="0">
-                  <a:pos x="connsiteX111" y="connsiteY111"/>
-                </a:cxn>
-                <a:cxn ang="0">
-                  <a:pos x="connsiteX112" y="connsiteY112"/>
-                </a:cxn>
-                <a:cxn ang="0">
-                  <a:pos x="connsiteX113" y="connsiteY113"/>
-                </a:cxn>
-                <a:cxn ang="0">
-                  <a:pos x="connsiteX114" y="connsiteY114"/>
-                </a:cxn>
-                <a:cxn ang="0">
-                  <a:pos x="connsiteX115" y="connsiteY115"/>
-                </a:cxn>
-                <a:cxn ang="0">
-                  <a:pos x="connsiteX116" y="connsiteY116"/>
-                </a:cxn>
-                <a:cxn ang="0">
-                  <a:pos x="connsiteX117" y="connsiteY117"/>
-                </a:cxn>
-                <a:cxn ang="0">
-                  <a:pos x="connsiteX118" y="connsiteY118"/>
-                </a:cxn>
-                <a:cxn ang="0">
-                  <a:pos x="connsiteX119" y="connsiteY119"/>
-                </a:cxn>
-                <a:cxn ang="0">
-                  <a:pos x="connsiteX120" y="connsiteY120"/>
-                </a:cxn>
-                <a:cxn ang="0">
-                  <a:pos x="connsiteX121" y="connsiteY121"/>
-                </a:cxn>
-                <a:cxn ang="0">
-                  <a:pos x="connsiteX122" y="connsiteY122"/>
-                </a:cxn>
-                <a:cxn ang="0">
-                  <a:pos x="connsiteX123" y="connsiteY123"/>
-                </a:cxn>
-                <a:cxn ang="0">
-                  <a:pos x="connsiteX124" y="connsiteY124"/>
-                </a:cxn>
-                <a:cxn ang="0">
-                  <a:pos x="connsiteX125" y="connsiteY125"/>
-                </a:cxn>
-                <a:cxn ang="0">
-                  <a:pos x="connsiteX126" y="connsiteY126"/>
-                </a:cxn>
-                <a:cxn ang="0">
-                  <a:pos x="connsiteX127" y="connsiteY127"/>
-                </a:cxn>
-                <a:cxn ang="0">
-                  <a:pos x="connsiteX128" y="connsiteY128"/>
-                </a:cxn>
-                <a:cxn ang="0">
-                  <a:pos x="connsiteX129" y="connsiteY129"/>
-                </a:cxn>
-                <a:cxn ang="0">
-                  <a:pos x="connsiteX130" y="connsiteY130"/>
-                </a:cxn>
-                <a:cxn ang="0">
-                  <a:pos x="connsiteX131" y="connsiteY131"/>
-                </a:cxn>
-                <a:cxn ang="0">
-                  <a:pos x="connsiteX132" y="connsiteY132"/>
-                </a:cxn>
-                <a:cxn ang="0">
-                  <a:pos x="connsiteX133" y="connsiteY133"/>
-                </a:cxn>
-                <a:cxn ang="0">
-                  <a:pos x="connsiteX134" y="connsiteY134"/>
-                </a:cxn>
-                <a:cxn ang="0">
-                  <a:pos x="connsiteX135" y="connsiteY135"/>
-                </a:cxn>
-                <a:cxn ang="0">
-                  <a:pos x="connsiteX136" y="connsiteY136"/>
-                </a:cxn>
-                <a:cxn ang="0">
-                  <a:pos x="connsiteX137" y="connsiteY137"/>
-                </a:cxn>
-                <a:cxn ang="0">
-                  <a:pos x="connsiteX138" y="connsiteY138"/>
-                </a:cxn>
-                <a:cxn ang="0">
-                  <a:pos x="connsiteX139" y="connsiteY139"/>
-                </a:cxn>
-                <a:cxn ang="0">
-                  <a:pos x="connsiteX140" y="connsiteY140"/>
-                </a:cxn>
-                <a:cxn ang="0">
-                  <a:pos x="connsiteX141" y="connsiteY141"/>
-                </a:cxn>
-                <a:cxn ang="0">
-                  <a:pos x="connsiteX142" y="connsiteY142"/>
-                </a:cxn>
-                <a:cxn ang="0">
-                  <a:pos x="connsiteX143" y="connsiteY143"/>
-                </a:cxn>
-                <a:cxn ang="0">
-                  <a:pos x="connsiteX144" y="connsiteY144"/>
-                </a:cxn>
-                <a:cxn ang="0">
-                  <a:pos x="connsiteX145" y="connsiteY145"/>
-                </a:cxn>
               </a:cxnLst>
               <a:rect l="l" t="t" r="r" b="b"/>
               <a:pathLst>
-                <a:path w="5890489" h="6578438">
+                <a:path w="6326724" h="6561326">
                   <a:moveTo>
-                    <a:pt x="3391253" y="0"/>
+                    <a:pt x="6326724" y="5020808"/>
                   </a:moveTo>
                   <a:lnTo>
-                    <a:pt x="3434974" y="646"/>
-                  </a:lnTo>
-                  <a:lnTo>
-                    <a:pt x="3522419" y="2712"/>
-                  </a:lnTo>
-                  <a:cubicBezTo>
-                    <a:pt x="3551567" y="3488"/>
-                    <a:pt x="3580451" y="3746"/>
-                    <a:pt x="3610261" y="6458"/>
-                  </a:cubicBezTo>
-                  <a:cubicBezTo>
-                    <a:pt x="3669353" y="10850"/>
-                    <a:pt x="3728179" y="14337"/>
-                    <a:pt x="3786872" y="20667"/>
-                  </a:cubicBezTo>
-                  <a:lnTo>
-                    <a:pt x="3962291" y="43530"/>
-                  </a:lnTo>
-                  <a:lnTo>
-                    <a:pt x="4135855" y="75176"/>
-                  </a:lnTo>
-                  <a:cubicBezTo>
-                    <a:pt x="4193224" y="87836"/>
-                    <a:pt x="4250328" y="101398"/>
-                    <a:pt x="4307299" y="114315"/>
-                  </a:cubicBezTo>
-                  <a:cubicBezTo>
-                    <a:pt x="4364139" y="128394"/>
-                    <a:pt x="4420050" y="145575"/>
-                    <a:pt x="4476358" y="160816"/>
-                  </a:cubicBezTo>
-                  <a:cubicBezTo>
-                    <a:pt x="4504580" y="167921"/>
-                    <a:pt x="4532138" y="177995"/>
-                    <a:pt x="4559829" y="186779"/>
-                  </a:cubicBezTo>
-                  <a:lnTo>
-                    <a:pt x="4642901" y="213648"/>
-                  </a:lnTo>
-                  <a:cubicBezTo>
-                    <a:pt x="4863234" y="288307"/>
-                    <a:pt x="5076414" y="379371"/>
-                    <a:pt x="5280847" y="485936"/>
-                  </a:cubicBezTo>
-                  <a:cubicBezTo>
-                    <a:pt x="5485018" y="592631"/>
-                    <a:pt x="5681768" y="713145"/>
-                    <a:pt x="5865400" y="851099"/>
-                  </a:cubicBezTo>
-                  <a:lnTo>
-                    <a:pt x="5890489" y="870950"/>
-                  </a:lnTo>
-                  <a:lnTo>
-                    <a:pt x="5890489" y="1321814"/>
-                  </a:lnTo>
-                  <a:lnTo>
-                    <a:pt x="5887395" y="1318952"/>
-                  </a:lnTo>
-                  <a:lnTo>
-                    <a:pt x="5830291" y="1265992"/>
-                  </a:lnTo>
-                  <a:lnTo>
-                    <a:pt x="5815981" y="1252687"/>
-                  </a:lnTo>
-                  <a:lnTo>
-                    <a:pt x="5801142" y="1240158"/>
-                  </a:lnTo>
-                  <a:lnTo>
-                    <a:pt x="5771464" y="1214969"/>
-                  </a:lnTo>
-                  <a:cubicBezTo>
-                    <a:pt x="5731849" y="1181385"/>
-                    <a:pt x="5692897" y="1146896"/>
-                    <a:pt x="5651030" y="1115767"/>
-                  </a:cubicBezTo>
-                  <a:cubicBezTo>
-                    <a:pt x="5487534" y="986985"/>
-                    <a:pt x="5311321" y="872542"/>
-                    <a:pt x="5123183" y="780443"/>
-                  </a:cubicBezTo>
-                  <a:cubicBezTo>
-                    <a:pt x="4935309" y="688087"/>
-                    <a:pt x="4737102" y="616398"/>
-                    <a:pt x="4533860" y="567701"/>
-                  </a:cubicBezTo>
-                  <a:lnTo>
-                    <a:pt x="4457281" y="550780"/>
-                  </a:lnTo>
-                  <a:cubicBezTo>
-                    <a:pt x="4431709" y="545484"/>
-                    <a:pt x="4406536" y="538896"/>
-                    <a:pt x="4380568" y="535279"/>
-                  </a:cubicBezTo>
-                  <a:lnTo>
-                    <a:pt x="4303325" y="522879"/>
-                  </a:lnTo>
-                  <a:lnTo>
-                    <a:pt x="4264769" y="516679"/>
-                  </a:lnTo>
-                  <a:cubicBezTo>
-                    <a:pt x="4251918" y="514612"/>
-                    <a:pt x="4239067" y="512415"/>
-                    <a:pt x="4226082" y="511253"/>
-                  </a:cubicBezTo>
-                  <a:cubicBezTo>
-                    <a:pt x="4174145" y="505829"/>
-                    <a:pt x="4122606" y="499498"/>
-                    <a:pt x="4070934" y="494848"/>
-                  </a:cubicBezTo>
-                  <a:lnTo>
-                    <a:pt x="3915521" y="486065"/>
-                  </a:lnTo>
-                  <a:lnTo>
-                    <a:pt x="3760241" y="484257"/>
-                  </a:lnTo>
-                  <a:cubicBezTo>
-                    <a:pt x="3734405" y="483869"/>
-                    <a:pt x="3708571" y="485936"/>
-                    <a:pt x="3682734" y="486581"/>
-                  </a:cubicBezTo>
-                  <a:lnTo>
-                    <a:pt x="3605491" y="488907"/>
-                  </a:lnTo>
-                  <a:cubicBezTo>
-                    <a:pt x="3579921" y="489165"/>
-                    <a:pt x="3553555" y="491490"/>
-                    <a:pt x="3527454" y="493169"/>
-                  </a:cubicBezTo>
-                  <a:lnTo>
-                    <a:pt x="3449151" y="498336"/>
-                  </a:lnTo>
-                  <a:lnTo>
-                    <a:pt x="3410067" y="500532"/>
-                  </a:lnTo>
-                  <a:lnTo>
-                    <a:pt x="3371246" y="504279"/>
-                  </a:lnTo>
-                  <a:cubicBezTo>
-                    <a:pt x="3345410" y="506862"/>
-                    <a:pt x="3319575" y="509315"/>
-                    <a:pt x="3293739" y="511512"/>
-                  </a:cubicBezTo>
-                  <a:cubicBezTo>
-                    <a:pt x="3087450" y="531662"/>
-                    <a:pt x="2885531" y="563180"/>
-                    <a:pt x="2689445" y="610198"/>
-                  </a:cubicBezTo>
-                  <a:cubicBezTo>
-                    <a:pt x="2493357" y="657344"/>
-                    <a:pt x="2302303" y="719088"/>
-                    <a:pt x="2117875" y="800335"/>
-                  </a:cubicBezTo>
-                  <a:cubicBezTo>
-                    <a:pt x="2072298" y="821648"/>
-                    <a:pt x="2026854" y="843606"/>
-                    <a:pt x="1981276" y="865566"/>
-                  </a:cubicBezTo>
-                  <a:cubicBezTo>
-                    <a:pt x="1937025" y="889978"/>
-                    <a:pt x="1891978" y="913229"/>
-                    <a:pt x="1847991" y="938676"/>
-                  </a:cubicBezTo>
-                  <a:lnTo>
-                    <a:pt x="1783069" y="978718"/>
-                  </a:lnTo>
-                  <a:lnTo>
-                    <a:pt x="1750609" y="998869"/>
-                  </a:lnTo>
-                  <a:lnTo>
-                    <a:pt x="1734312" y="1008945"/>
-                  </a:lnTo>
-                  <a:lnTo>
-                    <a:pt x="1718547" y="1019924"/>
-                  </a:lnTo>
-                  <a:lnTo>
-                    <a:pt x="1655481" y="1063582"/>
-                  </a:lnTo>
-                  <a:cubicBezTo>
-                    <a:pt x="1634414" y="1078178"/>
-                    <a:pt x="1612950" y="1092259"/>
-                    <a:pt x="1593077" y="1108664"/>
-                  </a:cubicBezTo>
-                  <a:lnTo>
-                    <a:pt x="1532263" y="1156197"/>
-                  </a:lnTo>
-                  <a:cubicBezTo>
-                    <a:pt x="1511992" y="1172085"/>
-                    <a:pt x="1491587" y="1187844"/>
-                    <a:pt x="1472509" y="1205152"/>
-                  </a:cubicBezTo>
-                  <a:lnTo>
-                    <a:pt x="1414212" y="1256175"/>
-                  </a:lnTo>
-                  <a:cubicBezTo>
-                    <a:pt x="1395001" y="1273354"/>
-                    <a:pt x="1375127" y="1290147"/>
-                    <a:pt x="1357242" y="1308359"/>
-                  </a:cubicBezTo>
-                  <a:cubicBezTo>
-                    <a:pt x="1283178" y="1379532"/>
-                    <a:pt x="1212163" y="1452513"/>
-                    <a:pt x="1153072" y="1529498"/>
-                  </a:cubicBezTo>
-                  <a:cubicBezTo>
-                    <a:pt x="1090933" y="1605578"/>
-                    <a:pt x="1043501" y="1685794"/>
-                    <a:pt x="1002694" y="1770658"/>
-                  </a:cubicBezTo>
-                  <a:lnTo>
-                    <a:pt x="974076" y="1835371"/>
-                  </a:lnTo>
-                  <a:lnTo>
-                    <a:pt x="949564" y="1903573"/>
-                  </a:lnTo>
-                  <a:cubicBezTo>
-                    <a:pt x="940820" y="1925661"/>
-                    <a:pt x="934593" y="1950719"/>
-                    <a:pt x="927173" y="1974229"/>
-                  </a:cubicBezTo>
-                  <a:cubicBezTo>
-                    <a:pt x="920019" y="1998254"/>
-                    <a:pt x="912468" y="2021504"/>
-                    <a:pt x="906107" y="2046952"/>
-                  </a:cubicBezTo>
-                  <a:cubicBezTo>
-                    <a:pt x="853906" y="2245614"/>
-                    <a:pt x="809918" y="2463136"/>
-                    <a:pt x="751092" y="2676266"/>
-                  </a:cubicBezTo>
-                  <a:cubicBezTo>
-                    <a:pt x="693458" y="2889912"/>
-                    <a:pt x="624166" y="3100976"/>
-                    <a:pt x="547189" y="3308422"/>
-                  </a:cubicBezTo>
-                  <a:cubicBezTo>
-                    <a:pt x="479617" y="3487580"/>
-                    <a:pt x="444109" y="3675523"/>
-                    <a:pt x="441195" y="3866306"/>
-                  </a:cubicBezTo>
-                  <a:cubicBezTo>
-                    <a:pt x="438014" y="4057089"/>
-                    <a:pt x="469282" y="4250456"/>
-                    <a:pt x="527182" y="4439174"/>
-                  </a:cubicBezTo>
-                  <a:cubicBezTo>
-                    <a:pt x="584815" y="4628278"/>
-                    <a:pt x="671067" y="4811828"/>
-                    <a:pt x="775073" y="4987240"/>
-                  </a:cubicBezTo>
-                  <a:cubicBezTo>
-                    <a:pt x="827009" y="5075075"/>
-                    <a:pt x="884246" y="5160327"/>
-                    <a:pt x="943206" y="5244933"/>
-                  </a:cubicBezTo>
-                  <a:cubicBezTo>
-                    <a:pt x="1002296" y="5329411"/>
-                    <a:pt x="1064964" y="5412337"/>
-                    <a:pt x="1133728" y="5490356"/>
-                  </a:cubicBezTo>
-                  <a:cubicBezTo>
-                    <a:pt x="1203949" y="5567728"/>
-                    <a:pt x="1279337" y="5642259"/>
-                    <a:pt x="1359626" y="5709815"/>
-                  </a:cubicBezTo>
-                  <a:cubicBezTo>
-                    <a:pt x="1398711" y="5744949"/>
-                    <a:pt x="1439916" y="5777241"/>
-                    <a:pt x="1481254" y="5809146"/>
-                  </a:cubicBezTo>
-                  <a:cubicBezTo>
-                    <a:pt x="1501922" y="5825163"/>
-                    <a:pt x="1522325" y="5841309"/>
-                    <a:pt x="1543260" y="5856940"/>
-                  </a:cubicBezTo>
-                  <a:cubicBezTo>
-                    <a:pt x="1564591" y="5871923"/>
-                    <a:pt x="1585921" y="5886777"/>
-                    <a:pt x="1607518" y="5901374"/>
-                  </a:cubicBezTo>
-                  <a:cubicBezTo>
-                    <a:pt x="1778565" y="6019693"/>
-                    <a:pt x="1961271" y="6115924"/>
-                    <a:pt x="2145566" y="6193814"/>
-                  </a:cubicBezTo>
-                  <a:lnTo>
-                    <a:pt x="2214991" y="6221844"/>
-                  </a:lnTo>
-                  <a:lnTo>
-                    <a:pt x="2249307" y="6236182"/>
-                  </a:lnTo>
-                  <a:cubicBezTo>
-                    <a:pt x="2260702" y="6241089"/>
-                    <a:pt x="2272625" y="6244577"/>
-                    <a:pt x="2284285" y="6248711"/>
-                  </a:cubicBezTo>
-                  <a:lnTo>
-                    <a:pt x="2354241" y="6273124"/>
-                  </a:lnTo>
-                  <a:cubicBezTo>
-                    <a:pt x="2360070" y="6275190"/>
-                    <a:pt x="2365899" y="6277128"/>
-                    <a:pt x="2371597" y="6279324"/>
-                  </a:cubicBezTo>
-                  <a:cubicBezTo>
-                    <a:pt x="2377161" y="6281778"/>
-                    <a:pt x="2382329" y="6285007"/>
-                    <a:pt x="2387894" y="6287719"/>
-                  </a:cubicBezTo>
-                  <a:cubicBezTo>
-                    <a:pt x="2398757" y="6293274"/>
-                    <a:pt x="2410153" y="6297666"/>
-                    <a:pt x="2421414" y="6302186"/>
-                  </a:cubicBezTo>
-                  <a:lnTo>
-                    <a:pt x="2489117" y="6329441"/>
-                  </a:lnTo>
-                  <a:lnTo>
-                    <a:pt x="2522902" y="6343134"/>
-                  </a:lnTo>
-                  <a:cubicBezTo>
-                    <a:pt x="2534165" y="6347654"/>
-                    <a:pt x="2545294" y="6352563"/>
-                    <a:pt x="2556953" y="6356051"/>
-                  </a:cubicBezTo>
-                  <a:lnTo>
-                    <a:pt x="2695009" y="6401905"/>
-                  </a:lnTo>
-                  <a:cubicBezTo>
-                    <a:pt x="2880895" y="6457190"/>
-                    <a:pt x="3073141" y="6489095"/>
-                    <a:pt x="3268035" y="6501238"/>
-                  </a:cubicBezTo>
-                  <a:cubicBezTo>
-                    <a:pt x="3292413" y="6502659"/>
-                    <a:pt x="3316527" y="6505629"/>
-                    <a:pt x="3341038" y="6506145"/>
-                  </a:cubicBezTo>
-                  <a:lnTo>
-                    <a:pt x="3414703" y="6507050"/>
-                  </a:lnTo>
-                  <a:lnTo>
-                    <a:pt x="3488237" y="6508212"/>
-                  </a:lnTo>
-                  <a:cubicBezTo>
-                    <a:pt x="3500690" y="6508729"/>
-                    <a:pt x="3512483" y="6508471"/>
-                    <a:pt x="3524142" y="6507955"/>
-                  </a:cubicBezTo>
-                  <a:lnTo>
-                    <a:pt x="3559252" y="6506921"/>
-                  </a:lnTo>
-                  <a:cubicBezTo>
-                    <a:pt x="3582835" y="6506792"/>
-                    <a:pt x="3605889" y="6504467"/>
-                    <a:pt x="3629207" y="6503045"/>
-                  </a:cubicBezTo>
-                  <a:cubicBezTo>
-                    <a:pt x="3652526" y="6502012"/>
-                    <a:pt x="3675579" y="6499171"/>
-                    <a:pt x="3698633" y="6496845"/>
-                  </a:cubicBezTo>
-                  <a:cubicBezTo>
-                    <a:pt x="3710160" y="6495683"/>
-                    <a:pt x="3721819" y="6494907"/>
-                    <a:pt x="3733213" y="6493357"/>
-                  </a:cubicBezTo>
-                  <a:lnTo>
-                    <a:pt x="3767529" y="6488707"/>
-                  </a:lnTo>
-                  <a:lnTo>
-                    <a:pt x="3801845" y="6484057"/>
-                  </a:lnTo>
-                  <a:lnTo>
-                    <a:pt x="3835895" y="6478116"/>
-                  </a:lnTo>
-                  <a:cubicBezTo>
-                    <a:pt x="4017673" y="6446727"/>
-                    <a:pt x="4194152" y="6390281"/>
-                    <a:pt x="4364801" y="6308517"/>
-                  </a:cubicBezTo>
-                  <a:cubicBezTo>
-                    <a:pt x="4535583" y="6227139"/>
-                    <a:pt x="4700138" y="6120962"/>
-                    <a:pt x="4861379" y="6000576"/>
-                  </a:cubicBezTo>
-                  <a:cubicBezTo>
-                    <a:pt x="5022621" y="5879931"/>
-                    <a:pt x="5180684" y="5745337"/>
-                    <a:pt x="5341263" y="5605834"/>
-                  </a:cubicBezTo>
-                  <a:lnTo>
-                    <a:pt x="5587301" y="5390379"/>
-                  </a:lnTo>
-                  <a:cubicBezTo>
-                    <a:pt x="5674216" y="5315718"/>
-                    <a:pt x="5761527" y="5244416"/>
-                    <a:pt x="5849105" y="5176344"/>
-                  </a:cubicBezTo>
-                  <a:lnTo>
-                    <a:pt x="5890489" y="5145260"/>
-                  </a:lnTo>
-                  <a:lnTo>
-                    <a:pt x="5890489" y="5995323"/>
-                  </a:lnTo>
-                  <a:lnTo>
-                    <a:pt x="5811477" y="6077819"/>
-                  </a:lnTo>
-                  <a:cubicBezTo>
-                    <a:pt x="5654739" y="6238377"/>
-                    <a:pt x="5487138" y="6396093"/>
-                    <a:pt x="5301384" y="6542958"/>
-                  </a:cubicBezTo>
-                  <a:lnTo>
-                    <a:pt x="5252008" y="6578438"/>
-                  </a:lnTo>
-                  <a:lnTo>
-                    <a:pt x="1653730" y="6578438"/>
-                  </a:lnTo>
-                  <a:lnTo>
-                    <a:pt x="1549768" y="6488821"/>
-                  </a:lnTo>
-                  <a:cubicBezTo>
-                    <a:pt x="1461976" y="6409495"/>
-                    <a:pt x="1378573" y="6327182"/>
-                    <a:pt x="1298282" y="6243932"/>
-                  </a:cubicBezTo>
-                  <a:cubicBezTo>
-                    <a:pt x="1278277" y="6223006"/>
-                    <a:pt x="1258138" y="6202210"/>
-                    <a:pt x="1237999" y="6181671"/>
-                  </a:cubicBezTo>
-                  <a:lnTo>
-                    <a:pt x="1179967" y="6117862"/>
-                  </a:lnTo>
-                  <a:lnTo>
-                    <a:pt x="1121936" y="6054569"/>
-                  </a:lnTo>
-                  <a:cubicBezTo>
-                    <a:pt x="1102328" y="6033644"/>
-                    <a:pt x="1084573" y="6011427"/>
-                    <a:pt x="1065628" y="5990243"/>
-                  </a:cubicBezTo>
-                  <a:cubicBezTo>
-                    <a:pt x="1028662" y="5947099"/>
-                    <a:pt x="990239" y="5904991"/>
-                    <a:pt x="954335" y="5861460"/>
-                  </a:cubicBezTo>
-                  <a:cubicBezTo>
-                    <a:pt x="936050" y="5840018"/>
-                    <a:pt x="917634" y="5818446"/>
-                    <a:pt x="898953" y="5797393"/>
-                  </a:cubicBezTo>
-                  <a:cubicBezTo>
-                    <a:pt x="880404" y="5776208"/>
-                    <a:pt x="861325" y="5755412"/>
-                    <a:pt x="842908" y="5733582"/>
-                  </a:cubicBezTo>
-                  <a:cubicBezTo>
-                    <a:pt x="767919" y="5647942"/>
-                    <a:pt x="693061" y="5561786"/>
-                    <a:pt x="622442" y="5471884"/>
-                  </a:cubicBezTo>
-                  <a:cubicBezTo>
-                    <a:pt x="551559" y="5382112"/>
-                    <a:pt x="486639" y="5287430"/>
-                    <a:pt x="425559" y="5190036"/>
-                  </a:cubicBezTo>
-                  <a:cubicBezTo>
-                    <a:pt x="303668" y="4994990"/>
-                    <a:pt x="200193" y="4786123"/>
-                    <a:pt x="123877" y="4564210"/>
-                  </a:cubicBezTo>
-                  <a:cubicBezTo>
-                    <a:pt x="47694" y="4342555"/>
-                    <a:pt x="2249" y="4106045"/>
-                    <a:pt x="130" y="3865530"/>
-                  </a:cubicBezTo>
-                  <a:cubicBezTo>
-                    <a:pt x="-1328" y="3745403"/>
-                    <a:pt x="9537" y="3624629"/>
-                    <a:pt x="30602" y="3505793"/>
-                  </a:cubicBezTo>
-                  <a:cubicBezTo>
-                    <a:pt x="51802" y="3386828"/>
-                    <a:pt x="84659" y="3270059"/>
-                    <a:pt x="126924" y="3157164"/>
-                  </a:cubicBezTo>
-                  <a:cubicBezTo>
-                    <a:pt x="200457" y="2959276"/>
-                    <a:pt x="271737" y="2761388"/>
-                    <a:pt x="334803" y="2560530"/>
-                  </a:cubicBezTo>
-                  <a:lnTo>
-                    <a:pt x="381176" y="2409144"/>
-                  </a:lnTo>
-                  <a:lnTo>
-                    <a:pt x="425825" y="2255819"/>
-                  </a:lnTo>
-                  <a:lnTo>
-                    <a:pt x="470210" y="2099523"/>
-                  </a:lnTo>
-                  <a:lnTo>
-                    <a:pt x="492998" y="2020213"/>
-                  </a:lnTo>
-                  <a:lnTo>
-                    <a:pt x="517509" y="1939224"/>
-                  </a:lnTo>
-                  <a:cubicBezTo>
-                    <a:pt x="525061" y="1912485"/>
-                    <a:pt x="534866" y="1884586"/>
-                    <a:pt x="544007" y="1857201"/>
-                  </a:cubicBezTo>
-                  <a:cubicBezTo>
-                    <a:pt x="553680" y="1829559"/>
-                    <a:pt x="561496" y="1802304"/>
-                    <a:pt x="573288" y="1774274"/>
-                  </a:cubicBezTo>
-                  <a:lnTo>
-                    <a:pt x="606146" y="1690832"/>
-                  </a:lnTo>
-                  <a:cubicBezTo>
-                    <a:pt x="618467" y="1663060"/>
-                    <a:pt x="631716" y="1635417"/>
-                    <a:pt x="644569" y="1607775"/>
-                  </a:cubicBezTo>
-                  <a:cubicBezTo>
-                    <a:pt x="698625" y="1498368"/>
-                    <a:pt x="763413" y="1391287"/>
-                    <a:pt x="837874" y="1297638"/>
-                  </a:cubicBezTo>
-                  <a:cubicBezTo>
-                    <a:pt x="910348" y="1201278"/>
-                    <a:pt x="990107" y="1115897"/>
-                    <a:pt x="1069602" y="1032194"/>
-                  </a:cubicBezTo>
-                  <a:cubicBezTo>
-                    <a:pt x="1089079" y="1010624"/>
-                    <a:pt x="1110012" y="990990"/>
-                    <a:pt x="1130548" y="970839"/>
-                  </a:cubicBezTo>
-                  <a:lnTo>
-                    <a:pt x="1192024" y="910129"/>
-                  </a:lnTo>
-                  <a:cubicBezTo>
-                    <a:pt x="1212031" y="889462"/>
-                    <a:pt x="1234024" y="870475"/>
-                    <a:pt x="1255356" y="850841"/>
-                  </a:cubicBezTo>
-                  <a:lnTo>
-                    <a:pt x="1319614" y="792068"/>
-                  </a:lnTo>
-                  <a:cubicBezTo>
-                    <a:pt x="1340680" y="772176"/>
-                    <a:pt x="1363469" y="753834"/>
-                    <a:pt x="1385728" y="734975"/>
-                  </a:cubicBezTo>
-                  <a:lnTo>
-                    <a:pt x="1452768" y="678528"/>
-                  </a:lnTo>
-                  <a:lnTo>
-                    <a:pt x="1469594" y="664449"/>
-                  </a:lnTo>
-                  <a:lnTo>
-                    <a:pt x="1487083" y="651015"/>
-                  </a:lnTo>
-                  <a:lnTo>
-                    <a:pt x="1522193" y="624277"/>
-                  </a:lnTo>
-                  <a:lnTo>
-                    <a:pt x="1592415" y="570671"/>
-                  </a:lnTo>
-                  <a:cubicBezTo>
-                    <a:pt x="1640110" y="535925"/>
-                    <a:pt x="1689531" y="503245"/>
-                    <a:pt x="1738287" y="469402"/>
-                  </a:cubicBezTo>
-                  <a:cubicBezTo>
-                    <a:pt x="1788634" y="438015"/>
-                    <a:pt x="1839643" y="407013"/>
-                    <a:pt x="1890918" y="376530"/>
-                  </a:cubicBezTo>
-                  <a:cubicBezTo>
-                    <a:pt x="2098400" y="258209"/>
-                    <a:pt x="2323503" y="166241"/>
-                    <a:pt x="2555363" y="105274"/>
-                  </a:cubicBezTo>
-                  <a:cubicBezTo>
-                    <a:pt x="2787223" y="44047"/>
-                    <a:pt x="3024516" y="12013"/>
-                    <a:pt x="3259291" y="3229"/>
-                  </a:cubicBezTo>
-                  <a:lnTo>
-                    <a:pt x="3347265" y="903"/>
-                  </a:lnTo>
+                    <a:pt x="6326724" y="5698632"/>
+                  </a:lnTo>
+                  <a:lnTo>
+                    <a:pt x="6067438" y="5902509"/>
+                  </a:lnTo>
+                  <a:cubicBezTo>
+                    <a:pt x="5977868" y="5970407"/>
+                    <a:pt x="5888364" y="6036453"/>
+                    <a:pt x="5799974" y="6102017"/>
+                  </a:cubicBezTo>
+                  <a:lnTo>
+                    <a:pt x="5665258" y="6202100"/>
+                  </a:lnTo>
+                  <a:cubicBezTo>
+                    <a:pt x="5619654" y="6235719"/>
+                    <a:pt x="5573656" y="6269596"/>
+                    <a:pt x="5526873" y="6302828"/>
+                  </a:cubicBezTo>
+                  <a:cubicBezTo>
+                    <a:pt x="5480220" y="6336189"/>
+                    <a:pt x="5433044" y="6369423"/>
+                    <a:pt x="5385080" y="6402268"/>
+                  </a:cubicBezTo>
+                  <a:cubicBezTo>
+                    <a:pt x="5336988" y="6434857"/>
+                    <a:pt x="5288500" y="6467187"/>
+                    <a:pt x="5238833" y="6498875"/>
+                  </a:cubicBezTo>
+                  <a:lnTo>
+                    <a:pt x="5138040" y="6561326"/>
+                  </a:lnTo>
+                  <a:lnTo>
+                    <a:pt x="3946072" y="6561326"/>
+                  </a:lnTo>
+                  <a:lnTo>
+                    <a:pt x="3976009" y="6555242"/>
+                  </a:lnTo>
+                  <a:cubicBezTo>
+                    <a:pt x="4123712" y="6519227"/>
+                    <a:pt x="4266863" y="6466383"/>
+                    <a:pt x="4404855" y="6399048"/>
+                  </a:cubicBezTo>
+                  <a:cubicBezTo>
+                    <a:pt x="4589500" y="6310299"/>
+                    <a:pt x="4765232" y="6196690"/>
+                    <a:pt x="4938868" y="6072132"/>
+                  </a:cubicBezTo>
+                  <a:cubicBezTo>
+                    <a:pt x="4982245" y="6041089"/>
+                    <a:pt x="5025359" y="6008630"/>
+                    <a:pt x="5068342" y="5976042"/>
+                  </a:cubicBezTo>
+                  <a:cubicBezTo>
+                    <a:pt x="5111588" y="5943453"/>
+                    <a:pt x="5154702" y="5910349"/>
+                    <a:pt x="5197816" y="5876730"/>
+                  </a:cubicBezTo>
+                  <a:lnTo>
+                    <a:pt x="5460039" y="5670637"/>
+                  </a:lnTo>
+                  <a:cubicBezTo>
+                    <a:pt x="5639966" y="5530365"/>
+                    <a:pt x="5821596" y="5399753"/>
+                    <a:pt x="5999033" y="5271718"/>
+                  </a:cubicBezTo>
+                  <a:cubicBezTo>
+                    <a:pt x="6087686" y="5207700"/>
+                    <a:pt x="6174667" y="5143360"/>
+                    <a:pt x="6258766" y="5077603"/>
+                  </a:cubicBezTo>
+                  <a:close/>
+                  <a:moveTo>
+                    <a:pt x="4139342" y="440"/>
+                  </a:moveTo>
+                  <a:cubicBezTo>
+                    <a:pt x="4198237" y="1301"/>
+                    <a:pt x="4257068" y="3427"/>
+                    <a:pt x="4315744" y="6808"/>
+                  </a:cubicBezTo>
+                  <a:cubicBezTo>
+                    <a:pt x="4550841" y="20849"/>
+                    <a:pt x="4785806" y="55240"/>
+                    <a:pt x="5015400" y="113591"/>
+                  </a:cubicBezTo>
+                  <a:cubicBezTo>
+                    <a:pt x="5244992" y="171812"/>
+                    <a:pt x="5469212" y="254249"/>
+                    <a:pt x="5681114" y="361418"/>
+                  </a:cubicBezTo>
+                  <a:cubicBezTo>
+                    <a:pt x="5892754" y="468586"/>
+                    <a:pt x="6093124" y="599584"/>
+                    <a:pt x="6270952" y="755441"/>
+                  </a:cubicBezTo>
+                  <a:lnTo>
+                    <a:pt x="6326724" y="807432"/>
+                  </a:lnTo>
+                  <a:lnTo>
+                    <a:pt x="6326724" y="1231565"/>
+                  </a:lnTo>
+                  <a:lnTo>
+                    <a:pt x="6302093" y="1203002"/>
+                  </a:lnTo>
+                  <a:cubicBezTo>
+                    <a:pt x="6227937" y="1127247"/>
+                    <a:pt x="6149211" y="1056081"/>
+                    <a:pt x="6066914" y="989616"/>
+                  </a:cubicBezTo>
+                  <a:cubicBezTo>
+                    <a:pt x="5902714" y="856299"/>
+                    <a:pt x="5724360" y="740371"/>
+                    <a:pt x="5533688" y="647242"/>
+                  </a:cubicBezTo>
+                  <a:cubicBezTo>
+                    <a:pt x="5343146" y="553857"/>
+                    <a:pt x="5141466" y="482239"/>
+                    <a:pt x="4933626" y="432262"/>
+                  </a:cubicBezTo>
+                  <a:cubicBezTo>
+                    <a:pt x="4725788" y="382156"/>
+                    <a:pt x="4512182" y="353303"/>
+                    <a:pt x="4296873" y="343126"/>
+                  </a:cubicBezTo>
+                  <a:cubicBezTo>
+                    <a:pt x="4081172" y="332435"/>
+                    <a:pt x="3865732" y="339520"/>
+                    <a:pt x="3651602" y="365797"/>
+                  </a:cubicBezTo>
+                  <a:cubicBezTo>
+                    <a:pt x="3437604" y="392202"/>
+                    <a:pt x="3225572" y="436384"/>
+                    <a:pt x="3018256" y="496666"/>
+                  </a:cubicBezTo>
+                  <a:cubicBezTo>
+                    <a:pt x="2810809" y="556691"/>
+                    <a:pt x="2608474" y="634362"/>
+                    <a:pt x="2412429" y="724399"/>
+                  </a:cubicBezTo>
+                  <a:cubicBezTo>
+                    <a:pt x="2019160" y="902541"/>
+                    <a:pt x="1651969" y="1138775"/>
+                    <a:pt x="1329857" y="1424086"/>
+                  </a:cubicBezTo>
+                  <a:cubicBezTo>
+                    <a:pt x="1169326" y="1567192"/>
+                    <a:pt x="1020588" y="1723307"/>
+                    <a:pt x="887314" y="1891015"/>
+                  </a:cubicBezTo>
+                  <a:cubicBezTo>
+                    <a:pt x="753778" y="2058466"/>
+                    <a:pt x="635967" y="2238026"/>
+                    <a:pt x="537420" y="2427245"/>
+                  </a:cubicBezTo>
+                  <a:cubicBezTo>
+                    <a:pt x="438874" y="2616335"/>
+                    <a:pt x="356839" y="2814313"/>
+                    <a:pt x="299965" y="3020021"/>
+                  </a:cubicBezTo>
+                  <a:cubicBezTo>
+                    <a:pt x="242961" y="3225212"/>
+                    <a:pt x="213474" y="3438518"/>
+                    <a:pt x="213606" y="3651953"/>
+                  </a:cubicBezTo>
+                  <a:cubicBezTo>
+                    <a:pt x="214785" y="3756804"/>
+                    <a:pt x="225269" y="3860881"/>
+                    <a:pt x="250036" y="3961352"/>
+                  </a:cubicBezTo>
+                  <a:cubicBezTo>
+                    <a:pt x="274412" y="4061950"/>
+                    <a:pt x="312284" y="4158171"/>
+                    <a:pt x="357625" y="4250783"/>
+                  </a:cubicBezTo>
+                  <a:cubicBezTo>
+                    <a:pt x="380558" y="4297025"/>
+                    <a:pt x="405982" y="4342366"/>
+                    <a:pt x="432715" y="4387063"/>
+                  </a:cubicBezTo>
+                  <a:cubicBezTo>
+                    <a:pt x="459841" y="4431630"/>
+                    <a:pt x="488803" y="4475554"/>
+                    <a:pt x="518943" y="4518962"/>
+                  </a:cubicBezTo>
+                  <a:cubicBezTo>
+                    <a:pt x="580011" y="4605521"/>
+                    <a:pt x="647893" y="4689504"/>
+                    <a:pt x="718133" y="4773874"/>
+                  </a:cubicBezTo>
+                  <a:cubicBezTo>
+                    <a:pt x="788374" y="4858372"/>
+                    <a:pt x="861760" y="4942871"/>
+                    <a:pt x="933704" y="5030717"/>
+                  </a:cubicBezTo>
+                  <a:cubicBezTo>
+                    <a:pt x="969742" y="5074512"/>
+                    <a:pt x="1005387" y="5119337"/>
+                    <a:pt x="1040900" y="5164806"/>
+                  </a:cubicBezTo>
+                  <a:lnTo>
+                    <a:pt x="1092401" y="5230628"/>
+                  </a:lnTo>
+                  <a:cubicBezTo>
+                    <a:pt x="1109306" y="5251624"/>
+                    <a:pt x="1125425" y="5273135"/>
+                    <a:pt x="1142854" y="5293615"/>
+                  </a:cubicBezTo>
+                  <a:cubicBezTo>
+                    <a:pt x="1278880" y="5460293"/>
+                    <a:pt x="1426438" y="5613704"/>
+                    <a:pt x="1576354" y="5759128"/>
+                  </a:cubicBezTo>
+                  <a:cubicBezTo>
+                    <a:pt x="1651706" y="5831519"/>
+                    <a:pt x="1728368" y="5901461"/>
+                    <a:pt x="1806865" y="5968571"/>
+                  </a:cubicBezTo>
+                  <a:cubicBezTo>
+                    <a:pt x="1885362" y="6035680"/>
+                    <a:pt x="1965299" y="6100599"/>
+                    <a:pt x="2048253" y="6161654"/>
+                  </a:cubicBezTo>
+                  <a:cubicBezTo>
+                    <a:pt x="2213502" y="6284022"/>
+                    <a:pt x="2391724" y="6393380"/>
+                    <a:pt x="2587506" y="6467059"/>
+                  </a:cubicBezTo>
+                  <a:cubicBezTo>
+                    <a:pt x="2685137" y="6503898"/>
+                    <a:pt x="2786304" y="6532106"/>
+                    <a:pt x="2889176" y="6553360"/>
+                  </a:cubicBezTo>
+                  <a:lnTo>
+                    <a:pt x="2929698" y="6561326"/>
+                  </a:lnTo>
+                  <a:lnTo>
+                    <a:pt x="1816374" y="6561326"/>
+                  </a:lnTo>
+                  <a:lnTo>
+                    <a:pt x="1787601" y="6545761"/>
+                  </a:lnTo>
+                  <a:cubicBezTo>
+                    <a:pt x="1577272" y="6422749"/>
+                    <a:pt x="1389483" y="6266761"/>
+                    <a:pt x="1225544" y="6094158"/>
+                  </a:cubicBezTo>
+                  <a:cubicBezTo>
+                    <a:pt x="1143116" y="6007986"/>
+                    <a:pt x="1068158" y="5916274"/>
+                    <a:pt x="997654" y="5822374"/>
+                  </a:cubicBezTo>
+                  <a:cubicBezTo>
+                    <a:pt x="927546" y="5728086"/>
+                    <a:pt x="860842" y="5632381"/>
+                    <a:pt x="798596" y="5534615"/>
+                  </a:cubicBezTo>
+                  <a:cubicBezTo>
+                    <a:pt x="782608" y="5510399"/>
+                    <a:pt x="767537" y="5485797"/>
+                    <a:pt x="752075" y="5461324"/>
+                  </a:cubicBezTo>
+                  <a:lnTo>
+                    <a:pt x="707650" y="5390221"/>
+                  </a:lnTo>
+                  <a:cubicBezTo>
+                    <a:pt x="679213" y="5344237"/>
+                    <a:pt x="649728" y="5298638"/>
+                    <a:pt x="619980" y="5252396"/>
+                  </a:cubicBezTo>
+                  <a:lnTo>
+                    <a:pt x="438349" y="4970822"/>
+                  </a:lnTo>
+                  <a:cubicBezTo>
+                    <a:pt x="377413" y="4874860"/>
+                    <a:pt x="317263" y="4776064"/>
+                    <a:pt x="261044" y="4673145"/>
+                  </a:cubicBezTo>
+                  <a:cubicBezTo>
+                    <a:pt x="233000" y="4621622"/>
+                    <a:pt x="205874" y="4569197"/>
+                    <a:pt x="181107" y="4515356"/>
+                  </a:cubicBezTo>
+                  <a:cubicBezTo>
+                    <a:pt x="156470" y="4461385"/>
+                    <a:pt x="133537" y="4406385"/>
+                    <a:pt x="113224" y="4350223"/>
+                  </a:cubicBezTo>
+                  <a:cubicBezTo>
+                    <a:pt x="93305" y="4293934"/>
+                    <a:pt x="75614" y="4236872"/>
+                    <a:pt x="61199" y="4178908"/>
+                  </a:cubicBezTo>
+                  <a:cubicBezTo>
+                    <a:pt x="54385" y="4149927"/>
+                    <a:pt x="47440" y="4120815"/>
+                    <a:pt x="41804" y="4091577"/>
+                  </a:cubicBezTo>
+                  <a:lnTo>
+                    <a:pt x="33287" y="4047781"/>
+                  </a:lnTo>
+                  <a:lnTo>
+                    <a:pt x="26209" y="4003858"/>
+                  </a:lnTo>
+                  <a:cubicBezTo>
+                    <a:pt x="7732" y="3886643"/>
+                    <a:pt x="0" y="3768783"/>
+                    <a:pt x="0" y="3651953"/>
+                  </a:cubicBezTo>
+                  <a:cubicBezTo>
+                    <a:pt x="524" y="3422031"/>
+                    <a:pt x="25030" y="3192109"/>
+                    <a:pt x="72731" y="2966307"/>
+                  </a:cubicBezTo>
+                  <a:cubicBezTo>
+                    <a:pt x="120301" y="2740634"/>
+                    <a:pt x="193163" y="2519343"/>
+                    <a:pt x="291316" y="2309385"/>
+                  </a:cubicBezTo>
+                  <a:cubicBezTo>
+                    <a:pt x="488540" y="1889469"/>
+                    <a:pt x="774352" y="1513736"/>
+                    <a:pt x="1110878" y="1193776"/>
+                  </a:cubicBezTo>
+                  <a:cubicBezTo>
+                    <a:pt x="1279535" y="1033797"/>
+                    <a:pt x="1461821" y="887856"/>
+                    <a:pt x="1654327" y="756730"/>
+                  </a:cubicBezTo>
+                  <a:cubicBezTo>
+                    <a:pt x="1847096" y="625732"/>
+                    <a:pt x="2049956" y="509031"/>
+                    <a:pt x="2261727" y="409720"/>
+                  </a:cubicBezTo>
+                  <a:cubicBezTo>
+                    <a:pt x="2685792" y="212515"/>
+                    <a:pt x="3142357" y="82162"/>
+                    <a:pt x="3610060" y="27032"/>
+                  </a:cubicBezTo>
+                  <a:cubicBezTo>
+                    <a:pt x="3785399" y="6647"/>
+                    <a:pt x="3962657" y="-2144"/>
+                    <a:pt x="4139342" y="440"/>
+                  </a:cubicBezTo>
                   <a:close/>
                 </a:path>
               </a:pathLst>
             </a:custGeom>
-            <a:gradFill flip="none" rotWithShape="1">
+            <a:gradFill>
               <a:gsLst>
                 <a:gs pos="2000">
                   <a:schemeClr val="bg1">
@@ -25372,7 +25251,7 @@
                 </a:gs>
                 <a:gs pos="16000">
                   <a:schemeClr val="accent6">
-                    <a:alpha val="5000"/>
+                    <a:alpha val="10000"/>
                   </a:schemeClr>
                 </a:gs>
                 <a:gs pos="100000">
@@ -25382,12 +25261,11 @@
                 </a:gs>
                 <a:gs pos="85000">
                   <a:schemeClr val="accent1">
-                    <a:alpha val="5000"/>
+                    <a:alpha val="10000"/>
                   </a:schemeClr>
                 </a:gs>
               </a:gsLst>
               <a:lin ang="12000000" scaled="0"/>
-              <a:tileRect/>
             </a:gradFill>
             <a:ln>
               <a:noFill/>
@@ -25420,10 +25298,10 @@
         </p:sp>
         <p:sp>
           <p:nvSpPr>
-            <p:cNvPr id="93" name="Freeform: Shape 92">
+            <p:cNvPr id="22" name="Freeform: Shape 21">
               <a:extLst>
                 <a:ext uri="{FF2B5EF4-FFF2-40B4-BE49-F238E27FC236}">
-                  <a16:creationId xmlns:a16="http://schemas.microsoft.com/office/drawing/2014/main" id="{27CCEAF3-651B-4605-AE58-F96E22703636}"/>
+                  <a16:creationId xmlns:a16="http://schemas.microsoft.com/office/drawing/2014/main" id="{7D6639D4-AB02-A6C8-DB19-4FE62C265A58}"/>
                 </a:ext>
                 <a:ext uri="{C183D7F6-B498-43B3-948B-1728B52AA6E4}">
                   <adec:decorative xmlns:adec="http://schemas.microsoft.com/office/drawing/2017/decorative" val="1"/>
@@ -25441,70 +25319,70 @@
           </p:nvSpPr>
           <p:spPr>
             <a:xfrm>
-              <a:off x="6101023" y="52997"/>
-              <a:ext cx="6093363" cy="6805004"/>
+              <a:off x="5870322" y="353119"/>
+              <a:ext cx="6321679" cy="6521594"/>
             </a:xfrm>
             <a:custGeom>
               <a:avLst/>
               <a:gdLst>
-                <a:gd name="connsiteX0" fmla="*/ 3517682 w 5890491"/>
-                <a:gd name="connsiteY0" fmla="*/ 0 h 6578439"/>
-                <a:gd name="connsiteX1" fmla="*/ 5849513 w 5890491"/>
-                <a:gd name="connsiteY1" fmla="*/ 841730 h 6578439"/>
-                <a:gd name="connsiteX2" fmla="*/ 5890491 w 5890491"/>
-                <a:gd name="connsiteY2" fmla="*/ 879061 h 6578439"/>
-                <a:gd name="connsiteX3" fmla="*/ 5890491 w 5890491"/>
-                <a:gd name="connsiteY3" fmla="*/ 2034114 h 6578439"/>
-                <a:gd name="connsiteX4" fmla="*/ 5757065 w 5890491"/>
-                <a:gd name="connsiteY4" fmla="*/ 1854938 h 6578439"/>
-                <a:gd name="connsiteX5" fmla="*/ 5564060 w 5890491"/>
-                <a:gd name="connsiteY5" fmla="*/ 1642182 h 6578439"/>
-                <a:gd name="connsiteX6" fmla="*/ 3517551 w 5890491"/>
-                <a:gd name="connsiteY6" fmla="*/ 790012 h 6578439"/>
-                <a:gd name="connsiteX7" fmla="*/ 1611552 w 5890491"/>
-                <a:gd name="connsiteY7" fmla="*/ 1543282 h 6578439"/>
-                <a:gd name="connsiteX8" fmla="*/ 1340656 w 5890491"/>
-                <a:gd name="connsiteY8" fmla="*/ 1897925 h 6578439"/>
-                <a:gd name="connsiteX9" fmla="*/ 1201705 w 5890491"/>
-                <a:gd name="connsiteY9" fmla="*/ 2361213 h 6578439"/>
-                <a:gd name="connsiteX10" fmla="*/ 852705 w 5890491"/>
-                <a:gd name="connsiteY10" fmla="*/ 3529176 h 6578439"/>
-                <a:gd name="connsiteX11" fmla="*/ 863863 w 5890491"/>
-                <a:gd name="connsiteY11" fmla="*/ 4437051 h 6578439"/>
-                <a:gd name="connsiteX12" fmla="*/ 1413569 w 5890491"/>
-                <a:gd name="connsiteY12" fmla="*/ 5357174 h 6578439"/>
-                <a:gd name="connsiteX13" fmla="*/ 2339129 w 5890491"/>
-                <a:gd name="connsiteY13" fmla="*/ 6143367 h 6578439"/>
-                <a:gd name="connsiteX14" fmla="*/ 3439449 w 5890491"/>
-                <a:gd name="connsiteY14" fmla="*/ 6420049 h 6578439"/>
-                <a:gd name="connsiteX15" fmla="*/ 5251388 w 5890491"/>
-                <a:gd name="connsiteY15" fmla="*/ 5349009 h 6578439"/>
-                <a:gd name="connsiteX16" fmla="*/ 5657731 w 5890491"/>
-                <a:gd name="connsiteY16" fmla="*/ 4959205 h 6578439"/>
-                <a:gd name="connsiteX17" fmla="*/ 5836127 w 5890491"/>
-                <a:gd name="connsiteY17" fmla="*/ 4792052 h 6578439"/>
-                <a:gd name="connsiteX18" fmla="*/ 5890491 w 5890491"/>
-                <a:gd name="connsiteY18" fmla="*/ 4738662 h 6578439"/>
-                <a:gd name="connsiteX19" fmla="*/ 5890491 w 5890491"/>
-                <a:gd name="connsiteY19" fmla="*/ 5821964 h 6578439"/>
-                <a:gd name="connsiteX20" fmla="*/ 5802001 w 5890491"/>
-                <a:gd name="connsiteY20" fmla="*/ 5907904 h 6578439"/>
-                <a:gd name="connsiteX21" fmla="*/ 5294358 w 5890491"/>
-                <a:gd name="connsiteY21" fmla="*/ 6397505 h 6578439"/>
-                <a:gd name="connsiteX22" fmla="*/ 5077178 w 5890491"/>
-                <a:gd name="connsiteY22" fmla="*/ 6578439 h 6578439"/>
-                <a:gd name="connsiteX23" fmla="*/ 1567290 w 5890491"/>
-                <a:gd name="connsiteY23" fmla="*/ 6578439 h 6578439"/>
-                <a:gd name="connsiteX24" fmla="*/ 1508588 w 5890491"/>
-                <a:gd name="connsiteY24" fmla="*/ 6535186 h 6578439"/>
-                <a:gd name="connsiteX25" fmla="*/ 826498 w 5890491"/>
-                <a:gd name="connsiteY25" fmla="*/ 5876034 h 6578439"/>
-                <a:gd name="connsiteX26" fmla="*/ 122403 w 5890491"/>
-                <a:gd name="connsiteY26" fmla="*/ 3255655 h 6578439"/>
-                <a:gd name="connsiteX27" fmla="*/ 1061197 w 5890491"/>
-                <a:gd name="connsiteY27" fmla="*/ 984650 h 6578439"/>
-                <a:gd name="connsiteX28" fmla="*/ 3517682 w 5890491"/>
-                <a:gd name="connsiteY28" fmla="*/ 0 h 6578439"/>
+                <a:gd name="connsiteX0" fmla="*/ 4150102 w 6321679"/>
+                <a:gd name="connsiteY0" fmla="*/ 0 h 6521594"/>
+                <a:gd name="connsiteX1" fmla="*/ 6083891 w 6321679"/>
+                <a:gd name="connsiteY1" fmla="*/ 619943 h 6521594"/>
+                <a:gd name="connsiteX2" fmla="*/ 6321679 w 6321679"/>
+                <a:gd name="connsiteY2" fmla="*/ 822247 h 6521594"/>
+                <a:gd name="connsiteX3" fmla="*/ 6321679 w 6321679"/>
+                <a:gd name="connsiteY3" fmla="*/ 1866928 h 6521594"/>
+                <a:gd name="connsiteX4" fmla="*/ 6212358 w 6321679"/>
+                <a:gd name="connsiteY4" fmla="*/ 1689281 h 6521594"/>
+                <a:gd name="connsiteX5" fmla="*/ 6049880 w 6321679"/>
+                <a:gd name="connsiteY5" fmla="*/ 1477173 h 6521594"/>
+                <a:gd name="connsiteX6" fmla="*/ 5248663 w 6321679"/>
+                <a:gd name="connsiteY6" fmla="*/ 869327 h 6521594"/>
+                <a:gd name="connsiteX7" fmla="*/ 4150102 w 6321679"/>
+                <a:gd name="connsiteY7" fmla="*/ 644042 h 6521594"/>
+                <a:gd name="connsiteX8" fmla="*/ 2867946 w 6321679"/>
+                <a:gd name="connsiteY8" fmla="*/ 886459 h 6521594"/>
+                <a:gd name="connsiteX9" fmla="*/ 1728892 w 6321679"/>
+                <a:gd name="connsiteY9" fmla="*/ 1552397 h 6521594"/>
+                <a:gd name="connsiteX10" fmla="*/ 941043 w 6321679"/>
+                <a:gd name="connsiteY10" fmla="*/ 2512664 h 6521594"/>
+                <a:gd name="connsiteX11" fmla="*/ 655362 w 6321679"/>
+                <a:gd name="connsiteY11" fmla="*/ 3630204 h 6521594"/>
+                <a:gd name="connsiteX12" fmla="*/ 1128177 w 6321679"/>
+                <a:gd name="connsiteY12" fmla="*/ 4667883 h 6521594"/>
+                <a:gd name="connsiteX13" fmla="*/ 1366419 w 6321679"/>
+                <a:gd name="connsiteY13" fmla="*/ 4997246 h 6521594"/>
+                <a:gd name="connsiteX14" fmla="*/ 3601937 w 6321679"/>
+                <a:gd name="connsiteY14" fmla="*/ 6284685 h 6521594"/>
+                <a:gd name="connsiteX15" fmla="*/ 5298985 w 6321679"/>
+                <a:gd name="connsiteY15" fmla="*/ 5492643 h 6521594"/>
+                <a:gd name="connsiteX16" fmla="*/ 5505513 w 6321679"/>
+                <a:gd name="connsiteY16" fmla="*/ 5335367 h 6521594"/>
+                <a:gd name="connsiteX17" fmla="*/ 6252618 w 6321679"/>
+                <a:gd name="connsiteY17" fmla="*/ 4722492 h 6521594"/>
+                <a:gd name="connsiteX18" fmla="*/ 6321679 w 6321679"/>
+                <a:gd name="connsiteY18" fmla="*/ 4651477 h 6521594"/>
+                <a:gd name="connsiteX19" fmla="*/ 6321679 w 6321679"/>
+                <a:gd name="connsiteY19" fmla="*/ 5523097 h 6521594"/>
+                <a:gd name="connsiteX20" fmla="*/ 6024428 w 6321679"/>
+                <a:gd name="connsiteY20" fmla="*/ 5754969 h 6521594"/>
+                <a:gd name="connsiteX21" fmla="*/ 5702345 w 6321679"/>
+                <a:gd name="connsiteY21" fmla="*/ 6000018 h 6521594"/>
+                <a:gd name="connsiteX22" fmla="*/ 4988380 w 6321679"/>
+                <a:gd name="connsiteY22" fmla="*/ 6506549 h 6521594"/>
+                <a:gd name="connsiteX23" fmla="*/ 4961490 w 6321679"/>
+                <a:gd name="connsiteY23" fmla="*/ 6521594 h 6521594"/>
+                <a:gd name="connsiteX24" fmla="*/ 2011326 w 6321679"/>
+                <a:gd name="connsiteY24" fmla="*/ 6521594 h 6521594"/>
+                <a:gd name="connsiteX25" fmla="*/ 1982893 w 6321679"/>
+                <a:gd name="connsiteY25" fmla="*/ 6505768 h 6521594"/>
+                <a:gd name="connsiteX26" fmla="*/ 824149 w 6321679"/>
+                <a:gd name="connsiteY26" fmla="*/ 5358682 h 6521594"/>
+                <a:gd name="connsiteX27" fmla="*/ 0 w 6321679"/>
+                <a:gd name="connsiteY27" fmla="*/ 3630075 h 6521594"/>
+                <a:gd name="connsiteX28" fmla="*/ 4150102 w 6321679"/>
+                <a:gd name="connsiteY28" fmla="*/ 0 h 6521594"/>
               </a:gdLst>
               <a:ahLst/>
               <a:cxnLst>
@@ -25598,140 +25476,142 @@
               </a:cxnLst>
               <a:rect l="l" t="t" r="r" b="b"/>
               <a:pathLst>
-                <a:path w="5890491" h="6578439">
+                <a:path w="6321679" h="6521594">
                   <a:moveTo>
-                    <a:pt x="3517682" y="0"/>
+                    <a:pt x="4150102" y="0"/>
                   </a:moveTo>
                   <a:cubicBezTo>
-                    <a:pt x="4402017" y="0"/>
-                    <a:pt x="5213742" y="315483"/>
-                    <a:pt x="5849513" y="841730"/>
-                  </a:cubicBezTo>
-                  <a:lnTo>
-                    <a:pt x="5890491" y="879061"/>
-                  </a:lnTo>
-                  <a:lnTo>
-                    <a:pt x="5890491" y="2034114"/>
-                  </a:lnTo>
-                  <a:lnTo>
-                    <a:pt x="5757065" y="1854938"/>
-                  </a:lnTo>
-                  <a:cubicBezTo>
-                    <a:pt x="5696443" y="1781264"/>
-                    <a:pt x="5632076" y="1710299"/>
-                    <a:pt x="5564060" y="1642182"/>
-                  </a:cubicBezTo>
-                  <a:cubicBezTo>
-                    <a:pt x="5015393" y="1092636"/>
-                    <a:pt x="4288592" y="790012"/>
-                    <a:pt x="3517551" y="790012"/>
-                  </a:cubicBezTo>
-                  <a:cubicBezTo>
-                    <a:pt x="2701750" y="790012"/>
-                    <a:pt x="2131676" y="1015335"/>
-                    <a:pt x="1611552" y="1543282"/>
-                  </a:cubicBezTo>
-                  <a:cubicBezTo>
-                    <a:pt x="1435754" y="1721722"/>
-                    <a:pt x="1375945" y="1822729"/>
-                    <a:pt x="1340656" y="1897925"/>
-                  </a:cubicBezTo>
-                  <a:cubicBezTo>
-                    <a:pt x="1289148" y="2007623"/>
-                    <a:pt x="1252432" y="2155907"/>
-                    <a:pt x="1201705" y="2361213"/>
-                  </a:cubicBezTo>
-                  <a:cubicBezTo>
-                    <a:pt x="1133721" y="2635919"/>
-                    <a:pt x="1040568" y="3012290"/>
-                    <a:pt x="852705" y="3529176"/>
-                  </a:cubicBezTo>
-                  <a:cubicBezTo>
-                    <a:pt x="749952" y="3811784"/>
-                    <a:pt x="753584" y="4108747"/>
-                    <a:pt x="863863" y="4437051"/>
-                  </a:cubicBezTo>
-                  <a:cubicBezTo>
-                    <a:pt x="964800" y="4737438"/>
-                    <a:pt x="1154869" y="5055603"/>
-                    <a:pt x="1413569" y="5357174"/>
-                  </a:cubicBezTo>
-                  <a:cubicBezTo>
-                    <a:pt x="1718326" y="5712343"/>
-                    <a:pt x="2021008" y="5969404"/>
-                    <a:pt x="2339129" y="6143367"/>
-                  </a:cubicBezTo>
-                  <a:cubicBezTo>
-                    <a:pt x="2679565" y="6329577"/>
-                    <a:pt x="3039591" y="6420049"/>
-                    <a:pt x="3439449" y="6420049"/>
-                  </a:cubicBezTo>
-                  <a:cubicBezTo>
-                    <a:pt x="4142246" y="6420049"/>
-                    <a:pt x="4633828" y="5976251"/>
-                    <a:pt x="5251388" y="5349009"/>
-                  </a:cubicBezTo>
-                  <a:cubicBezTo>
-                    <a:pt x="5389949" y="5208364"/>
-                    <a:pt x="5526047" y="5081677"/>
-                    <a:pt x="5657731" y="4959205"/>
-                  </a:cubicBezTo>
-                  <a:cubicBezTo>
-                    <a:pt x="5719520" y="4901722"/>
-                    <a:pt x="5779200" y="4846206"/>
-                    <a:pt x="5836127" y="4792052"/>
-                  </a:cubicBezTo>
-                  <a:lnTo>
-                    <a:pt x="5890491" y="4738662"/>
-                  </a:lnTo>
-                  <a:lnTo>
-                    <a:pt x="5890491" y="5821964"/>
-                  </a:lnTo>
-                  <a:lnTo>
-                    <a:pt x="5802001" y="5907904"/>
-                  </a:lnTo>
-                  <a:cubicBezTo>
-                    <a:pt x="5634962" y="6077456"/>
-                    <a:pt x="5467509" y="6243625"/>
-                    <a:pt x="5294358" y="6397505"/>
-                  </a:cubicBezTo>
-                  <a:lnTo>
-                    <a:pt x="5077178" y="6578439"/>
-                  </a:lnTo>
-                  <a:lnTo>
-                    <a:pt x="1567290" y="6578439"/>
-                  </a:lnTo>
-                  <a:lnTo>
-                    <a:pt x="1508588" y="6535186"/>
-                  </a:lnTo>
-                  <a:cubicBezTo>
-                    <a:pt x="1263991" y="6345442"/>
-                    <a:pt x="1038054" y="6122666"/>
-                    <a:pt x="826498" y="5876034"/>
-                  </a:cubicBezTo>
-                  <a:cubicBezTo>
-                    <a:pt x="261613" y="5217713"/>
-                    <a:pt x="-239182" y="4250314"/>
-                    <a:pt x="122403" y="3255655"/>
-                  </a:cubicBezTo>
-                  <a:cubicBezTo>
-                    <a:pt x="607497" y="1921629"/>
-                    <a:pt x="393040" y="1662857"/>
-                    <a:pt x="1061197" y="984650"/>
-                  </a:cubicBezTo>
-                  <a:cubicBezTo>
-                    <a:pt x="1729484" y="306444"/>
-                    <a:pt x="2498060" y="0"/>
-                    <a:pt x="3517682" y="0"/>
+                    <a:pt x="4918148" y="0"/>
+                    <a:pt x="5569597" y="228540"/>
+                    <a:pt x="6083891" y="619943"/>
+                  </a:cubicBezTo>
+                  <a:lnTo>
+                    <a:pt x="6321679" y="822247"/>
+                  </a:lnTo>
+                  <a:lnTo>
+                    <a:pt x="6321679" y="1866928"/>
+                  </a:lnTo>
+                  <a:lnTo>
+                    <a:pt x="6212358" y="1689281"/>
+                  </a:lnTo>
+                  <a:cubicBezTo>
+                    <a:pt x="6161484" y="1615222"/>
+                    <a:pt x="6107295" y="1544427"/>
+                    <a:pt x="6049880" y="1477173"/>
+                  </a:cubicBezTo>
+                  <a:cubicBezTo>
+                    <a:pt x="5825135" y="1214018"/>
+                    <a:pt x="5555573" y="1009470"/>
+                    <a:pt x="5248663" y="869327"/>
+                  </a:cubicBezTo>
+                  <a:cubicBezTo>
+                    <a:pt x="4921178" y="719909"/>
+                    <a:pt x="4551627" y="644042"/>
+                    <a:pt x="4150102" y="644042"/>
+                  </a:cubicBezTo>
+                  <a:cubicBezTo>
+                    <a:pt x="3724203" y="644042"/>
+                    <a:pt x="3292799" y="725448"/>
+                    <a:pt x="2867946" y="886459"/>
+                  </a:cubicBezTo>
+                  <a:cubicBezTo>
+                    <a:pt x="2454234" y="1042832"/>
+                    <a:pt x="2060440" y="1273141"/>
+                    <a:pt x="1728892" y="1552397"/>
+                  </a:cubicBezTo>
+                  <a:cubicBezTo>
+                    <a:pt x="1391580" y="1836419"/>
+                    <a:pt x="1126473" y="2159600"/>
+                    <a:pt x="941043" y="2512664"/>
+                  </a:cubicBezTo>
+                  <a:cubicBezTo>
+                    <a:pt x="751551" y="2873583"/>
+                    <a:pt x="655362" y="3249575"/>
+                    <a:pt x="655362" y="3630204"/>
+                  </a:cubicBezTo>
+                  <a:cubicBezTo>
+                    <a:pt x="655362" y="4013537"/>
+                    <a:pt x="808817" y="4237405"/>
+                    <a:pt x="1128177" y="4667883"/>
+                  </a:cubicBezTo>
+                  <a:cubicBezTo>
+                    <a:pt x="1205232" y="4771702"/>
+                    <a:pt x="1284908" y="4879129"/>
+                    <a:pt x="1366419" y="4997246"/>
+                  </a:cubicBezTo>
+                  <a:cubicBezTo>
+                    <a:pt x="1989282" y="5899677"/>
+                    <a:pt x="2657880" y="6284685"/>
+                    <a:pt x="3601937" y="6284685"/>
+                  </a:cubicBezTo>
+                  <a:cubicBezTo>
+                    <a:pt x="4221523" y="6284685"/>
+                    <a:pt x="4676122" y="5971036"/>
+                    <a:pt x="5298985" y="5492643"/>
+                  </a:cubicBezTo>
+                  <a:cubicBezTo>
+                    <a:pt x="5368571" y="5439187"/>
+                    <a:pt x="5438156" y="5386375"/>
+                    <a:pt x="5505513" y="5335367"/>
+                  </a:cubicBezTo>
+                  <a:cubicBezTo>
+                    <a:pt x="5779335" y="5127761"/>
+                    <a:pt x="6041730" y="4928776"/>
+                    <a:pt x="6252618" y="4722492"/>
+                  </a:cubicBezTo>
+                  <a:lnTo>
+                    <a:pt x="6321679" y="4651477"/>
+                  </a:lnTo>
+                  <a:lnTo>
+                    <a:pt x="6321679" y="5523097"/>
+                  </a:lnTo>
+                  <a:lnTo>
+                    <a:pt x="6024428" y="5754969"/>
+                  </a:lnTo>
+                  <a:cubicBezTo>
+                    <a:pt x="5918395" y="5835747"/>
+                    <a:pt x="5810491" y="5916953"/>
+                    <a:pt x="5702345" y="6000018"/>
+                  </a:cubicBezTo>
+                  <a:cubicBezTo>
+                    <a:pt x="5466020" y="6181541"/>
+                    <a:pt x="5232938" y="6357503"/>
+                    <a:pt x="4988380" y="6506549"/>
+                  </a:cubicBezTo>
+                  <a:lnTo>
+                    <a:pt x="4961490" y="6521594"/>
+                  </a:lnTo>
+                  <a:lnTo>
+                    <a:pt x="2011326" y="6521594"/>
+                  </a:lnTo>
+                  <a:lnTo>
+                    <a:pt x="1982893" y="6505768"/>
+                  </a:lnTo>
+                  <a:cubicBezTo>
+                    <a:pt x="1531799" y="6233999"/>
+                    <a:pt x="1157400" y="5841520"/>
+                    <a:pt x="824149" y="5358682"/>
+                  </a:cubicBezTo>
+                  <a:cubicBezTo>
+                    <a:pt x="424196" y="4779302"/>
+                    <a:pt x="0" y="4381929"/>
+                    <a:pt x="0" y="3630075"/>
+                  </a:cubicBezTo>
+                  <a:cubicBezTo>
+                    <a:pt x="0" y="1625174"/>
+                    <a:pt x="2089794" y="0"/>
+                    <a:pt x="4150102" y="0"/>
                   </a:cubicBezTo>
                   <a:close/>
                 </a:path>
               </a:pathLst>
             </a:custGeom>
-            <a:gradFill flip="none" rotWithShape="1">
+            <a:gradFill>
               <a:gsLst>
                 <a:gs pos="2000">
-                  <a:schemeClr val="bg1"/>
+                  <a:schemeClr val="bg1">
+                    <a:alpha val="10000"/>
+                  </a:schemeClr>
                 </a:gs>
                 <a:gs pos="16000">
                   <a:schemeClr val="accent6">
@@ -25750,7 +25630,6 @@
                 </a:gs>
               </a:gsLst>
               <a:lin ang="12000000" scaled="0"/>
-              <a:tileRect/>
             </a:gradFill>
             <a:ln>
               <a:noFill/>
@@ -25777,16 +25656,16 @@
             <a:lstStyle/>
             <a:p>
               <a:pPr algn="ctr"/>
-              <a:endParaRPr lang="en-US" dirty="0"/>
+              <a:endParaRPr lang="en-US"/>
             </a:p>
           </p:txBody>
         </p:sp>
         <p:sp>
           <p:nvSpPr>
-            <p:cNvPr id="116" name="Freeform: Shape 93">
+            <p:cNvPr id="23" name="Freeform: Shape 22">
               <a:extLst>
                 <a:ext uri="{FF2B5EF4-FFF2-40B4-BE49-F238E27FC236}">
-                  <a16:creationId xmlns:a16="http://schemas.microsoft.com/office/drawing/2014/main" id="{ED519330-E5F1-4248-B58C-1AA0D9E6DABA}"/>
+                  <a16:creationId xmlns:a16="http://schemas.microsoft.com/office/drawing/2014/main" id="{A4F5D7DB-5E91-8830-2FA0-DA40D9597B34}"/>
                 </a:ext>
                 <a:ext uri="{C183D7F6-B498-43B3-948B-1728B52AA6E4}">
                   <adec:decorative xmlns:adec="http://schemas.microsoft.com/office/drawing/2017/decorative" val="1"/>
@@ -25804,218 +25683,74 @@
           </p:nvSpPr>
           <p:spPr>
             <a:xfrm>
-              <a:off x="6101024" y="52997"/>
-              <a:ext cx="6093362" cy="6805004"/>
+              <a:off x="5870322" y="353119"/>
+              <a:ext cx="6321679" cy="6521594"/>
             </a:xfrm>
             <a:custGeom>
               <a:avLst/>
               <a:gdLst>
-                <a:gd name="connsiteX0" fmla="*/ 5890490 w 5890490"/>
-                <a:gd name="connsiteY0" fmla="*/ 5389037 h 6578439"/>
-                <a:gd name="connsiteX1" fmla="*/ 5890490 w 5890490"/>
-                <a:gd name="connsiteY1" fmla="*/ 5855587 h 6578439"/>
-                <a:gd name="connsiteX2" fmla="*/ 5784593 w 5890490"/>
-                <a:gd name="connsiteY2" fmla="*/ 5962054 h 6578439"/>
-                <a:gd name="connsiteX3" fmla="*/ 5663414 w 5890490"/>
-                <a:gd name="connsiteY3" fmla="*/ 6082564 h 6578439"/>
-                <a:gd name="connsiteX4" fmla="*/ 5147099 w 5890490"/>
-                <a:gd name="connsiteY4" fmla="*/ 6547726 h 6578439"/>
-                <a:gd name="connsiteX5" fmla="*/ 5105015 w 5890490"/>
-                <a:gd name="connsiteY5" fmla="*/ 6578439 h 6578439"/>
-                <a:gd name="connsiteX6" fmla="*/ 4385601 w 5890490"/>
-                <a:gd name="connsiteY6" fmla="*/ 6578439 h 6578439"/>
-                <a:gd name="connsiteX7" fmla="*/ 4507252 w 5890490"/>
-                <a:gd name="connsiteY7" fmla="*/ 6515968 h 6578439"/>
-                <a:gd name="connsiteX8" fmla="*/ 4909330 w 5890490"/>
-                <a:gd name="connsiteY8" fmla="*/ 6253453 h 6578439"/>
-                <a:gd name="connsiteX9" fmla="*/ 5411374 w 5890490"/>
-                <a:gd name="connsiteY9" fmla="*/ 5828544 h 6578439"/>
-                <a:gd name="connsiteX10" fmla="*/ 5533570 w 5890490"/>
-                <a:gd name="connsiteY10" fmla="*/ 5714534 h 6578439"/>
-                <a:gd name="connsiteX11" fmla="*/ 5657425 w 5890490"/>
-                <a:gd name="connsiteY11" fmla="*/ 5597650 h 6578439"/>
-                <a:gd name="connsiteX12" fmla="*/ 3336813 w 5890490"/>
-                <a:gd name="connsiteY12" fmla="*/ 499 h 6578439"/>
-                <a:gd name="connsiteX13" fmla="*/ 3513674 w 5890490"/>
-                <a:gd name="connsiteY13" fmla="*/ 1202 h 6578439"/>
-                <a:gd name="connsiteX14" fmla="*/ 3602743 w 5890490"/>
-                <a:gd name="connsiteY14" fmla="*/ 4827 h 6578439"/>
-                <a:gd name="connsiteX15" fmla="*/ 3647213 w 5890490"/>
-                <a:gd name="connsiteY15" fmla="*/ 6703 h 6578439"/>
-                <a:gd name="connsiteX16" fmla="*/ 3691684 w 5890490"/>
-                <a:gd name="connsiteY16" fmla="*/ 9453 h 6578439"/>
-                <a:gd name="connsiteX17" fmla="*/ 3868927 w 5890490"/>
-                <a:gd name="connsiteY17" fmla="*/ 27080 h 6578439"/>
-                <a:gd name="connsiteX18" fmla="*/ 5200872 w 5890490"/>
-                <a:gd name="connsiteY18" fmla="*/ 472240 h 6578439"/>
-                <a:gd name="connsiteX19" fmla="*/ 5772711 w 5890490"/>
-                <a:gd name="connsiteY19" fmla="*/ 866334 h 6578439"/>
-                <a:gd name="connsiteX20" fmla="*/ 5890490 w 5890490"/>
-                <a:gd name="connsiteY20" fmla="*/ 972426 h 6578439"/>
-                <a:gd name="connsiteX21" fmla="*/ 5890490 w 5890490"/>
-                <a:gd name="connsiteY21" fmla="*/ 1158576 h 6578439"/>
-                <a:gd name="connsiteX22" fmla="*/ 5676045 w 5890490"/>
-                <a:gd name="connsiteY22" fmla="*/ 986969 h 6578439"/>
-                <a:gd name="connsiteX23" fmla="*/ 5103776 w 5890490"/>
-                <a:gd name="connsiteY23" fmla="*/ 655879 h 6578439"/>
-                <a:gd name="connsiteX24" fmla="*/ 4482465 w 5890490"/>
-                <a:gd name="connsiteY24" fmla="*/ 440363 h 6578439"/>
-                <a:gd name="connsiteX25" fmla="*/ 4402444 w 5890490"/>
-                <a:gd name="connsiteY25" fmla="*/ 422111 h 6578439"/>
-                <a:gd name="connsiteX26" fmla="*/ 4322423 w 5890490"/>
-                <a:gd name="connsiteY26" fmla="*/ 404610 h 6578439"/>
-                <a:gd name="connsiteX27" fmla="*/ 4241892 w 5890490"/>
-                <a:gd name="connsiteY27" fmla="*/ 389858 h 6578439"/>
-                <a:gd name="connsiteX28" fmla="*/ 4201627 w 5890490"/>
-                <a:gd name="connsiteY28" fmla="*/ 382483 h 6578439"/>
-                <a:gd name="connsiteX29" fmla="*/ 4161234 w 5890490"/>
-                <a:gd name="connsiteY29" fmla="*/ 375857 h 6578439"/>
-                <a:gd name="connsiteX30" fmla="*/ 3999280 w 5890490"/>
-                <a:gd name="connsiteY30" fmla="*/ 353606 h 6578439"/>
-                <a:gd name="connsiteX31" fmla="*/ 3836817 w 5890490"/>
-                <a:gd name="connsiteY31" fmla="*/ 338480 h 6578439"/>
-                <a:gd name="connsiteX32" fmla="*/ 3673972 w 5890490"/>
-                <a:gd name="connsiteY32" fmla="*/ 330604 h 6578439"/>
-                <a:gd name="connsiteX33" fmla="*/ 3511126 w 5890490"/>
-                <a:gd name="connsiteY33" fmla="*/ 328978 h 6578439"/>
-                <a:gd name="connsiteX34" fmla="*/ 3183142 w 5890490"/>
-                <a:gd name="connsiteY34" fmla="*/ 342854 h 6578439"/>
-                <a:gd name="connsiteX35" fmla="*/ 2541444 w 5890490"/>
-                <a:gd name="connsiteY35" fmla="*/ 439988 h 6578439"/>
-                <a:gd name="connsiteX36" fmla="*/ 1933895 w 5890490"/>
-                <a:gd name="connsiteY36" fmla="*/ 650505 h 6578439"/>
-                <a:gd name="connsiteX37" fmla="*/ 1378079 w 5890490"/>
-                <a:gd name="connsiteY37" fmla="*/ 983905 h 6578439"/>
-                <a:gd name="connsiteX38" fmla="*/ 1312967 w 5890490"/>
-                <a:gd name="connsiteY38" fmla="*/ 1033660 h 6578439"/>
-                <a:gd name="connsiteX39" fmla="*/ 1248364 w 5890490"/>
-                <a:gd name="connsiteY39" fmla="*/ 1084413 h 6578439"/>
-                <a:gd name="connsiteX40" fmla="*/ 1185163 w 5890490"/>
-                <a:gd name="connsiteY40" fmla="*/ 1137168 h 6578439"/>
-                <a:gd name="connsiteX41" fmla="*/ 1122852 w 5890490"/>
-                <a:gd name="connsiteY41" fmla="*/ 1190922 h 6578439"/>
-                <a:gd name="connsiteX42" fmla="*/ 892092 w 5890490"/>
-                <a:gd name="connsiteY42" fmla="*/ 1421440 h 6578439"/>
-                <a:gd name="connsiteX43" fmla="*/ 707202 w 5890490"/>
-                <a:gd name="connsiteY43" fmla="*/ 1684212 h 6578439"/>
-                <a:gd name="connsiteX44" fmla="*/ 670121 w 5890490"/>
-                <a:gd name="connsiteY44" fmla="*/ 1756093 h 6578439"/>
-                <a:gd name="connsiteX45" fmla="*/ 637630 w 5890490"/>
-                <a:gd name="connsiteY45" fmla="*/ 1830724 h 6578439"/>
-                <a:gd name="connsiteX46" fmla="*/ 607685 w 5890490"/>
-                <a:gd name="connsiteY46" fmla="*/ 1907105 h 6578439"/>
-                <a:gd name="connsiteX47" fmla="*/ 580034 w 5890490"/>
-                <a:gd name="connsiteY47" fmla="*/ 1984986 h 6578439"/>
-                <a:gd name="connsiteX48" fmla="*/ 481919 w 5890490"/>
-                <a:gd name="connsiteY48" fmla="*/ 2304386 h 6578439"/>
-                <a:gd name="connsiteX49" fmla="*/ 433881 w 5890490"/>
-                <a:gd name="connsiteY49" fmla="*/ 2465399 h 6578439"/>
-                <a:gd name="connsiteX50" fmla="*/ 384442 w 5890490"/>
-                <a:gd name="connsiteY50" fmla="*/ 2626163 h 6578439"/>
-                <a:gd name="connsiteX51" fmla="*/ 166039 w 5890490"/>
-                <a:gd name="connsiteY51" fmla="*/ 3261338 h 6578439"/>
-                <a:gd name="connsiteX52" fmla="*/ 56202 w 5890490"/>
-                <a:gd name="connsiteY52" fmla="*/ 3910265 h 6578439"/>
-                <a:gd name="connsiteX53" fmla="*/ 93664 w 5890490"/>
-                <a:gd name="connsiteY53" fmla="*/ 4237292 h 6578439"/>
-                <a:gd name="connsiteX54" fmla="*/ 111758 w 5890490"/>
-                <a:gd name="connsiteY54" fmla="*/ 4317548 h 6578439"/>
-                <a:gd name="connsiteX55" fmla="*/ 133038 w 5890490"/>
-                <a:gd name="connsiteY55" fmla="*/ 4397054 h 6578439"/>
-                <a:gd name="connsiteX56" fmla="*/ 157757 w 5890490"/>
-                <a:gd name="connsiteY56" fmla="*/ 4475560 h 6578439"/>
-                <a:gd name="connsiteX57" fmla="*/ 185153 w 5890490"/>
-                <a:gd name="connsiteY57" fmla="*/ 4553066 h 6578439"/>
-                <a:gd name="connsiteX58" fmla="*/ 493642 w 5890490"/>
-                <a:gd name="connsiteY58" fmla="*/ 5132239 h 6578439"/>
-                <a:gd name="connsiteX59" fmla="*/ 914391 w 5890490"/>
-                <a:gd name="connsiteY59" fmla="*/ 5636528 h 6578439"/>
-                <a:gd name="connsiteX60" fmla="*/ 1402034 w 5890490"/>
-                <a:gd name="connsiteY60" fmla="*/ 6076188 h 6578439"/>
-                <a:gd name="connsiteX61" fmla="*/ 1664397 w 5890490"/>
-                <a:gd name="connsiteY61" fmla="*/ 6267079 h 6578439"/>
-                <a:gd name="connsiteX62" fmla="*/ 1938992 w 5890490"/>
-                <a:gd name="connsiteY62" fmla="*/ 6434343 h 6578439"/>
-                <a:gd name="connsiteX63" fmla="*/ 2225931 w 5890490"/>
-                <a:gd name="connsiteY63" fmla="*/ 6574322 h 6578439"/>
-                <a:gd name="connsiteX64" fmla="*/ 2236328 w 5890490"/>
-                <a:gd name="connsiteY64" fmla="*/ 6578439 h 6578439"/>
-                <a:gd name="connsiteX65" fmla="*/ 1504665 w 5890490"/>
-                <a:gd name="connsiteY65" fmla="*/ 6578439 h 6578439"/>
-                <a:gd name="connsiteX66" fmla="*/ 1456827 w 5890490"/>
-                <a:gd name="connsiteY66" fmla="*/ 6543476 h 6578439"/>
-                <a:gd name="connsiteX67" fmla="*/ 1188475 w 5890490"/>
-                <a:gd name="connsiteY67" fmla="*/ 6314083 h 6578439"/>
-                <a:gd name="connsiteX68" fmla="*/ 721728 w 5890490"/>
-                <a:gd name="connsiteY68" fmla="*/ 5798666 h 6578439"/>
-                <a:gd name="connsiteX69" fmla="*/ 344175 w 5890490"/>
-                <a:gd name="connsiteY69" fmla="*/ 5219495 h 6578439"/>
-                <a:gd name="connsiteX70" fmla="*/ 87293 w 5890490"/>
-                <a:gd name="connsiteY70" fmla="*/ 4583569 h 6578439"/>
-                <a:gd name="connsiteX71" fmla="*/ 65886 w 5890490"/>
-                <a:gd name="connsiteY71" fmla="*/ 4500813 h 6578439"/>
-                <a:gd name="connsiteX72" fmla="*/ 47409 w 5890490"/>
-                <a:gd name="connsiteY72" fmla="*/ 4417431 h 6578439"/>
-                <a:gd name="connsiteX73" fmla="*/ 39000 w 5890490"/>
-                <a:gd name="connsiteY73" fmla="*/ 4375677 h 6578439"/>
-                <a:gd name="connsiteX74" fmla="*/ 31610 w 5890490"/>
-                <a:gd name="connsiteY74" fmla="*/ 4333674 h 6578439"/>
-                <a:gd name="connsiteX75" fmla="*/ 18868 w 5890490"/>
-                <a:gd name="connsiteY75" fmla="*/ 4249417 h 6578439"/>
-                <a:gd name="connsiteX76" fmla="*/ 646 w 5890490"/>
-                <a:gd name="connsiteY76" fmla="*/ 3910265 h 6578439"/>
-                <a:gd name="connsiteX77" fmla="*/ 130234 w 5890490"/>
-                <a:gd name="connsiteY77" fmla="*/ 3248337 h 6578439"/>
-                <a:gd name="connsiteX78" fmla="*/ 335383 w 5890490"/>
-                <a:gd name="connsiteY78" fmla="*/ 2611911 h 6578439"/>
-                <a:gd name="connsiteX79" fmla="*/ 487272 w 5890490"/>
-                <a:gd name="connsiteY79" fmla="*/ 1958609 h 6578439"/>
-                <a:gd name="connsiteX80" fmla="*/ 508550 w 5890490"/>
-                <a:gd name="connsiteY80" fmla="*/ 1876227 h 6578439"/>
-                <a:gd name="connsiteX81" fmla="*/ 531742 w 5890490"/>
-                <a:gd name="connsiteY81" fmla="*/ 1793721 h 6578439"/>
-                <a:gd name="connsiteX82" fmla="*/ 558245 w 5890490"/>
-                <a:gd name="connsiteY82" fmla="*/ 1711465 h 6578439"/>
-                <a:gd name="connsiteX83" fmla="*/ 590100 w 5890490"/>
-                <a:gd name="connsiteY83" fmla="*/ 1630332 h 6578439"/>
-                <a:gd name="connsiteX84" fmla="*/ 758680 w 5890490"/>
-                <a:gd name="connsiteY84" fmla="*/ 1322433 h 6578439"/>
-                <a:gd name="connsiteX85" fmla="*/ 976317 w 5890490"/>
-                <a:gd name="connsiteY85" fmla="*/ 1049286 h 6578439"/>
-                <a:gd name="connsiteX86" fmla="*/ 1035314 w 5890490"/>
-                <a:gd name="connsiteY86" fmla="*/ 985406 h 6578439"/>
-                <a:gd name="connsiteX87" fmla="*/ 1095329 w 5890490"/>
-                <a:gd name="connsiteY87" fmla="*/ 922526 h 6578439"/>
-                <a:gd name="connsiteX88" fmla="*/ 1157384 w 5890490"/>
-                <a:gd name="connsiteY88" fmla="*/ 861271 h 6578439"/>
-                <a:gd name="connsiteX89" fmla="*/ 1220841 w 5890490"/>
-                <a:gd name="connsiteY89" fmla="*/ 801017 h 6578439"/>
-                <a:gd name="connsiteX90" fmla="*/ 1286462 w 5890490"/>
-                <a:gd name="connsiteY90" fmla="*/ 742886 h 6578439"/>
-                <a:gd name="connsiteX91" fmla="*/ 1353233 w 5890490"/>
-                <a:gd name="connsiteY91" fmla="*/ 685632 h 6578439"/>
-                <a:gd name="connsiteX92" fmla="*/ 1369924 w 5890490"/>
-                <a:gd name="connsiteY92" fmla="*/ 671256 h 6578439"/>
-                <a:gd name="connsiteX93" fmla="*/ 1387380 w 5890490"/>
-                <a:gd name="connsiteY93" fmla="*/ 657755 h 6578439"/>
-                <a:gd name="connsiteX94" fmla="*/ 1422422 w 5890490"/>
-                <a:gd name="connsiteY94" fmla="*/ 630877 h 6578439"/>
-                <a:gd name="connsiteX95" fmla="*/ 1492759 w 5890490"/>
-                <a:gd name="connsiteY95" fmla="*/ 577248 h 6578439"/>
-                <a:gd name="connsiteX96" fmla="*/ 1528820 w 5890490"/>
-                <a:gd name="connsiteY96" fmla="*/ 551496 h 6578439"/>
-                <a:gd name="connsiteX97" fmla="*/ 1565390 w 5890490"/>
-                <a:gd name="connsiteY97" fmla="*/ 526370 h 6578439"/>
-                <a:gd name="connsiteX98" fmla="*/ 1639040 w 5890490"/>
-                <a:gd name="connsiteY98" fmla="*/ 476490 h 6578439"/>
-                <a:gd name="connsiteX99" fmla="*/ 1792075 w 5890490"/>
-                <a:gd name="connsiteY99" fmla="*/ 384859 h 6578439"/>
-                <a:gd name="connsiteX100" fmla="*/ 2455943 w 5890490"/>
-                <a:gd name="connsiteY100" fmla="*/ 117836 h 6578439"/>
-                <a:gd name="connsiteX101" fmla="*/ 3159952 w 5890490"/>
-                <a:gd name="connsiteY101" fmla="*/ 7203 h 6578439"/>
-                <a:gd name="connsiteX102" fmla="*/ 3336813 w 5890490"/>
-                <a:gd name="connsiteY102" fmla="*/ 499 h 6578439"/>
+                <a:gd name="connsiteX0" fmla="*/ 4150102 w 6321679"/>
+                <a:gd name="connsiteY0" fmla="*/ 0 h 6521594"/>
+                <a:gd name="connsiteX1" fmla="*/ 6083891 w 6321679"/>
+                <a:gd name="connsiteY1" fmla="*/ 619943 h 6521594"/>
+                <a:gd name="connsiteX2" fmla="*/ 6321679 w 6321679"/>
+                <a:gd name="connsiteY2" fmla="*/ 822247 h 6521594"/>
+                <a:gd name="connsiteX3" fmla="*/ 6321679 w 6321679"/>
+                <a:gd name="connsiteY3" fmla="*/ 2150195 h 6521594"/>
+                <a:gd name="connsiteX4" fmla="*/ 6241288 w 6321679"/>
+                <a:gd name="connsiteY4" fmla="*/ 1985338 h 6521594"/>
+                <a:gd name="connsiteX5" fmla="*/ 5949367 w 6321679"/>
+                <a:gd name="connsiteY5" fmla="*/ 1559997 h 6521594"/>
+                <a:gd name="connsiteX6" fmla="*/ 5193362 w 6321679"/>
+                <a:gd name="connsiteY6" fmla="*/ 986156 h 6521594"/>
+                <a:gd name="connsiteX7" fmla="*/ 4150102 w 6321679"/>
+                <a:gd name="connsiteY7" fmla="*/ 772850 h 6521594"/>
+                <a:gd name="connsiteX8" fmla="*/ 2914861 w 6321679"/>
+                <a:gd name="connsiteY8" fmla="*/ 1006637 h 6521594"/>
+                <a:gd name="connsiteX9" fmla="*/ 1814073 w 6321679"/>
+                <a:gd name="connsiteY9" fmla="*/ 1650163 h 6521594"/>
+                <a:gd name="connsiteX10" fmla="*/ 1057412 w 6321679"/>
+                <a:gd name="connsiteY10" fmla="*/ 2571657 h 6521594"/>
+                <a:gd name="connsiteX11" fmla="*/ 786277 w 6321679"/>
+                <a:gd name="connsiteY11" fmla="*/ 3630204 h 6521594"/>
+                <a:gd name="connsiteX12" fmla="*/ 1233931 w 6321679"/>
+                <a:gd name="connsiteY12" fmla="*/ 4592016 h 6521594"/>
+                <a:gd name="connsiteX13" fmla="*/ 1474795 w 6321679"/>
+                <a:gd name="connsiteY13" fmla="*/ 4924985 h 6521594"/>
+                <a:gd name="connsiteX14" fmla="*/ 2393691 w 6321679"/>
+                <a:gd name="connsiteY14" fmla="*/ 5846995 h 6521594"/>
+                <a:gd name="connsiteX15" fmla="*/ 3601805 w 6321679"/>
+                <a:gd name="connsiteY15" fmla="*/ 6155876 h 6521594"/>
+                <a:gd name="connsiteX16" fmla="*/ 4378909 w 6321679"/>
+                <a:gd name="connsiteY16" fmla="*/ 5959186 h 6521594"/>
+                <a:gd name="connsiteX17" fmla="*/ 5218129 w 6321679"/>
+                <a:gd name="connsiteY17" fmla="*/ 5391271 h 6521594"/>
+                <a:gd name="connsiteX18" fmla="*/ 5425313 w 6321679"/>
+                <a:gd name="connsiteY18" fmla="*/ 5233481 h 6521594"/>
+                <a:gd name="connsiteX19" fmla="*/ 6254366 w 6321679"/>
+                <a:gd name="connsiteY19" fmla="*/ 4534301 h 6521594"/>
+                <a:gd name="connsiteX20" fmla="*/ 6321679 w 6321679"/>
+                <a:gd name="connsiteY20" fmla="*/ 4456641 h 6521594"/>
+                <a:gd name="connsiteX21" fmla="*/ 6321679 w 6321679"/>
+                <a:gd name="connsiteY21" fmla="*/ 5523097 h 6521594"/>
+                <a:gd name="connsiteX22" fmla="*/ 6024428 w 6321679"/>
+                <a:gd name="connsiteY22" fmla="*/ 5754969 h 6521594"/>
+                <a:gd name="connsiteX23" fmla="*/ 5702345 w 6321679"/>
+                <a:gd name="connsiteY23" fmla="*/ 6000018 h 6521594"/>
+                <a:gd name="connsiteX24" fmla="*/ 4988380 w 6321679"/>
+                <a:gd name="connsiteY24" fmla="*/ 6506549 h 6521594"/>
+                <a:gd name="connsiteX25" fmla="*/ 4961490 w 6321679"/>
+                <a:gd name="connsiteY25" fmla="*/ 6521594 h 6521594"/>
+                <a:gd name="connsiteX26" fmla="*/ 2011326 w 6321679"/>
+                <a:gd name="connsiteY26" fmla="*/ 6521594 h 6521594"/>
+                <a:gd name="connsiteX27" fmla="*/ 1982893 w 6321679"/>
+                <a:gd name="connsiteY27" fmla="*/ 6505768 h 6521594"/>
+                <a:gd name="connsiteX28" fmla="*/ 824149 w 6321679"/>
+                <a:gd name="connsiteY28" fmla="*/ 5358682 h 6521594"/>
+                <a:gd name="connsiteX29" fmla="*/ 0 w 6321679"/>
+                <a:gd name="connsiteY29" fmla="*/ 3630075 h 6521594"/>
+                <a:gd name="connsiteX30" fmla="*/ 4150102 w 6321679"/>
+                <a:gd name="connsiteY30" fmla="*/ 0 h 6521594"/>
               </a:gdLst>
               <a:ahLst/>
               <a:cxnLst>
@@ -26112,675 +25847,150 @@
                 <a:cxn ang="0">
                   <a:pos x="connsiteX30" y="connsiteY30"/>
                 </a:cxn>
-                <a:cxn ang="0">
-                  <a:pos x="connsiteX31" y="connsiteY31"/>
-                </a:cxn>
-                <a:cxn ang="0">
-                  <a:pos x="connsiteX32" y="connsiteY32"/>
-                </a:cxn>
-                <a:cxn ang="0">
-                  <a:pos x="connsiteX33" y="connsiteY33"/>
-                </a:cxn>
-                <a:cxn ang="0">
-                  <a:pos x="connsiteX34" y="connsiteY34"/>
-                </a:cxn>
-                <a:cxn ang="0">
-                  <a:pos x="connsiteX35" y="connsiteY35"/>
-                </a:cxn>
-                <a:cxn ang="0">
-                  <a:pos x="connsiteX36" y="connsiteY36"/>
-                </a:cxn>
-                <a:cxn ang="0">
-                  <a:pos x="connsiteX37" y="connsiteY37"/>
-                </a:cxn>
-                <a:cxn ang="0">
-                  <a:pos x="connsiteX38" y="connsiteY38"/>
-                </a:cxn>
-                <a:cxn ang="0">
-                  <a:pos x="connsiteX39" y="connsiteY39"/>
-                </a:cxn>
-                <a:cxn ang="0">
-                  <a:pos x="connsiteX40" y="connsiteY40"/>
-                </a:cxn>
-                <a:cxn ang="0">
-                  <a:pos x="connsiteX41" y="connsiteY41"/>
-                </a:cxn>
-                <a:cxn ang="0">
-                  <a:pos x="connsiteX42" y="connsiteY42"/>
-                </a:cxn>
-                <a:cxn ang="0">
-                  <a:pos x="connsiteX43" y="connsiteY43"/>
-                </a:cxn>
-                <a:cxn ang="0">
-                  <a:pos x="connsiteX44" y="connsiteY44"/>
-                </a:cxn>
-                <a:cxn ang="0">
-                  <a:pos x="connsiteX45" y="connsiteY45"/>
-                </a:cxn>
-                <a:cxn ang="0">
-                  <a:pos x="connsiteX46" y="connsiteY46"/>
-                </a:cxn>
-                <a:cxn ang="0">
-                  <a:pos x="connsiteX47" y="connsiteY47"/>
-                </a:cxn>
-                <a:cxn ang="0">
-                  <a:pos x="connsiteX48" y="connsiteY48"/>
-                </a:cxn>
-                <a:cxn ang="0">
-                  <a:pos x="connsiteX49" y="connsiteY49"/>
-                </a:cxn>
-                <a:cxn ang="0">
-                  <a:pos x="connsiteX50" y="connsiteY50"/>
-                </a:cxn>
-                <a:cxn ang="0">
-                  <a:pos x="connsiteX51" y="connsiteY51"/>
-                </a:cxn>
-                <a:cxn ang="0">
-                  <a:pos x="connsiteX52" y="connsiteY52"/>
-                </a:cxn>
-                <a:cxn ang="0">
-                  <a:pos x="connsiteX53" y="connsiteY53"/>
-                </a:cxn>
-                <a:cxn ang="0">
-                  <a:pos x="connsiteX54" y="connsiteY54"/>
-                </a:cxn>
-                <a:cxn ang="0">
-                  <a:pos x="connsiteX55" y="connsiteY55"/>
-                </a:cxn>
-                <a:cxn ang="0">
-                  <a:pos x="connsiteX56" y="connsiteY56"/>
-                </a:cxn>
-                <a:cxn ang="0">
-                  <a:pos x="connsiteX57" y="connsiteY57"/>
-                </a:cxn>
-                <a:cxn ang="0">
-                  <a:pos x="connsiteX58" y="connsiteY58"/>
-                </a:cxn>
-                <a:cxn ang="0">
-                  <a:pos x="connsiteX59" y="connsiteY59"/>
-                </a:cxn>
-                <a:cxn ang="0">
-                  <a:pos x="connsiteX60" y="connsiteY60"/>
-                </a:cxn>
-                <a:cxn ang="0">
-                  <a:pos x="connsiteX61" y="connsiteY61"/>
-                </a:cxn>
-                <a:cxn ang="0">
-                  <a:pos x="connsiteX62" y="connsiteY62"/>
-                </a:cxn>
-                <a:cxn ang="0">
-                  <a:pos x="connsiteX63" y="connsiteY63"/>
-                </a:cxn>
-                <a:cxn ang="0">
-                  <a:pos x="connsiteX64" y="connsiteY64"/>
-                </a:cxn>
-                <a:cxn ang="0">
-                  <a:pos x="connsiteX65" y="connsiteY65"/>
-                </a:cxn>
-                <a:cxn ang="0">
-                  <a:pos x="connsiteX66" y="connsiteY66"/>
-                </a:cxn>
-                <a:cxn ang="0">
-                  <a:pos x="connsiteX67" y="connsiteY67"/>
-                </a:cxn>
-                <a:cxn ang="0">
-                  <a:pos x="connsiteX68" y="connsiteY68"/>
-                </a:cxn>
-                <a:cxn ang="0">
-                  <a:pos x="connsiteX69" y="connsiteY69"/>
-                </a:cxn>
-                <a:cxn ang="0">
-                  <a:pos x="connsiteX70" y="connsiteY70"/>
-                </a:cxn>
-                <a:cxn ang="0">
-                  <a:pos x="connsiteX71" y="connsiteY71"/>
-                </a:cxn>
-                <a:cxn ang="0">
-                  <a:pos x="connsiteX72" y="connsiteY72"/>
-                </a:cxn>
-                <a:cxn ang="0">
-                  <a:pos x="connsiteX73" y="connsiteY73"/>
-                </a:cxn>
-                <a:cxn ang="0">
-                  <a:pos x="connsiteX74" y="connsiteY74"/>
-                </a:cxn>
-                <a:cxn ang="0">
-                  <a:pos x="connsiteX75" y="connsiteY75"/>
-                </a:cxn>
-                <a:cxn ang="0">
-                  <a:pos x="connsiteX76" y="connsiteY76"/>
-                </a:cxn>
-                <a:cxn ang="0">
-                  <a:pos x="connsiteX77" y="connsiteY77"/>
-                </a:cxn>
-                <a:cxn ang="0">
-                  <a:pos x="connsiteX78" y="connsiteY78"/>
-                </a:cxn>
-                <a:cxn ang="0">
-                  <a:pos x="connsiteX79" y="connsiteY79"/>
-                </a:cxn>
-                <a:cxn ang="0">
-                  <a:pos x="connsiteX80" y="connsiteY80"/>
-                </a:cxn>
-                <a:cxn ang="0">
-                  <a:pos x="connsiteX81" y="connsiteY81"/>
-                </a:cxn>
-                <a:cxn ang="0">
-                  <a:pos x="connsiteX82" y="connsiteY82"/>
-                </a:cxn>
-                <a:cxn ang="0">
-                  <a:pos x="connsiteX83" y="connsiteY83"/>
-                </a:cxn>
-                <a:cxn ang="0">
-                  <a:pos x="connsiteX84" y="connsiteY84"/>
-                </a:cxn>
-                <a:cxn ang="0">
-                  <a:pos x="connsiteX85" y="connsiteY85"/>
-                </a:cxn>
-                <a:cxn ang="0">
-                  <a:pos x="connsiteX86" y="connsiteY86"/>
-                </a:cxn>
-                <a:cxn ang="0">
-                  <a:pos x="connsiteX87" y="connsiteY87"/>
-                </a:cxn>
-                <a:cxn ang="0">
-                  <a:pos x="connsiteX88" y="connsiteY88"/>
-                </a:cxn>
-                <a:cxn ang="0">
-                  <a:pos x="connsiteX89" y="connsiteY89"/>
-                </a:cxn>
-                <a:cxn ang="0">
-                  <a:pos x="connsiteX90" y="connsiteY90"/>
-                </a:cxn>
-                <a:cxn ang="0">
-                  <a:pos x="connsiteX91" y="connsiteY91"/>
-                </a:cxn>
-                <a:cxn ang="0">
-                  <a:pos x="connsiteX92" y="connsiteY92"/>
-                </a:cxn>
-                <a:cxn ang="0">
-                  <a:pos x="connsiteX93" y="connsiteY93"/>
-                </a:cxn>
-                <a:cxn ang="0">
-                  <a:pos x="connsiteX94" y="connsiteY94"/>
-                </a:cxn>
-                <a:cxn ang="0">
-                  <a:pos x="connsiteX95" y="connsiteY95"/>
-                </a:cxn>
-                <a:cxn ang="0">
-                  <a:pos x="connsiteX96" y="connsiteY96"/>
-                </a:cxn>
-                <a:cxn ang="0">
-                  <a:pos x="connsiteX97" y="connsiteY97"/>
-                </a:cxn>
-                <a:cxn ang="0">
-                  <a:pos x="connsiteX98" y="connsiteY98"/>
-                </a:cxn>
-                <a:cxn ang="0">
-                  <a:pos x="connsiteX99" y="connsiteY99"/>
-                </a:cxn>
-                <a:cxn ang="0">
-                  <a:pos x="connsiteX100" y="connsiteY100"/>
-                </a:cxn>
-                <a:cxn ang="0">
-                  <a:pos x="connsiteX101" y="connsiteY101"/>
-                </a:cxn>
-                <a:cxn ang="0">
-                  <a:pos x="connsiteX102" y="connsiteY102"/>
-                </a:cxn>
               </a:cxnLst>
               <a:rect l="l" t="t" r="r" b="b"/>
               <a:pathLst>
-                <a:path w="5890490" h="6578439">
+                <a:path w="6321679" h="6521594">
                   <a:moveTo>
-                    <a:pt x="5890490" y="5389037"/>
+                    <a:pt x="4150102" y="0"/>
                   </a:moveTo>
-                  <a:lnTo>
-                    <a:pt x="5890490" y="5855587"/>
-                  </a:lnTo>
-                  <a:lnTo>
-                    <a:pt x="5784593" y="5962054"/>
-                  </a:lnTo>
-                  <a:cubicBezTo>
-                    <a:pt x="5744454" y="6002308"/>
-                    <a:pt x="5704062" y="6042436"/>
-                    <a:pt x="5663414" y="6082564"/>
-                  </a:cubicBezTo>
-                  <a:cubicBezTo>
-                    <a:pt x="5500314" y="6242577"/>
-                    <a:pt x="5330970" y="6400714"/>
-                    <a:pt x="5147099" y="6547726"/>
-                  </a:cubicBezTo>
-                  <a:lnTo>
-                    <a:pt x="5105015" y="6578439"/>
-                  </a:lnTo>
-                  <a:lnTo>
-                    <a:pt x="4385601" y="6578439"/>
-                  </a:lnTo>
-                  <a:lnTo>
-                    <a:pt x="4507252" y="6515968"/>
-                  </a:lnTo>
-                  <a:cubicBezTo>
-                    <a:pt x="4645901" y="6439679"/>
-                    <a:pt x="4779837" y="6350961"/>
-                    <a:pt x="4909330" y="6253453"/>
-                  </a:cubicBezTo>
-                  <a:cubicBezTo>
-                    <a:pt x="5082369" y="6123567"/>
-                    <a:pt x="5248145" y="5979180"/>
-                    <a:pt x="5411374" y="5828544"/>
-                  </a:cubicBezTo>
-                  <a:cubicBezTo>
-                    <a:pt x="5452149" y="5790791"/>
-                    <a:pt x="5492924" y="5752788"/>
-                    <a:pt x="5533570" y="5714534"/>
-                  </a:cubicBezTo>
-                  <a:lnTo>
-                    <a:pt x="5657425" y="5597650"/>
-                  </a:lnTo>
-                  <a:close/>
-                  <a:moveTo>
-                    <a:pt x="3336813" y="499"/>
-                  </a:moveTo>
-                  <a:cubicBezTo>
-                    <a:pt x="3395682" y="-392"/>
-                    <a:pt x="3454550" y="-48"/>
-                    <a:pt x="3513674" y="1202"/>
-                  </a:cubicBezTo>
-                  <a:lnTo>
-                    <a:pt x="3602743" y="4827"/>
-                  </a:lnTo>
-                  <a:lnTo>
-                    <a:pt x="3647213" y="6703"/>
-                  </a:lnTo>
-                  <a:cubicBezTo>
-                    <a:pt x="3661994" y="7327"/>
-                    <a:pt x="3676903" y="7703"/>
-                    <a:pt x="3691684" y="9453"/>
-                  </a:cubicBezTo>
-                  <a:lnTo>
-                    <a:pt x="3868927" y="27080"/>
-                  </a:lnTo>
-                  <a:cubicBezTo>
-                    <a:pt x="4340645" y="85584"/>
-                    <a:pt x="4795160" y="243221"/>
-                    <a:pt x="5200872" y="472240"/>
-                  </a:cubicBezTo>
-                  <a:cubicBezTo>
-                    <a:pt x="5403855" y="587124"/>
-                    <a:pt x="5594988" y="719447"/>
-                    <a:pt x="5772711" y="866334"/>
-                  </a:cubicBezTo>
-                  <a:lnTo>
-                    <a:pt x="5890490" y="972426"/>
-                  </a:lnTo>
-                  <a:lnTo>
-                    <a:pt x="5890490" y="1158576"/>
-                  </a:lnTo>
-                  <a:lnTo>
-                    <a:pt x="5676045" y="986969"/>
-                  </a:lnTo>
-                  <a:cubicBezTo>
-                    <a:pt x="5496587" y="857740"/>
-                    <a:pt x="5304275" y="746699"/>
-                    <a:pt x="5103776" y="655879"/>
-                  </a:cubicBezTo>
-                  <a:cubicBezTo>
-                    <a:pt x="4903214" y="564747"/>
-                    <a:pt x="4695006" y="492492"/>
-                    <a:pt x="4482465" y="440363"/>
-                  </a:cubicBezTo>
-                  <a:lnTo>
-                    <a:pt x="4402444" y="422111"/>
-                  </a:lnTo>
-                  <a:cubicBezTo>
-                    <a:pt x="4375813" y="416111"/>
-                    <a:pt x="4349436" y="408859"/>
-                    <a:pt x="4322423" y="404610"/>
-                  </a:cubicBezTo>
-                  <a:lnTo>
-                    <a:pt x="4241892" y="389858"/>
-                  </a:lnTo>
-                  <a:lnTo>
-                    <a:pt x="4201627" y="382483"/>
-                  </a:lnTo>
-                  <a:cubicBezTo>
-                    <a:pt x="4188248" y="379983"/>
-                    <a:pt x="4174869" y="377483"/>
-                    <a:pt x="4161234" y="375857"/>
-                  </a:cubicBezTo>
-                  <a:cubicBezTo>
-                    <a:pt x="4107208" y="368482"/>
-                    <a:pt x="4053308" y="360482"/>
-                    <a:pt x="3999280" y="353606"/>
-                  </a:cubicBezTo>
-                  <a:cubicBezTo>
-                    <a:pt x="3944999" y="348855"/>
-                    <a:pt x="3890844" y="343854"/>
-                    <a:pt x="3836817" y="338480"/>
-                  </a:cubicBezTo>
-                  <a:lnTo>
-                    <a:pt x="3673972" y="330604"/>
-                  </a:lnTo>
-                  <a:cubicBezTo>
-                    <a:pt x="3619690" y="329104"/>
-                    <a:pt x="3565281" y="329604"/>
-                    <a:pt x="3511126" y="328978"/>
-                  </a:cubicBezTo>
-                  <a:cubicBezTo>
-                    <a:pt x="3402054" y="330728"/>
-                    <a:pt x="3291706" y="334604"/>
-                    <a:pt x="3183142" y="342854"/>
-                  </a:cubicBezTo>
-                  <a:cubicBezTo>
-                    <a:pt x="2965505" y="358855"/>
-                    <a:pt x="2750670" y="389733"/>
-                    <a:pt x="2541444" y="439988"/>
-                  </a:cubicBezTo>
-                  <a:cubicBezTo>
-                    <a:pt x="2332216" y="490117"/>
-                    <a:pt x="2128850" y="559997"/>
-                    <a:pt x="1933895" y="650505"/>
-                  </a:cubicBezTo>
-                  <a:cubicBezTo>
-                    <a:pt x="1738939" y="741261"/>
-                    <a:pt x="1553540" y="854146"/>
-                    <a:pt x="1378079" y="983905"/>
-                  </a:cubicBezTo>
-                  <a:lnTo>
-                    <a:pt x="1312967" y="1033660"/>
-                  </a:lnTo>
-                  <a:cubicBezTo>
-                    <a:pt x="1291178" y="1050286"/>
-                    <a:pt x="1269006" y="1066412"/>
-                    <a:pt x="1248364" y="1084413"/>
-                  </a:cubicBezTo>
-                  <a:lnTo>
-                    <a:pt x="1185163" y="1137168"/>
-                  </a:lnTo>
-                  <a:cubicBezTo>
-                    <a:pt x="1164138" y="1154794"/>
-                    <a:pt x="1142603" y="1172046"/>
-                    <a:pt x="1122852" y="1190922"/>
-                  </a:cubicBezTo>
-                  <a:cubicBezTo>
-                    <a:pt x="1041557" y="1264303"/>
-                    <a:pt x="961663" y="1339309"/>
-                    <a:pt x="892092" y="1421440"/>
-                  </a:cubicBezTo>
-                  <a:cubicBezTo>
-                    <a:pt x="819589" y="1501822"/>
-                    <a:pt x="759827" y="1590329"/>
-                    <a:pt x="707202" y="1684212"/>
-                  </a:cubicBezTo>
-                  <a:cubicBezTo>
-                    <a:pt x="694715" y="1708089"/>
-                    <a:pt x="682227" y="1731841"/>
-                    <a:pt x="670121" y="1756093"/>
-                  </a:cubicBezTo>
-                  <a:lnTo>
-                    <a:pt x="637630" y="1830724"/>
-                  </a:lnTo>
-                  <a:cubicBezTo>
-                    <a:pt x="626161" y="1855350"/>
-                    <a:pt x="617624" y="1881603"/>
-                    <a:pt x="607685" y="1907105"/>
-                  </a:cubicBezTo>
-                  <a:cubicBezTo>
-                    <a:pt x="598128" y="1932857"/>
-                    <a:pt x="588317" y="1958483"/>
-                    <a:pt x="580034" y="1984986"/>
-                  </a:cubicBezTo>
-                  <a:cubicBezTo>
-                    <a:pt x="544611" y="2089620"/>
-                    <a:pt x="513393" y="2197128"/>
-                    <a:pt x="481919" y="2304386"/>
-                  </a:cubicBezTo>
-                  <a:lnTo>
-                    <a:pt x="433881" y="2465399"/>
-                  </a:lnTo>
-                  <a:lnTo>
-                    <a:pt x="384442" y="2626163"/>
-                  </a:lnTo>
-                  <a:cubicBezTo>
-                    <a:pt x="317672" y="2839680"/>
-                    <a:pt x="243129" y="3050946"/>
-                    <a:pt x="166039" y="3261338"/>
-                  </a:cubicBezTo>
-                  <a:cubicBezTo>
-                    <a:pt x="88822" y="3468979"/>
-                    <a:pt x="50850" y="3690248"/>
-                    <a:pt x="56202" y="3910265"/>
-                  </a:cubicBezTo>
-                  <a:cubicBezTo>
-                    <a:pt x="58495" y="4020274"/>
-                    <a:pt x="71493" y="4129783"/>
-                    <a:pt x="93664" y="4237292"/>
-                  </a:cubicBezTo>
-                  <a:cubicBezTo>
-                    <a:pt x="99143" y="4264168"/>
-                    <a:pt x="104623" y="4291045"/>
-                    <a:pt x="111758" y="4317548"/>
-                  </a:cubicBezTo>
-                  <a:cubicBezTo>
-                    <a:pt x="118384" y="4344176"/>
-                    <a:pt x="124627" y="4370802"/>
-                    <a:pt x="133038" y="4397054"/>
-                  </a:cubicBezTo>
-                  <a:cubicBezTo>
-                    <a:pt x="140810" y="4423307"/>
-                    <a:pt x="148456" y="4449683"/>
-                    <a:pt x="157757" y="4475560"/>
-                  </a:cubicBezTo>
-                  <a:cubicBezTo>
-                    <a:pt x="166549" y="4501562"/>
-                    <a:pt x="175087" y="4527564"/>
-                    <a:pt x="185153" y="4553066"/>
-                  </a:cubicBezTo>
-                  <a:cubicBezTo>
-                    <a:pt x="262371" y="4758458"/>
-                    <a:pt x="368895" y="4951974"/>
-                    <a:pt x="493642" y="5132239"/>
-                  </a:cubicBezTo>
-                  <a:cubicBezTo>
-                    <a:pt x="618389" y="5312627"/>
-                    <a:pt x="760846" y="5480391"/>
-                    <a:pt x="914391" y="5636528"/>
-                  </a:cubicBezTo>
-                  <a:cubicBezTo>
-                    <a:pt x="1069081" y="5793166"/>
-                    <a:pt x="1231544" y="5941677"/>
-                    <a:pt x="1402034" y="6076188"/>
-                  </a:cubicBezTo>
-                  <a:cubicBezTo>
-                    <a:pt x="1487535" y="6143320"/>
-                    <a:pt x="1574565" y="6207574"/>
-                    <a:pt x="1664397" y="6267079"/>
-                  </a:cubicBezTo>
-                  <a:cubicBezTo>
-                    <a:pt x="1753592" y="6327459"/>
-                    <a:pt x="1845336" y="6383088"/>
-                    <a:pt x="1938992" y="6434343"/>
-                  </a:cubicBezTo>
-                  <a:cubicBezTo>
-                    <a:pt x="2032647" y="6485659"/>
-                    <a:pt x="2128309" y="6532600"/>
-                    <a:pt x="2225931" y="6574322"/>
-                  </a:cubicBezTo>
-                  <a:lnTo>
-                    <a:pt x="2236328" y="6578439"/>
-                  </a:lnTo>
-                  <a:lnTo>
-                    <a:pt x="1504665" y="6578439"/>
-                  </a:lnTo>
-                  <a:lnTo>
-                    <a:pt x="1456827" y="6543476"/>
-                  </a:lnTo>
-                  <a:cubicBezTo>
-                    <a:pt x="1363554" y="6470595"/>
-                    <a:pt x="1273848" y="6394340"/>
-                    <a:pt x="1188475" y="6314083"/>
-                  </a:cubicBezTo>
-                  <a:cubicBezTo>
-                    <a:pt x="1017856" y="6153445"/>
-                    <a:pt x="863803" y="5979931"/>
-                    <a:pt x="721728" y="5798666"/>
-                  </a:cubicBezTo>
-                  <a:cubicBezTo>
-                    <a:pt x="579397" y="5616027"/>
-                    <a:pt x="452103" y="5422511"/>
-                    <a:pt x="344175" y="5219495"/>
-                  </a:cubicBezTo>
-                  <a:cubicBezTo>
-                    <a:pt x="236505" y="5016354"/>
-                    <a:pt x="147946" y="4803586"/>
-                    <a:pt x="87293" y="4583569"/>
-                  </a:cubicBezTo>
-                  <a:cubicBezTo>
-                    <a:pt x="79138" y="4556193"/>
-                    <a:pt x="72639" y="4528440"/>
-                    <a:pt x="65886" y="4500813"/>
-                  </a:cubicBezTo>
-                  <a:cubicBezTo>
-                    <a:pt x="58751" y="4473311"/>
-                    <a:pt x="53144" y="4445308"/>
-                    <a:pt x="47409" y="4417431"/>
-                  </a:cubicBezTo>
-                  <a:cubicBezTo>
-                    <a:pt x="44733" y="4403430"/>
-                    <a:pt x="41294" y="4389679"/>
-                    <a:pt x="39000" y="4375677"/>
-                  </a:cubicBezTo>
-                  <a:lnTo>
-                    <a:pt x="31610" y="4333674"/>
-                  </a:lnTo>
-                  <a:cubicBezTo>
-                    <a:pt x="26258" y="4305797"/>
-                    <a:pt x="22563" y="4277544"/>
-                    <a:pt x="18868" y="4249417"/>
-                  </a:cubicBezTo>
-                  <a:cubicBezTo>
-                    <a:pt x="4214" y="4136784"/>
-                    <a:pt x="-2158" y="4023275"/>
-                    <a:pt x="646" y="3910265"/>
-                  </a:cubicBezTo>
-                  <a:cubicBezTo>
-                    <a:pt x="5997" y="3683872"/>
-                    <a:pt x="50596" y="3459605"/>
-                    <a:pt x="130234" y="3248337"/>
-                  </a:cubicBezTo>
-                  <a:cubicBezTo>
-                    <a:pt x="207961" y="3039196"/>
-                    <a:pt x="278044" y="2827179"/>
-                    <a:pt x="335383" y="2611911"/>
-                  </a:cubicBezTo>
-                  <a:cubicBezTo>
-                    <a:pt x="393743" y="2396644"/>
-                    <a:pt x="435792" y="2178627"/>
-                    <a:pt x="487272" y="1958609"/>
-                  </a:cubicBezTo>
-                  <a:cubicBezTo>
-                    <a:pt x="493259" y="1931107"/>
-                    <a:pt x="501287" y="1903730"/>
-                    <a:pt x="508550" y="1876227"/>
-                  </a:cubicBezTo>
-                  <a:cubicBezTo>
-                    <a:pt x="516195" y="1848725"/>
-                    <a:pt x="522312" y="1820972"/>
-                    <a:pt x="531742" y="1793721"/>
-                  </a:cubicBezTo>
-                  <a:lnTo>
-                    <a:pt x="558245" y="1711465"/>
-                  </a:lnTo>
-                  <a:cubicBezTo>
-                    <a:pt x="568439" y="1684337"/>
-                    <a:pt x="579652" y="1657459"/>
-                    <a:pt x="590100" y="1630332"/>
-                  </a:cubicBezTo>
-                  <a:cubicBezTo>
-                    <a:pt x="635080" y="1523075"/>
-                    <a:pt x="690637" y="1417566"/>
-                    <a:pt x="758680" y="1322433"/>
-                  </a:cubicBezTo>
-                  <a:cubicBezTo>
-                    <a:pt x="824430" y="1225051"/>
-                    <a:pt x="899610" y="1136168"/>
-                    <a:pt x="976317" y="1049286"/>
-                  </a:cubicBezTo>
-                  <a:cubicBezTo>
-                    <a:pt x="995049" y="1027035"/>
-                    <a:pt x="1015436" y="1006533"/>
-                    <a:pt x="1035314" y="985406"/>
-                  </a:cubicBezTo>
-                  <a:lnTo>
-                    <a:pt x="1095329" y="922526"/>
-                  </a:lnTo>
-                  <a:cubicBezTo>
-                    <a:pt x="1114953" y="901149"/>
-                    <a:pt x="1136359" y="881397"/>
-                    <a:pt x="1157384" y="861271"/>
-                  </a:cubicBezTo>
-                  <a:lnTo>
-                    <a:pt x="1220841" y="801017"/>
-                  </a:lnTo>
-                  <a:cubicBezTo>
-                    <a:pt x="1241610" y="780514"/>
-                    <a:pt x="1264418" y="762014"/>
-                    <a:pt x="1286462" y="742886"/>
-                  </a:cubicBezTo>
-                  <a:lnTo>
-                    <a:pt x="1353233" y="685632"/>
-                  </a:lnTo>
-                  <a:lnTo>
-                    <a:pt x="1369924" y="671256"/>
-                  </a:lnTo>
-                  <a:cubicBezTo>
-                    <a:pt x="1375658" y="666631"/>
-                    <a:pt x="1381520" y="662255"/>
-                    <a:pt x="1387380" y="657755"/>
-                  </a:cubicBezTo>
-                  <a:lnTo>
-                    <a:pt x="1422422" y="630877"/>
-                  </a:lnTo>
-                  <a:lnTo>
-                    <a:pt x="1492759" y="577248"/>
-                  </a:lnTo>
-                  <a:cubicBezTo>
-                    <a:pt x="1504355" y="567997"/>
-                    <a:pt x="1516714" y="559997"/>
-                    <a:pt x="1528820" y="551496"/>
-                  </a:cubicBezTo>
-                  <a:lnTo>
-                    <a:pt x="1565390" y="526370"/>
-                  </a:lnTo>
-                  <a:lnTo>
-                    <a:pt x="1639040" y="476490"/>
-                  </a:lnTo>
-                  <a:cubicBezTo>
-                    <a:pt x="1689754" y="445613"/>
-                    <a:pt x="1740723" y="414986"/>
-                    <a:pt x="1792075" y="384859"/>
-                  </a:cubicBezTo>
-                  <a:cubicBezTo>
-                    <a:pt x="2000282" y="268724"/>
-                    <a:pt x="2224927" y="179467"/>
-                    <a:pt x="2455943" y="117836"/>
-                  </a:cubicBezTo>
-                  <a:cubicBezTo>
-                    <a:pt x="2687088" y="55957"/>
-                    <a:pt x="2923964" y="21204"/>
-                    <a:pt x="3159952" y="7203"/>
-                  </a:cubicBezTo>
-                  <a:cubicBezTo>
-                    <a:pt x="3219076" y="3515"/>
-                    <a:pt x="3277945" y="1389"/>
-                    <a:pt x="3336813" y="499"/>
+                  <a:cubicBezTo>
+                    <a:pt x="4918148" y="0"/>
+                    <a:pt x="5569597" y="228540"/>
+                    <a:pt x="6083891" y="619943"/>
+                  </a:cubicBezTo>
+                  <a:lnTo>
+                    <a:pt x="6321679" y="822247"/>
+                  </a:lnTo>
+                  <a:lnTo>
+                    <a:pt x="6321679" y="2150195"/>
+                  </a:lnTo>
+                  <a:lnTo>
+                    <a:pt x="6241288" y="1985338"/>
+                  </a:lnTo>
+                  <a:cubicBezTo>
+                    <a:pt x="6156788" y="1831195"/>
+                    <a:pt x="6059249" y="1688709"/>
+                    <a:pt x="5949367" y="1559997"/>
+                  </a:cubicBezTo>
+                  <a:cubicBezTo>
+                    <a:pt x="5737073" y="1311397"/>
+                    <a:pt x="5482843" y="1118314"/>
+                    <a:pt x="5193362" y="986156"/>
+                  </a:cubicBezTo>
+                  <a:cubicBezTo>
+                    <a:pt x="4883437" y="844596"/>
+                    <a:pt x="4532365" y="772850"/>
+                    <a:pt x="4150102" y="772850"/>
+                  </a:cubicBezTo>
+                  <a:cubicBezTo>
+                    <a:pt x="3746218" y="772850"/>
+                    <a:pt x="3319008" y="853613"/>
+                    <a:pt x="2914861" y="1006637"/>
+                  </a:cubicBezTo>
+                  <a:cubicBezTo>
+                    <a:pt x="2515039" y="1157857"/>
+                    <a:pt x="2134350" y="1380438"/>
+                    <a:pt x="1814073" y="1650163"/>
+                  </a:cubicBezTo>
+                  <a:cubicBezTo>
+                    <a:pt x="1494190" y="1919502"/>
+                    <a:pt x="1232622" y="2238173"/>
+                    <a:pt x="1057412" y="2571657"/>
+                  </a:cubicBezTo>
+                  <a:cubicBezTo>
+                    <a:pt x="877486" y="2914158"/>
+                    <a:pt x="786277" y="3270313"/>
+                    <a:pt x="786277" y="3630204"/>
+                  </a:cubicBezTo>
+                  <a:cubicBezTo>
+                    <a:pt x="786277" y="3974121"/>
+                    <a:pt x="923483" y="4173646"/>
+                    <a:pt x="1233931" y="4592016"/>
+                  </a:cubicBezTo>
+                  <a:cubicBezTo>
+                    <a:pt x="1311641" y="4696736"/>
+                    <a:pt x="1391972" y="4805064"/>
+                    <a:pt x="1474795" y="4924985"/>
+                  </a:cubicBezTo>
+                  <a:cubicBezTo>
+                    <a:pt x="1767682" y="5349278"/>
+                    <a:pt x="2068172" y="5650948"/>
+                    <a:pt x="2393691" y="5846995"/>
+                  </a:cubicBezTo>
+                  <a:cubicBezTo>
+                    <a:pt x="2738735" y="6054891"/>
+                    <a:pt x="3133971" y="6155876"/>
+                    <a:pt x="3601805" y="6155876"/>
+                  </a:cubicBezTo>
+                  <a:cubicBezTo>
+                    <a:pt x="3867305" y="6155876"/>
+                    <a:pt x="4114196" y="6093405"/>
+                    <a:pt x="4378909" y="5959186"/>
+                  </a:cubicBezTo>
+                  <a:cubicBezTo>
+                    <a:pt x="4650699" y="5821362"/>
+                    <a:pt x="4919737" y="5620421"/>
+                    <a:pt x="5218129" y="5391271"/>
+                  </a:cubicBezTo>
+                  <a:cubicBezTo>
+                    <a:pt x="5288107" y="5337558"/>
+                    <a:pt x="5357824" y="5284617"/>
+                    <a:pt x="5425313" y="5233481"/>
+                  </a:cubicBezTo>
+                  <a:cubicBezTo>
+                    <a:pt x="5739037" y="4995556"/>
+                    <a:pt x="6037512" y="4769168"/>
+                    <a:pt x="6254366" y="4534301"/>
+                  </a:cubicBezTo>
+                  <a:lnTo>
+                    <a:pt x="6321679" y="4456641"/>
+                  </a:lnTo>
+                  <a:lnTo>
+                    <a:pt x="6321679" y="5523097"/>
+                  </a:lnTo>
+                  <a:lnTo>
+                    <a:pt x="6024428" y="5754969"/>
+                  </a:lnTo>
+                  <a:cubicBezTo>
+                    <a:pt x="5918395" y="5835747"/>
+                    <a:pt x="5810491" y="5916953"/>
+                    <a:pt x="5702345" y="6000018"/>
+                  </a:cubicBezTo>
+                  <a:cubicBezTo>
+                    <a:pt x="5466020" y="6181541"/>
+                    <a:pt x="5232938" y="6357503"/>
+                    <a:pt x="4988380" y="6506549"/>
+                  </a:cubicBezTo>
+                  <a:lnTo>
+                    <a:pt x="4961490" y="6521594"/>
+                  </a:lnTo>
+                  <a:lnTo>
+                    <a:pt x="2011326" y="6521594"/>
+                  </a:lnTo>
+                  <a:lnTo>
+                    <a:pt x="1982893" y="6505768"/>
+                  </a:lnTo>
+                  <a:cubicBezTo>
+                    <a:pt x="1531799" y="6233999"/>
+                    <a:pt x="1157400" y="5841520"/>
+                    <a:pt x="824149" y="5358682"/>
+                  </a:cubicBezTo>
+                  <a:cubicBezTo>
+                    <a:pt x="424196" y="4779302"/>
+                    <a:pt x="0" y="4381929"/>
+                    <a:pt x="0" y="3630075"/>
+                  </a:cubicBezTo>
+                  <a:cubicBezTo>
+                    <a:pt x="0" y="1625174"/>
+                    <a:pt x="2089794" y="0"/>
+                    <a:pt x="4150102" y="0"/>
                   </a:cubicBezTo>
                   <a:close/>
                 </a:path>
               </a:pathLst>
             </a:custGeom>
-            <a:gradFill flip="none" rotWithShape="1">
+            <a:gradFill>
               <a:gsLst>
                 <a:gs pos="2000">
                   <a:schemeClr val="bg1">
@@ -26789,7 +25999,7 @@
                 </a:gs>
                 <a:gs pos="16000">
                   <a:schemeClr val="accent6">
-                    <a:alpha val="5000"/>
+                    <a:alpha val="10000"/>
                   </a:schemeClr>
                 </a:gs>
                 <a:gs pos="100000">
@@ -26804,7 +26014,6 @@
                 </a:gs>
               </a:gsLst>
               <a:lin ang="12000000" scaled="0"/>
-              <a:tileRect/>
             </a:gradFill>
             <a:ln>
               <a:noFill/>
@@ -26831,17 +26040,17 @@
             <a:lstStyle/>
             <a:p>
               <a:pPr algn="ctr"/>
-              <a:endParaRPr lang="en-US" dirty="0"/>
+              <a:endParaRPr lang="en-US"/>
             </a:p>
           </p:txBody>
         </p:sp>
       </p:grpSp>
       <p:pic>
         <p:nvPicPr>
-          <p:cNvPr id="16" name="Inhaltsplatzhalter 15" descr="Ein Bild, das Text, Diagramm, Reihe, Screenshot enthält.&#10;&#10;KI-generierte Inhalte können fehlerhaft sein.">
+          <p:cNvPr id="8" name="Inhaltsplatzhalter 7">
             <a:extLst>
               <a:ext uri="{FF2B5EF4-FFF2-40B4-BE49-F238E27FC236}">
-                <a16:creationId xmlns:a16="http://schemas.microsoft.com/office/drawing/2014/main" id="{F0CF39E6-9927-D11E-6573-29A1A29B4813}"/>
+                <a16:creationId xmlns:a16="http://schemas.microsoft.com/office/drawing/2014/main" id="{75ED38A2-758C-D5C3-DBFB-FCB8DDE4FA0C}"/>
               </a:ext>
             </a:extLst>
           </p:cNvPr>
@@ -26858,21 +26067,17 @@
               </a:ext>
             </a:extLst>
           </a:blip>
-          <a:stretch>
-            <a:fillRect/>
-          </a:stretch>
+          <a:srcRect/>
+          <a:stretch/>
         </p:blipFill>
         <p:spPr>
           <a:xfrm>
-            <a:off x="6896675" y="2340808"/>
-            <a:ext cx="5221279" cy="3224139"/>
+            <a:off x="2176272" y="1694874"/>
+            <a:ext cx="7512081" cy="4524951"/>
           </a:xfrm>
           <a:prstGeom prst="rect">
             <a:avLst/>
           </a:prstGeom>
-          <a:ln>
-            <a:noFill/>
-          </a:ln>
         </p:spPr>
       </p:pic>
       <p:sp>
@@ -26880,7 +26085,7 @@
           <p:cNvPr id="4" name="Datumsplatzhalter 3">
             <a:extLst>
               <a:ext uri="{FF2B5EF4-FFF2-40B4-BE49-F238E27FC236}">
-                <a16:creationId xmlns:a16="http://schemas.microsoft.com/office/drawing/2014/main" id="{7FA1EE90-9DD5-DEFF-F837-E9F1AF693606}"/>
+                <a16:creationId xmlns:a16="http://schemas.microsoft.com/office/drawing/2014/main" id="{36FB6D8B-3C57-150E-CCF0-F7A2E1A9D4E6}"/>
               </a:ext>
             </a:extLst>
           </p:cNvPr>
@@ -26898,7 +26103,7 @@
           </a:xfrm>
         </p:spPr>
         <p:txBody>
-          <a:bodyPr vert="horz" lIns="91440" tIns="45720" rIns="91440" bIns="45720" rtlCol="0" anchor="ctr">
+          <a:bodyPr>
             <a:normAutofit/>
           </a:bodyPr>
           <a:lstStyle/>
@@ -26908,28 +26113,16 @@
                 <a:spcPts val="600"/>
               </a:spcAft>
             </a:pPr>
-            <a:fld id="{0D970BB5-6510-4A9B-95D3-C7BFEB0AB060}" type="datetime1">
-              <a:rPr lang="en-US" smtClean="0">
-                <a:solidFill>
-                  <a:schemeClr val="tx1">
-                    <a:tint val="75000"/>
-                  </a:schemeClr>
-                </a:solidFill>
-              </a:rPr>
+            <a:fld id="{CB08DD5F-30A3-4DB8-83F9-B18C9F074EFE}" type="datetime1">
+              <a:rPr lang="de-DE" smtClean="0"/>
               <a:pPr>
                 <a:spcAft>
                   <a:spcPts val="600"/>
                 </a:spcAft>
               </a:pPr>
-              <a:t>2/15/2025</a:t>
+              <a:t>24.02.2025</a:t>
             </a:fld>
-            <a:endParaRPr lang="en-US">
-              <a:solidFill>
-                <a:schemeClr val="tx1">
-                  <a:tint val="75000"/>
-                </a:schemeClr>
-              </a:solidFill>
-            </a:endParaRPr>
+            <a:endParaRPr lang="de-CH"/>
           </a:p>
         </p:txBody>
       </p:sp>
@@ -26938,7 +26131,7 @@
           <p:cNvPr id="5" name="Fußzeilenplatzhalter 4">
             <a:extLst>
               <a:ext uri="{FF2B5EF4-FFF2-40B4-BE49-F238E27FC236}">
-                <a16:creationId xmlns:a16="http://schemas.microsoft.com/office/drawing/2014/main" id="{B82D4DFE-20F2-CC45-BA61-43B764BC01F0}"/>
+                <a16:creationId xmlns:a16="http://schemas.microsoft.com/office/drawing/2014/main" id="{EF5E397C-85BE-6BA7-1274-DE6B88251031}"/>
               </a:ext>
             </a:extLst>
           </p:cNvPr>
@@ -26956,7 +26149,7 @@
           </a:xfrm>
         </p:spPr>
         <p:txBody>
-          <a:bodyPr vert="horz" lIns="91440" tIns="45720" rIns="91440" bIns="45720" rtlCol="0" anchor="ctr">
+          <a:bodyPr>
             <a:normAutofit/>
           </a:bodyPr>
           <a:lstStyle/>
@@ -26967,16 +26160,7 @@
               </a:spcAft>
             </a:pPr>
             <a:r>
-              <a:rPr lang="en-US" kern="1200">
-                <a:solidFill>
-                  <a:schemeClr val="tx1">
-                    <a:tint val="75000"/>
-                  </a:schemeClr>
-                </a:solidFill>
-                <a:latin typeface="+mn-lt"/>
-                <a:ea typeface="+mn-ea"/>
-                <a:cs typeface="+mn-cs"/>
-              </a:rPr>
+              <a:rPr lang="de-CH"/>
               <a:t>NutriFit by Gabriel Weibel</a:t>
             </a:r>
           </a:p>
@@ -26987,7 +26171,7 @@
           <p:cNvPr id="6" name="Foliennummernplatzhalter 5">
             <a:extLst>
               <a:ext uri="{FF2B5EF4-FFF2-40B4-BE49-F238E27FC236}">
-                <a16:creationId xmlns:a16="http://schemas.microsoft.com/office/drawing/2014/main" id="{80267A89-51F8-CC4C-D32B-B6579DA3738C}"/>
+                <a16:creationId xmlns:a16="http://schemas.microsoft.com/office/drawing/2014/main" id="{C70AAB4A-7F9A-6A46-6D6F-A5F5E250E5DE}"/>
               </a:ext>
             </a:extLst>
           </p:cNvPr>
@@ -27005,7 +26189,7 @@
           </a:xfrm>
         </p:spPr>
         <p:txBody>
-          <a:bodyPr vert="horz" lIns="91440" tIns="45720" rIns="91440" bIns="45720" rtlCol="0" anchor="ctr">
+          <a:bodyPr>
             <a:normAutofit/>
           </a:bodyPr>
           <a:lstStyle/>
@@ -27016,13 +26200,7 @@
               </a:spcAft>
             </a:pPr>
             <a:fld id="{4FDAB704-07AC-45C9-B557-91D3EB3DD5CD}" type="slidenum">
-              <a:rPr lang="en-US" smtClean="0">
-                <a:solidFill>
-                  <a:schemeClr val="tx1">
-                    <a:tint val="75000"/>
-                  </a:schemeClr>
-                </a:solidFill>
-              </a:rPr>
+              <a:rPr lang="de-CH" smtClean="0"/>
               <a:pPr>
                 <a:spcAft>
                   <a:spcPts val="600"/>
@@ -27030,20 +26208,14 @@
               </a:pPr>
               <a:t>4</a:t>
             </a:fld>
-            <a:endParaRPr lang="en-US">
-              <a:solidFill>
-                <a:schemeClr val="tx1">
-                  <a:tint val="75000"/>
-                </a:schemeClr>
-              </a:solidFill>
-            </a:endParaRPr>
+            <a:endParaRPr lang="de-CH"/>
           </a:p>
         </p:txBody>
       </p:sp>
     </p:spTree>
     <p:extLst>
       <p:ext uri="{BB962C8B-B14F-4D97-AF65-F5344CB8AC3E}">
-        <p14:creationId xmlns:p14="http://schemas.microsoft.com/office/powerpoint/2010/main" val="4166092416"/>
+        <p14:creationId xmlns:p14="http://schemas.microsoft.com/office/powerpoint/2010/main" val="3865181393"/>
       </p:ext>
     </p:extLst>
   </p:cSld>
@@ -29792,8 +28964,8 @@
         </p:blipFill>
         <p:spPr>
           <a:xfrm>
-            <a:off x="6829826" y="2471738"/>
-            <a:ext cx="5277974" cy="2335503"/>
+            <a:off x="1387989" y="1947018"/>
+            <a:ext cx="9260197" cy="4097636"/>
           </a:xfrm>
           <a:prstGeom prst="rect">
             <a:avLst/>
@@ -29840,7 +29012,7 @@
                   <a:spcPts val="600"/>
                 </a:spcAft>
               </a:pPr>
-              <a:t>15.02.2025</a:t>
+              <a:t>24.02.2025</a:t>
             </a:fld>
             <a:endParaRPr lang="de-CH"/>
           </a:p>
@@ -29946,3565 +29118,6 @@
 </file>
 
 <file path=ppt/slides/slide6.xml><?xml version="1.0" encoding="utf-8"?>
-<p:sld xmlns:a="http://schemas.openxmlformats.org/drawingml/2006/main" xmlns:r="http://schemas.openxmlformats.org/officeDocument/2006/relationships" xmlns:p="http://schemas.openxmlformats.org/presentationml/2006/main">
-  <p:cSld>
-    <p:bg>
-      <p:bgPr>
-        <a:solidFill>
-          <a:schemeClr val="bg1"/>
-        </a:solidFill>
-        <a:effectLst/>
-      </p:bgPr>
-    </p:bg>
-    <p:spTree>
-      <p:nvGrpSpPr>
-        <p:cNvPr id="1" name=""/>
-        <p:cNvGrpSpPr/>
-        <p:nvPr/>
-      </p:nvGrpSpPr>
-      <p:grpSpPr>
-        <a:xfrm>
-          <a:off x="0" y="0"/>
-          <a:ext cx="0" cy="0"/>
-          <a:chOff x="0" y="0"/>
-          <a:chExt cx="0" cy="0"/>
-        </a:xfrm>
-      </p:grpSpPr>
-      <p:sp useBgFill="1">
-        <p:nvSpPr>
-          <p:cNvPr id="11" name="Rectangle 10">
-            <a:extLst>
-              <a:ext uri="{FF2B5EF4-FFF2-40B4-BE49-F238E27FC236}">
-                <a16:creationId xmlns:a16="http://schemas.microsoft.com/office/drawing/2014/main" id="{43C823D3-D619-407C-89E0-C6F6B1E7A42A}"/>
-              </a:ext>
-              <a:ext uri="{C183D7F6-B498-43B3-948B-1728B52AA6E4}">
-                <adec:decorative xmlns:adec="http://schemas.microsoft.com/office/drawing/2017/decorative" val="1"/>
-              </a:ext>
-            </a:extLst>
-          </p:cNvPr>
-          <p:cNvSpPr>
-            <a:spLocks noGrp="1" noRot="1" noChangeAspect="1" noMove="1" noResize="1" noEditPoints="1" noAdjustHandles="1" noChangeArrowheads="1" noChangeShapeType="1" noTextEdit="1"/>
-          </p:cNvSpPr>
-          <p:nvPr>
-            <p:extLst>
-              <p:ext uri="{386F3935-93C4-4BCD-93E2-E3B085C9AB24}">
-                <p16:designElem xmlns:p16="http://schemas.microsoft.com/office/powerpoint/2015/main" val="1"/>
-              </p:ext>
-            </p:extLst>
-          </p:nvPr>
-        </p:nvSpPr>
-        <p:spPr>
-          <a:xfrm>
-            <a:off x="0" y="1"/>
-            <a:ext cx="12191695" cy="6858000"/>
-          </a:xfrm>
-          <a:prstGeom prst="rect">
-            <a:avLst/>
-          </a:prstGeom>
-          <a:ln>
-            <a:noFill/>
-          </a:ln>
-        </p:spPr>
-        <p:style>
-          <a:lnRef idx="2">
-            <a:schemeClr val="accent1">
-              <a:shade val="50000"/>
-            </a:schemeClr>
-          </a:lnRef>
-          <a:fillRef idx="1">
-            <a:schemeClr val="accent1"/>
-          </a:fillRef>
-          <a:effectRef idx="0">
-            <a:schemeClr val="accent1"/>
-          </a:effectRef>
-          <a:fontRef idx="minor">
-            <a:schemeClr val="lt1"/>
-          </a:fontRef>
-        </p:style>
-        <p:txBody>
-          <a:bodyPr rtlCol="0" anchor="ctr"/>
-          <a:lstStyle/>
-          <a:p>
-            <a:pPr algn="ctr"/>
-            <a:endParaRPr lang="en-US"/>
-          </a:p>
-        </p:txBody>
-      </p:sp>
-      <p:sp>
-        <p:nvSpPr>
-          <p:cNvPr id="13" name="Rectangle 12">
-            <a:extLst>
-              <a:ext uri="{FF2B5EF4-FFF2-40B4-BE49-F238E27FC236}">
-                <a16:creationId xmlns:a16="http://schemas.microsoft.com/office/drawing/2014/main" id="{047F8E3E-2FFA-4A0F-B3C7-E57ADDCFB415}"/>
-              </a:ext>
-              <a:ext uri="{C183D7F6-B498-43B3-948B-1728B52AA6E4}">
-                <adec:decorative xmlns:adec="http://schemas.microsoft.com/office/drawing/2017/decorative" val="1"/>
-              </a:ext>
-            </a:extLst>
-          </p:cNvPr>
-          <p:cNvSpPr>
-            <a:spLocks noGrp="1" noRot="1" noChangeAspect="1" noMove="1" noResize="1" noEditPoints="1" noAdjustHandles="1" noChangeArrowheads="1" noChangeShapeType="1" noTextEdit="1"/>
-          </p:cNvSpPr>
-          <p:nvPr>
-            <p:extLst>
-              <p:ext uri="{386F3935-93C4-4BCD-93E2-E3B085C9AB24}">
-                <p16:designElem xmlns:p16="http://schemas.microsoft.com/office/powerpoint/2015/main" val="1"/>
-              </p:ext>
-            </p:extLst>
-          </p:nvPr>
-        </p:nvSpPr>
-        <p:spPr>
-          <a:xfrm>
-            <a:off x="305" y="0"/>
-            <a:ext cx="12191695" cy="6858000"/>
-          </a:xfrm>
-          <a:prstGeom prst="rect">
-            <a:avLst/>
-          </a:prstGeom>
-          <a:solidFill>
-            <a:schemeClr val="bg1"/>
-          </a:solidFill>
-          <a:ln>
-            <a:noFill/>
-          </a:ln>
-        </p:spPr>
-        <p:style>
-          <a:lnRef idx="2">
-            <a:schemeClr val="accent1">
-              <a:shade val="50000"/>
-            </a:schemeClr>
-          </a:lnRef>
-          <a:fillRef idx="1">
-            <a:schemeClr val="accent1"/>
-          </a:fillRef>
-          <a:effectRef idx="0">
-            <a:schemeClr val="accent1"/>
-          </a:effectRef>
-          <a:fontRef idx="minor">
-            <a:schemeClr val="lt1"/>
-          </a:fontRef>
-        </p:style>
-        <p:txBody>
-          <a:bodyPr rtlCol="0" anchor="ctr"/>
-          <a:lstStyle/>
-          <a:p>
-            <a:pPr algn="ctr"/>
-            <a:endParaRPr lang="en-US" sz="800"/>
-          </a:p>
-        </p:txBody>
-      </p:sp>
-      <p:sp>
-        <p:nvSpPr>
-          <p:cNvPr id="2" name="Titel 1">
-            <a:extLst>
-              <a:ext uri="{FF2B5EF4-FFF2-40B4-BE49-F238E27FC236}">
-                <a16:creationId xmlns:a16="http://schemas.microsoft.com/office/drawing/2014/main" id="{6B51547A-D8D5-0D17-7431-F45B9E807616}"/>
-              </a:ext>
-            </a:extLst>
-          </p:cNvPr>
-          <p:cNvSpPr>
-            <a:spLocks noGrp="1"/>
-          </p:cNvSpPr>
-          <p:nvPr>
-            <p:ph type="title"/>
-          </p:nvPr>
-        </p:nvSpPr>
-        <p:spPr>
-          <a:xfrm>
-            <a:off x="1179226" y="1594707"/>
-            <a:ext cx="9833548" cy="1325563"/>
-          </a:xfrm>
-        </p:spPr>
-        <p:txBody>
-          <a:bodyPr anchor="b">
-            <a:normAutofit/>
-          </a:bodyPr>
-          <a:lstStyle/>
-          <a:p>
-            <a:pPr algn="ctr"/>
-            <a:r>
-              <a:rPr lang="de-CH" sz="3600">
-                <a:solidFill>
-                  <a:schemeClr val="tx2"/>
-                </a:solidFill>
-              </a:rPr>
-              <a:t>Modellübersicht</a:t>
-            </a:r>
-          </a:p>
-        </p:txBody>
-      </p:sp>
-      <p:grpSp>
-        <p:nvGrpSpPr>
-          <p:cNvPr id="15" name="Group 14">
-            <a:extLst>
-              <a:ext uri="{FF2B5EF4-FFF2-40B4-BE49-F238E27FC236}">
-                <a16:creationId xmlns:a16="http://schemas.microsoft.com/office/drawing/2014/main" id="{33D939F1-7ABE-4D0E-946A-43F37F556AFD}"/>
-              </a:ext>
-              <a:ext uri="{C183D7F6-B498-43B3-948B-1728B52AA6E4}">
-                <adec:decorative xmlns:adec="http://schemas.microsoft.com/office/drawing/2017/decorative" val="1"/>
-              </a:ext>
-            </a:extLst>
-          </p:cNvPr>
-          <p:cNvGrpSpPr>
-            <a:grpSpLocks noGrp="1" noUngrp="1" noRot="1" noChangeAspect="1" noMove="1" noResize="1"/>
-          </p:cNvGrpSpPr>
-          <p:nvPr>
-            <p:extLst>
-              <p:ext uri="{386F3935-93C4-4BCD-93E2-E3B085C9AB24}">
-                <p16:designElem xmlns:p16="http://schemas.microsoft.com/office/powerpoint/2015/main" val="1"/>
-              </p:ext>
-            </p:extLst>
-          </p:nvPr>
-        </p:nvGrpSpPr>
-        <p:grpSpPr>
-          <a:xfrm>
-            <a:off x="0" y="0"/>
-            <a:ext cx="3346102" cy="2510865"/>
-            <a:chOff x="-305" y="-1"/>
-            <a:chExt cx="3832880" cy="2876136"/>
-          </a:xfrm>
-        </p:grpSpPr>
-        <p:sp>
-          <p:nvSpPr>
-            <p:cNvPr id="16" name="Freeform: Shape 15">
-              <a:extLst>
-                <a:ext uri="{FF2B5EF4-FFF2-40B4-BE49-F238E27FC236}">
-                  <a16:creationId xmlns:a16="http://schemas.microsoft.com/office/drawing/2014/main" id="{63FE0426-0FE4-451E-A8BB-08DA6A6AC200}"/>
-                </a:ext>
-                <a:ext uri="{C183D7F6-B498-43B3-948B-1728B52AA6E4}">
-                  <adec:decorative xmlns:adec="http://schemas.microsoft.com/office/drawing/2017/decorative" val="1"/>
-                </a:ext>
-              </a:extLst>
-            </p:cNvPr>
-            <p:cNvSpPr/>
-            <p:nvPr>
-              <p:extLst>
-                <p:ext uri="{386F3935-93C4-4BCD-93E2-E3B085C9AB24}">
-                  <p16:designElem xmlns:p16="http://schemas.microsoft.com/office/powerpoint/2015/main" val="1"/>
-                </p:ext>
-              </p:extLst>
-            </p:nvPr>
-          </p:nvSpPr>
-          <p:spPr>
-            <a:xfrm>
-              <a:off x="305" y="1"/>
-              <a:ext cx="3815424" cy="2653659"/>
-            </a:xfrm>
-            <a:custGeom>
-              <a:avLst/>
-              <a:gdLst>
-                <a:gd name="connsiteX0" fmla="*/ 3203055 w 3815424"/>
-                <a:gd name="connsiteY0" fmla="*/ 0 h 2653659"/>
-                <a:gd name="connsiteX1" fmla="*/ 3815424 w 3815424"/>
-                <a:gd name="connsiteY1" fmla="*/ 0 h 2653659"/>
-                <a:gd name="connsiteX2" fmla="*/ 3801025 w 3815424"/>
-                <a:gd name="connsiteY2" fmla="*/ 214243 h 2653659"/>
-                <a:gd name="connsiteX3" fmla="*/ 587142 w 3815424"/>
-                <a:gd name="connsiteY3" fmla="*/ 2653659 h 2653659"/>
-                <a:gd name="connsiteX4" fmla="*/ 53389 w 3815424"/>
-                <a:gd name="connsiteY4" fmla="*/ 2605041 h 2653659"/>
-                <a:gd name="connsiteX5" fmla="*/ 0 w 3815424"/>
-                <a:gd name="connsiteY5" fmla="*/ 2593136 h 2653659"/>
-                <a:gd name="connsiteX6" fmla="*/ 0 w 3815424"/>
-                <a:gd name="connsiteY6" fmla="*/ 1994836 h 2653659"/>
-                <a:gd name="connsiteX7" fmla="*/ 159710 w 3815424"/>
-                <a:gd name="connsiteY7" fmla="*/ 2035054 h 2653659"/>
-                <a:gd name="connsiteX8" fmla="*/ 587142 w 3815424"/>
-                <a:gd name="connsiteY8" fmla="*/ 2075152 h 2653659"/>
-                <a:gd name="connsiteX9" fmla="*/ 1549283 w 3815424"/>
-                <a:gd name="connsiteY9" fmla="*/ 1900153 h 2653659"/>
-                <a:gd name="connsiteX10" fmla="*/ 2406698 w 3815424"/>
-                <a:gd name="connsiteY10" fmla="*/ 1418450 h 2653659"/>
-                <a:gd name="connsiteX11" fmla="*/ 2996069 w 3815424"/>
-                <a:gd name="connsiteY11" fmla="*/ 728678 h 2653659"/>
-                <a:gd name="connsiteX12" fmla="*/ 3193967 w 3815424"/>
-                <a:gd name="connsiteY12" fmla="*/ 137719 h 2653659"/>
-              </a:gdLst>
-              <a:ahLst/>
-              <a:cxnLst>
-                <a:cxn ang="0">
-                  <a:pos x="connsiteX0" y="connsiteY0"/>
-                </a:cxn>
-                <a:cxn ang="0">
-                  <a:pos x="connsiteX1" y="connsiteY1"/>
-                </a:cxn>
-                <a:cxn ang="0">
-                  <a:pos x="connsiteX2" y="connsiteY2"/>
-                </a:cxn>
-                <a:cxn ang="0">
-                  <a:pos x="connsiteX3" y="connsiteY3"/>
-                </a:cxn>
-                <a:cxn ang="0">
-                  <a:pos x="connsiteX4" y="connsiteY4"/>
-                </a:cxn>
-                <a:cxn ang="0">
-                  <a:pos x="connsiteX5" y="connsiteY5"/>
-                </a:cxn>
-                <a:cxn ang="0">
-                  <a:pos x="connsiteX6" y="connsiteY6"/>
-                </a:cxn>
-                <a:cxn ang="0">
-                  <a:pos x="connsiteX7" y="connsiteY7"/>
-                </a:cxn>
-                <a:cxn ang="0">
-                  <a:pos x="connsiteX8" y="connsiteY8"/>
-                </a:cxn>
-                <a:cxn ang="0">
-                  <a:pos x="connsiteX9" y="connsiteY9"/>
-                </a:cxn>
-                <a:cxn ang="0">
-                  <a:pos x="connsiteX10" y="connsiteY10"/>
-                </a:cxn>
-                <a:cxn ang="0">
-                  <a:pos x="connsiteX11" y="connsiteY11"/>
-                </a:cxn>
-                <a:cxn ang="0">
-                  <a:pos x="connsiteX12" y="connsiteY12"/>
-                </a:cxn>
-              </a:cxnLst>
-              <a:rect l="l" t="t" r="r" b="b"/>
-              <a:pathLst>
-                <a:path w="3815424" h="2653659">
-                  <a:moveTo>
-                    <a:pt x="3203055" y="0"/>
-                  </a:moveTo>
-                  <a:lnTo>
-                    <a:pt x="3815424" y="0"/>
-                  </a:lnTo>
-                  <a:lnTo>
-                    <a:pt x="3801025" y="214243"/>
-                  </a:lnTo>
-                  <a:cubicBezTo>
-                    <a:pt x="3616317" y="1584467"/>
-                    <a:pt x="2091637" y="2653659"/>
-                    <a:pt x="587142" y="2653659"/>
-                  </a:cubicBezTo>
-                  <a:cubicBezTo>
-                    <a:pt x="400192" y="2653659"/>
-                    <a:pt x="222112" y="2636953"/>
-                    <a:pt x="53389" y="2605041"/>
-                  </a:cubicBezTo>
-                  <a:lnTo>
-                    <a:pt x="0" y="2593136"/>
-                  </a:lnTo>
-                  <a:lnTo>
-                    <a:pt x="0" y="1994836"/>
-                  </a:lnTo>
-                  <a:lnTo>
-                    <a:pt x="159710" y="2035054"/>
-                  </a:lnTo>
-                  <a:cubicBezTo>
-                    <a:pt x="295467" y="2061726"/>
-                    <a:pt x="438268" y="2075152"/>
-                    <a:pt x="587142" y="2075152"/>
-                  </a:cubicBezTo>
-                  <a:cubicBezTo>
-                    <a:pt x="901731" y="2075152"/>
-                    <a:pt x="1234490" y="2014697"/>
-                    <a:pt x="1549283" y="1900153"/>
-                  </a:cubicBezTo>
-                  <a:cubicBezTo>
-                    <a:pt x="1860709" y="1786959"/>
-                    <a:pt x="2157231" y="1620350"/>
-                    <a:pt x="2406698" y="1418450"/>
-                  </a:cubicBezTo>
-                  <a:cubicBezTo>
-                    <a:pt x="2655859" y="1216840"/>
-                    <a:pt x="2859596" y="978302"/>
-                    <a:pt x="2996069" y="728678"/>
-                  </a:cubicBezTo>
-                  <a:cubicBezTo>
-                    <a:pt x="3101178" y="536396"/>
-                    <a:pt x="3167417" y="338366"/>
-                    <a:pt x="3193967" y="137719"/>
-                  </a:cubicBezTo>
-                  <a:close/>
-                </a:path>
-              </a:pathLst>
-            </a:custGeom>
-            <a:gradFill>
-              <a:gsLst>
-                <a:gs pos="2000">
-                  <a:schemeClr val="bg1">
-                    <a:alpha val="10000"/>
-                  </a:schemeClr>
-                </a:gs>
-                <a:gs pos="16000">
-                  <a:schemeClr val="accent6">
-                    <a:alpha val="10000"/>
-                  </a:schemeClr>
-                </a:gs>
-                <a:gs pos="100000">
-                  <a:schemeClr val="bg1">
-                    <a:alpha val="10000"/>
-                  </a:schemeClr>
-                </a:gs>
-                <a:gs pos="85000">
-                  <a:schemeClr val="accent1">
-                    <a:alpha val="10000"/>
-                  </a:schemeClr>
-                </a:gs>
-              </a:gsLst>
-              <a:lin ang="12000000" scaled="0"/>
-            </a:gradFill>
-            <a:ln>
-              <a:noFill/>
-            </a:ln>
-          </p:spPr>
-          <p:style>
-            <a:lnRef idx="2">
-              <a:schemeClr val="accent1">
-                <a:shade val="50000"/>
-              </a:schemeClr>
-            </a:lnRef>
-            <a:fillRef idx="1">
-              <a:schemeClr val="accent1"/>
-            </a:fillRef>
-            <a:effectRef idx="0">
-              <a:schemeClr val="accent1"/>
-            </a:effectRef>
-            <a:fontRef idx="minor">
-              <a:schemeClr val="lt1"/>
-            </a:fontRef>
-          </p:style>
-          <p:txBody>
-            <a:bodyPr rtlCol="0" anchor="ctr"/>
-            <a:lstStyle/>
-            <a:p>
-              <a:pPr algn="ctr"/>
-              <a:endParaRPr lang="en-US"/>
-            </a:p>
-          </p:txBody>
-        </p:sp>
-        <p:sp>
-          <p:nvSpPr>
-            <p:cNvPr id="17" name="Freeform: Shape 16">
-              <a:extLst>
-                <a:ext uri="{FF2B5EF4-FFF2-40B4-BE49-F238E27FC236}">
-                  <a16:creationId xmlns:a16="http://schemas.microsoft.com/office/drawing/2014/main" id="{4A32F7E8-35B4-451F-AA07-AECF7CA1D532}"/>
-                </a:ext>
-                <a:ext uri="{C183D7F6-B498-43B3-948B-1728B52AA6E4}">
-                  <adec:decorative xmlns:adec="http://schemas.microsoft.com/office/drawing/2017/decorative" val="1"/>
-                </a:ext>
-              </a:extLst>
-            </p:cNvPr>
-            <p:cNvSpPr/>
-            <p:nvPr>
-              <p:extLst>
-                <p:ext uri="{386F3935-93C4-4BCD-93E2-E3B085C9AB24}">
-                  <p16:designElem xmlns:p16="http://schemas.microsoft.com/office/powerpoint/2015/main" val="1"/>
-                </p:ext>
-              </p:extLst>
-            </p:nvPr>
-          </p:nvSpPr>
-          <p:spPr>
-            <a:xfrm>
-              <a:off x="305" y="-1"/>
-              <a:ext cx="3815424" cy="2653660"/>
-            </a:xfrm>
-            <a:custGeom>
-              <a:avLst/>
-              <a:gdLst>
-                <a:gd name="connsiteX0" fmla="*/ 3305038 w 3815424"/>
-                <a:gd name="connsiteY0" fmla="*/ 0 h 2653660"/>
-                <a:gd name="connsiteX1" fmla="*/ 3815424 w 3815424"/>
-                <a:gd name="connsiteY1" fmla="*/ 0 h 2653660"/>
-                <a:gd name="connsiteX2" fmla="*/ 3801025 w 3815424"/>
-                <a:gd name="connsiteY2" fmla="*/ 214244 h 2653660"/>
-                <a:gd name="connsiteX3" fmla="*/ 587142 w 3815424"/>
-                <a:gd name="connsiteY3" fmla="*/ 2653660 h 2653660"/>
-                <a:gd name="connsiteX4" fmla="*/ 53389 w 3815424"/>
-                <a:gd name="connsiteY4" fmla="*/ 2605042 h 2653660"/>
-                <a:gd name="connsiteX5" fmla="*/ 0 w 3815424"/>
-                <a:gd name="connsiteY5" fmla="*/ 2593137 h 2653660"/>
-                <a:gd name="connsiteX6" fmla="*/ 0 w 3815424"/>
-                <a:gd name="connsiteY6" fmla="*/ 2094444 h 2653660"/>
-                <a:gd name="connsiteX7" fmla="*/ 137675 w 3815424"/>
-                <a:gd name="connsiteY7" fmla="*/ 2129195 h 2653660"/>
-                <a:gd name="connsiteX8" fmla="*/ 587142 w 3815424"/>
-                <a:gd name="connsiteY8" fmla="*/ 2171571 h 2653660"/>
-                <a:gd name="connsiteX9" fmla="*/ 1585826 w 3815424"/>
-                <a:gd name="connsiteY9" fmla="*/ 1990112 h 2653660"/>
-                <a:gd name="connsiteX10" fmla="*/ 2473046 w 3815424"/>
-                <a:gd name="connsiteY10" fmla="*/ 1491633 h 2653660"/>
-                <a:gd name="connsiteX11" fmla="*/ 3086710 w 3815424"/>
-                <a:gd name="connsiteY11" fmla="*/ 772838 h 2653660"/>
-                <a:gd name="connsiteX12" fmla="*/ 3295217 w 3815424"/>
-                <a:gd name="connsiteY12" fmla="*/ 149229 h 2653660"/>
-              </a:gdLst>
-              <a:ahLst/>
-              <a:cxnLst>
-                <a:cxn ang="0">
-                  <a:pos x="connsiteX0" y="connsiteY0"/>
-                </a:cxn>
-                <a:cxn ang="0">
-                  <a:pos x="connsiteX1" y="connsiteY1"/>
-                </a:cxn>
-                <a:cxn ang="0">
-                  <a:pos x="connsiteX2" y="connsiteY2"/>
-                </a:cxn>
-                <a:cxn ang="0">
-                  <a:pos x="connsiteX3" y="connsiteY3"/>
-                </a:cxn>
-                <a:cxn ang="0">
-                  <a:pos x="connsiteX4" y="connsiteY4"/>
-                </a:cxn>
-                <a:cxn ang="0">
-                  <a:pos x="connsiteX5" y="connsiteY5"/>
-                </a:cxn>
-                <a:cxn ang="0">
-                  <a:pos x="connsiteX6" y="connsiteY6"/>
-                </a:cxn>
-                <a:cxn ang="0">
-                  <a:pos x="connsiteX7" y="connsiteY7"/>
-                </a:cxn>
-                <a:cxn ang="0">
-                  <a:pos x="connsiteX8" y="connsiteY8"/>
-                </a:cxn>
-                <a:cxn ang="0">
-                  <a:pos x="connsiteX9" y="connsiteY9"/>
-                </a:cxn>
-                <a:cxn ang="0">
-                  <a:pos x="connsiteX10" y="connsiteY10"/>
-                </a:cxn>
-                <a:cxn ang="0">
-                  <a:pos x="connsiteX11" y="connsiteY11"/>
-                </a:cxn>
-                <a:cxn ang="0">
-                  <a:pos x="connsiteX12" y="connsiteY12"/>
-                </a:cxn>
-              </a:cxnLst>
-              <a:rect l="l" t="t" r="r" b="b"/>
-              <a:pathLst>
-                <a:path w="3815424" h="2653660">
-                  <a:moveTo>
-                    <a:pt x="3305038" y="0"/>
-                  </a:moveTo>
-                  <a:lnTo>
-                    <a:pt x="3815424" y="0"/>
-                  </a:lnTo>
-                  <a:lnTo>
-                    <a:pt x="3801025" y="214244"/>
-                  </a:lnTo>
-                  <a:cubicBezTo>
-                    <a:pt x="3616317" y="1584467"/>
-                    <a:pt x="2091637" y="2653660"/>
-                    <a:pt x="587142" y="2653660"/>
-                  </a:cubicBezTo>
-                  <a:cubicBezTo>
-                    <a:pt x="400192" y="2653660"/>
-                    <a:pt x="222112" y="2636954"/>
-                    <a:pt x="53389" y="2605042"/>
-                  </a:cubicBezTo>
-                  <a:lnTo>
-                    <a:pt x="0" y="2593137"/>
-                  </a:lnTo>
-                  <a:lnTo>
-                    <a:pt x="0" y="2094444"/>
-                  </a:lnTo>
-                  <a:lnTo>
-                    <a:pt x="137675" y="2129195"/>
-                  </a:lnTo>
-                  <a:cubicBezTo>
-                    <a:pt x="280616" y="2157374"/>
-                    <a:pt x="430766" y="2171571"/>
-                    <a:pt x="587142" y="2171571"/>
-                  </a:cubicBezTo>
-                  <a:cubicBezTo>
-                    <a:pt x="918879" y="2171571"/>
-                    <a:pt x="1254904" y="2110634"/>
-                    <a:pt x="1585826" y="1990112"/>
-                  </a:cubicBezTo>
-                  <a:cubicBezTo>
-                    <a:pt x="1908071" y="1873061"/>
-                    <a:pt x="2214800" y="1700666"/>
-                    <a:pt x="2473046" y="1491633"/>
-                  </a:cubicBezTo>
-                  <a:cubicBezTo>
-                    <a:pt x="2735782" y="1279031"/>
-                    <a:pt x="2942276" y="1037118"/>
-                    <a:pt x="3086710" y="772838"/>
-                  </a:cubicBezTo>
-                  <a:cubicBezTo>
-                    <a:pt x="3197408" y="570216"/>
-                    <a:pt x="3267226" y="361248"/>
-                    <a:pt x="3295217" y="149229"/>
-                  </a:cubicBezTo>
-                  <a:close/>
-                </a:path>
-              </a:pathLst>
-            </a:custGeom>
-            <a:gradFill>
-              <a:gsLst>
-                <a:gs pos="2000">
-                  <a:schemeClr val="bg1">
-                    <a:alpha val="10000"/>
-                  </a:schemeClr>
-                </a:gs>
-                <a:gs pos="16000">
-                  <a:schemeClr val="accent6">
-                    <a:alpha val="10000"/>
-                  </a:schemeClr>
-                </a:gs>
-                <a:gs pos="100000">
-                  <a:schemeClr val="bg1">
-                    <a:alpha val="10000"/>
-                  </a:schemeClr>
-                </a:gs>
-                <a:gs pos="85000">
-                  <a:schemeClr val="accent1">
-                    <a:alpha val="10000"/>
-                  </a:schemeClr>
-                </a:gs>
-              </a:gsLst>
-              <a:lin ang="12000000" scaled="0"/>
-            </a:gradFill>
-            <a:ln>
-              <a:noFill/>
-            </a:ln>
-          </p:spPr>
-          <p:style>
-            <a:lnRef idx="2">
-              <a:schemeClr val="accent1">
-                <a:shade val="50000"/>
-              </a:schemeClr>
-            </a:lnRef>
-            <a:fillRef idx="1">
-              <a:schemeClr val="accent1"/>
-            </a:fillRef>
-            <a:effectRef idx="0">
-              <a:schemeClr val="accent1"/>
-            </a:effectRef>
-            <a:fontRef idx="minor">
-              <a:schemeClr val="lt1"/>
-            </a:fontRef>
-          </p:style>
-          <p:txBody>
-            <a:bodyPr rtlCol="0" anchor="ctr"/>
-            <a:lstStyle/>
-            <a:p>
-              <a:pPr algn="ctr"/>
-              <a:endParaRPr lang="en-US"/>
-            </a:p>
-          </p:txBody>
-        </p:sp>
-        <p:sp>
-          <p:nvSpPr>
-            <p:cNvPr id="18" name="Freeform: Shape 17">
-              <a:extLst>
-                <a:ext uri="{FF2B5EF4-FFF2-40B4-BE49-F238E27FC236}">
-                  <a16:creationId xmlns:a16="http://schemas.microsoft.com/office/drawing/2014/main" id="{E1097796-C3C8-4772-9EBD-9F5CA368F5A2}"/>
-                </a:ext>
-                <a:ext uri="{C183D7F6-B498-43B3-948B-1728B52AA6E4}">
-                  <adec:decorative xmlns:adec="http://schemas.microsoft.com/office/drawing/2017/decorative" val="1"/>
-                </a:ext>
-              </a:extLst>
-            </p:cNvPr>
-            <p:cNvSpPr/>
-            <p:nvPr>
-              <p:extLst>
-                <p:ext uri="{386F3935-93C4-4BCD-93E2-E3B085C9AB24}">
-                  <p16:designElem xmlns:p16="http://schemas.microsoft.com/office/powerpoint/2015/main" val="1"/>
-                </p:ext>
-              </p:extLst>
-            </p:nvPr>
-          </p:nvSpPr>
-          <p:spPr>
-            <a:xfrm>
-              <a:off x="-305" y="1"/>
-              <a:ext cx="3815986" cy="2675935"/>
-            </a:xfrm>
-            <a:custGeom>
-              <a:avLst/>
-              <a:gdLst>
-                <a:gd name="connsiteX0" fmla="*/ 3648768 w 3815986"/>
-                <a:gd name="connsiteY0" fmla="*/ 0 h 2675935"/>
-                <a:gd name="connsiteX1" fmla="*/ 3815986 w 3815986"/>
-                <a:gd name="connsiteY1" fmla="*/ 0 h 2675935"/>
-                <a:gd name="connsiteX2" fmla="*/ 3804695 w 3815986"/>
-                <a:gd name="connsiteY2" fmla="*/ 200084 h 2675935"/>
-                <a:gd name="connsiteX3" fmla="*/ 3762590 w 3815986"/>
-                <a:gd name="connsiteY3" fmla="*/ 455543 h 2675935"/>
-                <a:gd name="connsiteX4" fmla="*/ 3592332 w 3815986"/>
-                <a:gd name="connsiteY4" fmla="*/ 947274 h 2675935"/>
-                <a:gd name="connsiteX5" fmla="*/ 2953967 w 3815986"/>
-                <a:gd name="connsiteY5" fmla="*/ 1782349 h 2675935"/>
-                <a:gd name="connsiteX6" fmla="*/ 2530669 w 3815986"/>
-                <a:gd name="connsiteY6" fmla="*/ 2109494 h 2675935"/>
-                <a:gd name="connsiteX7" fmla="*/ 2057561 w 3815986"/>
-                <a:gd name="connsiteY7" fmla="*/ 2369245 h 2675935"/>
-                <a:gd name="connsiteX8" fmla="*/ 1007330 w 3815986"/>
-                <a:gd name="connsiteY8" fmla="*/ 2655701 h 2675935"/>
-                <a:gd name="connsiteX9" fmla="*/ 732765 w 3815986"/>
-                <a:gd name="connsiteY9" fmla="*/ 2674696 h 2675935"/>
-                <a:gd name="connsiteX10" fmla="*/ 457666 w 3815986"/>
-                <a:gd name="connsiteY10" fmla="*/ 2670839 h 2675935"/>
-                <a:gd name="connsiteX11" fmla="*/ 183574 w 3815986"/>
-                <a:gd name="connsiteY11" fmla="*/ 2643312 h 2675935"/>
-                <a:gd name="connsiteX12" fmla="*/ 0 w 3815986"/>
-                <a:gd name="connsiteY12" fmla="*/ 2607798 h 2675935"/>
-                <a:gd name="connsiteX13" fmla="*/ 0 w 3815986"/>
-                <a:gd name="connsiteY13" fmla="*/ 2356652 h 2675935"/>
-                <a:gd name="connsiteX14" fmla="*/ 222195 w 3815986"/>
-                <a:gd name="connsiteY14" fmla="*/ 2396940 h 2675935"/>
-                <a:gd name="connsiteX15" fmla="*/ 472364 w 3815986"/>
-                <a:gd name="connsiteY15" fmla="*/ 2419092 h 2675935"/>
-                <a:gd name="connsiteX16" fmla="*/ 974972 w 3815986"/>
-                <a:gd name="connsiteY16" fmla="*/ 2402122 h 2675935"/>
-                <a:gd name="connsiteX17" fmla="*/ 1468292 w 3815986"/>
-                <a:gd name="connsiteY17" fmla="*/ 2304162 h 2675935"/>
-                <a:gd name="connsiteX18" fmla="*/ 1940176 w 3815986"/>
-                <a:gd name="connsiteY18" fmla="*/ 2133695 h 2675935"/>
-                <a:gd name="connsiteX19" fmla="*/ 2783403 w 3815986"/>
-                <a:gd name="connsiteY19" fmla="*/ 1609954 h 2675935"/>
-                <a:gd name="connsiteX20" fmla="*/ 3128104 w 3815986"/>
-                <a:gd name="connsiteY20" fmla="*/ 1260439 h 2675935"/>
-                <a:gd name="connsiteX21" fmla="*/ 3400639 w 3815986"/>
-                <a:gd name="connsiteY21" fmla="*/ 859052 h 2675935"/>
-                <a:gd name="connsiteX22" fmla="*/ 3585595 w 3815986"/>
-                <a:gd name="connsiteY22" fmla="*/ 415336 h 2675935"/>
-                <a:gd name="connsiteX23" fmla="*/ 3635918 w 3815986"/>
-                <a:gd name="connsiteY23" fmla="*/ 181137 h 2675935"/>
-              </a:gdLst>
-              <a:ahLst/>
-              <a:cxnLst>
-                <a:cxn ang="0">
-                  <a:pos x="connsiteX0" y="connsiteY0"/>
-                </a:cxn>
-                <a:cxn ang="0">
-                  <a:pos x="connsiteX1" y="connsiteY1"/>
-                </a:cxn>
-                <a:cxn ang="0">
-                  <a:pos x="connsiteX2" y="connsiteY2"/>
-                </a:cxn>
-                <a:cxn ang="0">
-                  <a:pos x="connsiteX3" y="connsiteY3"/>
-                </a:cxn>
-                <a:cxn ang="0">
-                  <a:pos x="connsiteX4" y="connsiteY4"/>
-                </a:cxn>
-                <a:cxn ang="0">
-                  <a:pos x="connsiteX5" y="connsiteY5"/>
-                </a:cxn>
-                <a:cxn ang="0">
-                  <a:pos x="connsiteX6" y="connsiteY6"/>
-                </a:cxn>
-                <a:cxn ang="0">
-                  <a:pos x="connsiteX7" y="connsiteY7"/>
-                </a:cxn>
-                <a:cxn ang="0">
-                  <a:pos x="connsiteX8" y="connsiteY8"/>
-                </a:cxn>
-                <a:cxn ang="0">
-                  <a:pos x="connsiteX9" y="connsiteY9"/>
-                </a:cxn>
-                <a:cxn ang="0">
-                  <a:pos x="connsiteX10" y="connsiteY10"/>
-                </a:cxn>
-                <a:cxn ang="0">
-                  <a:pos x="connsiteX11" y="connsiteY11"/>
-                </a:cxn>
-                <a:cxn ang="0">
-                  <a:pos x="connsiteX12" y="connsiteY12"/>
-                </a:cxn>
-                <a:cxn ang="0">
-                  <a:pos x="connsiteX13" y="connsiteY13"/>
-                </a:cxn>
-                <a:cxn ang="0">
-                  <a:pos x="connsiteX14" y="connsiteY14"/>
-                </a:cxn>
-                <a:cxn ang="0">
-                  <a:pos x="connsiteX15" y="connsiteY15"/>
-                </a:cxn>
-                <a:cxn ang="0">
-                  <a:pos x="connsiteX16" y="connsiteY16"/>
-                </a:cxn>
-                <a:cxn ang="0">
-                  <a:pos x="connsiteX17" y="connsiteY17"/>
-                </a:cxn>
-                <a:cxn ang="0">
-                  <a:pos x="connsiteX18" y="connsiteY18"/>
-                </a:cxn>
-                <a:cxn ang="0">
-                  <a:pos x="connsiteX19" y="connsiteY19"/>
-                </a:cxn>
-                <a:cxn ang="0">
-                  <a:pos x="connsiteX20" y="connsiteY20"/>
-                </a:cxn>
-                <a:cxn ang="0">
-                  <a:pos x="connsiteX21" y="connsiteY21"/>
-                </a:cxn>
-                <a:cxn ang="0">
-                  <a:pos x="connsiteX22" y="connsiteY22"/>
-                </a:cxn>
-                <a:cxn ang="0">
-                  <a:pos x="connsiteX23" y="connsiteY23"/>
-                </a:cxn>
-              </a:cxnLst>
-              <a:rect l="l" t="t" r="r" b="b"/>
-              <a:pathLst>
-                <a:path w="3815986" h="2675935">
-                  <a:moveTo>
-                    <a:pt x="3648768" y="0"/>
-                  </a:moveTo>
-                  <a:lnTo>
-                    <a:pt x="3815986" y="0"/>
-                  </a:lnTo>
-                  <a:lnTo>
-                    <a:pt x="3804695" y="200084"/>
-                  </a:lnTo>
-                  <a:cubicBezTo>
-                    <a:pt x="3795228" y="285751"/>
-                    <a:pt x="3781167" y="371032"/>
-                    <a:pt x="3762590" y="455543"/>
-                  </a:cubicBezTo>
-                  <a:cubicBezTo>
-                    <a:pt x="3725537" y="624467"/>
-                    <a:pt x="3668784" y="790112"/>
-                    <a:pt x="3592332" y="947274"/>
-                  </a:cubicBezTo>
-                  <a:cubicBezTo>
-                    <a:pt x="3438712" y="1261596"/>
-                    <a:pt x="3216091" y="1542847"/>
-                    <a:pt x="2953967" y="1782349"/>
-                  </a:cubicBezTo>
-                  <a:cubicBezTo>
-                    <a:pt x="2822599" y="1902099"/>
-                    <a:pt x="2680615" y="2011341"/>
-                    <a:pt x="2530669" y="2109494"/>
-                  </a:cubicBezTo>
-                  <a:cubicBezTo>
-                    <a:pt x="2380520" y="2207551"/>
-                    <a:pt x="2222510" y="2294906"/>
-                    <a:pt x="2057561" y="2369245"/>
-                  </a:cubicBezTo>
-                  <a:cubicBezTo>
-                    <a:pt x="1727252" y="2516859"/>
-                    <a:pt x="1371629" y="2614434"/>
-                    <a:pt x="1007330" y="2655701"/>
-                  </a:cubicBezTo>
-                  <a:cubicBezTo>
-                    <a:pt x="916281" y="2665873"/>
-                    <a:pt x="824568" y="2672188"/>
-                    <a:pt x="732765" y="2674696"/>
-                  </a:cubicBezTo>
-                  <a:cubicBezTo>
-                    <a:pt x="640963" y="2677203"/>
-                    <a:pt x="549072" y="2675901"/>
-                    <a:pt x="457666" y="2670839"/>
-                  </a:cubicBezTo>
-                  <a:cubicBezTo>
-                    <a:pt x="366106" y="2665584"/>
-                    <a:pt x="274572" y="2656521"/>
-                    <a:pt x="183574" y="2643312"/>
-                  </a:cubicBezTo>
-                  <a:lnTo>
-                    <a:pt x="0" y="2607798"/>
-                  </a:lnTo>
-                  <a:lnTo>
-                    <a:pt x="0" y="2356652"/>
-                  </a:lnTo>
-                  <a:lnTo>
-                    <a:pt x="222195" y="2396940"/>
-                  </a:lnTo>
-                  <a:cubicBezTo>
-                    <a:pt x="304990" y="2407980"/>
-                    <a:pt x="388511" y="2415283"/>
-                    <a:pt x="472364" y="2419092"/>
-                  </a:cubicBezTo>
-                  <a:cubicBezTo>
-                    <a:pt x="640376" y="2427095"/>
-                    <a:pt x="808184" y="2421791"/>
-                    <a:pt x="974972" y="2402122"/>
-                  </a:cubicBezTo>
-                  <a:cubicBezTo>
-                    <a:pt x="1141658" y="2382358"/>
-                    <a:pt x="1306812" y="2349286"/>
-                    <a:pt x="1468292" y="2304162"/>
-                  </a:cubicBezTo>
-                  <a:cubicBezTo>
-                    <a:pt x="1629874" y="2259231"/>
-                    <a:pt x="1787475" y="2201091"/>
-                    <a:pt x="1940176" y="2133695"/>
-                  </a:cubicBezTo>
-                  <a:cubicBezTo>
-                    <a:pt x="2246498" y="2000349"/>
-                    <a:pt x="2532507" y="1823520"/>
-                    <a:pt x="2783403" y="1609954"/>
-                  </a:cubicBezTo>
-                  <a:cubicBezTo>
-                    <a:pt x="2908442" y="1502833"/>
-                    <a:pt x="3024295" y="1385975"/>
-                    <a:pt x="3128104" y="1260439"/>
-                  </a:cubicBezTo>
-                  <a:cubicBezTo>
-                    <a:pt x="3232116" y="1135096"/>
-                    <a:pt x="3323881" y="1000689"/>
-                    <a:pt x="3400639" y="859052"/>
-                  </a:cubicBezTo>
-                  <a:cubicBezTo>
-                    <a:pt x="3477399" y="717510"/>
-                    <a:pt x="3541296" y="569316"/>
-                    <a:pt x="3585595" y="415336"/>
-                  </a:cubicBezTo>
-                  <a:cubicBezTo>
-                    <a:pt x="3607796" y="338540"/>
-                    <a:pt x="3624638" y="260224"/>
-                    <a:pt x="3635918" y="181137"/>
-                  </a:cubicBezTo>
-                  <a:close/>
-                </a:path>
-              </a:pathLst>
-            </a:custGeom>
-            <a:gradFill>
-              <a:gsLst>
-                <a:gs pos="2000">
-                  <a:schemeClr val="bg1">
-                    <a:alpha val="10000"/>
-                  </a:schemeClr>
-                </a:gs>
-                <a:gs pos="16000">
-                  <a:schemeClr val="accent6">
-                    <a:alpha val="10000"/>
-                  </a:schemeClr>
-                </a:gs>
-                <a:gs pos="100000">
-                  <a:schemeClr val="bg1">
-                    <a:alpha val="10000"/>
-                  </a:schemeClr>
-                </a:gs>
-                <a:gs pos="85000">
-                  <a:schemeClr val="accent1">
-                    <a:alpha val="10000"/>
-                  </a:schemeClr>
-                </a:gs>
-              </a:gsLst>
-              <a:lin ang="12000000" scaled="0"/>
-            </a:gradFill>
-            <a:ln>
-              <a:noFill/>
-            </a:ln>
-          </p:spPr>
-          <p:style>
-            <a:lnRef idx="2">
-              <a:schemeClr val="accent1">
-                <a:shade val="50000"/>
-              </a:schemeClr>
-            </a:lnRef>
-            <a:fillRef idx="1">
-              <a:schemeClr val="accent1"/>
-            </a:fillRef>
-            <a:effectRef idx="0">
-              <a:schemeClr val="accent1"/>
-            </a:effectRef>
-            <a:fontRef idx="minor">
-              <a:schemeClr val="lt1"/>
-            </a:fontRef>
-          </p:style>
-          <p:txBody>
-            <a:bodyPr rtlCol="0" anchor="ctr"/>
-            <a:lstStyle/>
-            <a:p>
-              <a:pPr algn="ctr"/>
-              <a:endParaRPr lang="en-US"/>
-            </a:p>
-          </p:txBody>
-        </p:sp>
-        <p:sp>
-          <p:nvSpPr>
-            <p:cNvPr id="19" name="Freeform: Shape 18">
-              <a:extLst>
-                <a:ext uri="{FF2B5EF4-FFF2-40B4-BE49-F238E27FC236}">
-                  <a16:creationId xmlns:a16="http://schemas.microsoft.com/office/drawing/2014/main" id="{EC4BC137-BB50-4235-A83F-4B4EEE15904C}"/>
-                </a:ext>
-                <a:ext uri="{C183D7F6-B498-43B3-948B-1728B52AA6E4}">
-                  <adec:decorative xmlns:adec="http://schemas.microsoft.com/office/drawing/2017/decorative" val="1"/>
-                </a:ext>
-              </a:extLst>
-            </p:cNvPr>
-            <p:cNvSpPr/>
-            <p:nvPr>
-              <p:extLst>
-                <p:ext uri="{386F3935-93C4-4BCD-93E2-E3B085C9AB24}">
-                  <p16:designElem xmlns:p16="http://schemas.microsoft.com/office/powerpoint/2015/main" val="1"/>
-                </p:ext>
-              </p:extLst>
-            </p:nvPr>
-          </p:nvSpPr>
-          <p:spPr>
-            <a:xfrm>
-              <a:off x="305" y="-1"/>
-              <a:ext cx="3832270" cy="2876136"/>
-            </a:xfrm>
-            <a:custGeom>
-              <a:avLst/>
-              <a:gdLst>
-                <a:gd name="connsiteX0" fmla="*/ 3800718 w 3832270"/>
-                <a:gd name="connsiteY0" fmla="*/ 0 h 2876136"/>
-                <a:gd name="connsiteX1" fmla="*/ 3832270 w 3832270"/>
-                <a:gd name="connsiteY1" fmla="*/ 0 h 2876136"/>
-                <a:gd name="connsiteX2" fmla="*/ 3824562 w 3832270"/>
-                <a:gd name="connsiteY2" fmla="*/ 143769 h 2876136"/>
-                <a:gd name="connsiteX3" fmla="*/ 3628155 w 3832270"/>
-                <a:gd name="connsiteY3" fmla="*/ 922055 h 2876136"/>
-                <a:gd name="connsiteX4" fmla="*/ 3514853 w 3832270"/>
-                <a:gd name="connsiteY4" fmla="*/ 1169078 h 2876136"/>
-                <a:gd name="connsiteX5" fmla="*/ 3379198 w 3832270"/>
-                <a:gd name="connsiteY5" fmla="*/ 1407037 h 2876136"/>
-                <a:gd name="connsiteX6" fmla="*/ 3043787 w 3832270"/>
-                <a:gd name="connsiteY6" fmla="*/ 1848342 h 2876136"/>
-                <a:gd name="connsiteX7" fmla="*/ 2845661 w 3832270"/>
-                <a:gd name="connsiteY7" fmla="*/ 2047444 h 2876136"/>
-                <a:gd name="connsiteX8" fmla="*/ 2793197 w 3832270"/>
-                <a:gd name="connsiteY8" fmla="*/ 2094689 h 2876136"/>
-                <a:gd name="connsiteX9" fmla="*/ 2739710 w 3832270"/>
-                <a:gd name="connsiteY9" fmla="*/ 2140969 h 2876136"/>
-                <a:gd name="connsiteX10" fmla="*/ 2629166 w 3832270"/>
-                <a:gd name="connsiteY10" fmla="*/ 2229867 h 2876136"/>
-                <a:gd name="connsiteX11" fmla="*/ 2145952 w 3832270"/>
-                <a:gd name="connsiteY11" fmla="*/ 2535994 h 2876136"/>
-                <a:gd name="connsiteX12" fmla="*/ 1034987 w 3832270"/>
-                <a:gd name="connsiteY12" fmla="*/ 2863910 h 2876136"/>
-                <a:gd name="connsiteX13" fmla="*/ 741909 w 3832270"/>
-                <a:gd name="connsiteY13" fmla="*/ 2875939 h 2876136"/>
-                <a:gd name="connsiteX14" fmla="*/ 450208 w 3832270"/>
-                <a:gd name="connsiteY14" fmla="*/ 2857451 h 2876136"/>
-                <a:gd name="connsiteX15" fmla="*/ 22215 w 3832270"/>
-                <a:gd name="connsiteY15" fmla="*/ 2775923 h 2876136"/>
-                <a:gd name="connsiteX16" fmla="*/ 0 w 3832270"/>
-                <a:gd name="connsiteY16" fmla="*/ 2769256 h 2876136"/>
-                <a:gd name="connsiteX17" fmla="*/ 0 w 3832270"/>
-                <a:gd name="connsiteY17" fmla="*/ 2590612 h 2876136"/>
-                <a:gd name="connsiteX18" fmla="*/ 199046 w 3832270"/>
-                <a:gd name="connsiteY18" fmla="*/ 2627410 h 2876136"/>
-                <a:gd name="connsiteX19" fmla="*/ 468174 w 3832270"/>
-                <a:gd name="connsiteY19" fmla="*/ 2649670 h 2876136"/>
-                <a:gd name="connsiteX20" fmla="*/ 1003650 w 3832270"/>
-                <a:gd name="connsiteY20" fmla="*/ 2622480 h 2876136"/>
-                <a:gd name="connsiteX21" fmla="*/ 1266489 w 3832270"/>
-                <a:gd name="connsiteY21" fmla="*/ 2573982 h 2876136"/>
-                <a:gd name="connsiteX22" fmla="*/ 1524223 w 3832270"/>
-                <a:gd name="connsiteY22" fmla="*/ 2504657 h 2876136"/>
-                <a:gd name="connsiteX23" fmla="*/ 1775731 w 3832270"/>
-                <a:gd name="connsiteY23" fmla="*/ 2416243 h 2876136"/>
-                <a:gd name="connsiteX24" fmla="*/ 2019789 w 3832270"/>
-                <a:gd name="connsiteY24" fmla="*/ 2309412 h 2876136"/>
-                <a:gd name="connsiteX25" fmla="*/ 2482486 w 3832270"/>
-                <a:gd name="connsiteY25" fmla="*/ 2046962 h 2876136"/>
-                <a:gd name="connsiteX26" fmla="*/ 2591908 w 3832270"/>
-                <a:gd name="connsiteY26" fmla="*/ 1971371 h 2876136"/>
-                <a:gd name="connsiteX27" fmla="*/ 2645702 w 3832270"/>
-                <a:gd name="connsiteY27" fmla="*/ 1932321 h 2876136"/>
-                <a:gd name="connsiteX28" fmla="*/ 2698779 w 3832270"/>
-                <a:gd name="connsiteY28" fmla="*/ 1892309 h 2876136"/>
-                <a:gd name="connsiteX29" fmla="*/ 2903537 w 3832270"/>
-                <a:gd name="connsiteY29" fmla="*/ 1722516 h 2876136"/>
-                <a:gd name="connsiteX30" fmla="*/ 3269061 w 3832270"/>
-                <a:gd name="connsiteY30" fmla="*/ 1337327 h 2876136"/>
-                <a:gd name="connsiteX31" fmla="*/ 3424928 w 3832270"/>
-                <a:gd name="connsiteY31" fmla="*/ 1122508 h 2876136"/>
-                <a:gd name="connsiteX32" fmla="*/ 3557622 w 3832270"/>
-                <a:gd name="connsiteY32" fmla="*/ 893226 h 2876136"/>
-                <a:gd name="connsiteX33" fmla="*/ 3587019 w 3832270"/>
-                <a:gd name="connsiteY33" fmla="*/ 833929 h 2876136"/>
-                <a:gd name="connsiteX34" fmla="*/ 3601310 w 3832270"/>
-                <a:gd name="connsiteY34" fmla="*/ 804040 h 2876136"/>
-                <a:gd name="connsiteX35" fmla="*/ 3614885 w 3832270"/>
-                <a:gd name="connsiteY35" fmla="*/ 773861 h 2876136"/>
-                <a:gd name="connsiteX36" fmla="*/ 3640812 w 3832270"/>
-                <a:gd name="connsiteY36" fmla="*/ 713022 h 2876136"/>
-                <a:gd name="connsiteX37" fmla="*/ 3665105 w 3832270"/>
-                <a:gd name="connsiteY37" fmla="*/ 651506 h 2876136"/>
-                <a:gd name="connsiteX38" fmla="*/ 3744110 w 3832270"/>
-                <a:gd name="connsiteY38" fmla="*/ 399567 h 2876136"/>
-                <a:gd name="connsiteX39" fmla="*/ 3792123 w 3832270"/>
-                <a:gd name="connsiteY39" fmla="*/ 140444 h 2876136"/>
-              </a:gdLst>
-              <a:ahLst/>
-              <a:cxnLst>
-                <a:cxn ang="0">
-                  <a:pos x="connsiteX0" y="connsiteY0"/>
-                </a:cxn>
-                <a:cxn ang="0">
-                  <a:pos x="connsiteX1" y="connsiteY1"/>
-                </a:cxn>
-                <a:cxn ang="0">
-                  <a:pos x="connsiteX2" y="connsiteY2"/>
-                </a:cxn>
-                <a:cxn ang="0">
-                  <a:pos x="connsiteX3" y="connsiteY3"/>
-                </a:cxn>
-                <a:cxn ang="0">
-                  <a:pos x="connsiteX4" y="connsiteY4"/>
-                </a:cxn>
-                <a:cxn ang="0">
-                  <a:pos x="connsiteX5" y="connsiteY5"/>
-                </a:cxn>
-                <a:cxn ang="0">
-                  <a:pos x="connsiteX6" y="connsiteY6"/>
-                </a:cxn>
-                <a:cxn ang="0">
-                  <a:pos x="connsiteX7" y="connsiteY7"/>
-                </a:cxn>
-                <a:cxn ang="0">
-                  <a:pos x="connsiteX8" y="connsiteY8"/>
-                </a:cxn>
-                <a:cxn ang="0">
-                  <a:pos x="connsiteX9" y="connsiteY9"/>
-                </a:cxn>
-                <a:cxn ang="0">
-                  <a:pos x="connsiteX10" y="connsiteY10"/>
-                </a:cxn>
-                <a:cxn ang="0">
-                  <a:pos x="connsiteX11" y="connsiteY11"/>
-                </a:cxn>
-                <a:cxn ang="0">
-                  <a:pos x="connsiteX12" y="connsiteY12"/>
-                </a:cxn>
-                <a:cxn ang="0">
-                  <a:pos x="connsiteX13" y="connsiteY13"/>
-                </a:cxn>
-                <a:cxn ang="0">
-                  <a:pos x="connsiteX14" y="connsiteY14"/>
-                </a:cxn>
-                <a:cxn ang="0">
-                  <a:pos x="connsiteX15" y="connsiteY15"/>
-                </a:cxn>
-                <a:cxn ang="0">
-                  <a:pos x="connsiteX16" y="connsiteY16"/>
-                </a:cxn>
-                <a:cxn ang="0">
-                  <a:pos x="connsiteX17" y="connsiteY17"/>
-                </a:cxn>
-                <a:cxn ang="0">
-                  <a:pos x="connsiteX18" y="connsiteY18"/>
-                </a:cxn>
-                <a:cxn ang="0">
-                  <a:pos x="connsiteX19" y="connsiteY19"/>
-                </a:cxn>
-                <a:cxn ang="0">
-                  <a:pos x="connsiteX20" y="connsiteY20"/>
-                </a:cxn>
-                <a:cxn ang="0">
-                  <a:pos x="connsiteX21" y="connsiteY21"/>
-                </a:cxn>
-                <a:cxn ang="0">
-                  <a:pos x="connsiteX22" y="connsiteY22"/>
-                </a:cxn>
-                <a:cxn ang="0">
-                  <a:pos x="connsiteX23" y="connsiteY23"/>
-                </a:cxn>
-                <a:cxn ang="0">
-                  <a:pos x="connsiteX24" y="connsiteY24"/>
-                </a:cxn>
-                <a:cxn ang="0">
-                  <a:pos x="connsiteX25" y="connsiteY25"/>
-                </a:cxn>
-                <a:cxn ang="0">
-                  <a:pos x="connsiteX26" y="connsiteY26"/>
-                </a:cxn>
-                <a:cxn ang="0">
-                  <a:pos x="connsiteX27" y="connsiteY27"/>
-                </a:cxn>
-                <a:cxn ang="0">
-                  <a:pos x="connsiteX28" y="connsiteY28"/>
-                </a:cxn>
-                <a:cxn ang="0">
-                  <a:pos x="connsiteX29" y="connsiteY29"/>
-                </a:cxn>
-                <a:cxn ang="0">
-                  <a:pos x="connsiteX30" y="connsiteY30"/>
-                </a:cxn>
-                <a:cxn ang="0">
-                  <a:pos x="connsiteX31" y="connsiteY31"/>
-                </a:cxn>
-                <a:cxn ang="0">
-                  <a:pos x="connsiteX32" y="connsiteY32"/>
-                </a:cxn>
-                <a:cxn ang="0">
-                  <a:pos x="connsiteX33" y="connsiteY33"/>
-                </a:cxn>
-                <a:cxn ang="0">
-                  <a:pos x="connsiteX34" y="connsiteY34"/>
-                </a:cxn>
-                <a:cxn ang="0">
-                  <a:pos x="connsiteX35" y="connsiteY35"/>
-                </a:cxn>
-                <a:cxn ang="0">
-                  <a:pos x="connsiteX36" y="connsiteY36"/>
-                </a:cxn>
-                <a:cxn ang="0">
-                  <a:pos x="connsiteX37" y="connsiteY37"/>
-                </a:cxn>
-                <a:cxn ang="0">
-                  <a:pos x="connsiteX38" y="connsiteY38"/>
-                </a:cxn>
-                <a:cxn ang="0">
-                  <a:pos x="connsiteX39" y="connsiteY39"/>
-                </a:cxn>
-              </a:cxnLst>
-              <a:rect l="l" t="t" r="r" b="b"/>
-              <a:pathLst>
-                <a:path w="3832270" h="2876136">
-                  <a:moveTo>
-                    <a:pt x="3800718" y="0"/>
-                  </a:moveTo>
-                  <a:lnTo>
-                    <a:pt x="3832270" y="0"/>
-                  </a:lnTo>
-                  <a:lnTo>
-                    <a:pt x="3824562" y="143769"/>
-                  </a:lnTo>
-                  <a:cubicBezTo>
-                    <a:pt x="3797131" y="409191"/>
-                    <a:pt x="3730585" y="671345"/>
-                    <a:pt x="3628155" y="922055"/>
-                  </a:cubicBezTo>
-                  <a:cubicBezTo>
-                    <a:pt x="3593858" y="1005553"/>
-                    <a:pt x="3556704" y="1088280"/>
-                    <a:pt x="3514853" y="1169078"/>
-                  </a:cubicBezTo>
-                  <a:cubicBezTo>
-                    <a:pt x="3473616" y="1250166"/>
-                    <a:pt x="3428194" y="1329517"/>
-                    <a:pt x="3379198" y="1407037"/>
-                  </a:cubicBezTo>
-                  <a:cubicBezTo>
-                    <a:pt x="3281106" y="1561980"/>
-                    <a:pt x="3169132" y="1710174"/>
-                    <a:pt x="3043787" y="1848342"/>
-                  </a:cubicBezTo>
-                  <a:cubicBezTo>
-                    <a:pt x="2980806" y="1917184"/>
-                    <a:pt x="2915071" y="1984001"/>
-                    <a:pt x="2845661" y="2047444"/>
-                  </a:cubicBezTo>
-                  <a:cubicBezTo>
-                    <a:pt x="2828411" y="2063450"/>
-                    <a:pt x="2811060" y="2079263"/>
-                    <a:pt x="2793197" y="2094689"/>
-                  </a:cubicBezTo>
-                  <a:cubicBezTo>
-                    <a:pt x="2775436" y="2110213"/>
-                    <a:pt x="2757982" y="2126025"/>
-                    <a:pt x="2739710" y="2140969"/>
-                  </a:cubicBezTo>
-                  <a:cubicBezTo>
-                    <a:pt x="2703576" y="2171341"/>
-                    <a:pt x="2666524" y="2200749"/>
-                    <a:pt x="2629166" y="2229867"/>
-                  </a:cubicBezTo>
-                  <a:cubicBezTo>
-                    <a:pt x="2479015" y="2345569"/>
-                    <a:pt x="2316821" y="2448061"/>
-                    <a:pt x="2145952" y="2535994"/>
-                  </a:cubicBezTo>
-                  <a:cubicBezTo>
-                    <a:pt x="1804312" y="2711957"/>
-                    <a:pt x="1424600" y="2826982"/>
-                    <a:pt x="1034987" y="2863910"/>
-                  </a:cubicBezTo>
-                  <a:cubicBezTo>
-                    <a:pt x="937762" y="2873167"/>
-                    <a:pt x="839720" y="2877096"/>
-                    <a:pt x="741909" y="2875939"/>
-                  </a:cubicBezTo>
-                  <a:cubicBezTo>
-                    <a:pt x="644097" y="2874782"/>
-                    <a:pt x="546515" y="2868539"/>
-                    <a:pt x="450208" y="2857451"/>
-                  </a:cubicBezTo>
-                  <a:cubicBezTo>
-                    <a:pt x="305520" y="2840674"/>
-                    <a:pt x="162095" y="2813810"/>
-                    <a:pt x="22215" y="2775923"/>
-                  </a:cubicBezTo>
-                  <a:lnTo>
-                    <a:pt x="0" y="2769256"/>
-                  </a:lnTo>
-                  <a:lnTo>
-                    <a:pt x="0" y="2590612"/>
-                  </a:lnTo>
-                  <a:lnTo>
-                    <a:pt x="199046" y="2627410"/>
-                  </a:lnTo>
-                  <a:cubicBezTo>
-                    <a:pt x="288321" y="2639209"/>
-                    <a:pt x="378197" y="2646537"/>
-                    <a:pt x="468174" y="2649670"/>
-                  </a:cubicBezTo>
-                  <a:cubicBezTo>
-                    <a:pt x="648333" y="2656805"/>
-                    <a:pt x="826655" y="2647163"/>
-                    <a:pt x="1003650" y="2622480"/>
-                  </a:cubicBezTo>
-                  <a:cubicBezTo>
-                    <a:pt x="1091943" y="2609658"/>
-                    <a:pt x="1179725" y="2593747"/>
-                    <a:pt x="1266489" y="2573982"/>
-                  </a:cubicBezTo>
-                  <a:cubicBezTo>
-                    <a:pt x="1353250" y="2553927"/>
-                    <a:pt x="1439298" y="2531076"/>
-                    <a:pt x="1524223" y="2504657"/>
-                  </a:cubicBezTo>
-                  <a:cubicBezTo>
-                    <a:pt x="1609149" y="2478336"/>
-                    <a:pt x="1693052" y="2448833"/>
-                    <a:pt x="1775731" y="2416243"/>
-                  </a:cubicBezTo>
-                  <a:cubicBezTo>
-                    <a:pt x="1858309" y="2383557"/>
-                    <a:pt x="1939764" y="2347882"/>
-                    <a:pt x="2019789" y="2309412"/>
-                  </a:cubicBezTo>
-                  <a:cubicBezTo>
-                    <a:pt x="2179839" y="2232567"/>
-                    <a:pt x="2334583" y="2144923"/>
-                    <a:pt x="2482486" y="2046962"/>
-                  </a:cubicBezTo>
-                  <a:cubicBezTo>
-                    <a:pt x="2519334" y="2022376"/>
-                    <a:pt x="2556081" y="1997403"/>
-                    <a:pt x="2591908" y="1971371"/>
-                  </a:cubicBezTo>
-                  <a:cubicBezTo>
-                    <a:pt x="2610077" y="1958644"/>
-                    <a:pt x="2627838" y="1945434"/>
-                    <a:pt x="2645702" y="1932321"/>
-                  </a:cubicBezTo>
-                  <a:cubicBezTo>
-                    <a:pt x="2663666" y="1919305"/>
-                    <a:pt x="2681325" y="1905903"/>
-                    <a:pt x="2698779" y="1892309"/>
-                  </a:cubicBezTo>
-                  <a:cubicBezTo>
-                    <a:pt x="2768903" y="1838025"/>
-                    <a:pt x="2837496" y="1781717"/>
-                    <a:pt x="2903537" y="1722516"/>
-                  </a:cubicBezTo>
-                  <a:cubicBezTo>
-                    <a:pt x="3035926" y="1604501"/>
-                    <a:pt x="3158720" y="1475784"/>
-                    <a:pt x="3269061" y="1337327"/>
-                  </a:cubicBezTo>
-                  <a:cubicBezTo>
-                    <a:pt x="3324182" y="1268099"/>
-                    <a:pt x="3376341" y="1196461"/>
-                    <a:pt x="3424928" y="1122508"/>
-                  </a:cubicBezTo>
-                  <a:cubicBezTo>
-                    <a:pt x="3472697" y="1048170"/>
-                    <a:pt x="3517814" y="972000"/>
-                    <a:pt x="3557622" y="893226"/>
-                  </a:cubicBezTo>
-                  <a:cubicBezTo>
-                    <a:pt x="3567931" y="873654"/>
-                    <a:pt x="3577526" y="853791"/>
-                    <a:pt x="3587019" y="833929"/>
-                  </a:cubicBezTo>
-                  <a:lnTo>
-                    <a:pt x="3601310" y="804040"/>
-                  </a:lnTo>
-                  <a:lnTo>
-                    <a:pt x="3614885" y="773861"/>
-                  </a:lnTo>
-                  <a:cubicBezTo>
-                    <a:pt x="3623766" y="753709"/>
-                    <a:pt x="3632748" y="733559"/>
-                    <a:pt x="3640812" y="713022"/>
-                  </a:cubicBezTo>
-                  <a:cubicBezTo>
-                    <a:pt x="3648876" y="692485"/>
-                    <a:pt x="3657756" y="672236"/>
-                    <a:pt x="3665105" y="651506"/>
-                  </a:cubicBezTo>
-                  <a:cubicBezTo>
-                    <a:pt x="3696544" y="569166"/>
-                    <a:pt x="3723185" y="485089"/>
-                    <a:pt x="3744110" y="399567"/>
-                  </a:cubicBezTo>
-                  <a:cubicBezTo>
-                    <a:pt x="3765341" y="314238"/>
-                    <a:pt x="3781392" y="227654"/>
-                    <a:pt x="3792123" y="140444"/>
-                  </a:cubicBezTo>
-                  <a:close/>
-                </a:path>
-              </a:pathLst>
-            </a:custGeom>
-            <a:gradFill>
-              <a:gsLst>
-                <a:gs pos="2000">
-                  <a:schemeClr val="bg1">
-                    <a:alpha val="10000"/>
-                  </a:schemeClr>
-                </a:gs>
-                <a:gs pos="16000">
-                  <a:schemeClr val="accent6">
-                    <a:alpha val="10000"/>
-                  </a:schemeClr>
-                </a:gs>
-                <a:gs pos="100000">
-                  <a:schemeClr val="bg1">
-                    <a:alpha val="10000"/>
-                  </a:schemeClr>
-                </a:gs>
-                <a:gs pos="85000">
-                  <a:schemeClr val="accent1">
-                    <a:alpha val="10000"/>
-                  </a:schemeClr>
-                </a:gs>
-              </a:gsLst>
-              <a:lin ang="12000000" scaled="0"/>
-            </a:gradFill>
-            <a:ln>
-              <a:noFill/>
-            </a:ln>
-          </p:spPr>
-          <p:style>
-            <a:lnRef idx="2">
-              <a:schemeClr val="accent1">
-                <a:shade val="50000"/>
-              </a:schemeClr>
-            </a:lnRef>
-            <a:fillRef idx="1">
-              <a:schemeClr val="accent1"/>
-            </a:fillRef>
-            <a:effectRef idx="0">
-              <a:schemeClr val="accent1"/>
-            </a:effectRef>
-            <a:fontRef idx="minor">
-              <a:schemeClr val="lt1"/>
-            </a:fontRef>
-          </p:style>
-          <p:txBody>
-            <a:bodyPr rtlCol="0" anchor="ctr"/>
-            <a:lstStyle/>
-            <a:p>
-              <a:pPr algn="ctr"/>
-              <a:endParaRPr lang="en-US"/>
-            </a:p>
-          </p:txBody>
-        </p:sp>
-      </p:grpSp>
-      <p:sp>
-        <p:nvSpPr>
-          <p:cNvPr id="3" name="Inhaltsplatzhalter 2">
-            <a:extLst>
-              <a:ext uri="{FF2B5EF4-FFF2-40B4-BE49-F238E27FC236}">
-                <a16:creationId xmlns:a16="http://schemas.microsoft.com/office/drawing/2014/main" id="{530D8892-B898-F1B0-9A17-FB7618F7915F}"/>
-              </a:ext>
-            </a:extLst>
-          </p:cNvPr>
-          <p:cNvSpPr>
-            <a:spLocks noGrp="1"/>
-          </p:cNvSpPr>
-          <p:nvPr>
-            <p:ph idx="1"/>
-          </p:nvPr>
-        </p:nvSpPr>
-        <p:spPr>
-          <a:xfrm>
-            <a:off x="1179226" y="3329677"/>
-            <a:ext cx="9833548" cy="2457269"/>
-          </a:xfrm>
-        </p:spPr>
-        <p:txBody>
-          <a:bodyPr>
-            <a:normAutofit/>
-          </a:bodyPr>
-          <a:lstStyle/>
-          <a:p>
-            <a:r>
-              <a:rPr lang="de-CH" sz="1800">
-                <a:solidFill>
-                  <a:schemeClr val="tx2"/>
-                </a:solidFill>
-              </a:rPr>
-              <a:t>Bounded Contexts</a:t>
-            </a:r>
-          </a:p>
-          <a:p>
-            <a:pPr lvl="1"/>
-            <a:r>
-              <a:rPr lang="de-CH" sz="1800">
-                <a:solidFill>
-                  <a:schemeClr val="tx2"/>
-                </a:solidFill>
-              </a:rPr>
-              <a:t>Nutrition</a:t>
-            </a:r>
-          </a:p>
-          <a:p>
-            <a:pPr lvl="1"/>
-            <a:r>
-              <a:rPr lang="de-CH" sz="1800">
-                <a:solidFill>
-                  <a:schemeClr val="tx2"/>
-                </a:solidFill>
-              </a:rPr>
-              <a:t>Workouts</a:t>
-            </a:r>
-          </a:p>
-          <a:p>
-            <a:r>
-              <a:rPr lang="de-CH" sz="1800">
-                <a:solidFill>
-                  <a:schemeClr val="tx2"/>
-                </a:solidFill>
-              </a:rPr>
-              <a:t>Aggregates</a:t>
-            </a:r>
-          </a:p>
-          <a:p>
-            <a:r>
-              <a:rPr lang="de-CH" sz="1800">
-                <a:solidFill>
-                  <a:schemeClr val="tx2"/>
-                </a:solidFill>
-              </a:rPr>
-              <a:t>Entities</a:t>
-            </a:r>
-          </a:p>
-          <a:p>
-            <a:r>
-              <a:rPr lang="de-CH" sz="1800">
-                <a:solidFill>
-                  <a:schemeClr val="tx2"/>
-                </a:solidFill>
-              </a:rPr>
-              <a:t>ValueObjects</a:t>
-            </a:r>
-          </a:p>
-        </p:txBody>
-      </p:sp>
-      <p:sp>
-        <p:nvSpPr>
-          <p:cNvPr id="4" name="Datumsplatzhalter 3">
-            <a:extLst>
-              <a:ext uri="{FF2B5EF4-FFF2-40B4-BE49-F238E27FC236}">
-                <a16:creationId xmlns:a16="http://schemas.microsoft.com/office/drawing/2014/main" id="{5B29E40B-9A08-F5CD-925C-4D1760F884E8}"/>
-              </a:ext>
-            </a:extLst>
-          </p:cNvPr>
-          <p:cNvSpPr>
-            <a:spLocks noGrp="1"/>
-          </p:cNvSpPr>
-          <p:nvPr>
-            <p:ph type="dt" sz="half" idx="10"/>
-          </p:nvPr>
-        </p:nvSpPr>
-        <p:spPr>
-          <a:xfrm>
-            <a:off x="804672" y="6356350"/>
-            <a:ext cx="2743200" cy="365125"/>
-          </a:xfrm>
-        </p:spPr>
-        <p:txBody>
-          <a:bodyPr>
-            <a:normAutofit/>
-          </a:bodyPr>
-          <a:lstStyle/>
-          <a:p>
-            <a:pPr>
-              <a:spcAft>
-                <a:spcPts val="600"/>
-              </a:spcAft>
-            </a:pPr>
-            <a:fld id="{0B86A9F4-D0AA-47F4-B767-255A1642DF4F}" type="datetime1">
-              <a:rPr lang="de-DE" smtClean="0"/>
-              <a:pPr>
-                <a:spcAft>
-                  <a:spcPts val="600"/>
-                </a:spcAft>
-              </a:pPr>
-              <a:t>15.02.2025</a:t>
-            </a:fld>
-            <a:endParaRPr lang="de-CH"/>
-          </a:p>
-        </p:txBody>
-      </p:sp>
-      <p:sp>
-        <p:nvSpPr>
-          <p:cNvPr id="5" name="Fußzeilenplatzhalter 4">
-            <a:extLst>
-              <a:ext uri="{FF2B5EF4-FFF2-40B4-BE49-F238E27FC236}">
-                <a16:creationId xmlns:a16="http://schemas.microsoft.com/office/drawing/2014/main" id="{62DC1621-34E9-F7E6-3964-5839C540058C}"/>
-              </a:ext>
-            </a:extLst>
-          </p:cNvPr>
-          <p:cNvSpPr>
-            <a:spLocks noGrp="1"/>
-          </p:cNvSpPr>
-          <p:nvPr>
-            <p:ph type="ftr" sz="quarter" idx="11"/>
-          </p:nvPr>
-        </p:nvSpPr>
-        <p:spPr>
-          <a:xfrm>
-            <a:off x="4038600" y="6356350"/>
-            <a:ext cx="4114800" cy="365125"/>
-          </a:xfrm>
-        </p:spPr>
-        <p:txBody>
-          <a:bodyPr>
-            <a:normAutofit/>
-          </a:bodyPr>
-          <a:lstStyle/>
-          <a:p>
-            <a:pPr>
-              <a:spcAft>
-                <a:spcPts val="600"/>
-              </a:spcAft>
-            </a:pPr>
-            <a:r>
-              <a:rPr lang="de-CH"/>
-              <a:t>NutriFit by Gabriel Weibel</a:t>
-            </a:r>
-          </a:p>
-        </p:txBody>
-      </p:sp>
-      <p:sp>
-        <p:nvSpPr>
-          <p:cNvPr id="6" name="Foliennummernplatzhalter 5">
-            <a:extLst>
-              <a:ext uri="{FF2B5EF4-FFF2-40B4-BE49-F238E27FC236}">
-                <a16:creationId xmlns:a16="http://schemas.microsoft.com/office/drawing/2014/main" id="{92D565D6-CCE4-4C9E-B6E8-EF49CB3F988C}"/>
-              </a:ext>
-            </a:extLst>
-          </p:cNvPr>
-          <p:cNvSpPr>
-            <a:spLocks noGrp="1"/>
-          </p:cNvSpPr>
-          <p:nvPr>
-            <p:ph type="sldNum" sz="quarter" idx="12"/>
-          </p:nvPr>
-        </p:nvSpPr>
-        <p:spPr>
-          <a:xfrm>
-            <a:off x="8610600" y="6356350"/>
-            <a:ext cx="2743200" cy="365125"/>
-          </a:xfrm>
-        </p:spPr>
-        <p:txBody>
-          <a:bodyPr>
-            <a:normAutofit/>
-          </a:bodyPr>
-          <a:lstStyle/>
-          <a:p>
-            <a:pPr>
-              <a:spcAft>
-                <a:spcPts val="600"/>
-              </a:spcAft>
-            </a:pPr>
-            <a:fld id="{4FDAB704-07AC-45C9-B557-91D3EB3DD5CD}" type="slidenum">
-              <a:rPr lang="de-CH" smtClean="0"/>
-              <a:pPr>
-                <a:spcAft>
-                  <a:spcPts val="600"/>
-                </a:spcAft>
-              </a:pPr>
-              <a:t>6</a:t>
-            </a:fld>
-            <a:endParaRPr lang="de-CH"/>
-          </a:p>
-        </p:txBody>
-      </p:sp>
-      <p:grpSp>
-        <p:nvGrpSpPr>
-          <p:cNvPr id="21" name="Group 20">
-            <a:extLst>
-              <a:ext uri="{FF2B5EF4-FFF2-40B4-BE49-F238E27FC236}">
-                <a16:creationId xmlns:a16="http://schemas.microsoft.com/office/drawing/2014/main" id="{9DB3963A-4187-4A72-9DA4-CA6BADE22931}"/>
-              </a:ext>
-              <a:ext uri="{C183D7F6-B498-43B3-948B-1728B52AA6E4}">
-                <adec:decorative xmlns:adec="http://schemas.microsoft.com/office/drawing/2017/decorative" val="1"/>
-              </a:ext>
-            </a:extLst>
-          </p:cNvPr>
-          <p:cNvGrpSpPr>
-            <a:grpSpLocks noGrp="1" noUngrp="1" noRot="1" noChangeAspect="1" noMove="1" noResize="1"/>
-          </p:cNvGrpSpPr>
-          <p:nvPr>
-            <p:extLst>
-              <p:ext uri="{386F3935-93C4-4BCD-93E2-E3B085C9AB24}">
-                <p16:designElem xmlns:p16="http://schemas.microsoft.com/office/powerpoint/2015/main" val="1"/>
-              </p:ext>
-            </p:extLst>
-          </p:nvPr>
-        </p:nvGrpSpPr>
-        <p:grpSpPr>
-          <a:xfrm rot="5400000">
-            <a:off x="9072780" y="3734338"/>
-            <a:ext cx="3878664" cy="2368659"/>
-            <a:chOff x="6867015" y="-1"/>
-            <a:chExt cx="5324985" cy="3251912"/>
-          </a:xfrm>
-          <a:solidFill>
-            <a:schemeClr val="accent5">
-              <a:alpha val="10000"/>
-            </a:schemeClr>
-          </a:solidFill>
-        </p:grpSpPr>
-        <p:sp>
-          <p:nvSpPr>
-            <p:cNvPr id="22" name="Freeform: Shape 21">
-              <a:extLst>
-                <a:ext uri="{FF2B5EF4-FFF2-40B4-BE49-F238E27FC236}">
-                  <a16:creationId xmlns:a16="http://schemas.microsoft.com/office/drawing/2014/main" id="{2428E75E-001A-4568-B035-574F1303EF58}"/>
-                </a:ext>
-                <a:ext uri="{C183D7F6-B498-43B3-948B-1728B52AA6E4}">
-                  <adec:decorative xmlns:adec="http://schemas.microsoft.com/office/drawing/2017/decorative" val="1"/>
-                </a:ext>
-              </a:extLst>
-            </p:cNvPr>
-            <p:cNvSpPr/>
-            <p:nvPr>
-              <p:extLst>
-                <p:ext uri="{386F3935-93C4-4BCD-93E2-E3B085C9AB24}">
-                  <p16:designElem xmlns:p16="http://schemas.microsoft.com/office/powerpoint/2015/main" val="1"/>
-                </p:ext>
-              </p:extLst>
-            </p:nvPr>
-          </p:nvSpPr>
-          <p:spPr>
-            <a:xfrm>
-              <a:off x="6867015" y="-1"/>
-              <a:ext cx="5324985" cy="3251912"/>
-            </a:xfrm>
-            <a:custGeom>
-              <a:avLst/>
-              <a:gdLst>
-                <a:gd name="connsiteX0" fmla="*/ 0 w 5324985"/>
-                <a:gd name="connsiteY0" fmla="*/ 0 h 3251912"/>
-                <a:gd name="connsiteX1" fmla="*/ 36826 w 5324985"/>
-                <a:gd name="connsiteY1" fmla="*/ 0 h 3251912"/>
-                <a:gd name="connsiteX2" fmla="*/ 45003 w 5324985"/>
-                <a:gd name="connsiteY2" fmla="*/ 152909 h 3251912"/>
-                <a:gd name="connsiteX3" fmla="*/ 68956 w 5324985"/>
-                <a:gd name="connsiteY3" fmla="*/ 308600 h 3251912"/>
-                <a:gd name="connsiteX4" fmla="*/ 167774 w 5324985"/>
-                <a:gd name="connsiteY4" fmla="*/ 607968 h 3251912"/>
-                <a:gd name="connsiteX5" fmla="*/ 201857 w 5324985"/>
-                <a:gd name="connsiteY5" fmla="*/ 679539 h 3251912"/>
-                <a:gd name="connsiteX6" fmla="*/ 239741 w 5324985"/>
-                <a:gd name="connsiteY6" fmla="*/ 749488 h 3251912"/>
-                <a:gd name="connsiteX7" fmla="*/ 323724 w 5324985"/>
-                <a:gd name="connsiteY7" fmla="*/ 885101 h 3251912"/>
-                <a:gd name="connsiteX8" fmla="*/ 416412 w 5324985"/>
-                <a:gd name="connsiteY8" fmla="*/ 1016081 h 3251912"/>
-                <a:gd name="connsiteX9" fmla="*/ 515719 w 5324985"/>
-                <a:gd name="connsiteY9" fmla="*/ 1143356 h 3251912"/>
-                <a:gd name="connsiteX10" fmla="*/ 722427 w 5324985"/>
-                <a:gd name="connsiteY10" fmla="*/ 1395127 h 3251912"/>
-                <a:gd name="connsiteX11" fmla="*/ 825780 w 5324985"/>
-                <a:gd name="connsiteY11" fmla="*/ 1522749 h 3251912"/>
-                <a:gd name="connsiteX12" fmla="*/ 926314 w 5324985"/>
-                <a:gd name="connsiteY12" fmla="*/ 1651992 h 3251912"/>
-                <a:gd name="connsiteX13" fmla="*/ 1026848 w 5324985"/>
-                <a:gd name="connsiteY13" fmla="*/ 1776836 h 3251912"/>
-                <a:gd name="connsiteX14" fmla="*/ 1131918 w 5324985"/>
-                <a:gd name="connsiteY14" fmla="*/ 1897393 h 3251912"/>
-                <a:gd name="connsiteX15" fmla="*/ 1354688 w 5324985"/>
-                <a:gd name="connsiteY15" fmla="*/ 2124728 h 3251912"/>
-                <a:gd name="connsiteX16" fmla="*/ 1855027 w 5324985"/>
-                <a:gd name="connsiteY16" fmla="*/ 2504236 h 3251912"/>
-                <a:gd name="connsiteX17" fmla="*/ 2131618 w 5324985"/>
-                <a:gd name="connsiteY17" fmla="*/ 2646913 h 3251912"/>
-                <a:gd name="connsiteX18" fmla="*/ 2423534 w 5324985"/>
-                <a:gd name="connsiteY18" fmla="*/ 2754732 h 3251912"/>
-                <a:gd name="connsiteX19" fmla="*/ 2727588 w 5324985"/>
-                <a:gd name="connsiteY19" fmla="*/ 2829197 h 3251912"/>
-                <a:gd name="connsiteX20" fmla="*/ 3041083 w 5324985"/>
-                <a:gd name="connsiteY20" fmla="*/ 2870890 h 3251912"/>
-                <a:gd name="connsiteX21" fmla="*/ 3360340 w 5324985"/>
-                <a:gd name="connsiteY21" fmla="*/ 2883976 h 3251912"/>
-                <a:gd name="connsiteX22" fmla="*/ 3439663 w 5324985"/>
-                <a:gd name="connsiteY22" fmla="*/ 2883396 h 3251912"/>
-                <a:gd name="connsiteX23" fmla="*/ 3478529 w 5324985"/>
-                <a:gd name="connsiteY23" fmla="*/ 2882471 h 3251912"/>
-                <a:gd name="connsiteX24" fmla="*/ 3517271 w 5324985"/>
-                <a:gd name="connsiteY24" fmla="*/ 2880616 h 3251912"/>
-                <a:gd name="connsiteX25" fmla="*/ 3671260 w 5324985"/>
-                <a:gd name="connsiteY25" fmla="*/ 2867878 h 3251912"/>
-                <a:gd name="connsiteX26" fmla="*/ 4265268 w 5324985"/>
-                <a:gd name="connsiteY26" fmla="*/ 2716283 h 3251912"/>
-                <a:gd name="connsiteX27" fmla="*/ 4546395 w 5324985"/>
-                <a:gd name="connsiteY27" fmla="*/ 2584724 h 3251912"/>
-                <a:gd name="connsiteX28" fmla="*/ 4817837 w 5324985"/>
-                <a:gd name="connsiteY28" fmla="*/ 2424674 h 3251912"/>
-                <a:gd name="connsiteX29" fmla="*/ 5081677 w 5324985"/>
-                <a:gd name="connsiteY29" fmla="*/ 2243548 h 3251912"/>
-                <a:gd name="connsiteX30" fmla="*/ 5211881 w 5324985"/>
-                <a:gd name="connsiteY30" fmla="*/ 2147658 h 3251912"/>
-                <a:gd name="connsiteX31" fmla="*/ 5324985 w 5324985"/>
-                <a:gd name="connsiteY31" fmla="*/ 2062128 h 3251912"/>
-                <a:gd name="connsiteX32" fmla="*/ 5324985 w 5324985"/>
-                <a:gd name="connsiteY32" fmla="*/ 2514993 h 3251912"/>
-                <a:gd name="connsiteX33" fmla="*/ 5314867 w 5324985"/>
-                <a:gd name="connsiteY33" fmla="*/ 2522881 h 3251912"/>
-                <a:gd name="connsiteX34" fmla="*/ 5038276 w 5324985"/>
-                <a:gd name="connsiteY34" fmla="*/ 2722421 h 3251912"/>
-                <a:gd name="connsiteX35" fmla="*/ 4741701 w 5324985"/>
-                <a:gd name="connsiteY35" fmla="*/ 2904937 h 3251912"/>
-                <a:gd name="connsiteX36" fmla="*/ 4420728 w 5324985"/>
-                <a:gd name="connsiteY36" fmla="*/ 3058848 h 3251912"/>
-                <a:gd name="connsiteX37" fmla="*/ 3717481 w 5324985"/>
-                <a:gd name="connsiteY37" fmla="*/ 3237079 h 3251912"/>
-                <a:gd name="connsiteX38" fmla="*/ 3535661 w 5324985"/>
-                <a:gd name="connsiteY38" fmla="*/ 3249934 h 3251912"/>
-                <a:gd name="connsiteX39" fmla="*/ 3490175 w 5324985"/>
-                <a:gd name="connsiteY39" fmla="*/ 3251555 h 3251912"/>
-                <a:gd name="connsiteX40" fmla="*/ 3444813 w 5324985"/>
-                <a:gd name="connsiteY40" fmla="*/ 3251787 h 3251912"/>
-                <a:gd name="connsiteX41" fmla="*/ 3355681 w 5324985"/>
-                <a:gd name="connsiteY41" fmla="*/ 3250745 h 3251912"/>
-                <a:gd name="connsiteX42" fmla="*/ 3179011 w 5324985"/>
-                <a:gd name="connsiteY42" fmla="*/ 3243795 h 3251912"/>
-                <a:gd name="connsiteX43" fmla="*/ 3002217 w 5324985"/>
-                <a:gd name="connsiteY43" fmla="*/ 3227814 h 3251912"/>
-                <a:gd name="connsiteX44" fmla="*/ 2650103 w 5324985"/>
-                <a:gd name="connsiteY44" fmla="*/ 3170836 h 3251912"/>
-                <a:gd name="connsiteX45" fmla="*/ 2305836 w 5324985"/>
-                <a:gd name="connsiteY45" fmla="*/ 3072514 h 3251912"/>
-                <a:gd name="connsiteX46" fmla="*/ 1978611 w 5324985"/>
-                <a:gd name="connsiteY46" fmla="*/ 2929952 h 3251912"/>
-                <a:gd name="connsiteX47" fmla="*/ 1678235 w 5324985"/>
-                <a:gd name="connsiteY47" fmla="*/ 2744424 h 3251912"/>
-                <a:gd name="connsiteX48" fmla="*/ 1175688 w 5324985"/>
-                <a:gd name="connsiteY48" fmla="*/ 2277018 h 3251912"/>
-                <a:gd name="connsiteX49" fmla="*/ 971310 w 5324985"/>
-                <a:gd name="connsiteY49" fmla="*/ 2012044 h 3251912"/>
-                <a:gd name="connsiteX50" fmla="*/ 790717 w 5324985"/>
-                <a:gd name="connsiteY50" fmla="*/ 1735723 h 3251912"/>
-                <a:gd name="connsiteX51" fmla="*/ 706488 w 5324985"/>
-                <a:gd name="connsiteY51" fmla="*/ 1598604 h 3251912"/>
-                <a:gd name="connsiteX52" fmla="*/ 618951 w 5324985"/>
-                <a:gd name="connsiteY52" fmla="*/ 1463802 h 3251912"/>
-                <a:gd name="connsiteX53" fmla="*/ 436273 w 5324985"/>
-                <a:gd name="connsiteY53" fmla="*/ 1195355 h 3251912"/>
-                <a:gd name="connsiteX54" fmla="*/ 346896 w 5324985"/>
-                <a:gd name="connsiteY54" fmla="*/ 1058816 h 3251912"/>
-                <a:gd name="connsiteX55" fmla="*/ 261809 w 5324985"/>
-                <a:gd name="connsiteY55" fmla="*/ 919264 h 3251912"/>
-                <a:gd name="connsiteX56" fmla="*/ 118487 w 5324985"/>
-                <a:gd name="connsiteY56" fmla="*/ 626498 h 3251912"/>
-                <a:gd name="connsiteX57" fmla="*/ 28130 w 5324985"/>
-                <a:gd name="connsiteY57" fmla="*/ 315781 h 3251912"/>
-                <a:gd name="connsiteX58" fmla="*/ 6751 w 5324985"/>
-                <a:gd name="connsiteY58" fmla="*/ 156195 h 3251912"/>
-              </a:gdLst>
-              <a:ahLst/>
-              <a:cxnLst>
-                <a:cxn ang="0">
-                  <a:pos x="connsiteX0" y="connsiteY0"/>
-                </a:cxn>
-                <a:cxn ang="0">
-                  <a:pos x="connsiteX1" y="connsiteY1"/>
-                </a:cxn>
-                <a:cxn ang="0">
-                  <a:pos x="connsiteX2" y="connsiteY2"/>
-                </a:cxn>
-                <a:cxn ang="0">
-                  <a:pos x="connsiteX3" y="connsiteY3"/>
-                </a:cxn>
-                <a:cxn ang="0">
-                  <a:pos x="connsiteX4" y="connsiteY4"/>
-                </a:cxn>
-                <a:cxn ang="0">
-                  <a:pos x="connsiteX5" y="connsiteY5"/>
-                </a:cxn>
-                <a:cxn ang="0">
-                  <a:pos x="connsiteX6" y="connsiteY6"/>
-                </a:cxn>
-                <a:cxn ang="0">
-                  <a:pos x="connsiteX7" y="connsiteY7"/>
-                </a:cxn>
-                <a:cxn ang="0">
-                  <a:pos x="connsiteX8" y="connsiteY8"/>
-                </a:cxn>
-                <a:cxn ang="0">
-                  <a:pos x="connsiteX9" y="connsiteY9"/>
-                </a:cxn>
-                <a:cxn ang="0">
-                  <a:pos x="connsiteX10" y="connsiteY10"/>
-                </a:cxn>
-                <a:cxn ang="0">
-                  <a:pos x="connsiteX11" y="connsiteY11"/>
-                </a:cxn>
-                <a:cxn ang="0">
-                  <a:pos x="connsiteX12" y="connsiteY12"/>
-                </a:cxn>
-                <a:cxn ang="0">
-                  <a:pos x="connsiteX13" y="connsiteY13"/>
-                </a:cxn>
-                <a:cxn ang="0">
-                  <a:pos x="connsiteX14" y="connsiteY14"/>
-                </a:cxn>
-                <a:cxn ang="0">
-                  <a:pos x="connsiteX15" y="connsiteY15"/>
-                </a:cxn>
-                <a:cxn ang="0">
-                  <a:pos x="connsiteX16" y="connsiteY16"/>
-                </a:cxn>
-                <a:cxn ang="0">
-                  <a:pos x="connsiteX17" y="connsiteY17"/>
-                </a:cxn>
-                <a:cxn ang="0">
-                  <a:pos x="connsiteX18" y="connsiteY18"/>
-                </a:cxn>
-                <a:cxn ang="0">
-                  <a:pos x="connsiteX19" y="connsiteY19"/>
-                </a:cxn>
-                <a:cxn ang="0">
-                  <a:pos x="connsiteX20" y="connsiteY20"/>
-                </a:cxn>
-                <a:cxn ang="0">
-                  <a:pos x="connsiteX21" y="connsiteY21"/>
-                </a:cxn>
-                <a:cxn ang="0">
-                  <a:pos x="connsiteX22" y="connsiteY22"/>
-                </a:cxn>
-                <a:cxn ang="0">
-                  <a:pos x="connsiteX23" y="connsiteY23"/>
-                </a:cxn>
-                <a:cxn ang="0">
-                  <a:pos x="connsiteX24" y="connsiteY24"/>
-                </a:cxn>
-                <a:cxn ang="0">
-                  <a:pos x="connsiteX25" y="connsiteY25"/>
-                </a:cxn>
-                <a:cxn ang="0">
-                  <a:pos x="connsiteX26" y="connsiteY26"/>
-                </a:cxn>
-                <a:cxn ang="0">
-                  <a:pos x="connsiteX27" y="connsiteY27"/>
-                </a:cxn>
-                <a:cxn ang="0">
-                  <a:pos x="connsiteX28" y="connsiteY28"/>
-                </a:cxn>
-                <a:cxn ang="0">
-                  <a:pos x="connsiteX29" y="connsiteY29"/>
-                </a:cxn>
-                <a:cxn ang="0">
-                  <a:pos x="connsiteX30" y="connsiteY30"/>
-                </a:cxn>
-                <a:cxn ang="0">
-                  <a:pos x="connsiteX31" y="connsiteY31"/>
-                </a:cxn>
-                <a:cxn ang="0">
-                  <a:pos x="connsiteX32" y="connsiteY32"/>
-                </a:cxn>
-                <a:cxn ang="0">
-                  <a:pos x="connsiteX33" y="connsiteY33"/>
-                </a:cxn>
-                <a:cxn ang="0">
-                  <a:pos x="connsiteX34" y="connsiteY34"/>
-                </a:cxn>
-                <a:cxn ang="0">
-                  <a:pos x="connsiteX35" y="connsiteY35"/>
-                </a:cxn>
-                <a:cxn ang="0">
-                  <a:pos x="connsiteX36" y="connsiteY36"/>
-                </a:cxn>
-                <a:cxn ang="0">
-                  <a:pos x="connsiteX37" y="connsiteY37"/>
-                </a:cxn>
-                <a:cxn ang="0">
-                  <a:pos x="connsiteX38" y="connsiteY38"/>
-                </a:cxn>
-                <a:cxn ang="0">
-                  <a:pos x="connsiteX39" y="connsiteY39"/>
-                </a:cxn>
-                <a:cxn ang="0">
-                  <a:pos x="connsiteX40" y="connsiteY40"/>
-                </a:cxn>
-                <a:cxn ang="0">
-                  <a:pos x="connsiteX41" y="connsiteY41"/>
-                </a:cxn>
-                <a:cxn ang="0">
-                  <a:pos x="connsiteX42" y="connsiteY42"/>
-                </a:cxn>
-                <a:cxn ang="0">
-                  <a:pos x="connsiteX43" y="connsiteY43"/>
-                </a:cxn>
-                <a:cxn ang="0">
-                  <a:pos x="connsiteX44" y="connsiteY44"/>
-                </a:cxn>
-                <a:cxn ang="0">
-                  <a:pos x="connsiteX45" y="connsiteY45"/>
-                </a:cxn>
-                <a:cxn ang="0">
-                  <a:pos x="connsiteX46" y="connsiteY46"/>
-                </a:cxn>
-                <a:cxn ang="0">
-                  <a:pos x="connsiteX47" y="connsiteY47"/>
-                </a:cxn>
-                <a:cxn ang="0">
-                  <a:pos x="connsiteX48" y="connsiteY48"/>
-                </a:cxn>
-                <a:cxn ang="0">
-                  <a:pos x="connsiteX49" y="connsiteY49"/>
-                </a:cxn>
-                <a:cxn ang="0">
-                  <a:pos x="connsiteX50" y="connsiteY50"/>
-                </a:cxn>
-                <a:cxn ang="0">
-                  <a:pos x="connsiteX51" y="connsiteY51"/>
-                </a:cxn>
-                <a:cxn ang="0">
-                  <a:pos x="connsiteX52" y="connsiteY52"/>
-                </a:cxn>
-                <a:cxn ang="0">
-                  <a:pos x="connsiteX53" y="connsiteY53"/>
-                </a:cxn>
-                <a:cxn ang="0">
-                  <a:pos x="connsiteX54" y="connsiteY54"/>
-                </a:cxn>
-                <a:cxn ang="0">
-                  <a:pos x="connsiteX55" y="connsiteY55"/>
-                </a:cxn>
-                <a:cxn ang="0">
-                  <a:pos x="connsiteX56" y="connsiteY56"/>
-                </a:cxn>
-                <a:cxn ang="0">
-                  <a:pos x="connsiteX57" y="connsiteY57"/>
-                </a:cxn>
-                <a:cxn ang="0">
-                  <a:pos x="connsiteX58" y="connsiteY58"/>
-                </a:cxn>
-              </a:cxnLst>
-              <a:rect l="l" t="t" r="r" b="b"/>
-              <a:pathLst>
-                <a:path w="5324985" h="3251912">
-                  <a:moveTo>
-                    <a:pt x="0" y="0"/>
-                  </a:moveTo>
-                  <a:lnTo>
-                    <a:pt x="36826" y="0"/>
-                  </a:lnTo>
-                  <a:lnTo>
-                    <a:pt x="45003" y="152909"/>
-                  </a:lnTo>
-                  <a:cubicBezTo>
-                    <a:pt x="50351" y="205154"/>
-                    <a:pt x="58290" y="257123"/>
-                    <a:pt x="68956" y="308600"/>
-                  </a:cubicBezTo>
-                  <a:cubicBezTo>
-                    <a:pt x="91393" y="411324"/>
-                    <a:pt x="123882" y="511847"/>
-                    <a:pt x="167774" y="607968"/>
-                  </a:cubicBezTo>
-                  <a:cubicBezTo>
-                    <a:pt x="178195" y="632173"/>
-                    <a:pt x="190333" y="655798"/>
-                    <a:pt x="201857" y="679539"/>
-                  </a:cubicBezTo>
-                  <a:cubicBezTo>
-                    <a:pt x="214363" y="702933"/>
-                    <a:pt x="226255" y="726557"/>
-                    <a:pt x="239741" y="749488"/>
-                  </a:cubicBezTo>
-                  <a:cubicBezTo>
-                    <a:pt x="265488" y="795812"/>
-                    <a:pt x="294176" y="840746"/>
-                    <a:pt x="323724" y="885101"/>
-                  </a:cubicBezTo>
-                  <a:cubicBezTo>
-                    <a:pt x="353149" y="929572"/>
-                    <a:pt x="384657" y="972885"/>
-                    <a:pt x="416412" y="1016081"/>
-                  </a:cubicBezTo>
-                  <a:cubicBezTo>
-                    <a:pt x="448655" y="1058931"/>
-                    <a:pt x="482127" y="1101202"/>
-                    <a:pt x="515719" y="1143356"/>
-                  </a:cubicBezTo>
-                  <a:cubicBezTo>
-                    <a:pt x="583027" y="1227782"/>
-                    <a:pt x="653402" y="1310470"/>
-                    <a:pt x="722427" y="1395127"/>
-                  </a:cubicBezTo>
-                  <a:cubicBezTo>
-                    <a:pt x="757123" y="1437282"/>
-                    <a:pt x="791697" y="1479783"/>
-                    <a:pt x="825780" y="1522749"/>
-                  </a:cubicBezTo>
-                  <a:cubicBezTo>
-                    <a:pt x="859742" y="1565367"/>
-                    <a:pt x="893457" y="1610649"/>
-                    <a:pt x="926314" y="1651992"/>
-                  </a:cubicBezTo>
-                  <a:cubicBezTo>
-                    <a:pt x="958927" y="1694379"/>
-                    <a:pt x="993132" y="1735492"/>
-                    <a:pt x="1026848" y="1776836"/>
-                  </a:cubicBezTo>
-                  <a:cubicBezTo>
-                    <a:pt x="1061545" y="1817485"/>
-                    <a:pt x="1095996" y="1858133"/>
-                    <a:pt x="1131918" y="1897393"/>
-                  </a:cubicBezTo>
-                  <a:cubicBezTo>
-                    <a:pt x="1203273" y="1976376"/>
-                    <a:pt x="1277447" y="2052463"/>
-                    <a:pt x="1354688" y="2124728"/>
-                  </a:cubicBezTo>
-                  <a:cubicBezTo>
-                    <a:pt x="1509411" y="2268911"/>
-                    <a:pt x="1676396" y="2397575"/>
-                    <a:pt x="1855027" y="2504236"/>
-                  </a:cubicBezTo>
-                  <a:cubicBezTo>
-                    <a:pt x="1944528" y="2557277"/>
-                    <a:pt x="2036357" y="2605917"/>
-                    <a:pt x="2131618" y="2646913"/>
-                  </a:cubicBezTo>
-                  <a:cubicBezTo>
-                    <a:pt x="2226267" y="2689068"/>
-                    <a:pt x="2323981" y="2724622"/>
-                    <a:pt x="2423534" y="2754732"/>
-                  </a:cubicBezTo>
-                  <a:cubicBezTo>
-                    <a:pt x="2523087" y="2784958"/>
-                    <a:pt x="2624602" y="2809394"/>
-                    <a:pt x="2727588" y="2829197"/>
-                  </a:cubicBezTo>
-                  <a:cubicBezTo>
-                    <a:pt x="2830698" y="2848653"/>
-                    <a:pt x="2935522" y="2861971"/>
-                    <a:pt x="3041083" y="2870890"/>
-                  </a:cubicBezTo>
-                  <a:cubicBezTo>
-                    <a:pt x="3146644" y="2879922"/>
-                    <a:pt x="3253307" y="2883860"/>
-                    <a:pt x="3360340" y="2883976"/>
-                  </a:cubicBezTo>
-                  <a:cubicBezTo>
-                    <a:pt x="3387067" y="2883976"/>
-                    <a:pt x="3414162" y="2884439"/>
-                    <a:pt x="3439663" y="2883396"/>
-                  </a:cubicBezTo>
-                  <a:lnTo>
-                    <a:pt x="3478529" y="2882471"/>
-                  </a:lnTo>
-                  <a:lnTo>
-                    <a:pt x="3517271" y="2880616"/>
-                  </a:lnTo>
-                  <a:cubicBezTo>
-                    <a:pt x="3568887" y="2878417"/>
-                    <a:pt x="3620257" y="2873552"/>
-                    <a:pt x="3671260" y="2867878"/>
-                  </a:cubicBezTo>
-                  <a:cubicBezTo>
-                    <a:pt x="3875515" y="2844253"/>
-                    <a:pt x="4074253" y="2792486"/>
-                    <a:pt x="4265268" y="2716283"/>
-                  </a:cubicBezTo>
-                  <a:cubicBezTo>
-                    <a:pt x="4361020" y="2678529"/>
-                    <a:pt x="4454444" y="2633710"/>
-                    <a:pt x="4546395" y="2584724"/>
-                  </a:cubicBezTo>
-                  <a:cubicBezTo>
-                    <a:pt x="4638470" y="2535967"/>
-                    <a:pt x="4728827" y="2481885"/>
-                    <a:pt x="4817837" y="2424674"/>
-                  </a:cubicBezTo>
-                  <a:cubicBezTo>
-                    <a:pt x="4906846" y="2367348"/>
-                    <a:pt x="4994385" y="2306317"/>
-                    <a:pt x="5081677" y="2243548"/>
-                  </a:cubicBezTo>
-                  <a:cubicBezTo>
-                    <a:pt x="5125201" y="2212164"/>
-                    <a:pt x="5168603" y="2179969"/>
-                    <a:pt x="5211881" y="2147658"/>
-                  </a:cubicBezTo>
-                  <a:lnTo>
-                    <a:pt x="5324985" y="2062128"/>
-                  </a:lnTo>
-                  <a:lnTo>
-                    <a:pt x="5324985" y="2514993"/>
-                  </a:lnTo>
-                  <a:lnTo>
-                    <a:pt x="5314867" y="2522881"/>
-                  </a:lnTo>
-                  <a:cubicBezTo>
-                    <a:pt x="5225490" y="2591325"/>
-                    <a:pt x="5133783" y="2658379"/>
-                    <a:pt x="5038276" y="2722421"/>
-                  </a:cubicBezTo>
-                  <a:cubicBezTo>
-                    <a:pt x="4942892" y="2786348"/>
-                    <a:pt x="4844810" y="2848422"/>
-                    <a:pt x="4741701" y="2904937"/>
-                  </a:cubicBezTo>
-                  <a:cubicBezTo>
-                    <a:pt x="4638592" y="2961337"/>
-                    <a:pt x="4531929" y="3013683"/>
-                    <a:pt x="4420728" y="3058848"/>
-                  </a:cubicBezTo>
-                  <a:cubicBezTo>
-                    <a:pt x="4199063" y="3150338"/>
-                    <a:pt x="3959621" y="3211485"/>
-                    <a:pt x="3717481" y="3237079"/>
-                  </a:cubicBezTo>
-                  <a:cubicBezTo>
-                    <a:pt x="3656914" y="3243101"/>
-                    <a:pt x="3596227" y="3247966"/>
-                    <a:pt x="3535661" y="3249934"/>
-                  </a:cubicBezTo>
-                  <a:lnTo>
-                    <a:pt x="3490175" y="3251555"/>
-                  </a:lnTo>
-                  <a:lnTo>
-                    <a:pt x="3444813" y="3251787"/>
-                  </a:lnTo>
-                  <a:cubicBezTo>
-                    <a:pt x="3414162" y="3252250"/>
-                    <a:pt x="3385105" y="3251324"/>
-                    <a:pt x="3355681" y="3250745"/>
-                  </a:cubicBezTo>
-                  <a:cubicBezTo>
-                    <a:pt x="3296954" y="3250050"/>
-                    <a:pt x="3237860" y="3246692"/>
-                    <a:pt x="3179011" y="3243795"/>
-                  </a:cubicBezTo>
-                  <a:cubicBezTo>
-                    <a:pt x="3120039" y="3239164"/>
-                    <a:pt x="3061067" y="3234878"/>
-                    <a:pt x="3002217" y="3227814"/>
-                  </a:cubicBezTo>
-                  <a:cubicBezTo>
-                    <a:pt x="2884397" y="3214496"/>
-                    <a:pt x="2766699" y="3196314"/>
-                    <a:pt x="2650103" y="3170836"/>
-                  </a:cubicBezTo>
-                  <a:cubicBezTo>
-                    <a:pt x="2533510" y="3145358"/>
-                    <a:pt x="2418263" y="3112583"/>
-                    <a:pt x="2305836" y="3072514"/>
-                  </a:cubicBezTo>
-                  <a:cubicBezTo>
-                    <a:pt x="2193410" y="3032328"/>
-                    <a:pt x="2083926" y="2984383"/>
-                    <a:pt x="1978611" y="2929952"/>
-                  </a:cubicBezTo>
-                  <a:cubicBezTo>
-                    <a:pt x="1873663" y="2874711"/>
-                    <a:pt x="1772884" y="2812985"/>
-                    <a:pt x="1678235" y="2744424"/>
-                  </a:cubicBezTo>
-                  <a:cubicBezTo>
-                    <a:pt x="1488201" y="2608001"/>
-                    <a:pt x="1321708" y="2448068"/>
-                    <a:pt x="1175688" y="2277018"/>
-                  </a:cubicBezTo>
-                  <a:cubicBezTo>
-                    <a:pt x="1102985" y="2191086"/>
-                    <a:pt x="1035309" y="2102377"/>
-                    <a:pt x="971310" y="2012044"/>
-                  </a:cubicBezTo>
-                  <a:cubicBezTo>
-                    <a:pt x="907188" y="1921714"/>
-                    <a:pt x="847358" y="1829413"/>
-                    <a:pt x="790717" y="1735723"/>
-                  </a:cubicBezTo>
-                  <a:cubicBezTo>
-                    <a:pt x="761782" y="1688357"/>
-                    <a:pt x="735300" y="1644002"/>
-                    <a:pt x="706488" y="1598604"/>
-                  </a:cubicBezTo>
-                  <a:cubicBezTo>
-                    <a:pt x="677922" y="1553555"/>
-                    <a:pt x="648866" y="1508505"/>
-                    <a:pt x="618951" y="1463802"/>
-                  </a:cubicBezTo>
-                  <a:lnTo>
-                    <a:pt x="436273" y="1195355"/>
-                  </a:lnTo>
-                  <a:cubicBezTo>
-                    <a:pt x="405990" y="1150189"/>
-                    <a:pt x="376075" y="1104792"/>
-                    <a:pt x="346896" y="1058816"/>
-                  </a:cubicBezTo>
-                  <a:cubicBezTo>
-                    <a:pt x="317716" y="1012838"/>
-                    <a:pt x="288782" y="966747"/>
-                    <a:pt x="261809" y="919264"/>
-                  </a:cubicBezTo>
-                  <a:cubicBezTo>
-                    <a:pt x="207742" y="824764"/>
-                    <a:pt x="158088" y="727485"/>
-                    <a:pt x="118487" y="626498"/>
-                  </a:cubicBezTo>
-                  <a:cubicBezTo>
-                    <a:pt x="78151" y="525859"/>
-                    <a:pt x="48237" y="421515"/>
-                    <a:pt x="28130" y="315781"/>
-                  </a:cubicBezTo>
-                  <a:cubicBezTo>
-                    <a:pt x="18506" y="262914"/>
-                    <a:pt x="11425" y="209642"/>
-                    <a:pt x="6751" y="156195"/>
-                  </a:cubicBezTo>
-                  <a:close/>
-                </a:path>
-              </a:pathLst>
-            </a:custGeom>
-            <a:gradFill>
-              <a:gsLst>
-                <a:gs pos="2000">
-                  <a:schemeClr val="bg1">
-                    <a:alpha val="10000"/>
-                  </a:schemeClr>
-                </a:gs>
-                <a:gs pos="16000">
-                  <a:schemeClr val="accent6">
-                    <a:alpha val="10000"/>
-                  </a:schemeClr>
-                </a:gs>
-                <a:gs pos="100000">
-                  <a:schemeClr val="bg1">
-                    <a:alpha val="10000"/>
-                  </a:schemeClr>
-                </a:gs>
-                <a:gs pos="85000">
-                  <a:schemeClr val="accent1">
-                    <a:alpha val="10000"/>
-                  </a:schemeClr>
-                </a:gs>
-              </a:gsLst>
-              <a:lin ang="12000000" scaled="0"/>
-            </a:gradFill>
-            <a:ln>
-              <a:noFill/>
-            </a:ln>
-          </p:spPr>
-          <p:style>
-            <a:lnRef idx="2">
-              <a:schemeClr val="accent1">
-                <a:shade val="50000"/>
-              </a:schemeClr>
-            </a:lnRef>
-            <a:fillRef idx="1">
-              <a:schemeClr val="accent1"/>
-            </a:fillRef>
-            <a:effectRef idx="0">
-              <a:schemeClr val="accent1"/>
-            </a:effectRef>
-            <a:fontRef idx="minor">
-              <a:schemeClr val="lt1"/>
-            </a:fontRef>
-          </p:style>
-          <p:txBody>
-            <a:bodyPr rtlCol="0" anchor="ctr"/>
-            <a:lstStyle/>
-            <a:p>
-              <a:pPr algn="ctr"/>
-              <a:endParaRPr lang="en-US"/>
-            </a:p>
-          </p:txBody>
-        </p:sp>
-        <p:sp>
-          <p:nvSpPr>
-            <p:cNvPr id="23" name="Freeform: Shape 22">
-              <a:extLst>
-                <a:ext uri="{FF2B5EF4-FFF2-40B4-BE49-F238E27FC236}">
-                  <a16:creationId xmlns:a16="http://schemas.microsoft.com/office/drawing/2014/main" id="{64AC8CFC-1164-4525-82A0-25F75ADCF4CD}"/>
-                </a:ext>
-                <a:ext uri="{C183D7F6-B498-43B3-948B-1728B52AA6E4}">
-                  <adec:decorative xmlns:adec="http://schemas.microsoft.com/office/drawing/2017/decorative" val="1"/>
-                </a:ext>
-              </a:extLst>
-            </p:cNvPr>
-            <p:cNvSpPr/>
-            <p:nvPr>
-              <p:extLst>
-                <p:ext uri="{386F3935-93C4-4BCD-93E2-E3B085C9AB24}">
-                  <p16:designElem xmlns:p16="http://schemas.microsoft.com/office/powerpoint/2015/main" val="1"/>
-                </p:ext>
-              </p:extLst>
-            </p:nvPr>
-          </p:nvSpPr>
-          <p:spPr>
-            <a:xfrm>
-              <a:off x="6916467" y="-1"/>
-              <a:ext cx="5275533" cy="2980757"/>
-            </a:xfrm>
-            <a:custGeom>
-              <a:avLst/>
-              <a:gdLst>
-                <a:gd name="connsiteX0" fmla="*/ 0 w 5275533"/>
-                <a:gd name="connsiteY0" fmla="*/ 0 h 2980757"/>
-                <a:gd name="connsiteX1" fmla="*/ 201166 w 5275533"/>
-                <a:gd name="connsiteY1" fmla="*/ 0 h 2980757"/>
-                <a:gd name="connsiteX2" fmla="*/ 206734 w 5275533"/>
-                <a:gd name="connsiteY2" fmla="*/ 89286 h 2980757"/>
-                <a:gd name="connsiteX3" fmla="*/ 232051 w 5275533"/>
-                <a:gd name="connsiteY3" fmla="*/ 226897 h 2980757"/>
-                <a:gd name="connsiteX4" fmla="*/ 332707 w 5275533"/>
-                <a:gd name="connsiteY4" fmla="*/ 487120 h 2980757"/>
-                <a:gd name="connsiteX5" fmla="*/ 402959 w 5275533"/>
-                <a:gd name="connsiteY5" fmla="*/ 609647 h 2980757"/>
-                <a:gd name="connsiteX6" fmla="*/ 483631 w 5275533"/>
-                <a:gd name="connsiteY6" fmla="*/ 728236 h 2980757"/>
-                <a:gd name="connsiteX7" fmla="*/ 669986 w 5275533"/>
-                <a:gd name="connsiteY7" fmla="*/ 957424 h 2980757"/>
-                <a:gd name="connsiteX8" fmla="*/ 871667 w 5275533"/>
-                <a:gd name="connsiteY8" fmla="*/ 1188348 h 2980757"/>
-                <a:gd name="connsiteX9" fmla="*/ 971956 w 5275533"/>
-                <a:gd name="connsiteY9" fmla="*/ 1308905 h 2980757"/>
-                <a:gd name="connsiteX10" fmla="*/ 1020139 w 5275533"/>
-                <a:gd name="connsiteY10" fmla="*/ 1368084 h 2980757"/>
-                <a:gd name="connsiteX11" fmla="*/ 1067340 w 5275533"/>
-                <a:gd name="connsiteY11" fmla="*/ 1424715 h 2980757"/>
-                <a:gd name="connsiteX12" fmla="*/ 1472909 w 5275533"/>
-                <a:gd name="connsiteY12" fmla="*/ 1843252 h 2980757"/>
-                <a:gd name="connsiteX13" fmla="*/ 1688567 w 5275533"/>
-                <a:gd name="connsiteY13" fmla="*/ 2031559 h 2980757"/>
-                <a:gd name="connsiteX14" fmla="*/ 1914401 w 5275533"/>
-                <a:gd name="connsiteY14" fmla="*/ 2205156 h 2980757"/>
-                <a:gd name="connsiteX15" fmla="*/ 2418909 w 5275533"/>
-                <a:gd name="connsiteY15" fmla="*/ 2479741 h 2980757"/>
-                <a:gd name="connsiteX16" fmla="*/ 2701141 w 5275533"/>
-                <a:gd name="connsiteY16" fmla="*/ 2557333 h 2980757"/>
-                <a:gd name="connsiteX17" fmla="*/ 2773475 w 5275533"/>
-                <a:gd name="connsiteY17" fmla="*/ 2570999 h 2980757"/>
-                <a:gd name="connsiteX18" fmla="*/ 2846424 w 5275533"/>
-                <a:gd name="connsiteY18" fmla="*/ 2582465 h 2980757"/>
-                <a:gd name="connsiteX19" fmla="*/ 2993669 w 5275533"/>
-                <a:gd name="connsiteY19" fmla="*/ 2598909 h 2980757"/>
-                <a:gd name="connsiteX20" fmla="*/ 3067721 w 5275533"/>
-                <a:gd name="connsiteY20" fmla="*/ 2604237 h 2980757"/>
-                <a:gd name="connsiteX21" fmla="*/ 3142019 w 5275533"/>
-                <a:gd name="connsiteY21" fmla="*/ 2607943 h 2980757"/>
-                <a:gd name="connsiteX22" fmla="*/ 3216561 w 5275533"/>
-                <a:gd name="connsiteY22" fmla="*/ 2609564 h 2980757"/>
-                <a:gd name="connsiteX23" fmla="*/ 3291225 w 5275533"/>
-                <a:gd name="connsiteY23" fmla="*/ 2609217 h 2980757"/>
-                <a:gd name="connsiteX24" fmla="*/ 3328619 w 5275533"/>
-                <a:gd name="connsiteY24" fmla="*/ 2608869 h 2980757"/>
-                <a:gd name="connsiteX25" fmla="*/ 3364665 w 5275533"/>
-                <a:gd name="connsiteY25" fmla="*/ 2607363 h 2980757"/>
-                <a:gd name="connsiteX26" fmla="*/ 3400587 w 5275533"/>
-                <a:gd name="connsiteY26" fmla="*/ 2605627 h 2980757"/>
-                <a:gd name="connsiteX27" fmla="*/ 3436387 w 5275533"/>
-                <a:gd name="connsiteY27" fmla="*/ 2602847 h 2980757"/>
-                <a:gd name="connsiteX28" fmla="*/ 3578361 w 5275533"/>
-                <a:gd name="connsiteY28" fmla="*/ 2586286 h 2980757"/>
-                <a:gd name="connsiteX29" fmla="*/ 4119159 w 5275533"/>
-                <a:gd name="connsiteY29" fmla="*/ 2418594 h 2980757"/>
-                <a:gd name="connsiteX30" fmla="*/ 4618765 w 5275533"/>
-                <a:gd name="connsiteY30" fmla="*/ 2124668 h 2980757"/>
-                <a:gd name="connsiteX31" fmla="*/ 4739895 w 5275533"/>
-                <a:gd name="connsiteY31" fmla="*/ 2038275 h 2980757"/>
-                <a:gd name="connsiteX32" fmla="*/ 4861027 w 5275533"/>
-                <a:gd name="connsiteY32" fmla="*/ 1948986 h 2980757"/>
-                <a:gd name="connsiteX33" fmla="*/ 5106354 w 5275533"/>
-                <a:gd name="connsiteY33" fmla="*/ 1763690 h 2980757"/>
-                <a:gd name="connsiteX34" fmla="*/ 5275533 w 5275533"/>
-                <a:gd name="connsiteY34" fmla="*/ 1641017 h 2980757"/>
-                <a:gd name="connsiteX35" fmla="*/ 5275533 w 5275533"/>
-                <a:gd name="connsiteY35" fmla="*/ 2257481 h 2980757"/>
-                <a:gd name="connsiteX36" fmla="*/ 5168881 w 5275533"/>
-                <a:gd name="connsiteY36" fmla="*/ 2332084 h 2980757"/>
-                <a:gd name="connsiteX37" fmla="*/ 5036225 w 5275533"/>
-                <a:gd name="connsiteY37" fmla="*/ 2421489 h 2980757"/>
-                <a:gd name="connsiteX38" fmla="*/ 4899401 w 5275533"/>
-                <a:gd name="connsiteY38" fmla="*/ 2508347 h 2980757"/>
-                <a:gd name="connsiteX39" fmla="*/ 4612145 w 5275533"/>
-                <a:gd name="connsiteY39" fmla="*/ 2671407 h 2980757"/>
-                <a:gd name="connsiteX40" fmla="*/ 4303187 w 5275533"/>
-                <a:gd name="connsiteY40" fmla="*/ 2810030 h 2980757"/>
-                <a:gd name="connsiteX41" fmla="*/ 3630835 w 5275533"/>
-                <a:gd name="connsiteY41" fmla="*/ 2969500 h 2980757"/>
-                <a:gd name="connsiteX42" fmla="*/ 3457719 w 5275533"/>
-                <a:gd name="connsiteY42" fmla="*/ 2979808 h 2980757"/>
-                <a:gd name="connsiteX43" fmla="*/ 3414441 w 5275533"/>
-                <a:gd name="connsiteY43" fmla="*/ 2980733 h 2980757"/>
-                <a:gd name="connsiteX44" fmla="*/ 3371285 w 5275533"/>
-                <a:gd name="connsiteY44" fmla="*/ 2980502 h 2980757"/>
-                <a:gd name="connsiteX45" fmla="*/ 3328252 w 5275533"/>
-                <a:gd name="connsiteY45" fmla="*/ 2980039 h 2980757"/>
-                <a:gd name="connsiteX46" fmla="*/ 3286445 w 5275533"/>
-                <a:gd name="connsiteY46" fmla="*/ 2978534 h 2980757"/>
-                <a:gd name="connsiteX47" fmla="*/ 2952475 w 5275533"/>
-                <a:gd name="connsiteY47" fmla="*/ 2953402 h 2980757"/>
-                <a:gd name="connsiteX48" fmla="*/ 2620591 w 5275533"/>
-                <a:gd name="connsiteY48" fmla="*/ 2898046 h 2980757"/>
-                <a:gd name="connsiteX49" fmla="*/ 2294591 w 5275533"/>
-                <a:gd name="connsiteY49" fmla="*/ 2811305 h 2980757"/>
-                <a:gd name="connsiteX50" fmla="*/ 1670544 w 5275533"/>
-                <a:gd name="connsiteY50" fmla="*/ 2550501 h 2980757"/>
-                <a:gd name="connsiteX51" fmla="*/ 1144703 w 5275533"/>
-                <a:gd name="connsiteY51" fmla="*/ 2144472 h 2980757"/>
-                <a:gd name="connsiteX52" fmla="*/ 931497 w 5275533"/>
-                <a:gd name="connsiteY52" fmla="*/ 1900114 h 2980757"/>
-                <a:gd name="connsiteX53" fmla="*/ 745265 w 5275533"/>
-                <a:gd name="connsiteY53" fmla="*/ 1641395 h 2980757"/>
-                <a:gd name="connsiteX54" fmla="*/ 701741 w 5275533"/>
-                <a:gd name="connsiteY54" fmla="*/ 1575500 h 2980757"/>
-                <a:gd name="connsiteX55" fmla="*/ 660178 w 5275533"/>
-                <a:gd name="connsiteY55" fmla="*/ 1511573 h 2980757"/>
-                <a:gd name="connsiteX56" fmla="*/ 578158 w 5275533"/>
-                <a:gd name="connsiteY56" fmla="*/ 1387656 h 2980757"/>
-                <a:gd name="connsiteX57" fmla="*/ 408230 w 5275533"/>
-                <a:gd name="connsiteY57" fmla="*/ 1134497 h 2980757"/>
-                <a:gd name="connsiteX58" fmla="*/ 242349 w 5275533"/>
-                <a:gd name="connsiteY58" fmla="*/ 866860 h 2980757"/>
-                <a:gd name="connsiteX59" fmla="*/ 167562 w 5275533"/>
-                <a:gd name="connsiteY59" fmla="*/ 724994 h 2980757"/>
-                <a:gd name="connsiteX60" fmla="*/ 104054 w 5275533"/>
-                <a:gd name="connsiteY60" fmla="*/ 576525 h 2980757"/>
-                <a:gd name="connsiteX61" fmla="*/ 55381 w 5275533"/>
-                <a:gd name="connsiteY61" fmla="*/ 422499 h 2980757"/>
-                <a:gd name="connsiteX62" fmla="*/ 37236 w 5275533"/>
-                <a:gd name="connsiteY62" fmla="*/ 343980 h 2980757"/>
-                <a:gd name="connsiteX63" fmla="*/ 29267 w 5275533"/>
-                <a:gd name="connsiteY63" fmla="*/ 304604 h 2980757"/>
-                <a:gd name="connsiteX64" fmla="*/ 22646 w 5275533"/>
-                <a:gd name="connsiteY64" fmla="*/ 265113 h 2980757"/>
-                <a:gd name="connsiteX65" fmla="*/ 3903 w 5275533"/>
-                <a:gd name="connsiteY65" fmla="*/ 106787 h 2980757"/>
-              </a:gdLst>
-              <a:ahLst/>
-              <a:cxnLst>
-                <a:cxn ang="0">
-                  <a:pos x="connsiteX0" y="connsiteY0"/>
-                </a:cxn>
-                <a:cxn ang="0">
-                  <a:pos x="connsiteX1" y="connsiteY1"/>
-                </a:cxn>
-                <a:cxn ang="0">
-                  <a:pos x="connsiteX2" y="connsiteY2"/>
-                </a:cxn>
-                <a:cxn ang="0">
-                  <a:pos x="connsiteX3" y="connsiteY3"/>
-                </a:cxn>
-                <a:cxn ang="0">
-                  <a:pos x="connsiteX4" y="connsiteY4"/>
-                </a:cxn>
-                <a:cxn ang="0">
-                  <a:pos x="connsiteX5" y="connsiteY5"/>
-                </a:cxn>
-                <a:cxn ang="0">
-                  <a:pos x="connsiteX6" y="connsiteY6"/>
-                </a:cxn>
-                <a:cxn ang="0">
-                  <a:pos x="connsiteX7" y="connsiteY7"/>
-                </a:cxn>
-                <a:cxn ang="0">
-                  <a:pos x="connsiteX8" y="connsiteY8"/>
-                </a:cxn>
-                <a:cxn ang="0">
-                  <a:pos x="connsiteX9" y="connsiteY9"/>
-                </a:cxn>
-                <a:cxn ang="0">
-                  <a:pos x="connsiteX10" y="connsiteY10"/>
-                </a:cxn>
-                <a:cxn ang="0">
-                  <a:pos x="connsiteX11" y="connsiteY11"/>
-                </a:cxn>
-                <a:cxn ang="0">
-                  <a:pos x="connsiteX12" y="connsiteY12"/>
-                </a:cxn>
-                <a:cxn ang="0">
-                  <a:pos x="connsiteX13" y="connsiteY13"/>
-                </a:cxn>
-                <a:cxn ang="0">
-                  <a:pos x="connsiteX14" y="connsiteY14"/>
-                </a:cxn>
-                <a:cxn ang="0">
-                  <a:pos x="connsiteX15" y="connsiteY15"/>
-                </a:cxn>
-                <a:cxn ang="0">
-                  <a:pos x="connsiteX16" y="connsiteY16"/>
-                </a:cxn>
-                <a:cxn ang="0">
-                  <a:pos x="connsiteX17" y="connsiteY17"/>
-                </a:cxn>
-                <a:cxn ang="0">
-                  <a:pos x="connsiteX18" y="connsiteY18"/>
-                </a:cxn>
-                <a:cxn ang="0">
-                  <a:pos x="connsiteX19" y="connsiteY19"/>
-                </a:cxn>
-                <a:cxn ang="0">
-                  <a:pos x="connsiteX20" y="connsiteY20"/>
-                </a:cxn>
-                <a:cxn ang="0">
-                  <a:pos x="connsiteX21" y="connsiteY21"/>
-                </a:cxn>
-                <a:cxn ang="0">
-                  <a:pos x="connsiteX22" y="connsiteY22"/>
-                </a:cxn>
-                <a:cxn ang="0">
-                  <a:pos x="connsiteX23" y="connsiteY23"/>
-                </a:cxn>
-                <a:cxn ang="0">
-                  <a:pos x="connsiteX24" y="connsiteY24"/>
-                </a:cxn>
-                <a:cxn ang="0">
-                  <a:pos x="connsiteX25" y="connsiteY25"/>
-                </a:cxn>
-                <a:cxn ang="0">
-                  <a:pos x="connsiteX26" y="connsiteY26"/>
-                </a:cxn>
-                <a:cxn ang="0">
-                  <a:pos x="connsiteX27" y="connsiteY27"/>
-                </a:cxn>
-                <a:cxn ang="0">
-                  <a:pos x="connsiteX28" y="connsiteY28"/>
-                </a:cxn>
-                <a:cxn ang="0">
-                  <a:pos x="connsiteX29" y="connsiteY29"/>
-                </a:cxn>
-                <a:cxn ang="0">
-                  <a:pos x="connsiteX30" y="connsiteY30"/>
-                </a:cxn>
-                <a:cxn ang="0">
-                  <a:pos x="connsiteX31" y="connsiteY31"/>
-                </a:cxn>
-                <a:cxn ang="0">
-                  <a:pos x="connsiteX32" y="connsiteY32"/>
-                </a:cxn>
-                <a:cxn ang="0">
-                  <a:pos x="connsiteX33" y="connsiteY33"/>
-                </a:cxn>
-                <a:cxn ang="0">
-                  <a:pos x="connsiteX34" y="connsiteY34"/>
-                </a:cxn>
-                <a:cxn ang="0">
-                  <a:pos x="connsiteX35" y="connsiteY35"/>
-                </a:cxn>
-                <a:cxn ang="0">
-                  <a:pos x="connsiteX36" y="connsiteY36"/>
-                </a:cxn>
-                <a:cxn ang="0">
-                  <a:pos x="connsiteX37" y="connsiteY37"/>
-                </a:cxn>
-                <a:cxn ang="0">
-                  <a:pos x="connsiteX38" y="connsiteY38"/>
-                </a:cxn>
-                <a:cxn ang="0">
-                  <a:pos x="connsiteX39" y="connsiteY39"/>
-                </a:cxn>
-                <a:cxn ang="0">
-                  <a:pos x="connsiteX40" y="connsiteY40"/>
-                </a:cxn>
-                <a:cxn ang="0">
-                  <a:pos x="connsiteX41" y="connsiteY41"/>
-                </a:cxn>
-                <a:cxn ang="0">
-                  <a:pos x="connsiteX42" y="connsiteY42"/>
-                </a:cxn>
-                <a:cxn ang="0">
-                  <a:pos x="connsiteX43" y="connsiteY43"/>
-                </a:cxn>
-                <a:cxn ang="0">
-                  <a:pos x="connsiteX44" y="connsiteY44"/>
-                </a:cxn>
-                <a:cxn ang="0">
-                  <a:pos x="connsiteX45" y="connsiteY45"/>
-                </a:cxn>
-                <a:cxn ang="0">
-                  <a:pos x="connsiteX46" y="connsiteY46"/>
-                </a:cxn>
-                <a:cxn ang="0">
-                  <a:pos x="connsiteX47" y="connsiteY47"/>
-                </a:cxn>
-                <a:cxn ang="0">
-                  <a:pos x="connsiteX48" y="connsiteY48"/>
-                </a:cxn>
-                <a:cxn ang="0">
-                  <a:pos x="connsiteX49" y="connsiteY49"/>
-                </a:cxn>
-                <a:cxn ang="0">
-                  <a:pos x="connsiteX50" y="connsiteY50"/>
-                </a:cxn>
-                <a:cxn ang="0">
-                  <a:pos x="connsiteX51" y="connsiteY51"/>
-                </a:cxn>
-                <a:cxn ang="0">
-                  <a:pos x="connsiteX52" y="connsiteY52"/>
-                </a:cxn>
-                <a:cxn ang="0">
-                  <a:pos x="connsiteX53" y="connsiteY53"/>
-                </a:cxn>
-                <a:cxn ang="0">
-                  <a:pos x="connsiteX54" y="connsiteY54"/>
-                </a:cxn>
-                <a:cxn ang="0">
-                  <a:pos x="connsiteX55" y="connsiteY55"/>
-                </a:cxn>
-                <a:cxn ang="0">
-                  <a:pos x="connsiteX56" y="connsiteY56"/>
-                </a:cxn>
-                <a:cxn ang="0">
-                  <a:pos x="connsiteX57" y="connsiteY57"/>
-                </a:cxn>
-                <a:cxn ang="0">
-                  <a:pos x="connsiteX58" y="connsiteY58"/>
-                </a:cxn>
-                <a:cxn ang="0">
-                  <a:pos x="connsiteX59" y="connsiteY59"/>
-                </a:cxn>
-                <a:cxn ang="0">
-                  <a:pos x="connsiteX60" y="connsiteY60"/>
-                </a:cxn>
-                <a:cxn ang="0">
-                  <a:pos x="connsiteX61" y="connsiteY61"/>
-                </a:cxn>
-                <a:cxn ang="0">
-                  <a:pos x="connsiteX62" y="connsiteY62"/>
-                </a:cxn>
-                <a:cxn ang="0">
-                  <a:pos x="connsiteX63" y="connsiteY63"/>
-                </a:cxn>
-                <a:cxn ang="0">
-                  <a:pos x="connsiteX64" y="connsiteY64"/>
-                </a:cxn>
-                <a:cxn ang="0">
-                  <a:pos x="connsiteX65" y="connsiteY65"/>
-                </a:cxn>
-              </a:cxnLst>
-              <a:rect l="l" t="t" r="r" b="b"/>
-              <a:pathLst>
-                <a:path w="5275533" h="2980757">
-                  <a:moveTo>
-                    <a:pt x="0" y="0"/>
-                  </a:moveTo>
-                  <a:lnTo>
-                    <a:pt x="201166" y="0"/>
-                  </a:lnTo>
-                  <a:lnTo>
-                    <a:pt x="206734" y="89286"/>
-                  </a:lnTo>
-                  <a:cubicBezTo>
-                    <a:pt x="212220" y="135755"/>
-                    <a:pt x="220465" y="181731"/>
-                    <a:pt x="232051" y="226897"/>
-                  </a:cubicBezTo>
-                  <a:cubicBezTo>
-                    <a:pt x="254855" y="317344"/>
-                    <a:pt x="290287" y="403854"/>
-                    <a:pt x="332707" y="487120"/>
-                  </a:cubicBezTo>
-                  <a:cubicBezTo>
-                    <a:pt x="354163" y="528696"/>
-                    <a:pt x="377948" y="569461"/>
-                    <a:pt x="402959" y="609647"/>
-                  </a:cubicBezTo>
-                  <a:cubicBezTo>
-                    <a:pt x="428337" y="649717"/>
-                    <a:pt x="455433" y="689209"/>
-                    <a:pt x="483631" y="728236"/>
-                  </a:cubicBezTo>
-                  <a:cubicBezTo>
-                    <a:pt x="540764" y="806061"/>
-                    <a:pt x="604271" y="881569"/>
-                    <a:pt x="669986" y="957424"/>
-                  </a:cubicBezTo>
-                  <a:cubicBezTo>
-                    <a:pt x="735701" y="1033395"/>
-                    <a:pt x="804359" y="1109366"/>
-                    <a:pt x="871667" y="1188348"/>
-                  </a:cubicBezTo>
-                  <a:cubicBezTo>
-                    <a:pt x="905383" y="1227723"/>
-                    <a:pt x="938731" y="1268025"/>
-                    <a:pt x="971956" y="1308905"/>
-                  </a:cubicBezTo>
-                  <a:lnTo>
-                    <a:pt x="1020139" y="1368084"/>
-                  </a:lnTo>
-                  <a:cubicBezTo>
-                    <a:pt x="1035954" y="1386962"/>
-                    <a:pt x="1051035" y="1406302"/>
-                    <a:pt x="1067340" y="1424715"/>
-                  </a:cubicBezTo>
-                  <a:cubicBezTo>
-                    <a:pt x="1194602" y="1574573"/>
-                    <a:pt x="1332652" y="1712503"/>
-                    <a:pt x="1472909" y="1843252"/>
-                  </a:cubicBezTo>
-                  <a:cubicBezTo>
-                    <a:pt x="1543406" y="1908337"/>
-                    <a:pt x="1615128" y="1971221"/>
-                    <a:pt x="1688567" y="2031559"/>
-                  </a:cubicBezTo>
-                  <a:cubicBezTo>
-                    <a:pt x="1762006" y="2091895"/>
-                    <a:pt x="1836793" y="2150263"/>
-                    <a:pt x="1914401" y="2205156"/>
-                  </a:cubicBezTo>
-                  <a:cubicBezTo>
-                    <a:pt x="2069003" y="2315176"/>
-                    <a:pt x="2235742" y="2413498"/>
-                    <a:pt x="2418909" y="2479741"/>
-                  </a:cubicBezTo>
-                  <a:cubicBezTo>
-                    <a:pt x="2510249" y="2512863"/>
-                    <a:pt x="2604898" y="2538225"/>
-                    <a:pt x="2701141" y="2557333"/>
-                  </a:cubicBezTo>
-                  <a:cubicBezTo>
-                    <a:pt x="2725293" y="2561850"/>
-                    <a:pt x="2749201" y="2567062"/>
-                    <a:pt x="2773475" y="2570999"/>
-                  </a:cubicBezTo>
-                  <a:lnTo>
-                    <a:pt x="2846424" y="2582465"/>
-                  </a:lnTo>
-                  <a:cubicBezTo>
-                    <a:pt x="2895343" y="2588602"/>
-                    <a:pt x="2944261" y="2595088"/>
-                    <a:pt x="2993669" y="2598909"/>
-                  </a:cubicBezTo>
-                  <a:cubicBezTo>
-                    <a:pt x="3018313" y="2601110"/>
-                    <a:pt x="3042956" y="2603195"/>
-                    <a:pt x="3067721" y="2604237"/>
-                  </a:cubicBezTo>
-                  <a:cubicBezTo>
-                    <a:pt x="3092487" y="2605394"/>
-                    <a:pt x="3117130" y="2607247"/>
-                    <a:pt x="3142019" y="2607943"/>
-                  </a:cubicBezTo>
-                  <a:lnTo>
-                    <a:pt x="3216561" y="2609564"/>
-                  </a:lnTo>
-                  <a:cubicBezTo>
-                    <a:pt x="3241326" y="2610142"/>
-                    <a:pt x="3266337" y="2609333"/>
-                    <a:pt x="3291225" y="2609217"/>
-                  </a:cubicBezTo>
-                  <a:lnTo>
-                    <a:pt x="3328619" y="2608869"/>
-                  </a:lnTo>
-                  <a:cubicBezTo>
-                    <a:pt x="3340757" y="2608522"/>
-                    <a:pt x="3352649" y="2607827"/>
-                    <a:pt x="3364665" y="2607363"/>
-                  </a:cubicBezTo>
-                  <a:cubicBezTo>
-                    <a:pt x="3376679" y="2606784"/>
-                    <a:pt x="3388695" y="2606438"/>
-                    <a:pt x="3400587" y="2605627"/>
-                  </a:cubicBezTo>
-                  <a:lnTo>
-                    <a:pt x="3436387" y="2602847"/>
-                  </a:lnTo>
-                  <a:cubicBezTo>
-                    <a:pt x="3484079" y="2599257"/>
-                    <a:pt x="3531404" y="2593235"/>
-                    <a:pt x="3578361" y="2586286"/>
-                  </a:cubicBezTo>
-                  <a:cubicBezTo>
-                    <a:pt x="3766310" y="2556871"/>
-                    <a:pt x="3947025" y="2499314"/>
-                    <a:pt x="4119159" y="2418594"/>
-                  </a:cubicBezTo>
-                  <a:cubicBezTo>
-                    <a:pt x="4291907" y="2338801"/>
-                    <a:pt x="4456317" y="2236657"/>
-                    <a:pt x="4618765" y="2124668"/>
-                  </a:cubicBezTo>
-                  <a:cubicBezTo>
-                    <a:pt x="4659346" y="2096759"/>
-                    <a:pt x="4699682" y="2067575"/>
-                    <a:pt x="4739895" y="2038275"/>
-                  </a:cubicBezTo>
-                  <a:cubicBezTo>
-                    <a:pt x="4780355" y="2008976"/>
-                    <a:pt x="4820691" y="1979212"/>
-                    <a:pt x="4861027" y="1948986"/>
-                  </a:cubicBezTo>
-                  <a:lnTo>
-                    <a:pt x="5106354" y="1763690"/>
-                  </a:lnTo>
-                  <a:lnTo>
-                    <a:pt x="5275533" y="1641017"/>
-                  </a:lnTo>
-                  <a:lnTo>
-                    <a:pt x="5275533" y="2257481"/>
-                  </a:lnTo>
-                  <a:lnTo>
-                    <a:pt x="5168881" y="2332084"/>
-                  </a:lnTo>
-                  <a:cubicBezTo>
-                    <a:pt x="5125235" y="2362079"/>
-                    <a:pt x="5081099" y="2391958"/>
-                    <a:pt x="5036225" y="2421489"/>
-                  </a:cubicBezTo>
-                  <a:cubicBezTo>
-                    <a:pt x="4991231" y="2450790"/>
-                    <a:pt x="4945867" y="2479857"/>
-                    <a:pt x="4899401" y="2508347"/>
-                  </a:cubicBezTo>
-                  <a:cubicBezTo>
-                    <a:pt x="4806959" y="2565440"/>
-                    <a:pt x="4711574" y="2620798"/>
-                    <a:pt x="4612145" y="2671407"/>
-                  </a:cubicBezTo>
-                  <a:cubicBezTo>
-                    <a:pt x="4512836" y="2722247"/>
-                    <a:pt x="4410095" y="2769496"/>
-                    <a:pt x="4303187" y="2810030"/>
-                  </a:cubicBezTo>
-                  <a:cubicBezTo>
-                    <a:pt x="4090349" y="2892256"/>
-                    <a:pt x="3861694" y="2947728"/>
-                    <a:pt x="3630835" y="2969500"/>
-                  </a:cubicBezTo>
-                  <a:cubicBezTo>
-                    <a:pt x="3573089" y="2974712"/>
-                    <a:pt x="3515343" y="2978649"/>
-                    <a:pt x="3457719" y="2979808"/>
-                  </a:cubicBezTo>
-                  <a:lnTo>
-                    <a:pt x="3414441" y="2980733"/>
-                  </a:lnTo>
-                  <a:cubicBezTo>
-                    <a:pt x="3400097" y="2980850"/>
-                    <a:pt x="3385630" y="2980502"/>
-                    <a:pt x="3371285" y="2980502"/>
-                  </a:cubicBezTo>
-                  <a:lnTo>
-                    <a:pt x="3328252" y="2980039"/>
-                  </a:lnTo>
-                  <a:lnTo>
-                    <a:pt x="3286445" y="2978534"/>
-                  </a:lnTo>
-                  <a:cubicBezTo>
-                    <a:pt x="3175121" y="2975174"/>
-                    <a:pt x="3063553" y="2966837"/>
-                    <a:pt x="2952475" y="2953402"/>
-                  </a:cubicBezTo>
-                  <a:cubicBezTo>
-                    <a:pt x="2841275" y="2940664"/>
-                    <a:pt x="2730319" y="2922365"/>
-                    <a:pt x="2620591" y="2898046"/>
-                  </a:cubicBezTo>
-                  <a:cubicBezTo>
-                    <a:pt x="2510984" y="2873494"/>
-                    <a:pt x="2402235" y="2844426"/>
-                    <a:pt x="2294591" y="2811305"/>
-                  </a:cubicBezTo>
-                  <a:cubicBezTo>
-                    <a:pt x="2079669" y="2744483"/>
-                    <a:pt x="1867198" y="2661331"/>
-                    <a:pt x="1670544" y="2550501"/>
-                  </a:cubicBezTo>
-                  <a:cubicBezTo>
-                    <a:pt x="1473767" y="2439903"/>
-                    <a:pt x="1298079" y="2299657"/>
-                    <a:pt x="1144703" y="2144472"/>
-                  </a:cubicBezTo>
-                  <a:cubicBezTo>
-                    <a:pt x="1067586" y="2066996"/>
-                    <a:pt x="997458" y="1984539"/>
-                    <a:pt x="931497" y="1900114"/>
-                  </a:cubicBezTo>
-                  <a:cubicBezTo>
-                    <a:pt x="865906" y="1815342"/>
-                    <a:pt x="803500" y="1729295"/>
-                    <a:pt x="745265" y="1641395"/>
-                  </a:cubicBezTo>
-                  <a:cubicBezTo>
-                    <a:pt x="730307" y="1619623"/>
-                    <a:pt x="716207" y="1597503"/>
-                    <a:pt x="701741" y="1575500"/>
-                  </a:cubicBezTo>
-                  <a:lnTo>
-                    <a:pt x="660178" y="1511573"/>
-                  </a:lnTo>
-                  <a:cubicBezTo>
-                    <a:pt x="633574" y="1470229"/>
-                    <a:pt x="605989" y="1429232"/>
-                    <a:pt x="578158" y="1387656"/>
-                  </a:cubicBezTo>
-                  <a:lnTo>
-                    <a:pt x="408230" y="1134497"/>
-                  </a:lnTo>
-                  <a:cubicBezTo>
-                    <a:pt x="351220" y="1048219"/>
-                    <a:pt x="294945" y="959392"/>
-                    <a:pt x="242349" y="866860"/>
-                  </a:cubicBezTo>
-                  <a:cubicBezTo>
-                    <a:pt x="216112" y="820536"/>
-                    <a:pt x="190734" y="773402"/>
-                    <a:pt x="167562" y="724994"/>
-                  </a:cubicBezTo>
-                  <a:cubicBezTo>
-                    <a:pt x="144513" y="676469"/>
-                    <a:pt x="123057" y="627019"/>
-                    <a:pt x="104054" y="576525"/>
-                  </a:cubicBezTo>
-                  <a:cubicBezTo>
-                    <a:pt x="85418" y="525917"/>
-                    <a:pt x="68867" y="474613"/>
-                    <a:pt x="55381" y="422499"/>
-                  </a:cubicBezTo>
-                  <a:cubicBezTo>
-                    <a:pt x="49006" y="396442"/>
-                    <a:pt x="42508" y="370269"/>
-                    <a:pt x="37236" y="343980"/>
-                  </a:cubicBezTo>
-                  <a:lnTo>
-                    <a:pt x="29267" y="304604"/>
-                  </a:lnTo>
-                  <a:lnTo>
-                    <a:pt x="22646" y="265113"/>
-                  </a:lnTo>
-                  <a:cubicBezTo>
-                    <a:pt x="14003" y="212420"/>
-                    <a:pt x="7872" y="159582"/>
-                    <a:pt x="3903" y="106787"/>
-                  </a:cubicBezTo>
-                  <a:close/>
-                </a:path>
-              </a:pathLst>
-            </a:custGeom>
-            <a:gradFill>
-              <a:gsLst>
-                <a:gs pos="2000">
-                  <a:schemeClr val="bg1">
-                    <a:alpha val="10000"/>
-                  </a:schemeClr>
-                </a:gs>
-                <a:gs pos="16000">
-                  <a:schemeClr val="accent6">
-                    <a:alpha val="10000"/>
-                  </a:schemeClr>
-                </a:gs>
-                <a:gs pos="100000">
-                  <a:schemeClr val="bg1">
-                    <a:alpha val="10000"/>
-                  </a:schemeClr>
-                </a:gs>
-                <a:gs pos="85000">
-                  <a:schemeClr val="accent1">
-                    <a:alpha val="10000"/>
-                  </a:schemeClr>
-                </a:gs>
-              </a:gsLst>
-              <a:lin ang="12000000" scaled="0"/>
-            </a:gradFill>
-            <a:ln>
-              <a:noFill/>
-            </a:ln>
-          </p:spPr>
-          <p:style>
-            <a:lnRef idx="2">
-              <a:schemeClr val="accent1">
-                <a:shade val="50000"/>
-              </a:schemeClr>
-            </a:lnRef>
-            <a:fillRef idx="1">
-              <a:schemeClr val="accent1"/>
-            </a:fillRef>
-            <a:effectRef idx="0">
-              <a:schemeClr val="accent1"/>
-            </a:effectRef>
-            <a:fontRef idx="minor">
-              <a:schemeClr val="lt1"/>
-            </a:fontRef>
-          </p:style>
-          <p:txBody>
-            <a:bodyPr rtlCol="0" anchor="ctr"/>
-            <a:lstStyle/>
-            <a:p>
-              <a:pPr algn="ctr"/>
-              <a:endParaRPr lang="en-US"/>
-            </a:p>
-          </p:txBody>
-        </p:sp>
-        <p:sp>
-          <p:nvSpPr>
-            <p:cNvPr id="24" name="Freeform: Shape 23">
-              <a:extLst>
-                <a:ext uri="{FF2B5EF4-FFF2-40B4-BE49-F238E27FC236}">
-                  <a16:creationId xmlns:a16="http://schemas.microsoft.com/office/drawing/2014/main" id="{6F35C856-5B70-4CA2-BB8F-A37197D8F94F}"/>
-                </a:ext>
-                <a:ext uri="{C183D7F6-B498-43B3-948B-1728B52AA6E4}">
-                  <adec:decorative xmlns:adec="http://schemas.microsoft.com/office/drawing/2017/decorative" val="1"/>
-                </a:ext>
-              </a:extLst>
-            </p:cNvPr>
-            <p:cNvSpPr/>
-            <p:nvPr>
-              <p:extLst>
-                <p:ext uri="{386F3935-93C4-4BCD-93E2-E3B085C9AB24}">
-                  <p16:designElem xmlns:p16="http://schemas.microsoft.com/office/powerpoint/2015/main" val="1"/>
-                </p:ext>
-              </p:extLst>
-            </p:nvPr>
-          </p:nvSpPr>
-          <p:spPr>
-            <a:xfrm>
-              <a:off x="6921214" y="-1"/>
-              <a:ext cx="5270786" cy="2927775"/>
-            </a:xfrm>
-            <a:custGeom>
-              <a:avLst/>
-              <a:gdLst>
-                <a:gd name="connsiteX0" fmla="*/ 0 w 5270786"/>
-                <a:gd name="connsiteY0" fmla="*/ 0 h 2927775"/>
-                <a:gd name="connsiteX1" fmla="*/ 613805 w 5270786"/>
-                <a:gd name="connsiteY1" fmla="*/ 0 h 2927775"/>
-                <a:gd name="connsiteX2" fmla="*/ 618487 w 5270786"/>
-                <a:gd name="connsiteY2" fmla="*/ 85404 h 2927775"/>
-                <a:gd name="connsiteX3" fmla="*/ 1054084 w 5270786"/>
-                <a:gd name="connsiteY3" fmla="*/ 895200 h 2927775"/>
-                <a:gd name="connsiteX4" fmla="*/ 1276976 w 5270786"/>
-                <a:gd name="connsiteY4" fmla="*/ 1191325 h 2927775"/>
-                <a:gd name="connsiteX5" fmla="*/ 3368450 w 5270786"/>
-                <a:gd name="connsiteY5" fmla="*/ 2348843 h 2927775"/>
-                <a:gd name="connsiteX6" fmla="*/ 4956151 w 5270786"/>
-                <a:gd name="connsiteY6" fmla="*/ 1636730 h 2927775"/>
-                <a:gd name="connsiteX7" fmla="*/ 5149372 w 5270786"/>
-                <a:gd name="connsiteY7" fmla="*/ 1495325 h 2927775"/>
-                <a:gd name="connsiteX8" fmla="*/ 5270786 w 5270786"/>
-                <a:gd name="connsiteY8" fmla="*/ 1406110 h 2927775"/>
-                <a:gd name="connsiteX9" fmla="*/ 5270786 w 5270786"/>
-                <a:gd name="connsiteY9" fmla="*/ 2138641 h 2927775"/>
-                <a:gd name="connsiteX10" fmla="*/ 5112925 w 5270786"/>
-                <a:gd name="connsiteY10" fmla="*/ 2253730 h 2927775"/>
-                <a:gd name="connsiteX11" fmla="*/ 3368327 w 5270786"/>
-                <a:gd name="connsiteY11" fmla="*/ 2927775 h 2927775"/>
-                <a:gd name="connsiteX12" fmla="*/ 769646 w 5270786"/>
-                <a:gd name="connsiteY12" fmla="*/ 1516288 h 2927775"/>
-                <a:gd name="connsiteX13" fmla="*/ 3149 w 5270786"/>
-                <a:gd name="connsiteY13" fmla="*/ 85252 h 2927775"/>
-              </a:gdLst>
-              <a:ahLst/>
-              <a:cxnLst>
-                <a:cxn ang="0">
-                  <a:pos x="connsiteX0" y="connsiteY0"/>
-                </a:cxn>
-                <a:cxn ang="0">
-                  <a:pos x="connsiteX1" y="connsiteY1"/>
-                </a:cxn>
-                <a:cxn ang="0">
-                  <a:pos x="connsiteX2" y="connsiteY2"/>
-                </a:cxn>
-                <a:cxn ang="0">
-                  <a:pos x="connsiteX3" y="connsiteY3"/>
-                </a:cxn>
-                <a:cxn ang="0">
-                  <a:pos x="connsiteX4" y="connsiteY4"/>
-                </a:cxn>
-                <a:cxn ang="0">
-                  <a:pos x="connsiteX5" y="connsiteY5"/>
-                </a:cxn>
-                <a:cxn ang="0">
-                  <a:pos x="connsiteX6" y="connsiteY6"/>
-                </a:cxn>
-                <a:cxn ang="0">
-                  <a:pos x="connsiteX7" y="connsiteY7"/>
-                </a:cxn>
-                <a:cxn ang="0">
-                  <a:pos x="connsiteX8" y="connsiteY8"/>
-                </a:cxn>
-                <a:cxn ang="0">
-                  <a:pos x="connsiteX9" y="connsiteY9"/>
-                </a:cxn>
-                <a:cxn ang="0">
-                  <a:pos x="connsiteX10" y="connsiteY10"/>
-                </a:cxn>
-                <a:cxn ang="0">
-                  <a:pos x="connsiteX11" y="connsiteY11"/>
-                </a:cxn>
-                <a:cxn ang="0">
-                  <a:pos x="connsiteX12" y="connsiteY12"/>
-                </a:cxn>
-                <a:cxn ang="0">
-                  <a:pos x="connsiteX13" y="connsiteY13"/>
-                </a:cxn>
-              </a:cxnLst>
-              <a:rect l="l" t="t" r="r" b="b"/>
-              <a:pathLst>
-                <a:path w="5270786" h="2927775">
-                  <a:moveTo>
-                    <a:pt x="0" y="0"/>
-                  </a:moveTo>
-                  <a:lnTo>
-                    <a:pt x="613805" y="0"/>
-                  </a:lnTo>
-                  <a:lnTo>
-                    <a:pt x="618487" y="85404"/>
-                  </a:lnTo>
-                  <a:cubicBezTo>
-                    <a:pt x="650052" y="360109"/>
-                    <a:pt x="792650" y="556543"/>
-                    <a:pt x="1054084" y="895200"/>
-                  </a:cubicBezTo>
-                  <a:cubicBezTo>
-                    <a:pt x="1126174" y="988542"/>
-                    <a:pt x="1200716" y="1085128"/>
-                    <a:pt x="1276976" y="1191325"/>
-                  </a:cubicBezTo>
-                  <a:cubicBezTo>
-                    <a:pt x="1859704" y="2002688"/>
-                    <a:pt x="2485223" y="2348843"/>
-                    <a:pt x="3368450" y="2348843"/>
-                  </a:cubicBezTo>
-                  <a:cubicBezTo>
-                    <a:pt x="3948114" y="2348843"/>
-                    <a:pt x="4373422" y="2066846"/>
-                    <a:pt x="4956151" y="1636730"/>
-                  </a:cubicBezTo>
-                  <a:cubicBezTo>
-                    <a:pt x="5021253" y="1588668"/>
-                    <a:pt x="5086356" y="1541186"/>
-                    <a:pt x="5149372" y="1495325"/>
-                  </a:cubicBezTo>
-                  <a:lnTo>
-                    <a:pt x="5270786" y="1406110"/>
-                  </a:lnTo>
-                  <a:lnTo>
-                    <a:pt x="5270786" y="2138641"/>
-                  </a:lnTo>
-                  <a:lnTo>
-                    <a:pt x="5112925" y="2253730"/>
-                  </a:lnTo>
-                  <a:cubicBezTo>
-                    <a:pt x="4598179" y="2621786"/>
-                    <a:pt x="4074961" y="2927775"/>
-                    <a:pt x="3368327" y="2927775"/>
-                  </a:cubicBezTo>
-                  <a:cubicBezTo>
-                    <a:pt x="2170746" y="2927775"/>
-                    <a:pt x="1393203" y="2384512"/>
-                    <a:pt x="769646" y="1516288"/>
-                  </a:cubicBezTo>
-                  <a:cubicBezTo>
-                    <a:pt x="418850" y="1027932"/>
-                    <a:pt x="48120" y="683401"/>
-                    <a:pt x="3149" y="85252"/>
-                  </a:cubicBezTo>
-                  <a:close/>
-                </a:path>
-              </a:pathLst>
-            </a:custGeom>
-            <a:gradFill>
-              <a:gsLst>
-                <a:gs pos="2000">
-                  <a:schemeClr val="bg1">
-                    <a:alpha val="10000"/>
-                  </a:schemeClr>
-                </a:gs>
-                <a:gs pos="16000">
-                  <a:schemeClr val="accent6">
-                    <a:alpha val="10000"/>
-                  </a:schemeClr>
-                </a:gs>
-                <a:gs pos="100000">
-                  <a:schemeClr val="bg1">
-                    <a:alpha val="10000"/>
-                  </a:schemeClr>
-                </a:gs>
-                <a:gs pos="85000">
-                  <a:schemeClr val="accent1">
-                    <a:alpha val="10000"/>
-                  </a:schemeClr>
-                </a:gs>
-              </a:gsLst>
-              <a:lin ang="12000000" scaled="0"/>
-            </a:gradFill>
-            <a:ln>
-              <a:noFill/>
-            </a:ln>
-          </p:spPr>
-          <p:style>
-            <a:lnRef idx="2">
-              <a:schemeClr val="accent1">
-                <a:shade val="50000"/>
-              </a:schemeClr>
-            </a:lnRef>
-            <a:fillRef idx="1">
-              <a:schemeClr val="accent1"/>
-            </a:fillRef>
-            <a:effectRef idx="0">
-              <a:schemeClr val="accent1"/>
-            </a:effectRef>
-            <a:fontRef idx="minor">
-              <a:schemeClr val="lt1"/>
-            </a:fontRef>
-          </p:style>
-          <p:txBody>
-            <a:bodyPr rtlCol="0" anchor="ctr"/>
-            <a:lstStyle/>
-            <a:p>
-              <a:pPr algn="ctr"/>
-              <a:endParaRPr lang="en-US"/>
-            </a:p>
-          </p:txBody>
-        </p:sp>
-        <p:sp>
-          <p:nvSpPr>
-            <p:cNvPr id="25" name="Freeform: Shape 24">
-              <a:extLst>
-                <a:ext uri="{FF2B5EF4-FFF2-40B4-BE49-F238E27FC236}">
-                  <a16:creationId xmlns:a16="http://schemas.microsoft.com/office/drawing/2014/main" id="{550FD8B0-DE97-47B1-84ED-67A3BD00FE2F}"/>
-                </a:ext>
-                <a:ext uri="{C183D7F6-B498-43B3-948B-1728B52AA6E4}">
-                  <adec:decorative xmlns:adec="http://schemas.microsoft.com/office/drawing/2017/decorative" val="1"/>
-                </a:ext>
-              </a:extLst>
-            </p:cNvPr>
-            <p:cNvSpPr/>
-            <p:nvPr>
-              <p:extLst>
-                <p:ext uri="{386F3935-93C4-4BCD-93E2-E3B085C9AB24}">
-                  <p16:designElem xmlns:p16="http://schemas.microsoft.com/office/powerpoint/2015/main" val="1"/>
-                </p:ext>
-              </p:extLst>
-            </p:nvPr>
-          </p:nvSpPr>
-          <p:spPr>
-            <a:xfrm>
-              <a:off x="6921214" y="-1"/>
-              <a:ext cx="5270786" cy="2927775"/>
-            </a:xfrm>
-            <a:custGeom>
-              <a:avLst/>
-              <a:gdLst>
-                <a:gd name="connsiteX0" fmla="*/ 0 w 5270786"/>
-                <a:gd name="connsiteY0" fmla="*/ 0 h 2927775"/>
-                <a:gd name="connsiteX1" fmla="*/ 736294 w 5270786"/>
-                <a:gd name="connsiteY1" fmla="*/ 0 h 2927775"/>
-                <a:gd name="connsiteX2" fmla="*/ 740298 w 5270786"/>
-                <a:gd name="connsiteY2" fmla="*/ 72745 h 2927775"/>
-                <a:gd name="connsiteX3" fmla="*/ 1153024 w 5270786"/>
-                <a:gd name="connsiteY3" fmla="*/ 826989 h 2927775"/>
-                <a:gd name="connsiteX4" fmla="*/ 1378368 w 5270786"/>
-                <a:gd name="connsiteY4" fmla="*/ 1126356 h 2927775"/>
-                <a:gd name="connsiteX5" fmla="*/ 2238056 w 5270786"/>
-                <a:gd name="connsiteY5" fmla="*/ 1955322 h 2927775"/>
-                <a:gd name="connsiteX6" fmla="*/ 3368327 w 5270786"/>
-                <a:gd name="connsiteY6" fmla="*/ 2233033 h 2927775"/>
-                <a:gd name="connsiteX7" fmla="*/ 4095360 w 5270786"/>
-                <a:gd name="connsiteY7" fmla="*/ 2056192 h 2927775"/>
-                <a:gd name="connsiteX8" fmla="*/ 4880506 w 5270786"/>
-                <a:gd name="connsiteY8" fmla="*/ 1545587 h 2927775"/>
-                <a:gd name="connsiteX9" fmla="*/ 5074340 w 5270786"/>
-                <a:gd name="connsiteY9" fmla="*/ 1403721 h 2927775"/>
-                <a:gd name="connsiteX10" fmla="*/ 5270786 w 5270786"/>
-                <a:gd name="connsiteY10" fmla="*/ 1259367 h 2927775"/>
-                <a:gd name="connsiteX11" fmla="*/ 5270786 w 5270786"/>
-                <a:gd name="connsiteY11" fmla="*/ 2138641 h 2927775"/>
-                <a:gd name="connsiteX12" fmla="*/ 5112925 w 5270786"/>
-                <a:gd name="connsiteY12" fmla="*/ 2253730 h 2927775"/>
-                <a:gd name="connsiteX13" fmla="*/ 3368327 w 5270786"/>
-                <a:gd name="connsiteY13" fmla="*/ 2927775 h 2927775"/>
-                <a:gd name="connsiteX14" fmla="*/ 769646 w 5270786"/>
-                <a:gd name="connsiteY14" fmla="*/ 1516288 h 2927775"/>
-                <a:gd name="connsiteX15" fmla="*/ 3149 w 5270786"/>
-                <a:gd name="connsiteY15" fmla="*/ 85252 h 2927775"/>
-              </a:gdLst>
-              <a:ahLst/>
-              <a:cxnLst>
-                <a:cxn ang="0">
-                  <a:pos x="connsiteX0" y="connsiteY0"/>
-                </a:cxn>
-                <a:cxn ang="0">
-                  <a:pos x="connsiteX1" y="connsiteY1"/>
-                </a:cxn>
-                <a:cxn ang="0">
-                  <a:pos x="connsiteX2" y="connsiteY2"/>
-                </a:cxn>
-                <a:cxn ang="0">
-                  <a:pos x="connsiteX3" y="connsiteY3"/>
-                </a:cxn>
-                <a:cxn ang="0">
-                  <a:pos x="connsiteX4" y="connsiteY4"/>
-                </a:cxn>
-                <a:cxn ang="0">
-                  <a:pos x="connsiteX5" y="connsiteY5"/>
-                </a:cxn>
-                <a:cxn ang="0">
-                  <a:pos x="connsiteX6" y="connsiteY6"/>
-                </a:cxn>
-                <a:cxn ang="0">
-                  <a:pos x="connsiteX7" y="connsiteY7"/>
-                </a:cxn>
-                <a:cxn ang="0">
-                  <a:pos x="connsiteX8" y="connsiteY8"/>
-                </a:cxn>
-                <a:cxn ang="0">
-                  <a:pos x="connsiteX9" y="connsiteY9"/>
-                </a:cxn>
-                <a:cxn ang="0">
-                  <a:pos x="connsiteX10" y="connsiteY10"/>
-                </a:cxn>
-                <a:cxn ang="0">
-                  <a:pos x="connsiteX11" y="connsiteY11"/>
-                </a:cxn>
-                <a:cxn ang="0">
-                  <a:pos x="connsiteX12" y="connsiteY12"/>
-                </a:cxn>
-                <a:cxn ang="0">
-                  <a:pos x="connsiteX13" y="connsiteY13"/>
-                </a:cxn>
-                <a:cxn ang="0">
-                  <a:pos x="connsiteX14" y="connsiteY14"/>
-                </a:cxn>
-                <a:cxn ang="0">
-                  <a:pos x="connsiteX15" y="connsiteY15"/>
-                </a:cxn>
-              </a:cxnLst>
-              <a:rect l="l" t="t" r="r" b="b"/>
-              <a:pathLst>
-                <a:path w="5270786" h="2927775">
-                  <a:moveTo>
-                    <a:pt x="0" y="0"/>
-                  </a:moveTo>
-                  <a:lnTo>
-                    <a:pt x="736294" y="0"/>
-                  </a:lnTo>
-                  <a:lnTo>
-                    <a:pt x="740298" y="72745"/>
-                  </a:lnTo>
-                  <a:cubicBezTo>
-                    <a:pt x="768839" y="319371"/>
-                    <a:pt x="898885" y="497858"/>
-                    <a:pt x="1153024" y="826989"/>
-                  </a:cubicBezTo>
-                  <a:cubicBezTo>
-                    <a:pt x="1225727" y="921142"/>
-                    <a:pt x="1300882" y="1018537"/>
-                    <a:pt x="1378368" y="1126356"/>
-                  </a:cubicBezTo>
-                  <a:cubicBezTo>
-                    <a:pt x="1652384" y="1507833"/>
-                    <a:pt x="1933512" y="1779060"/>
-                    <a:pt x="2238056" y="1955322"/>
-                  </a:cubicBezTo>
-                  <a:cubicBezTo>
-                    <a:pt x="2560868" y="2142238"/>
-                    <a:pt x="2930637" y="2233033"/>
-                    <a:pt x="3368327" y="2233033"/>
-                  </a:cubicBezTo>
-                  <a:cubicBezTo>
-                    <a:pt x="3616720" y="2233033"/>
-                    <a:pt x="3847703" y="2176866"/>
-                    <a:pt x="4095360" y="2056192"/>
-                  </a:cubicBezTo>
-                  <a:cubicBezTo>
-                    <a:pt x="4349636" y="1932276"/>
-                    <a:pt x="4601340" y="1751613"/>
-                    <a:pt x="4880506" y="1545587"/>
-                  </a:cubicBezTo>
-                  <a:cubicBezTo>
-                    <a:pt x="4945974" y="1497295"/>
-                    <a:pt x="5011199" y="1449697"/>
-                    <a:pt x="5074340" y="1403721"/>
-                  </a:cubicBezTo>
-                  <a:lnTo>
-                    <a:pt x="5270786" y="1259367"/>
-                  </a:lnTo>
-                  <a:lnTo>
-                    <a:pt x="5270786" y="2138641"/>
-                  </a:lnTo>
-                  <a:lnTo>
-                    <a:pt x="5112925" y="2253730"/>
-                  </a:lnTo>
-                  <a:cubicBezTo>
-                    <a:pt x="4598179" y="2621786"/>
-                    <a:pt x="4074961" y="2927775"/>
-                    <a:pt x="3368327" y="2927775"/>
-                  </a:cubicBezTo>
-                  <a:cubicBezTo>
-                    <a:pt x="2170746" y="2927775"/>
-                    <a:pt x="1393203" y="2384512"/>
-                    <a:pt x="769646" y="1516288"/>
-                  </a:cubicBezTo>
-                  <a:cubicBezTo>
-                    <a:pt x="418850" y="1027932"/>
-                    <a:pt x="48120" y="683401"/>
-                    <a:pt x="3149" y="85252"/>
-                  </a:cubicBezTo>
-                  <a:close/>
-                </a:path>
-              </a:pathLst>
-            </a:custGeom>
-            <a:gradFill>
-              <a:gsLst>
-                <a:gs pos="2000">
-                  <a:schemeClr val="bg1">
-                    <a:alpha val="10000"/>
-                  </a:schemeClr>
-                </a:gs>
-                <a:gs pos="16000">
-                  <a:schemeClr val="accent6">
-                    <a:alpha val="10000"/>
-                  </a:schemeClr>
-                </a:gs>
-                <a:gs pos="100000">
-                  <a:schemeClr val="bg1">
-                    <a:alpha val="10000"/>
-                  </a:schemeClr>
-                </a:gs>
-                <a:gs pos="85000">
-                  <a:schemeClr val="accent1">
-                    <a:alpha val="10000"/>
-                  </a:schemeClr>
-                </a:gs>
-              </a:gsLst>
-              <a:lin ang="12000000" scaled="0"/>
-            </a:gradFill>
-            <a:ln>
-              <a:noFill/>
-            </a:ln>
-          </p:spPr>
-          <p:style>
-            <a:lnRef idx="2">
-              <a:schemeClr val="accent1">
-                <a:shade val="50000"/>
-              </a:schemeClr>
-            </a:lnRef>
-            <a:fillRef idx="1">
-              <a:schemeClr val="accent1"/>
-            </a:fillRef>
-            <a:effectRef idx="0">
-              <a:schemeClr val="accent1"/>
-            </a:effectRef>
-            <a:fontRef idx="minor">
-              <a:schemeClr val="lt1"/>
-            </a:fontRef>
-          </p:style>
-          <p:txBody>
-            <a:bodyPr rtlCol="0" anchor="ctr"/>
-            <a:lstStyle/>
-            <a:p>
-              <a:pPr algn="ctr"/>
-              <a:endParaRPr lang="en-US"/>
-            </a:p>
-          </p:txBody>
-        </p:sp>
-      </p:grpSp>
-    </p:spTree>
-    <p:extLst>
-      <p:ext uri="{BB962C8B-B14F-4D97-AF65-F5344CB8AC3E}">
-        <p14:creationId xmlns:p14="http://schemas.microsoft.com/office/powerpoint/2010/main" val="1801619582"/>
-      </p:ext>
-    </p:extLst>
-  </p:cSld>
-  <p:clrMapOvr>
-    <a:masterClrMapping/>
-  </p:clrMapOvr>
-</p:sld>
-</file>
-
-<file path=ppt/slides/slide7.xml><?xml version="1.0" encoding="utf-8"?>
 <p:sld xmlns:a="http://schemas.openxmlformats.org/drawingml/2006/main" xmlns:r="http://schemas.openxmlformats.org/officeDocument/2006/relationships" xmlns:p="http://schemas.openxmlformats.org/presentationml/2006/main">
   <p:cSld>
     <p:bg>
@@ -34977,22 +30590,55 @@
           <a:lstStyle/>
           <a:p>
             <a:r>
-              <a:rPr lang="de-CH" sz="1800">
+              <a:rPr lang="de-CH" sz="1800" dirty="0" err="1">
                 <a:solidFill>
                   <a:schemeClr val="tx2"/>
                 </a:solidFill>
               </a:rPr>
               <a:t>MediatR</a:t>
             </a:r>
+            <a:endParaRPr lang="de-CH" sz="1800" dirty="0">
+              <a:solidFill>
+                <a:schemeClr val="tx2"/>
+              </a:solidFill>
+            </a:endParaRPr>
           </a:p>
           <a:p>
             <a:r>
-              <a:rPr lang="de-CH" sz="1800">
+              <a:rPr lang="de-CH" sz="1800" dirty="0">
                 <a:solidFill>
                   <a:schemeClr val="tx2"/>
                 </a:solidFill>
               </a:rPr>
-              <a:t>Ecchtes CQRS	</a:t>
+              <a:t>Echtes CQRS</a:t>
+            </a:r>
+          </a:p>
+          <a:p>
+            <a:r>
+              <a:rPr lang="de-CH" sz="1800" dirty="0">
+                <a:solidFill>
+                  <a:schemeClr val="tx2"/>
+                </a:solidFill>
+              </a:rPr>
+              <a:t>Möglichst deklaratives reaktives Frontend</a:t>
+            </a:r>
+          </a:p>
+          <a:p>
+            <a:r>
+              <a:rPr lang="de-CH" sz="1800" dirty="0" err="1">
+                <a:solidFill>
+                  <a:schemeClr val="tx2"/>
+                </a:solidFill>
+              </a:rPr>
+              <a:t>LazyLoading</a:t>
+            </a:r>
+            <a:r>
+              <a:rPr lang="de-CH" sz="1800" dirty="0">
+                <a:solidFill>
+                  <a:schemeClr val="tx2"/>
+                </a:solidFill>
+              </a:rPr>
+              <a:t>	</a:t>
             </a:r>
           </a:p>
         </p:txBody>
@@ -35037,7 +30683,7 @@
                   <a:spcPts val="600"/>
                 </a:spcAft>
               </a:pPr>
-              <a:t>15.02.2025</a:t>
+              <a:t>24.02.2025</a:t>
             </a:fld>
             <a:endParaRPr lang="de-CH"/>
           </a:p>
@@ -35123,7 +30769,7 @@
                   <a:spcPts val="600"/>
                 </a:spcAft>
               </a:pPr>
-              <a:t>7</a:t>
+              <a:t>6</a:t>
             </a:fld>
             <a:endParaRPr lang="de-CH"/>
           </a:p>
@@ -37021,7 +32667,7 @@
 </p:sld>
 </file>
 
-<file path=ppt/slides/slide8.xml><?xml version="1.0" encoding="utf-8"?>
+<file path=ppt/slides/slide7.xml><?xml version="1.0" encoding="utf-8"?>
 <p:sld xmlns:a="http://schemas.openxmlformats.org/drawingml/2006/main" xmlns:r="http://schemas.openxmlformats.org/officeDocument/2006/relationships" xmlns:p="http://schemas.openxmlformats.org/presentationml/2006/main">
   <p:cSld>
     <p:bg>
@@ -37235,7 +32881,7 @@
                   <a:spcPts val="600"/>
                 </a:spcAft>
               </a:pPr>
-              <a:t>15.02.2025</a:t>
+              <a:t>24.02.2025</a:t>
             </a:fld>
             <a:endParaRPr lang="de-CH"/>
           </a:p>
@@ -37321,7 +32967,7 @@
                   <a:spcPts val="600"/>
                 </a:spcAft>
               </a:pPr>
-              <a:t>8</a:t>
+              <a:t>7</a:t>
             </a:fld>
             <a:endParaRPr lang="de-CH"/>
           </a:p>
@@ -37371,7 +33017,7 @@
 </p:sld>
 </file>
 
-<file path=ppt/slides/slide9.xml><?xml version="1.0" encoding="utf-8"?>
+<file path=ppt/slides/slide8.xml><?xml version="1.0" encoding="utf-8"?>
 <p:sld xmlns:a="http://schemas.openxmlformats.org/drawingml/2006/main" xmlns:r="http://schemas.openxmlformats.org/officeDocument/2006/relationships" xmlns:p="http://schemas.openxmlformats.org/presentationml/2006/main">
   <p:cSld>
     <p:bg>
@@ -40473,7 +36119,7 @@
             </a:pPr>
             <a:fld id="{0F1637BA-B244-4DA4-84C2-E22D7619D84C}" type="datetime1">
               <a:rPr lang="de-DE" smtClean="0"/>
-              <a:t>15.02.2025</a:t>
+              <a:t>24.02.2025</a:t>
             </a:fld>
             <a:endParaRPr lang="de-CH"/>
           </a:p>
@@ -40559,7 +36205,7 @@
                   <a:spcPts val="600"/>
                 </a:spcAft>
               </a:pPr>
-              <a:t>9</a:t>
+              <a:t>8</a:t>
             </a:fld>
             <a:endParaRPr lang="de-CH"/>
           </a:p>
